--- a/Introduction/课堂展示/计划阶段/项目需求/项目需求说明书.pptx
+++ b/Introduction/课堂展示/计划阶段/项目需求/项目需求说明书.pptx
@@ -5,28 +5,28 @@
     <p:sldMasterId id="2147483648" r:id="rId1"/>
   </p:sldMasterIdLst>
   <p:notesMasterIdLst>
-    <p:notesMasterId r:id="rId22"/>
+    <p:notesMasterId r:id="rId21"/>
   </p:notesMasterIdLst>
   <p:sldIdLst>
-    <p:sldId id="256" r:id="rId3"/>
-    <p:sldId id="261" r:id="rId4"/>
-    <p:sldId id="258" r:id="rId5"/>
-    <p:sldId id="293" r:id="rId6"/>
-    <p:sldId id="292" r:id="rId7"/>
-    <p:sldId id="291" r:id="rId8"/>
-    <p:sldId id="290" r:id="rId9"/>
-    <p:sldId id="259" r:id="rId10"/>
-    <p:sldId id="262" r:id="rId11"/>
-    <p:sldId id="284" r:id="rId12"/>
-    <p:sldId id="278" r:id="rId13"/>
-    <p:sldId id="283" r:id="rId14"/>
-    <p:sldId id="281" r:id="rId15"/>
-    <p:sldId id="285" r:id="rId16"/>
-    <p:sldId id="286" r:id="rId17"/>
-    <p:sldId id="287" r:id="rId18"/>
-    <p:sldId id="288" r:id="rId19"/>
-    <p:sldId id="289" r:id="rId20"/>
-    <p:sldId id="263" r:id="rId21"/>
+    <p:sldId id="256" r:id="rId2"/>
+    <p:sldId id="261" r:id="rId3"/>
+    <p:sldId id="258" r:id="rId4"/>
+    <p:sldId id="293" r:id="rId5"/>
+    <p:sldId id="292" r:id="rId6"/>
+    <p:sldId id="291" r:id="rId7"/>
+    <p:sldId id="290" r:id="rId8"/>
+    <p:sldId id="259" r:id="rId9"/>
+    <p:sldId id="262" r:id="rId10"/>
+    <p:sldId id="284" r:id="rId11"/>
+    <p:sldId id="278" r:id="rId12"/>
+    <p:sldId id="283" r:id="rId13"/>
+    <p:sldId id="281" r:id="rId14"/>
+    <p:sldId id="285" r:id="rId15"/>
+    <p:sldId id="286" r:id="rId16"/>
+    <p:sldId id="287" r:id="rId17"/>
+    <p:sldId id="288" r:id="rId18"/>
+    <p:sldId id="289" r:id="rId19"/>
+    <p:sldId id="263" r:id="rId20"/>
   </p:sldIdLst>
   <p:sldSz cx="12192000" cy="6858000"/>
   <p:notesSz cx="6858000" cy="9144000"/>
@@ -125,11 +125,20 @@
       </a:defRPr>
     </a:lvl9pPr>
   </p:defaultTextStyle>
+  <p:extLst>
+    <p:ext uri="{EFAFB233-063F-42B5-8137-9DF3F51BA10A}">
+      <p15:sldGuideLst xmlns:p15="http://schemas.microsoft.com/office/powerpoint/2012/main"/>
+    </p:ext>
+  </p:extLst>
 </p:presentation>
 </file>
 
+<file path=ppt/revisionInfo.xml><?xml version="1.0" encoding="utf-8"?>
+<p1510:revInfo xmlns:a="http://schemas.openxmlformats.org/drawingml/2006/main" xmlns:r="http://schemas.openxmlformats.org/officeDocument/2006/relationships" xmlns:p1510="http://schemas.microsoft.com/office/powerpoint/2015/10/main"/>
+</file>
+
 <file path=ppt/diagrams/colors1.xml><?xml version="1.0" encoding="utf-8"?>
-<dgm:colorsDef xmlns:dgm="http://schemas.openxmlformats.org/drawingml/2006/diagram" xmlns:a="http://schemas.openxmlformats.org/drawingml/2006/main" uniqueId="urn:microsoft.com/office/officeart/2005/8/colors/accent1_2">
+<dgm:colorsDef xmlns:dgm="http://schemas.openxmlformats.org/drawingml/2006/diagram" xmlns:a="http://schemas.openxmlformats.org/drawingml/2006/main" uniqueId="urn:microsoft.com/office/officeart/2005/8/colors/accent1_2#1">
   <dgm:title val=""/>
   <dgm:desc val=""/>
   <dgm:catLst>
@@ -876,7 +885,7 @@
 </file>
 
 <file path=ppt/diagrams/colors2.xml><?xml version="1.0" encoding="utf-8"?>
-<dgm:colorsDef xmlns:dgm="http://schemas.openxmlformats.org/drawingml/2006/diagram" xmlns:a="http://schemas.openxmlformats.org/drawingml/2006/main" uniqueId="urn:microsoft.com/office/officeart/2005/8/colors/accent0_1">
+<dgm:colorsDef xmlns:dgm="http://schemas.openxmlformats.org/drawingml/2006/diagram" xmlns:a="http://schemas.openxmlformats.org/drawingml/2006/main" uniqueId="urn:microsoft.com/office/officeart/2005/8/colors/accent0_1#1">
   <dgm:title val=""/>
   <dgm:desc val=""/>
   <dgm:catLst>
@@ -1683,7 +1692,7 @@
 </file>
 
 <file path=ppt/diagrams/colors3.xml><?xml version="1.0" encoding="utf-8"?>
-<dgm:colorsDef xmlns:dgm="http://schemas.openxmlformats.org/drawingml/2006/diagram" xmlns:a="http://schemas.openxmlformats.org/drawingml/2006/main" uniqueId="urn:microsoft.com/office/officeart/2005/8/colors/accent0_1">
+<dgm:colorsDef xmlns:dgm="http://schemas.openxmlformats.org/drawingml/2006/diagram" xmlns:a="http://schemas.openxmlformats.org/drawingml/2006/main" uniqueId="urn:microsoft.com/office/officeart/2005/8/colors/accent0_1#2">
   <dgm:title val=""/>
   <dgm:desc val=""/>
   <dgm:catLst>
@@ -2490,7 +2499,7 @@
 </file>
 
 <file path=ppt/diagrams/colors4.xml><?xml version="1.0" encoding="utf-8"?>
-<dgm:colorsDef xmlns:dgm="http://schemas.openxmlformats.org/drawingml/2006/diagram" xmlns:a="http://schemas.openxmlformats.org/drawingml/2006/main" uniqueId="urn:microsoft.com/office/officeart/2005/8/colors/accent0_1">
+<dgm:colorsDef xmlns:dgm="http://schemas.openxmlformats.org/drawingml/2006/diagram" xmlns:a="http://schemas.openxmlformats.org/drawingml/2006/main" uniqueId="urn:microsoft.com/office/officeart/2005/8/colors/accent0_1#3">
   <dgm:title val=""/>
   <dgm:desc val=""/>
   <dgm:catLst>
@@ -3297,7 +3306,7 @@
 </file>
 
 <file path=ppt/diagrams/colors5.xml><?xml version="1.0" encoding="utf-8"?>
-<dgm:colorsDef xmlns:dgm="http://schemas.openxmlformats.org/drawingml/2006/diagram" xmlns:a="http://schemas.openxmlformats.org/drawingml/2006/main" uniqueId="urn:microsoft.com/office/officeart/2005/8/colors/accent0_2">
+<dgm:colorsDef xmlns:dgm="http://schemas.openxmlformats.org/drawingml/2006/diagram" xmlns:a="http://schemas.openxmlformats.org/drawingml/2006/main" uniqueId="urn:microsoft.com/office/officeart/2005/8/colors/accent0_2#1">
   <dgm:title val=""/>
   <dgm:desc val=""/>
   <dgm:catLst>
@@ -4104,7 +4113,7 @@
 </file>
 
 <file path=ppt/diagrams/colors6.xml><?xml version="1.0" encoding="utf-8"?>
-<dgm:colorsDef xmlns:dgm="http://schemas.openxmlformats.org/drawingml/2006/diagram" xmlns:a="http://schemas.openxmlformats.org/drawingml/2006/main" uniqueId="urn:microsoft.com/office/officeart/2005/8/colors/accent0_1">
+<dgm:colorsDef xmlns:dgm="http://schemas.openxmlformats.org/drawingml/2006/diagram" xmlns:a="http://schemas.openxmlformats.org/drawingml/2006/main" uniqueId="urn:microsoft.com/office/officeart/2005/8/colors/accent0_1#4">
   <dgm:title val=""/>
   <dgm:desc val=""/>
   <dgm:catLst>
@@ -4911,7 +4920,7 @@
 </file>
 
 <file path=ppt/diagrams/colors7.xml><?xml version="1.0" encoding="utf-8"?>
-<dgm:colorsDef xmlns:dgm="http://schemas.openxmlformats.org/drawingml/2006/diagram" xmlns:a="http://schemas.openxmlformats.org/drawingml/2006/main" uniqueId="urn:microsoft.com/office/officeart/2005/8/colors/accent1_2">
+<dgm:colorsDef xmlns:dgm="http://schemas.openxmlformats.org/drawingml/2006/diagram" xmlns:a="http://schemas.openxmlformats.org/drawingml/2006/main" uniqueId="urn:microsoft.com/office/officeart/2005/8/colors/accent1_2#2">
   <dgm:title val=""/>
   <dgm:desc val=""/>
   <dgm:catLst>
@@ -5661,7 +5670,7 @@
 <dgm:dataModel xmlns:dgm="http://schemas.openxmlformats.org/drawingml/2006/diagram" xmlns:a="http://schemas.openxmlformats.org/drawingml/2006/main">
   <dgm:ptLst>
     <dgm:pt modelId="{0D434A6F-5EE9-46A6-B83C-17F286B8F82B}" type="doc">
-      <dgm:prSet loTypeId="urn:microsoft.com/office/officeart/2005/8/layout/vList3" loCatId="list" qsTypeId="urn:microsoft.com/office/officeart/2005/8/quickstyle/simple1" qsCatId="simple" csTypeId="urn:microsoft.com/office/officeart/2005/8/colors/accent1_2" csCatId="accent1" phldr="1"/>
+      <dgm:prSet loTypeId="urn:microsoft.com/office/officeart/2005/8/layout/vList3" loCatId="list" qsTypeId="urn:microsoft.com/office/officeart/2005/8/quickstyle/simple1#1" qsCatId="simple" csTypeId="urn:microsoft.com/office/officeart/2005/8/colors/accent1_2#1" csCatId="accent1" phldr="1"/>
       <dgm:spPr/>
     </dgm:pt>
     <dgm:pt modelId="{C3EFFCC7-B354-4A8D-BA34-896FF8B6382B}">
@@ -5679,7 +5688,7 @@
         </a:p>
       </dgm:t>
     </dgm:pt>
-    <dgm:pt modelId="{B5C104E2-81E9-48D6-9C2C-52ABC2892163}" cxnId="{B4AEAB1D-811C-4DA9-9693-32CA56EEE61C}" type="parTrans">
+    <dgm:pt modelId="{B5C104E2-81E9-48D6-9C2C-52ABC2892163}" type="parTrans" cxnId="{B4AEAB1D-811C-4DA9-9693-32CA56EEE61C}">
       <dgm:prSet/>
       <dgm:spPr/>
       <dgm:t>
@@ -5690,7 +5699,7 @@
         </a:p>
       </dgm:t>
     </dgm:pt>
-    <dgm:pt modelId="{9DB07424-216E-45F6-B4CA-969CAAC1323E}" cxnId="{B4AEAB1D-811C-4DA9-9693-32CA56EEE61C}" type="sibTrans">
+    <dgm:pt modelId="{9DB07424-216E-45F6-B4CA-969CAAC1323E}" type="sibTrans" cxnId="{B4AEAB1D-811C-4DA9-9693-32CA56EEE61C}">
       <dgm:prSet/>
       <dgm:spPr/>
       <dgm:t>
@@ -5716,7 +5725,7 @@
         </a:p>
       </dgm:t>
     </dgm:pt>
-    <dgm:pt modelId="{A4D40490-2527-47F6-BA87-133C57DFC1B6}" cxnId="{465EACFE-0894-4844-8D76-0C1EA02C74F2}" type="parTrans">
+    <dgm:pt modelId="{A4D40490-2527-47F6-BA87-133C57DFC1B6}" type="parTrans" cxnId="{465EACFE-0894-4844-8D76-0C1EA02C74F2}">
       <dgm:prSet/>
       <dgm:spPr/>
       <dgm:t>
@@ -5727,7 +5736,7 @@
         </a:p>
       </dgm:t>
     </dgm:pt>
-    <dgm:pt modelId="{54E29F71-B497-45EC-98E9-82EF2C5E8D19}" cxnId="{465EACFE-0894-4844-8D76-0C1EA02C74F2}" type="sibTrans">
+    <dgm:pt modelId="{54E29F71-B497-45EC-98E9-82EF2C5E8D19}" type="sibTrans" cxnId="{465EACFE-0894-4844-8D76-0C1EA02C74F2}">
       <dgm:prSet/>
       <dgm:spPr/>
       <dgm:t>
@@ -5753,7 +5762,7 @@
         </a:p>
       </dgm:t>
     </dgm:pt>
-    <dgm:pt modelId="{30DF420F-6410-4200-B16B-9CE8D709E558}" cxnId="{413FE0A9-509D-45DE-B865-5598D28DCE66}" type="parTrans">
+    <dgm:pt modelId="{30DF420F-6410-4200-B16B-9CE8D709E558}" type="parTrans" cxnId="{413FE0A9-509D-45DE-B865-5598D28DCE66}">
       <dgm:prSet/>
       <dgm:spPr/>
       <dgm:t>
@@ -5764,7 +5773,7 @@
         </a:p>
       </dgm:t>
     </dgm:pt>
-    <dgm:pt modelId="{211CDD6E-73B1-4C35-80A7-9833DAE64A19}" cxnId="{413FE0A9-509D-45DE-B865-5598D28DCE66}" type="sibTrans">
+    <dgm:pt modelId="{211CDD6E-73B1-4C35-80A7-9833DAE64A19}" type="sibTrans" cxnId="{413FE0A9-509D-45DE-B865-5598D28DCE66}">
       <dgm:prSet/>
       <dgm:spPr/>
       <dgm:t>
@@ -5790,7 +5799,7 @@
         </a:p>
       </dgm:t>
     </dgm:pt>
-    <dgm:pt modelId="{9DB8A2E8-B0A5-44E1-BDC2-9231CA46C010}" cxnId="{3B95DCCA-1F09-40BB-A36B-FFE9BD5E8D62}" type="parTrans">
+    <dgm:pt modelId="{9DB8A2E8-B0A5-44E1-BDC2-9231CA46C010}" type="parTrans" cxnId="{3B95DCCA-1F09-40BB-A36B-FFE9BD5E8D62}">
       <dgm:prSet/>
       <dgm:spPr/>
       <dgm:t>
@@ -5801,7 +5810,7 @@
         </a:p>
       </dgm:t>
     </dgm:pt>
-    <dgm:pt modelId="{D177FD21-288E-43C6-9FCE-03B9D41674B5}" cxnId="{3B95DCCA-1F09-40BB-A36B-FFE9BD5E8D62}" type="sibTrans">
+    <dgm:pt modelId="{D177FD21-288E-43C6-9FCE-03B9D41674B5}" type="sibTrans" cxnId="{3B95DCCA-1F09-40BB-A36B-FFE9BD5E8D62}">
       <dgm:prSet/>
       <dgm:spPr/>
       <dgm:t>
@@ -5831,7 +5840,7 @@
         </a:p>
       </dgm:t>
     </dgm:pt>
-    <dgm:pt modelId="{FF8A1AE4-C53A-487B-BD2F-01128AD9DDDD}" cxnId="{8203624B-558D-404E-87B5-F36DCB2B5B27}" type="parTrans">
+    <dgm:pt modelId="{FF8A1AE4-C53A-487B-BD2F-01128AD9DDDD}" type="parTrans" cxnId="{8203624B-558D-404E-87B5-F36DCB2B5B27}">
       <dgm:prSet/>
       <dgm:spPr/>
       <dgm:t>
@@ -5842,7 +5851,7 @@
         </a:p>
       </dgm:t>
     </dgm:pt>
-    <dgm:pt modelId="{964D8AA9-6535-4BD9-9494-35D7DA8A9974}" cxnId="{8203624B-558D-404E-87B5-F36DCB2B5B27}" type="sibTrans">
+    <dgm:pt modelId="{964D8AA9-6535-4BD9-9494-35D7DA8A9974}" type="sibTrans" cxnId="{8203624B-558D-404E-87B5-F36DCB2B5B27}">
       <dgm:prSet/>
       <dgm:spPr/>
       <dgm:t>
@@ -5868,7 +5877,7 @@
         </a:p>
       </dgm:t>
     </dgm:pt>
-    <dgm:pt modelId="{0E0E9515-7200-405D-B019-D14C5F024099}" cxnId="{C0C4CFDB-B5E1-4AEE-A8A0-107EB2AF5EBF}" type="sibTrans">
+    <dgm:pt modelId="{0E0E9515-7200-405D-B019-D14C5F024099}" type="sibTrans" cxnId="{C0C4CFDB-B5E1-4AEE-A8A0-107EB2AF5EBF}">
       <dgm:prSet/>
       <dgm:spPr/>
       <dgm:t>
@@ -5879,7 +5888,7 @@
         </a:p>
       </dgm:t>
     </dgm:pt>
-    <dgm:pt modelId="{D65E7663-7A82-48F5-886B-BF33B76B3306}" cxnId="{C0C4CFDB-B5E1-4AEE-A8A0-107EB2AF5EBF}" type="parTrans">
+    <dgm:pt modelId="{D65E7663-7A82-48F5-886B-BF33B76B3306}" type="parTrans" cxnId="{C0C4CFDB-B5E1-4AEE-A8A0-107EB2AF5EBF}">
       <dgm:prSet/>
       <dgm:spPr/>
       <dgm:t>
@@ -6058,7 +6067,7 @@
   <dgm:whole/>
   <dgm:extLst>
     <a:ext uri="http://schemas.microsoft.com/office/drawing/2008/diagram">
-      <dsp:dataModelExt xmlns:dsp="http://schemas.microsoft.com/office/drawing/2008/diagram" relId="rId5" minVer="http://schemas.openxmlformats.org/drawingml/2006/diagram"/>
+      <dsp:dataModelExt xmlns:dsp="http://schemas.microsoft.com/office/drawing/2008/diagram" relId="rId6" minVer="http://schemas.openxmlformats.org/drawingml/2006/diagram"/>
     </a:ext>
   </dgm:extLst>
 </dgm:dataModel>
@@ -6068,7 +6077,7 @@
 <dgm:dataModel xmlns:dgm="http://schemas.openxmlformats.org/drawingml/2006/diagram" xmlns:a="http://schemas.openxmlformats.org/drawingml/2006/main">
   <dgm:ptLst>
     <dgm:pt modelId="{97CA6497-3A2C-4C33-AFF4-D58B25591272}" type="doc">
-      <dgm:prSet loTypeId="urn:microsoft.com/office/officeart/2008/layout/HorizontalMultiLevelHierarchy" loCatId="hierarchy" qsTypeId="urn:microsoft.com/office/officeart/2005/8/quickstyle/simple3" qsCatId="simple" csTypeId="urn:microsoft.com/office/officeart/2005/8/colors/accent0_1" csCatId="mainScheme" phldr="1"/>
+      <dgm:prSet loTypeId="urn:microsoft.com/office/officeart/2008/layout/HorizontalMultiLevelHierarchy#1" loCatId="hierarchy" qsTypeId="urn:microsoft.com/office/officeart/2005/8/quickstyle/simple3#1" qsCatId="simple" csTypeId="urn:microsoft.com/office/officeart/2005/8/colors/accent0_1#1" csCatId="mainScheme" phldr="1"/>
       <dgm:spPr/>
       <dgm:t>
         <a:bodyPr/>
@@ -6097,7 +6106,7 @@
         </a:p>
       </dgm:t>
     </dgm:pt>
-    <dgm:pt modelId="{15547091-E3A6-4394-8FE8-DFA8AD2097F8}" cxnId="{A966EFBF-CC71-4D56-A0F1-3FAAAA5162EC}" type="parTrans">
+    <dgm:pt modelId="{15547091-E3A6-4394-8FE8-DFA8AD2097F8}" type="parTrans" cxnId="{A966EFBF-CC71-4D56-A0F1-3FAAAA5162EC}">
       <dgm:prSet/>
       <dgm:spPr/>
       <dgm:t>
@@ -6108,7 +6117,7 @@
         </a:p>
       </dgm:t>
     </dgm:pt>
-    <dgm:pt modelId="{9F5DDB86-2268-49C6-850C-CB368548571D}" cxnId="{A966EFBF-CC71-4D56-A0F1-3FAAAA5162EC}" type="sibTrans">
+    <dgm:pt modelId="{9F5DDB86-2268-49C6-850C-CB368548571D}" type="sibTrans" cxnId="{A966EFBF-CC71-4D56-A0F1-3FAAAA5162EC}">
       <dgm:prSet/>
       <dgm:spPr/>
       <dgm:t>
@@ -6138,7 +6147,7 @@
         </a:p>
       </dgm:t>
     </dgm:pt>
-    <dgm:pt modelId="{E067EA31-9FFB-418A-A326-996AB0DD534E}" cxnId="{603987CC-5E33-42E6-BFC1-0F859AFB20E4}" type="sibTrans">
+    <dgm:pt modelId="{E067EA31-9FFB-418A-A326-996AB0DD534E}" type="sibTrans" cxnId="{603987CC-5E33-42E6-BFC1-0F859AFB20E4}">
       <dgm:prSet/>
       <dgm:spPr/>
       <dgm:t>
@@ -6149,7 +6158,7 @@
         </a:p>
       </dgm:t>
     </dgm:pt>
-    <dgm:pt modelId="{5006CB5F-BD68-4BCE-A1B4-24759E73953E}" cxnId="{603987CC-5E33-42E6-BFC1-0F859AFB20E4}" type="parTrans">
+    <dgm:pt modelId="{5006CB5F-BD68-4BCE-A1B4-24759E73953E}" type="parTrans" cxnId="{603987CC-5E33-42E6-BFC1-0F859AFB20E4}">
       <dgm:prSet/>
       <dgm:spPr/>
       <dgm:t>
@@ -6175,7 +6184,7 @@
         </a:p>
       </dgm:t>
     </dgm:pt>
-    <dgm:pt modelId="{AAEA03E0-C757-4017-94FB-656BFC0736D4}" cxnId="{DD5706FC-54BF-4860-B193-7A7DA0B6C7CB}" type="sibTrans">
+    <dgm:pt modelId="{AAEA03E0-C757-4017-94FB-656BFC0736D4}" type="sibTrans" cxnId="{DD5706FC-54BF-4860-B193-7A7DA0B6C7CB}">
       <dgm:prSet/>
       <dgm:spPr/>
       <dgm:t>
@@ -6186,7 +6195,7 @@
         </a:p>
       </dgm:t>
     </dgm:pt>
-    <dgm:pt modelId="{25CA9DDE-B406-4066-BB43-A3AA984A5766}" cxnId="{DD5706FC-54BF-4860-B193-7A7DA0B6C7CB}" type="parTrans">
+    <dgm:pt modelId="{25CA9DDE-B406-4066-BB43-A3AA984A5766}" type="parTrans" cxnId="{DD5706FC-54BF-4860-B193-7A7DA0B6C7CB}">
       <dgm:prSet/>
       <dgm:spPr/>
       <dgm:t>
@@ -6216,7 +6225,7 @@
         </a:p>
       </dgm:t>
     </dgm:pt>
-    <dgm:pt modelId="{DD70E8F2-0CCA-4F0C-BE2F-E970DE75A0B7}" cxnId="{6D1698E0-451C-4A88-825B-527D48ADD67B}" type="sibTrans">
+    <dgm:pt modelId="{DD70E8F2-0CCA-4F0C-BE2F-E970DE75A0B7}" type="sibTrans" cxnId="{6D1698E0-451C-4A88-825B-527D48ADD67B}">
       <dgm:prSet/>
       <dgm:spPr/>
       <dgm:t>
@@ -6227,7 +6236,7 @@
         </a:p>
       </dgm:t>
     </dgm:pt>
-    <dgm:pt modelId="{7696C310-3CAB-42F9-B1BC-BBCD721E1A1B}" cxnId="{6D1698E0-451C-4A88-825B-527D48ADD67B}" type="parTrans">
+    <dgm:pt modelId="{7696C310-3CAB-42F9-B1BC-BBCD721E1A1B}" type="parTrans" cxnId="{6D1698E0-451C-4A88-825B-527D48ADD67B}">
       <dgm:prSet/>
       <dgm:spPr/>
       <dgm:t>
@@ -6257,7 +6266,7 @@
         </a:p>
       </dgm:t>
     </dgm:pt>
-    <dgm:pt modelId="{FABBCA89-9BBB-4B5C-8F6A-B333C490D41A}" cxnId="{93BE5672-AA00-4961-80DA-B44C0DC29554}" type="sibTrans">
+    <dgm:pt modelId="{FABBCA89-9BBB-4B5C-8F6A-B333C490D41A}" type="sibTrans" cxnId="{93BE5672-AA00-4961-80DA-B44C0DC29554}">
       <dgm:prSet/>
       <dgm:spPr/>
       <dgm:t>
@@ -6268,7 +6277,7 @@
         </a:p>
       </dgm:t>
     </dgm:pt>
-    <dgm:pt modelId="{931FFF4C-3E31-4C5F-A6CE-D3E0F988E7D2}" cxnId="{93BE5672-AA00-4961-80DA-B44C0DC29554}" type="parTrans">
+    <dgm:pt modelId="{931FFF4C-3E31-4C5F-A6CE-D3E0F988E7D2}" type="parTrans" cxnId="{93BE5672-AA00-4961-80DA-B44C0DC29554}">
       <dgm:prSet/>
       <dgm:spPr/>
       <dgm:t>
@@ -6298,7 +6307,7 @@
         </a:p>
       </dgm:t>
     </dgm:pt>
-    <dgm:pt modelId="{E8C1E340-E3DE-4DCD-8A5D-1FF5793D50F3}" cxnId="{E316F2FE-B289-4591-B6EC-D978CDF5A9C0}" type="sibTrans">
+    <dgm:pt modelId="{E8C1E340-E3DE-4DCD-8A5D-1FF5793D50F3}" type="sibTrans" cxnId="{E316F2FE-B289-4591-B6EC-D978CDF5A9C0}">
       <dgm:prSet/>
       <dgm:spPr/>
       <dgm:t>
@@ -6309,7 +6318,7 @@
         </a:p>
       </dgm:t>
     </dgm:pt>
-    <dgm:pt modelId="{9F6EC102-F85A-4ED0-B084-C8A421565087}" cxnId="{E316F2FE-B289-4591-B6EC-D978CDF5A9C0}" type="parTrans">
+    <dgm:pt modelId="{9F6EC102-F85A-4ED0-B084-C8A421565087}" type="parTrans" cxnId="{E316F2FE-B289-4591-B6EC-D978CDF5A9C0}">
       <dgm:prSet/>
       <dgm:spPr/>
       <dgm:t>
@@ -6335,7 +6344,7 @@
         </a:p>
       </dgm:t>
     </dgm:pt>
-    <dgm:pt modelId="{E709E6B6-86DE-463B-9B5E-CB4DC43BF98D}" cxnId="{A93BF6BE-0192-4164-9ECD-47CBADC7216F}" type="sibTrans">
+    <dgm:pt modelId="{E709E6B6-86DE-463B-9B5E-CB4DC43BF98D}" type="sibTrans" cxnId="{A93BF6BE-0192-4164-9ECD-47CBADC7216F}">
       <dgm:prSet/>
       <dgm:spPr/>
       <dgm:t>
@@ -6346,7 +6355,7 @@
         </a:p>
       </dgm:t>
     </dgm:pt>
-    <dgm:pt modelId="{D30AF681-708D-4714-90CD-F18E8F00DA95}" cxnId="{A93BF6BE-0192-4164-9ECD-47CBADC7216F}" type="parTrans">
+    <dgm:pt modelId="{D30AF681-708D-4714-90CD-F18E8F00DA95}" type="parTrans" cxnId="{A93BF6BE-0192-4164-9ECD-47CBADC7216F}">
       <dgm:prSet/>
       <dgm:spPr/>
       <dgm:t>
@@ -6376,7 +6385,7 @@
         </a:p>
       </dgm:t>
     </dgm:pt>
-    <dgm:pt modelId="{8A7601FD-111F-47B7-8E78-67A0F11B8FE9}" cxnId="{BAF68B05-EE68-41C0-A883-3400EAF1C30D}" type="sibTrans">
+    <dgm:pt modelId="{8A7601FD-111F-47B7-8E78-67A0F11B8FE9}" type="sibTrans" cxnId="{BAF68B05-EE68-41C0-A883-3400EAF1C30D}">
       <dgm:prSet/>
       <dgm:spPr/>
       <dgm:t>
@@ -6387,7 +6396,7 @@
         </a:p>
       </dgm:t>
     </dgm:pt>
-    <dgm:pt modelId="{BC196B66-B3C5-49C6-AFB8-80CFD317DEFD}" cxnId="{BAF68B05-EE68-41C0-A883-3400EAF1C30D}" type="parTrans">
+    <dgm:pt modelId="{BC196B66-B3C5-49C6-AFB8-80CFD317DEFD}" type="parTrans" cxnId="{BAF68B05-EE68-41C0-A883-3400EAF1C30D}">
       <dgm:prSet/>
       <dgm:spPr/>
       <dgm:t>
@@ -6417,7 +6426,7 @@
         </a:p>
       </dgm:t>
     </dgm:pt>
-    <dgm:pt modelId="{42A59362-AC53-4CCA-9E93-EA57DB4CAF29}" cxnId="{C79AA200-F7A4-48F9-A19D-4D40EA54EA6F}" type="sibTrans">
+    <dgm:pt modelId="{42A59362-AC53-4CCA-9E93-EA57DB4CAF29}" type="sibTrans" cxnId="{C79AA200-F7A4-48F9-A19D-4D40EA54EA6F}">
       <dgm:prSet/>
       <dgm:spPr/>
       <dgm:t>
@@ -6428,7 +6437,7 @@
         </a:p>
       </dgm:t>
     </dgm:pt>
-    <dgm:pt modelId="{0144B4F2-8418-438D-8744-26BE61ABDC0C}" cxnId="{C79AA200-F7A4-48F9-A19D-4D40EA54EA6F}" type="parTrans">
+    <dgm:pt modelId="{0144B4F2-8418-438D-8744-26BE61ABDC0C}" type="parTrans" cxnId="{C79AA200-F7A4-48F9-A19D-4D40EA54EA6F}">
       <dgm:prSet/>
       <dgm:spPr/>
       <dgm:t>
@@ -6663,88 +6672,88 @@
   <dgm:cxnLst>
     <dgm:cxn modelId="{C79AA200-F7A4-48F9-A19D-4D40EA54EA6F}" srcId="{FFA82C4B-875E-40AC-AE8A-0DAD5BF13E6B}" destId="{7638F091-155B-4866-8118-76D1602BD681}" srcOrd="7" destOrd="0" parTransId="{0144B4F2-8418-438D-8744-26BE61ABDC0C}" sibTransId="{42A59362-AC53-4CCA-9E93-EA57DB4CAF29}"/>
     <dgm:cxn modelId="{BAF68B05-EE68-41C0-A883-3400EAF1C30D}" srcId="{FFA82C4B-875E-40AC-AE8A-0DAD5BF13E6B}" destId="{204EAFEE-56B2-46A2-B834-5B905AC13D3C}" srcOrd="6" destOrd="0" parTransId="{BC196B66-B3C5-49C6-AFB8-80CFD317DEFD}" sibTransId="{8A7601FD-111F-47B7-8E78-67A0F11B8FE9}"/>
-    <dgm:cxn modelId="{1AC66112-A2DB-4DFD-86D4-00A2C646FF7F}" type="presOf" srcId="{BC196B66-B3C5-49C6-AFB8-80CFD317DEFD}" destId="{44297386-6A8E-4205-B11B-EB5E3AEADFFA}" srcOrd="1" destOrd="0" presId="urn:microsoft.com/office/officeart/2008/layout/HorizontalMultiLevelHierarchy"/>
-    <dgm:cxn modelId="{590FB23B-AE44-4EA4-AD13-CC62F574B279}" type="presOf" srcId="{0144B4F2-8418-438D-8744-26BE61ABDC0C}" destId="{318AA675-F1F1-4413-9EB0-B499B7BD47F3}" srcOrd="0" destOrd="0" presId="urn:microsoft.com/office/officeart/2008/layout/HorizontalMultiLevelHierarchy"/>
-    <dgm:cxn modelId="{BED81C3E-7766-49CB-B3C2-9AF23A81E946}" type="presOf" srcId="{204EAFEE-56B2-46A2-B834-5B905AC13D3C}" destId="{0E9277A7-885A-405A-97CE-FCC3592A1BA5}" srcOrd="0" destOrd="0" presId="urn:microsoft.com/office/officeart/2008/layout/HorizontalMultiLevelHierarchy"/>
-    <dgm:cxn modelId="{AECC645C-3C92-4ACB-A15E-20F09F57C9B5}" type="presOf" srcId="{BC196B66-B3C5-49C6-AFB8-80CFD317DEFD}" destId="{7E7E8E16-B053-4845-8A47-089CD9A78F56}" srcOrd="0" destOrd="0" presId="urn:microsoft.com/office/officeart/2008/layout/HorizontalMultiLevelHierarchy"/>
-    <dgm:cxn modelId="{F084825E-30E4-488A-B536-06315B8F5004}" type="presOf" srcId="{63193561-4D94-414F-8F4C-C8F26D6BF1D5}" destId="{A63ECC77-27DD-4872-ABB2-C1CB6FFDC649}" srcOrd="0" destOrd="0" presId="urn:microsoft.com/office/officeart/2008/layout/HorizontalMultiLevelHierarchy"/>
-    <dgm:cxn modelId="{0D581F66-B5CF-422D-9251-7CB8142ADAA8}" type="presOf" srcId="{5006CB5F-BD68-4BCE-A1B4-24759E73953E}" destId="{5CDECEDC-54AE-4171-9793-2CCA15B36DDE}" srcOrd="1" destOrd="0" presId="urn:microsoft.com/office/officeart/2008/layout/HorizontalMultiLevelHierarchy"/>
-    <dgm:cxn modelId="{91AF014A-3C44-4F57-A005-1F16BE2248F2}" type="presOf" srcId="{7638F091-155B-4866-8118-76D1602BD681}" destId="{2277A565-CE33-4308-8FFC-6C45A4070994}" srcOrd="0" destOrd="0" presId="urn:microsoft.com/office/officeart/2008/layout/HorizontalMultiLevelHierarchy"/>
+    <dgm:cxn modelId="{1AC66112-A2DB-4DFD-86D4-00A2C646FF7F}" type="presOf" srcId="{BC196B66-B3C5-49C6-AFB8-80CFD317DEFD}" destId="{44297386-6A8E-4205-B11B-EB5E3AEADFFA}" srcOrd="1" destOrd="0" presId="urn:microsoft.com/office/officeart/2008/layout/HorizontalMultiLevelHierarchy#1"/>
+    <dgm:cxn modelId="{590FB23B-AE44-4EA4-AD13-CC62F574B279}" type="presOf" srcId="{0144B4F2-8418-438D-8744-26BE61ABDC0C}" destId="{318AA675-F1F1-4413-9EB0-B499B7BD47F3}" srcOrd="0" destOrd="0" presId="urn:microsoft.com/office/officeart/2008/layout/HorizontalMultiLevelHierarchy#1"/>
+    <dgm:cxn modelId="{BED81C3E-7766-49CB-B3C2-9AF23A81E946}" type="presOf" srcId="{204EAFEE-56B2-46A2-B834-5B905AC13D3C}" destId="{0E9277A7-885A-405A-97CE-FCC3592A1BA5}" srcOrd="0" destOrd="0" presId="urn:microsoft.com/office/officeart/2008/layout/HorizontalMultiLevelHierarchy#1"/>
+    <dgm:cxn modelId="{AECC645C-3C92-4ACB-A15E-20F09F57C9B5}" type="presOf" srcId="{BC196B66-B3C5-49C6-AFB8-80CFD317DEFD}" destId="{7E7E8E16-B053-4845-8A47-089CD9A78F56}" srcOrd="0" destOrd="0" presId="urn:microsoft.com/office/officeart/2008/layout/HorizontalMultiLevelHierarchy#1"/>
+    <dgm:cxn modelId="{F084825E-30E4-488A-B536-06315B8F5004}" type="presOf" srcId="{63193561-4D94-414F-8F4C-C8F26D6BF1D5}" destId="{A63ECC77-27DD-4872-ABB2-C1CB6FFDC649}" srcOrd="0" destOrd="0" presId="urn:microsoft.com/office/officeart/2008/layout/HorizontalMultiLevelHierarchy#1"/>
+    <dgm:cxn modelId="{0D581F66-B5CF-422D-9251-7CB8142ADAA8}" type="presOf" srcId="{5006CB5F-BD68-4BCE-A1B4-24759E73953E}" destId="{5CDECEDC-54AE-4171-9793-2CCA15B36DDE}" srcOrd="1" destOrd="0" presId="urn:microsoft.com/office/officeart/2008/layout/HorizontalMultiLevelHierarchy#1"/>
+    <dgm:cxn modelId="{91AF014A-3C44-4F57-A005-1F16BE2248F2}" type="presOf" srcId="{7638F091-155B-4866-8118-76D1602BD681}" destId="{2277A565-CE33-4308-8FFC-6C45A4070994}" srcOrd="0" destOrd="0" presId="urn:microsoft.com/office/officeart/2008/layout/HorizontalMultiLevelHierarchy#1"/>
     <dgm:cxn modelId="{93BE5672-AA00-4961-80DA-B44C0DC29554}" srcId="{FFA82C4B-875E-40AC-AE8A-0DAD5BF13E6B}" destId="{F3D8B9FD-837D-4644-9B57-FC78F9694DAF}" srcOrd="3" destOrd="0" parTransId="{931FFF4C-3E31-4C5F-A6CE-D3E0F988E7D2}" sibTransId="{FABBCA89-9BBB-4B5C-8F6A-B333C490D41A}"/>
-    <dgm:cxn modelId="{27771880-4A48-4A82-B9EF-55F9D6282693}" type="presOf" srcId="{5006CB5F-BD68-4BCE-A1B4-24759E73953E}" destId="{E3421BF1-8785-4D75-8D4E-776E74282F68}" srcOrd="0" destOrd="0" presId="urn:microsoft.com/office/officeart/2008/layout/HorizontalMultiLevelHierarchy"/>
-    <dgm:cxn modelId="{61149B82-4EC8-465C-9765-A56FAF3029E0}" type="presOf" srcId="{0144B4F2-8418-438D-8744-26BE61ABDC0C}" destId="{C70DE741-3049-4844-B66D-2F337AE86EC9}" srcOrd="1" destOrd="0" presId="urn:microsoft.com/office/officeart/2008/layout/HorizontalMultiLevelHierarchy"/>
-    <dgm:cxn modelId="{B8968C84-7681-4439-A5AF-2DE02922A121}" type="presOf" srcId="{931FFF4C-3E31-4C5F-A6CE-D3E0F988E7D2}" destId="{E2EC2FB9-B63E-48A7-A342-FBB2A0749B13}" srcOrd="0" destOrd="0" presId="urn:microsoft.com/office/officeart/2008/layout/HorizontalMultiLevelHierarchy"/>
-    <dgm:cxn modelId="{5CC08F96-39F6-4EC4-85B2-EFA7E91E1459}" type="presOf" srcId="{D30AF681-708D-4714-90CD-F18E8F00DA95}" destId="{AEAFC00F-1553-4930-9576-ECC45A2ECB17}" srcOrd="0" destOrd="0" presId="urn:microsoft.com/office/officeart/2008/layout/HorizontalMultiLevelHierarchy"/>
-    <dgm:cxn modelId="{14A5849C-4C83-4B83-B68A-F26C80835182}" type="presOf" srcId="{FFA82C4B-875E-40AC-AE8A-0DAD5BF13E6B}" destId="{102B82C0-6243-4AFF-842F-FEC267C347BD}" srcOrd="0" destOrd="0" presId="urn:microsoft.com/office/officeart/2008/layout/HorizontalMultiLevelHierarchy"/>
-    <dgm:cxn modelId="{C55BBA9E-1924-4F1B-A107-629D6BA3F23B}" type="presOf" srcId="{69AFE608-FB4E-4597-9C0B-39B3C7B330C7}" destId="{6011EB5F-B8A1-4CF1-A515-5C89E838679B}" srcOrd="0" destOrd="0" presId="urn:microsoft.com/office/officeart/2008/layout/HorizontalMultiLevelHierarchy"/>
-    <dgm:cxn modelId="{A32C74A1-D93E-4575-9C66-DBE294E9787B}" type="presOf" srcId="{7696C310-3CAB-42F9-B1BC-BBCD721E1A1B}" destId="{534519AB-569A-4290-8E0B-64291B43B225}" srcOrd="0" destOrd="0" presId="urn:microsoft.com/office/officeart/2008/layout/HorizontalMultiLevelHierarchy"/>
-    <dgm:cxn modelId="{B87CC2A3-C16E-4112-A44A-CE29F6606A9B}" type="presOf" srcId="{9F6EC102-F85A-4ED0-B084-C8A421565087}" destId="{DA72F500-FA80-4371-8ECE-318D0FEAF4D8}" srcOrd="0" destOrd="0" presId="urn:microsoft.com/office/officeart/2008/layout/HorizontalMultiLevelHierarchy"/>
-    <dgm:cxn modelId="{90C1FFA5-F436-4CF0-9CC3-17E2E7EE8BF5}" type="presOf" srcId="{7696C310-3CAB-42F9-B1BC-BBCD721E1A1B}" destId="{BAA05368-3928-456A-AD66-AE5D39BAE525}" srcOrd="1" destOrd="0" presId="urn:microsoft.com/office/officeart/2008/layout/HorizontalMultiLevelHierarchy"/>
-    <dgm:cxn modelId="{9D32A8B8-F35D-493D-823A-3DFACE8B064A}" type="presOf" srcId="{8F24A658-CE9F-4018-9154-36E115203874}" destId="{8930C6D7-98CD-4DBD-9E2D-D8B3593DA865}" srcOrd="0" destOrd="0" presId="urn:microsoft.com/office/officeart/2008/layout/HorizontalMultiLevelHierarchy"/>
+    <dgm:cxn modelId="{27771880-4A48-4A82-B9EF-55F9D6282693}" type="presOf" srcId="{5006CB5F-BD68-4BCE-A1B4-24759E73953E}" destId="{E3421BF1-8785-4D75-8D4E-776E74282F68}" srcOrd="0" destOrd="0" presId="urn:microsoft.com/office/officeart/2008/layout/HorizontalMultiLevelHierarchy#1"/>
+    <dgm:cxn modelId="{61149B82-4EC8-465C-9765-A56FAF3029E0}" type="presOf" srcId="{0144B4F2-8418-438D-8744-26BE61ABDC0C}" destId="{C70DE741-3049-4844-B66D-2F337AE86EC9}" srcOrd="1" destOrd="0" presId="urn:microsoft.com/office/officeart/2008/layout/HorizontalMultiLevelHierarchy#1"/>
+    <dgm:cxn modelId="{B8968C84-7681-4439-A5AF-2DE02922A121}" type="presOf" srcId="{931FFF4C-3E31-4C5F-A6CE-D3E0F988E7D2}" destId="{E2EC2FB9-B63E-48A7-A342-FBB2A0749B13}" srcOrd="0" destOrd="0" presId="urn:microsoft.com/office/officeart/2008/layout/HorizontalMultiLevelHierarchy#1"/>
+    <dgm:cxn modelId="{5CC08F96-39F6-4EC4-85B2-EFA7E91E1459}" type="presOf" srcId="{D30AF681-708D-4714-90CD-F18E8F00DA95}" destId="{AEAFC00F-1553-4930-9576-ECC45A2ECB17}" srcOrd="0" destOrd="0" presId="urn:microsoft.com/office/officeart/2008/layout/HorizontalMultiLevelHierarchy#1"/>
+    <dgm:cxn modelId="{14A5849C-4C83-4B83-B68A-F26C80835182}" type="presOf" srcId="{FFA82C4B-875E-40AC-AE8A-0DAD5BF13E6B}" destId="{102B82C0-6243-4AFF-842F-FEC267C347BD}" srcOrd="0" destOrd="0" presId="urn:microsoft.com/office/officeart/2008/layout/HorizontalMultiLevelHierarchy#1"/>
+    <dgm:cxn modelId="{C55BBA9E-1924-4F1B-A107-629D6BA3F23B}" type="presOf" srcId="{69AFE608-FB4E-4597-9C0B-39B3C7B330C7}" destId="{6011EB5F-B8A1-4CF1-A515-5C89E838679B}" srcOrd="0" destOrd="0" presId="urn:microsoft.com/office/officeart/2008/layout/HorizontalMultiLevelHierarchy#1"/>
+    <dgm:cxn modelId="{A32C74A1-D93E-4575-9C66-DBE294E9787B}" type="presOf" srcId="{7696C310-3CAB-42F9-B1BC-BBCD721E1A1B}" destId="{534519AB-569A-4290-8E0B-64291B43B225}" srcOrd="0" destOrd="0" presId="urn:microsoft.com/office/officeart/2008/layout/HorizontalMultiLevelHierarchy#1"/>
+    <dgm:cxn modelId="{B87CC2A3-C16E-4112-A44A-CE29F6606A9B}" type="presOf" srcId="{9F6EC102-F85A-4ED0-B084-C8A421565087}" destId="{DA72F500-FA80-4371-8ECE-318D0FEAF4D8}" srcOrd="0" destOrd="0" presId="urn:microsoft.com/office/officeart/2008/layout/HorizontalMultiLevelHierarchy#1"/>
+    <dgm:cxn modelId="{90C1FFA5-F436-4CF0-9CC3-17E2E7EE8BF5}" type="presOf" srcId="{7696C310-3CAB-42F9-B1BC-BBCD721E1A1B}" destId="{BAA05368-3928-456A-AD66-AE5D39BAE525}" srcOrd="1" destOrd="0" presId="urn:microsoft.com/office/officeart/2008/layout/HorizontalMultiLevelHierarchy#1"/>
+    <dgm:cxn modelId="{9D32A8B8-F35D-493D-823A-3DFACE8B064A}" type="presOf" srcId="{8F24A658-CE9F-4018-9154-36E115203874}" destId="{8930C6D7-98CD-4DBD-9E2D-D8B3593DA865}" srcOrd="0" destOrd="0" presId="urn:microsoft.com/office/officeart/2008/layout/HorizontalMultiLevelHierarchy#1"/>
     <dgm:cxn modelId="{A93BF6BE-0192-4164-9ECD-47CBADC7216F}" srcId="{FFA82C4B-875E-40AC-AE8A-0DAD5BF13E6B}" destId="{34894FD9-AC00-4519-8E53-007509254D79}" srcOrd="5" destOrd="0" parTransId="{D30AF681-708D-4714-90CD-F18E8F00DA95}" sibTransId="{E709E6B6-86DE-463B-9B5E-CB4DC43BF98D}"/>
     <dgm:cxn modelId="{A966EFBF-CC71-4D56-A0F1-3FAAAA5162EC}" srcId="{97CA6497-3A2C-4C33-AFF4-D58B25591272}" destId="{FFA82C4B-875E-40AC-AE8A-0DAD5BF13E6B}" srcOrd="0" destOrd="0" parTransId="{15547091-E3A6-4394-8FE8-DFA8AD2097F8}" sibTransId="{9F5DDB86-2268-49C6-850C-CB368548571D}"/>
-    <dgm:cxn modelId="{F7E85CC4-43C4-405C-8999-DBFB86CF6621}" type="presOf" srcId="{9F6EC102-F85A-4ED0-B084-C8A421565087}" destId="{251EF7D7-DDE7-4C3A-A129-EA152C989CE1}" srcOrd="1" destOrd="0" presId="urn:microsoft.com/office/officeart/2008/layout/HorizontalMultiLevelHierarchy"/>
-    <dgm:cxn modelId="{BEB088CA-EF63-471C-A579-98FC9216251F}" type="presOf" srcId="{97CA6497-3A2C-4C33-AFF4-D58B25591272}" destId="{DEB296E9-1E75-4B40-8CBF-C0BEDD712C86}" srcOrd="0" destOrd="0" presId="urn:microsoft.com/office/officeart/2008/layout/HorizontalMultiLevelHierarchy"/>
+    <dgm:cxn modelId="{F7E85CC4-43C4-405C-8999-DBFB86CF6621}" type="presOf" srcId="{9F6EC102-F85A-4ED0-B084-C8A421565087}" destId="{251EF7D7-DDE7-4C3A-A129-EA152C989CE1}" srcOrd="1" destOrd="0" presId="urn:microsoft.com/office/officeart/2008/layout/HorizontalMultiLevelHierarchy#1"/>
+    <dgm:cxn modelId="{BEB088CA-EF63-471C-A579-98FC9216251F}" type="presOf" srcId="{97CA6497-3A2C-4C33-AFF4-D58B25591272}" destId="{DEB296E9-1E75-4B40-8CBF-C0BEDD712C86}" srcOrd="0" destOrd="0" presId="urn:microsoft.com/office/officeart/2008/layout/HorizontalMultiLevelHierarchy#1"/>
     <dgm:cxn modelId="{603987CC-5E33-42E6-BFC1-0F859AFB20E4}" srcId="{FFA82C4B-875E-40AC-AE8A-0DAD5BF13E6B}" destId="{63193561-4D94-414F-8F4C-C8F26D6BF1D5}" srcOrd="0" destOrd="0" parTransId="{5006CB5F-BD68-4BCE-A1B4-24759E73953E}" sibTransId="{E067EA31-9FFB-418A-A326-996AB0DD534E}"/>
-    <dgm:cxn modelId="{675483D4-9F6A-439D-9A30-83E0F7B0A6BE}" type="presOf" srcId="{8C741B16-0DD9-4060-8357-F047E51996B8}" destId="{E5298A1D-3D3C-4ABF-82DE-03F43E1D6302}" srcOrd="0" destOrd="0" presId="urn:microsoft.com/office/officeart/2008/layout/HorizontalMultiLevelHierarchy"/>
-    <dgm:cxn modelId="{43C91EDC-82E9-4F4C-A21C-0747440AE8C3}" type="presOf" srcId="{34894FD9-AC00-4519-8E53-007509254D79}" destId="{6CA808D1-1829-443E-87F6-A3D4BF30E2E1}" srcOrd="0" destOrd="0" presId="urn:microsoft.com/office/officeart/2008/layout/HorizontalMultiLevelHierarchy"/>
-    <dgm:cxn modelId="{F00FA5DE-F283-4ABA-9FCF-7450EF454356}" type="presOf" srcId="{25CA9DDE-B406-4066-BB43-A3AA984A5766}" destId="{0CA853FF-4798-4621-BC86-16D18817B30B}" srcOrd="1" destOrd="0" presId="urn:microsoft.com/office/officeart/2008/layout/HorizontalMultiLevelHierarchy"/>
+    <dgm:cxn modelId="{675483D4-9F6A-439D-9A30-83E0F7B0A6BE}" type="presOf" srcId="{8C741B16-0DD9-4060-8357-F047E51996B8}" destId="{E5298A1D-3D3C-4ABF-82DE-03F43E1D6302}" srcOrd="0" destOrd="0" presId="urn:microsoft.com/office/officeart/2008/layout/HorizontalMultiLevelHierarchy#1"/>
+    <dgm:cxn modelId="{43C91EDC-82E9-4F4C-A21C-0747440AE8C3}" type="presOf" srcId="{34894FD9-AC00-4519-8E53-007509254D79}" destId="{6CA808D1-1829-443E-87F6-A3D4BF30E2E1}" srcOrd="0" destOrd="0" presId="urn:microsoft.com/office/officeart/2008/layout/HorizontalMultiLevelHierarchy#1"/>
+    <dgm:cxn modelId="{F00FA5DE-F283-4ABA-9FCF-7450EF454356}" type="presOf" srcId="{25CA9DDE-B406-4066-BB43-A3AA984A5766}" destId="{0CA853FF-4798-4621-BC86-16D18817B30B}" srcOrd="1" destOrd="0" presId="urn:microsoft.com/office/officeart/2008/layout/HorizontalMultiLevelHierarchy#1"/>
     <dgm:cxn modelId="{6D1698E0-451C-4A88-825B-527D48ADD67B}" srcId="{FFA82C4B-875E-40AC-AE8A-0DAD5BF13E6B}" destId="{69AFE608-FB4E-4597-9C0B-39B3C7B330C7}" srcOrd="2" destOrd="0" parTransId="{7696C310-3CAB-42F9-B1BC-BBCD721E1A1B}" sibTransId="{DD70E8F2-0CCA-4F0C-BE2F-E970DE75A0B7}"/>
-    <dgm:cxn modelId="{EE00D2E0-DA0A-4524-BF78-BF520AFAF499}" type="presOf" srcId="{D30AF681-708D-4714-90CD-F18E8F00DA95}" destId="{46B485AF-75C0-4E62-B319-3EAD3F59101C}" srcOrd="1" destOrd="0" presId="urn:microsoft.com/office/officeart/2008/layout/HorizontalMultiLevelHierarchy"/>
-    <dgm:cxn modelId="{B804CBE7-4D8B-45D6-941A-72621E8317CE}" type="presOf" srcId="{F3D8B9FD-837D-4644-9B57-FC78F9694DAF}" destId="{9041456B-8D97-4923-8E9A-735B90619910}" srcOrd="0" destOrd="0" presId="urn:microsoft.com/office/officeart/2008/layout/HorizontalMultiLevelHierarchy"/>
-    <dgm:cxn modelId="{E6ABE0F4-C68E-4030-89F6-40BFA28C4B2C}" type="presOf" srcId="{25CA9DDE-B406-4066-BB43-A3AA984A5766}" destId="{78E98673-2296-4C47-B551-5B2387AF51DC}" srcOrd="0" destOrd="0" presId="urn:microsoft.com/office/officeart/2008/layout/HorizontalMultiLevelHierarchy"/>
-    <dgm:cxn modelId="{5196C2FA-553A-491A-B836-7CC3AE8CF18E}" type="presOf" srcId="{931FFF4C-3E31-4C5F-A6CE-D3E0F988E7D2}" destId="{F85754C6-E77F-4ADD-811B-D656C688CA6B}" srcOrd="1" destOrd="0" presId="urn:microsoft.com/office/officeart/2008/layout/HorizontalMultiLevelHierarchy"/>
+    <dgm:cxn modelId="{EE00D2E0-DA0A-4524-BF78-BF520AFAF499}" type="presOf" srcId="{D30AF681-708D-4714-90CD-F18E8F00DA95}" destId="{46B485AF-75C0-4E62-B319-3EAD3F59101C}" srcOrd="1" destOrd="0" presId="urn:microsoft.com/office/officeart/2008/layout/HorizontalMultiLevelHierarchy#1"/>
+    <dgm:cxn modelId="{B804CBE7-4D8B-45D6-941A-72621E8317CE}" type="presOf" srcId="{F3D8B9FD-837D-4644-9B57-FC78F9694DAF}" destId="{9041456B-8D97-4923-8E9A-735B90619910}" srcOrd="0" destOrd="0" presId="urn:microsoft.com/office/officeart/2008/layout/HorizontalMultiLevelHierarchy#1"/>
+    <dgm:cxn modelId="{E6ABE0F4-C68E-4030-89F6-40BFA28C4B2C}" type="presOf" srcId="{25CA9DDE-B406-4066-BB43-A3AA984A5766}" destId="{78E98673-2296-4C47-B551-5B2387AF51DC}" srcOrd="0" destOrd="0" presId="urn:microsoft.com/office/officeart/2008/layout/HorizontalMultiLevelHierarchy#1"/>
+    <dgm:cxn modelId="{5196C2FA-553A-491A-B836-7CC3AE8CF18E}" type="presOf" srcId="{931FFF4C-3E31-4C5F-A6CE-D3E0F988E7D2}" destId="{F85754C6-E77F-4ADD-811B-D656C688CA6B}" srcOrd="1" destOrd="0" presId="urn:microsoft.com/office/officeart/2008/layout/HorizontalMultiLevelHierarchy#1"/>
     <dgm:cxn modelId="{DD5706FC-54BF-4860-B193-7A7DA0B6C7CB}" srcId="{FFA82C4B-875E-40AC-AE8A-0DAD5BF13E6B}" destId="{8F24A658-CE9F-4018-9154-36E115203874}" srcOrd="1" destOrd="0" parTransId="{25CA9DDE-B406-4066-BB43-A3AA984A5766}" sibTransId="{AAEA03E0-C757-4017-94FB-656BFC0736D4}"/>
     <dgm:cxn modelId="{E316F2FE-B289-4591-B6EC-D978CDF5A9C0}" srcId="{FFA82C4B-875E-40AC-AE8A-0DAD5BF13E6B}" destId="{8C741B16-0DD9-4060-8357-F047E51996B8}" srcOrd="4" destOrd="0" parTransId="{9F6EC102-F85A-4ED0-B084-C8A421565087}" sibTransId="{E8C1E340-E3DE-4DCD-8A5D-1FF5793D50F3}"/>
-    <dgm:cxn modelId="{483684E9-2E5E-4E82-8399-DF7BD4142C37}" type="presParOf" srcId="{DEB296E9-1E75-4B40-8CBF-C0BEDD712C86}" destId="{A7F62CF6-FBC8-4113-A623-83EC55E48568}" srcOrd="0" destOrd="0" presId="urn:microsoft.com/office/officeart/2008/layout/HorizontalMultiLevelHierarchy"/>
-    <dgm:cxn modelId="{FC2BEAFC-4299-4B58-993C-83BD47E1E08E}" type="presParOf" srcId="{A7F62CF6-FBC8-4113-A623-83EC55E48568}" destId="{102B82C0-6243-4AFF-842F-FEC267C347BD}" srcOrd="0" destOrd="0" presId="urn:microsoft.com/office/officeart/2008/layout/HorizontalMultiLevelHierarchy"/>
-    <dgm:cxn modelId="{C096BAF9-8F4C-426A-B217-50607D2F68DE}" type="presParOf" srcId="{A7F62CF6-FBC8-4113-A623-83EC55E48568}" destId="{EB92D9D9-8625-4AEF-AF00-C36FDC8429E0}" srcOrd="1" destOrd="0" presId="urn:microsoft.com/office/officeart/2008/layout/HorizontalMultiLevelHierarchy"/>
-    <dgm:cxn modelId="{D2998DFD-3ECF-438E-8F63-EDC3B962A4B0}" type="presParOf" srcId="{EB92D9D9-8625-4AEF-AF00-C36FDC8429E0}" destId="{E3421BF1-8785-4D75-8D4E-776E74282F68}" srcOrd="0" destOrd="0" presId="urn:microsoft.com/office/officeart/2008/layout/HorizontalMultiLevelHierarchy"/>
-    <dgm:cxn modelId="{812E2FCC-755A-4822-87FD-F332767EF142}" type="presParOf" srcId="{E3421BF1-8785-4D75-8D4E-776E74282F68}" destId="{5CDECEDC-54AE-4171-9793-2CCA15B36DDE}" srcOrd="0" destOrd="0" presId="urn:microsoft.com/office/officeart/2008/layout/HorizontalMultiLevelHierarchy"/>
-    <dgm:cxn modelId="{59FBFF61-443A-479F-A316-BF8F1442DF8E}" type="presParOf" srcId="{EB92D9D9-8625-4AEF-AF00-C36FDC8429E0}" destId="{A7FC231E-3E91-4A5E-BBD5-63268A1C63C4}" srcOrd="1" destOrd="0" presId="urn:microsoft.com/office/officeart/2008/layout/HorizontalMultiLevelHierarchy"/>
-    <dgm:cxn modelId="{7228DF93-7749-4264-B0E1-35A0FDB92C85}" type="presParOf" srcId="{A7FC231E-3E91-4A5E-BBD5-63268A1C63C4}" destId="{A63ECC77-27DD-4872-ABB2-C1CB6FFDC649}" srcOrd="0" destOrd="0" presId="urn:microsoft.com/office/officeart/2008/layout/HorizontalMultiLevelHierarchy"/>
-    <dgm:cxn modelId="{4139862A-40AA-486D-BD26-7CCC4155C2F1}" type="presParOf" srcId="{A7FC231E-3E91-4A5E-BBD5-63268A1C63C4}" destId="{38964B0C-1739-4195-BDD5-0888E79224AB}" srcOrd="1" destOrd="0" presId="urn:microsoft.com/office/officeart/2008/layout/HorizontalMultiLevelHierarchy"/>
-    <dgm:cxn modelId="{B68B9F57-42FE-4AF1-9B25-5F56CB2B1A82}" type="presParOf" srcId="{EB92D9D9-8625-4AEF-AF00-C36FDC8429E0}" destId="{78E98673-2296-4C47-B551-5B2387AF51DC}" srcOrd="2" destOrd="0" presId="urn:microsoft.com/office/officeart/2008/layout/HorizontalMultiLevelHierarchy"/>
-    <dgm:cxn modelId="{A1E98F14-EAFB-4AA9-9D23-8373CCD4D1EA}" type="presParOf" srcId="{78E98673-2296-4C47-B551-5B2387AF51DC}" destId="{0CA853FF-4798-4621-BC86-16D18817B30B}" srcOrd="0" destOrd="0" presId="urn:microsoft.com/office/officeart/2008/layout/HorizontalMultiLevelHierarchy"/>
-    <dgm:cxn modelId="{3FAAAEE3-CBEE-4656-B490-DD86DF7AC018}" type="presParOf" srcId="{EB92D9D9-8625-4AEF-AF00-C36FDC8429E0}" destId="{C88114FF-315D-4EAC-9E9D-5792498AFD8B}" srcOrd="3" destOrd="0" presId="urn:microsoft.com/office/officeart/2008/layout/HorizontalMultiLevelHierarchy"/>
-    <dgm:cxn modelId="{D3C17B4F-2D37-4DB1-95BB-1EC1F7F37413}" type="presParOf" srcId="{C88114FF-315D-4EAC-9E9D-5792498AFD8B}" destId="{8930C6D7-98CD-4DBD-9E2D-D8B3593DA865}" srcOrd="0" destOrd="0" presId="urn:microsoft.com/office/officeart/2008/layout/HorizontalMultiLevelHierarchy"/>
-    <dgm:cxn modelId="{5276A62A-88CD-4736-A64E-F9EF42EB5F9B}" type="presParOf" srcId="{C88114FF-315D-4EAC-9E9D-5792498AFD8B}" destId="{DF23C36D-3CEC-42BF-941B-580A564D6BEC}" srcOrd="1" destOrd="0" presId="urn:microsoft.com/office/officeart/2008/layout/HorizontalMultiLevelHierarchy"/>
-    <dgm:cxn modelId="{EE975CB8-903A-48F2-8683-8675340D8A11}" type="presParOf" srcId="{EB92D9D9-8625-4AEF-AF00-C36FDC8429E0}" destId="{534519AB-569A-4290-8E0B-64291B43B225}" srcOrd="4" destOrd="0" presId="urn:microsoft.com/office/officeart/2008/layout/HorizontalMultiLevelHierarchy"/>
-    <dgm:cxn modelId="{3AD596EE-9E4E-4D16-939B-DD0E8A333DC0}" type="presParOf" srcId="{534519AB-569A-4290-8E0B-64291B43B225}" destId="{BAA05368-3928-456A-AD66-AE5D39BAE525}" srcOrd="0" destOrd="0" presId="urn:microsoft.com/office/officeart/2008/layout/HorizontalMultiLevelHierarchy"/>
-    <dgm:cxn modelId="{0C446B81-CF93-442E-B2A4-350D0A0E0FAD}" type="presParOf" srcId="{EB92D9D9-8625-4AEF-AF00-C36FDC8429E0}" destId="{26A1CEB5-3081-4090-A1FB-0698158689B7}" srcOrd="5" destOrd="0" presId="urn:microsoft.com/office/officeart/2008/layout/HorizontalMultiLevelHierarchy"/>
-    <dgm:cxn modelId="{67E7BC5F-CC57-4633-9BA6-03B580F06FBA}" type="presParOf" srcId="{26A1CEB5-3081-4090-A1FB-0698158689B7}" destId="{6011EB5F-B8A1-4CF1-A515-5C89E838679B}" srcOrd="0" destOrd="0" presId="urn:microsoft.com/office/officeart/2008/layout/HorizontalMultiLevelHierarchy"/>
-    <dgm:cxn modelId="{582F4D90-A26B-4CA5-9380-92C10548C9B1}" type="presParOf" srcId="{26A1CEB5-3081-4090-A1FB-0698158689B7}" destId="{E26788F5-2E1F-458B-83BD-689F8DA170E7}" srcOrd="1" destOrd="0" presId="urn:microsoft.com/office/officeart/2008/layout/HorizontalMultiLevelHierarchy"/>
-    <dgm:cxn modelId="{19F66224-393C-4EAA-89E5-4BBC0DAC4A92}" type="presParOf" srcId="{EB92D9D9-8625-4AEF-AF00-C36FDC8429E0}" destId="{E2EC2FB9-B63E-48A7-A342-FBB2A0749B13}" srcOrd="6" destOrd="0" presId="urn:microsoft.com/office/officeart/2008/layout/HorizontalMultiLevelHierarchy"/>
-    <dgm:cxn modelId="{E9B8675A-069D-476E-9EA9-F800087F3A5D}" type="presParOf" srcId="{E2EC2FB9-B63E-48A7-A342-FBB2A0749B13}" destId="{F85754C6-E77F-4ADD-811B-D656C688CA6B}" srcOrd="0" destOrd="0" presId="urn:microsoft.com/office/officeart/2008/layout/HorizontalMultiLevelHierarchy"/>
-    <dgm:cxn modelId="{D2BAE64C-BFF4-4969-9AF5-7CA99E1EAE2F}" type="presParOf" srcId="{EB92D9D9-8625-4AEF-AF00-C36FDC8429E0}" destId="{A7297EB8-7D3D-430A-8DB0-C552339468D1}" srcOrd="7" destOrd="0" presId="urn:microsoft.com/office/officeart/2008/layout/HorizontalMultiLevelHierarchy"/>
-    <dgm:cxn modelId="{B5D7AF24-8A9F-4650-9D7A-D5579D0E2641}" type="presParOf" srcId="{A7297EB8-7D3D-430A-8DB0-C552339468D1}" destId="{9041456B-8D97-4923-8E9A-735B90619910}" srcOrd="0" destOrd="0" presId="urn:microsoft.com/office/officeart/2008/layout/HorizontalMultiLevelHierarchy"/>
-    <dgm:cxn modelId="{7FE6D092-906A-4DEF-9686-AB3987D225C2}" type="presParOf" srcId="{A7297EB8-7D3D-430A-8DB0-C552339468D1}" destId="{8DE23739-4651-49E5-89DD-02C9CDCC22C4}" srcOrd="1" destOrd="0" presId="urn:microsoft.com/office/officeart/2008/layout/HorizontalMultiLevelHierarchy"/>
-    <dgm:cxn modelId="{2A0BA33F-BEAB-4ACB-B142-0940A52DCCE2}" type="presParOf" srcId="{EB92D9D9-8625-4AEF-AF00-C36FDC8429E0}" destId="{DA72F500-FA80-4371-8ECE-318D0FEAF4D8}" srcOrd="8" destOrd="0" presId="urn:microsoft.com/office/officeart/2008/layout/HorizontalMultiLevelHierarchy"/>
-    <dgm:cxn modelId="{834FD9DC-D813-4988-B7BF-E7CC30990E50}" type="presParOf" srcId="{DA72F500-FA80-4371-8ECE-318D0FEAF4D8}" destId="{251EF7D7-DDE7-4C3A-A129-EA152C989CE1}" srcOrd="0" destOrd="0" presId="urn:microsoft.com/office/officeart/2008/layout/HorizontalMultiLevelHierarchy"/>
-    <dgm:cxn modelId="{8D21A273-2188-4656-9989-6FC7D3B39C3F}" type="presParOf" srcId="{EB92D9D9-8625-4AEF-AF00-C36FDC8429E0}" destId="{4BE611D4-783D-42FD-A9B9-3A2063A26EF8}" srcOrd="9" destOrd="0" presId="urn:microsoft.com/office/officeart/2008/layout/HorizontalMultiLevelHierarchy"/>
-    <dgm:cxn modelId="{68000486-4168-4326-BD48-92DC11287B3A}" type="presParOf" srcId="{4BE611D4-783D-42FD-A9B9-3A2063A26EF8}" destId="{E5298A1D-3D3C-4ABF-82DE-03F43E1D6302}" srcOrd="0" destOrd="0" presId="urn:microsoft.com/office/officeart/2008/layout/HorizontalMultiLevelHierarchy"/>
-    <dgm:cxn modelId="{DD319F75-B4B5-4A13-9866-D1A4C33E9842}" type="presParOf" srcId="{4BE611D4-783D-42FD-A9B9-3A2063A26EF8}" destId="{44004768-F069-4877-9D3E-E53D325AD7D6}" srcOrd="1" destOrd="0" presId="urn:microsoft.com/office/officeart/2008/layout/HorizontalMultiLevelHierarchy"/>
-    <dgm:cxn modelId="{4C539531-F013-4E1D-BBD4-E6E84A1F4E1D}" type="presParOf" srcId="{EB92D9D9-8625-4AEF-AF00-C36FDC8429E0}" destId="{AEAFC00F-1553-4930-9576-ECC45A2ECB17}" srcOrd="10" destOrd="0" presId="urn:microsoft.com/office/officeart/2008/layout/HorizontalMultiLevelHierarchy"/>
-    <dgm:cxn modelId="{A6C499B4-4019-4655-8886-808F1D1C61E3}" type="presParOf" srcId="{AEAFC00F-1553-4930-9576-ECC45A2ECB17}" destId="{46B485AF-75C0-4E62-B319-3EAD3F59101C}" srcOrd="0" destOrd="0" presId="urn:microsoft.com/office/officeart/2008/layout/HorizontalMultiLevelHierarchy"/>
-    <dgm:cxn modelId="{B0406CC3-948F-4FF8-8E28-6E2FD12D39F6}" type="presParOf" srcId="{EB92D9D9-8625-4AEF-AF00-C36FDC8429E0}" destId="{2969CB31-A149-4562-956E-EE88D1CFDFBC}" srcOrd="11" destOrd="0" presId="urn:microsoft.com/office/officeart/2008/layout/HorizontalMultiLevelHierarchy"/>
-    <dgm:cxn modelId="{E18D1373-5996-48C9-AC8D-4BDF7639CEF4}" type="presParOf" srcId="{2969CB31-A149-4562-956E-EE88D1CFDFBC}" destId="{6CA808D1-1829-443E-87F6-A3D4BF30E2E1}" srcOrd="0" destOrd="0" presId="urn:microsoft.com/office/officeart/2008/layout/HorizontalMultiLevelHierarchy"/>
-    <dgm:cxn modelId="{8E8E609A-A48D-4B5D-87E0-736D3DD8BB0C}" type="presParOf" srcId="{2969CB31-A149-4562-956E-EE88D1CFDFBC}" destId="{B301AEBB-12EF-40FD-ABDA-4D60B82F6AC3}" srcOrd="1" destOrd="0" presId="urn:microsoft.com/office/officeart/2008/layout/HorizontalMultiLevelHierarchy"/>
-    <dgm:cxn modelId="{D0B5846B-64E2-4127-92D1-FCDB34239FEF}" type="presParOf" srcId="{EB92D9D9-8625-4AEF-AF00-C36FDC8429E0}" destId="{7E7E8E16-B053-4845-8A47-089CD9A78F56}" srcOrd="12" destOrd="0" presId="urn:microsoft.com/office/officeart/2008/layout/HorizontalMultiLevelHierarchy"/>
-    <dgm:cxn modelId="{A9B201F6-C180-4905-BC9F-C2FB52460955}" type="presParOf" srcId="{7E7E8E16-B053-4845-8A47-089CD9A78F56}" destId="{44297386-6A8E-4205-B11B-EB5E3AEADFFA}" srcOrd="0" destOrd="0" presId="urn:microsoft.com/office/officeart/2008/layout/HorizontalMultiLevelHierarchy"/>
-    <dgm:cxn modelId="{671A28ED-FD45-4A7F-921E-619E95CD7023}" type="presParOf" srcId="{EB92D9D9-8625-4AEF-AF00-C36FDC8429E0}" destId="{A91A14B7-0A3A-45F6-A20E-D894C20CE31D}" srcOrd="13" destOrd="0" presId="urn:microsoft.com/office/officeart/2008/layout/HorizontalMultiLevelHierarchy"/>
-    <dgm:cxn modelId="{A350B8E0-360D-47B1-85D1-0709DDAA37D9}" type="presParOf" srcId="{A91A14B7-0A3A-45F6-A20E-D894C20CE31D}" destId="{0E9277A7-885A-405A-97CE-FCC3592A1BA5}" srcOrd="0" destOrd="0" presId="urn:microsoft.com/office/officeart/2008/layout/HorizontalMultiLevelHierarchy"/>
-    <dgm:cxn modelId="{0930472D-0793-4F1B-AF53-77D7CE953480}" type="presParOf" srcId="{A91A14B7-0A3A-45F6-A20E-D894C20CE31D}" destId="{B9CF3214-80A5-4634-97C1-CD556EC284A5}" srcOrd="1" destOrd="0" presId="urn:microsoft.com/office/officeart/2008/layout/HorizontalMultiLevelHierarchy"/>
-    <dgm:cxn modelId="{3AB80ACF-766A-4E32-A47B-8D021BC61C28}" type="presParOf" srcId="{EB92D9D9-8625-4AEF-AF00-C36FDC8429E0}" destId="{318AA675-F1F1-4413-9EB0-B499B7BD47F3}" srcOrd="14" destOrd="0" presId="urn:microsoft.com/office/officeart/2008/layout/HorizontalMultiLevelHierarchy"/>
-    <dgm:cxn modelId="{4020A454-4131-47B9-A2E9-2A6DD00DE742}" type="presParOf" srcId="{318AA675-F1F1-4413-9EB0-B499B7BD47F3}" destId="{C70DE741-3049-4844-B66D-2F337AE86EC9}" srcOrd="0" destOrd="0" presId="urn:microsoft.com/office/officeart/2008/layout/HorizontalMultiLevelHierarchy"/>
-    <dgm:cxn modelId="{5DBF7947-3DF8-4947-99C0-30CAE43CEA76}" type="presParOf" srcId="{EB92D9D9-8625-4AEF-AF00-C36FDC8429E0}" destId="{54E66034-B7AA-44BE-894D-52354DEA877A}" srcOrd="15" destOrd="0" presId="urn:microsoft.com/office/officeart/2008/layout/HorizontalMultiLevelHierarchy"/>
-    <dgm:cxn modelId="{0418A8C7-68D8-4161-AA4E-8CE0E232E336}" type="presParOf" srcId="{54E66034-B7AA-44BE-894D-52354DEA877A}" destId="{2277A565-CE33-4308-8FFC-6C45A4070994}" srcOrd="0" destOrd="0" presId="urn:microsoft.com/office/officeart/2008/layout/HorizontalMultiLevelHierarchy"/>
-    <dgm:cxn modelId="{8AD4B3BE-B518-4C0E-851C-3470D22F845C}" type="presParOf" srcId="{54E66034-B7AA-44BE-894D-52354DEA877A}" destId="{3CA91790-B44C-404F-A610-59D93C460E3E}" srcOrd="1" destOrd="0" presId="urn:microsoft.com/office/officeart/2008/layout/HorizontalMultiLevelHierarchy"/>
+    <dgm:cxn modelId="{483684E9-2E5E-4E82-8399-DF7BD4142C37}" type="presParOf" srcId="{DEB296E9-1E75-4B40-8CBF-C0BEDD712C86}" destId="{A7F62CF6-FBC8-4113-A623-83EC55E48568}" srcOrd="0" destOrd="0" presId="urn:microsoft.com/office/officeart/2008/layout/HorizontalMultiLevelHierarchy#1"/>
+    <dgm:cxn modelId="{FC2BEAFC-4299-4B58-993C-83BD47E1E08E}" type="presParOf" srcId="{A7F62CF6-FBC8-4113-A623-83EC55E48568}" destId="{102B82C0-6243-4AFF-842F-FEC267C347BD}" srcOrd="0" destOrd="0" presId="urn:microsoft.com/office/officeart/2008/layout/HorizontalMultiLevelHierarchy#1"/>
+    <dgm:cxn modelId="{C096BAF9-8F4C-426A-B217-50607D2F68DE}" type="presParOf" srcId="{A7F62CF6-FBC8-4113-A623-83EC55E48568}" destId="{EB92D9D9-8625-4AEF-AF00-C36FDC8429E0}" srcOrd="1" destOrd="0" presId="urn:microsoft.com/office/officeart/2008/layout/HorizontalMultiLevelHierarchy#1"/>
+    <dgm:cxn modelId="{D2998DFD-3ECF-438E-8F63-EDC3B962A4B0}" type="presParOf" srcId="{EB92D9D9-8625-4AEF-AF00-C36FDC8429E0}" destId="{E3421BF1-8785-4D75-8D4E-776E74282F68}" srcOrd="0" destOrd="0" presId="urn:microsoft.com/office/officeart/2008/layout/HorizontalMultiLevelHierarchy#1"/>
+    <dgm:cxn modelId="{812E2FCC-755A-4822-87FD-F332767EF142}" type="presParOf" srcId="{E3421BF1-8785-4D75-8D4E-776E74282F68}" destId="{5CDECEDC-54AE-4171-9793-2CCA15B36DDE}" srcOrd="0" destOrd="0" presId="urn:microsoft.com/office/officeart/2008/layout/HorizontalMultiLevelHierarchy#1"/>
+    <dgm:cxn modelId="{59FBFF61-443A-479F-A316-BF8F1442DF8E}" type="presParOf" srcId="{EB92D9D9-8625-4AEF-AF00-C36FDC8429E0}" destId="{A7FC231E-3E91-4A5E-BBD5-63268A1C63C4}" srcOrd="1" destOrd="0" presId="urn:microsoft.com/office/officeart/2008/layout/HorizontalMultiLevelHierarchy#1"/>
+    <dgm:cxn modelId="{7228DF93-7749-4264-B0E1-35A0FDB92C85}" type="presParOf" srcId="{A7FC231E-3E91-4A5E-BBD5-63268A1C63C4}" destId="{A63ECC77-27DD-4872-ABB2-C1CB6FFDC649}" srcOrd="0" destOrd="0" presId="urn:microsoft.com/office/officeart/2008/layout/HorizontalMultiLevelHierarchy#1"/>
+    <dgm:cxn modelId="{4139862A-40AA-486D-BD26-7CCC4155C2F1}" type="presParOf" srcId="{A7FC231E-3E91-4A5E-BBD5-63268A1C63C4}" destId="{38964B0C-1739-4195-BDD5-0888E79224AB}" srcOrd="1" destOrd="0" presId="urn:microsoft.com/office/officeart/2008/layout/HorizontalMultiLevelHierarchy#1"/>
+    <dgm:cxn modelId="{B68B9F57-42FE-4AF1-9B25-5F56CB2B1A82}" type="presParOf" srcId="{EB92D9D9-8625-4AEF-AF00-C36FDC8429E0}" destId="{78E98673-2296-4C47-B551-5B2387AF51DC}" srcOrd="2" destOrd="0" presId="urn:microsoft.com/office/officeart/2008/layout/HorizontalMultiLevelHierarchy#1"/>
+    <dgm:cxn modelId="{A1E98F14-EAFB-4AA9-9D23-8373CCD4D1EA}" type="presParOf" srcId="{78E98673-2296-4C47-B551-5B2387AF51DC}" destId="{0CA853FF-4798-4621-BC86-16D18817B30B}" srcOrd="0" destOrd="0" presId="urn:microsoft.com/office/officeart/2008/layout/HorizontalMultiLevelHierarchy#1"/>
+    <dgm:cxn modelId="{3FAAAEE3-CBEE-4656-B490-DD86DF7AC018}" type="presParOf" srcId="{EB92D9D9-8625-4AEF-AF00-C36FDC8429E0}" destId="{C88114FF-315D-4EAC-9E9D-5792498AFD8B}" srcOrd="3" destOrd="0" presId="urn:microsoft.com/office/officeart/2008/layout/HorizontalMultiLevelHierarchy#1"/>
+    <dgm:cxn modelId="{D3C17B4F-2D37-4DB1-95BB-1EC1F7F37413}" type="presParOf" srcId="{C88114FF-315D-4EAC-9E9D-5792498AFD8B}" destId="{8930C6D7-98CD-4DBD-9E2D-D8B3593DA865}" srcOrd="0" destOrd="0" presId="urn:microsoft.com/office/officeart/2008/layout/HorizontalMultiLevelHierarchy#1"/>
+    <dgm:cxn modelId="{5276A62A-88CD-4736-A64E-F9EF42EB5F9B}" type="presParOf" srcId="{C88114FF-315D-4EAC-9E9D-5792498AFD8B}" destId="{DF23C36D-3CEC-42BF-941B-580A564D6BEC}" srcOrd="1" destOrd="0" presId="urn:microsoft.com/office/officeart/2008/layout/HorizontalMultiLevelHierarchy#1"/>
+    <dgm:cxn modelId="{EE975CB8-903A-48F2-8683-8675340D8A11}" type="presParOf" srcId="{EB92D9D9-8625-4AEF-AF00-C36FDC8429E0}" destId="{534519AB-569A-4290-8E0B-64291B43B225}" srcOrd="4" destOrd="0" presId="urn:microsoft.com/office/officeart/2008/layout/HorizontalMultiLevelHierarchy#1"/>
+    <dgm:cxn modelId="{3AD596EE-9E4E-4D16-939B-DD0E8A333DC0}" type="presParOf" srcId="{534519AB-569A-4290-8E0B-64291B43B225}" destId="{BAA05368-3928-456A-AD66-AE5D39BAE525}" srcOrd="0" destOrd="0" presId="urn:microsoft.com/office/officeart/2008/layout/HorizontalMultiLevelHierarchy#1"/>
+    <dgm:cxn modelId="{0C446B81-CF93-442E-B2A4-350D0A0E0FAD}" type="presParOf" srcId="{EB92D9D9-8625-4AEF-AF00-C36FDC8429E0}" destId="{26A1CEB5-3081-4090-A1FB-0698158689B7}" srcOrd="5" destOrd="0" presId="urn:microsoft.com/office/officeart/2008/layout/HorizontalMultiLevelHierarchy#1"/>
+    <dgm:cxn modelId="{67E7BC5F-CC57-4633-9BA6-03B580F06FBA}" type="presParOf" srcId="{26A1CEB5-3081-4090-A1FB-0698158689B7}" destId="{6011EB5F-B8A1-4CF1-A515-5C89E838679B}" srcOrd="0" destOrd="0" presId="urn:microsoft.com/office/officeart/2008/layout/HorizontalMultiLevelHierarchy#1"/>
+    <dgm:cxn modelId="{582F4D90-A26B-4CA5-9380-92C10548C9B1}" type="presParOf" srcId="{26A1CEB5-3081-4090-A1FB-0698158689B7}" destId="{E26788F5-2E1F-458B-83BD-689F8DA170E7}" srcOrd="1" destOrd="0" presId="urn:microsoft.com/office/officeart/2008/layout/HorizontalMultiLevelHierarchy#1"/>
+    <dgm:cxn modelId="{19F66224-393C-4EAA-89E5-4BBC0DAC4A92}" type="presParOf" srcId="{EB92D9D9-8625-4AEF-AF00-C36FDC8429E0}" destId="{E2EC2FB9-B63E-48A7-A342-FBB2A0749B13}" srcOrd="6" destOrd="0" presId="urn:microsoft.com/office/officeart/2008/layout/HorizontalMultiLevelHierarchy#1"/>
+    <dgm:cxn modelId="{E9B8675A-069D-476E-9EA9-F800087F3A5D}" type="presParOf" srcId="{E2EC2FB9-B63E-48A7-A342-FBB2A0749B13}" destId="{F85754C6-E77F-4ADD-811B-D656C688CA6B}" srcOrd="0" destOrd="0" presId="urn:microsoft.com/office/officeart/2008/layout/HorizontalMultiLevelHierarchy#1"/>
+    <dgm:cxn modelId="{D2BAE64C-BFF4-4969-9AF5-7CA99E1EAE2F}" type="presParOf" srcId="{EB92D9D9-8625-4AEF-AF00-C36FDC8429E0}" destId="{A7297EB8-7D3D-430A-8DB0-C552339468D1}" srcOrd="7" destOrd="0" presId="urn:microsoft.com/office/officeart/2008/layout/HorizontalMultiLevelHierarchy#1"/>
+    <dgm:cxn modelId="{B5D7AF24-8A9F-4650-9D7A-D5579D0E2641}" type="presParOf" srcId="{A7297EB8-7D3D-430A-8DB0-C552339468D1}" destId="{9041456B-8D97-4923-8E9A-735B90619910}" srcOrd="0" destOrd="0" presId="urn:microsoft.com/office/officeart/2008/layout/HorizontalMultiLevelHierarchy#1"/>
+    <dgm:cxn modelId="{7FE6D092-906A-4DEF-9686-AB3987D225C2}" type="presParOf" srcId="{A7297EB8-7D3D-430A-8DB0-C552339468D1}" destId="{8DE23739-4651-49E5-89DD-02C9CDCC22C4}" srcOrd="1" destOrd="0" presId="urn:microsoft.com/office/officeart/2008/layout/HorizontalMultiLevelHierarchy#1"/>
+    <dgm:cxn modelId="{2A0BA33F-BEAB-4ACB-B142-0940A52DCCE2}" type="presParOf" srcId="{EB92D9D9-8625-4AEF-AF00-C36FDC8429E0}" destId="{DA72F500-FA80-4371-8ECE-318D0FEAF4D8}" srcOrd="8" destOrd="0" presId="urn:microsoft.com/office/officeart/2008/layout/HorizontalMultiLevelHierarchy#1"/>
+    <dgm:cxn modelId="{834FD9DC-D813-4988-B7BF-E7CC30990E50}" type="presParOf" srcId="{DA72F500-FA80-4371-8ECE-318D0FEAF4D8}" destId="{251EF7D7-DDE7-4C3A-A129-EA152C989CE1}" srcOrd="0" destOrd="0" presId="urn:microsoft.com/office/officeart/2008/layout/HorizontalMultiLevelHierarchy#1"/>
+    <dgm:cxn modelId="{8D21A273-2188-4656-9989-6FC7D3B39C3F}" type="presParOf" srcId="{EB92D9D9-8625-4AEF-AF00-C36FDC8429E0}" destId="{4BE611D4-783D-42FD-A9B9-3A2063A26EF8}" srcOrd="9" destOrd="0" presId="urn:microsoft.com/office/officeart/2008/layout/HorizontalMultiLevelHierarchy#1"/>
+    <dgm:cxn modelId="{68000486-4168-4326-BD48-92DC11287B3A}" type="presParOf" srcId="{4BE611D4-783D-42FD-A9B9-3A2063A26EF8}" destId="{E5298A1D-3D3C-4ABF-82DE-03F43E1D6302}" srcOrd="0" destOrd="0" presId="urn:microsoft.com/office/officeart/2008/layout/HorizontalMultiLevelHierarchy#1"/>
+    <dgm:cxn modelId="{DD319F75-B4B5-4A13-9866-D1A4C33E9842}" type="presParOf" srcId="{4BE611D4-783D-42FD-A9B9-3A2063A26EF8}" destId="{44004768-F069-4877-9D3E-E53D325AD7D6}" srcOrd="1" destOrd="0" presId="urn:microsoft.com/office/officeart/2008/layout/HorizontalMultiLevelHierarchy#1"/>
+    <dgm:cxn modelId="{4C539531-F013-4E1D-BBD4-E6E84A1F4E1D}" type="presParOf" srcId="{EB92D9D9-8625-4AEF-AF00-C36FDC8429E0}" destId="{AEAFC00F-1553-4930-9576-ECC45A2ECB17}" srcOrd="10" destOrd="0" presId="urn:microsoft.com/office/officeart/2008/layout/HorizontalMultiLevelHierarchy#1"/>
+    <dgm:cxn modelId="{A6C499B4-4019-4655-8886-808F1D1C61E3}" type="presParOf" srcId="{AEAFC00F-1553-4930-9576-ECC45A2ECB17}" destId="{46B485AF-75C0-4E62-B319-3EAD3F59101C}" srcOrd="0" destOrd="0" presId="urn:microsoft.com/office/officeart/2008/layout/HorizontalMultiLevelHierarchy#1"/>
+    <dgm:cxn modelId="{B0406CC3-948F-4FF8-8E28-6E2FD12D39F6}" type="presParOf" srcId="{EB92D9D9-8625-4AEF-AF00-C36FDC8429E0}" destId="{2969CB31-A149-4562-956E-EE88D1CFDFBC}" srcOrd="11" destOrd="0" presId="urn:microsoft.com/office/officeart/2008/layout/HorizontalMultiLevelHierarchy#1"/>
+    <dgm:cxn modelId="{E18D1373-5996-48C9-AC8D-4BDF7639CEF4}" type="presParOf" srcId="{2969CB31-A149-4562-956E-EE88D1CFDFBC}" destId="{6CA808D1-1829-443E-87F6-A3D4BF30E2E1}" srcOrd="0" destOrd="0" presId="urn:microsoft.com/office/officeart/2008/layout/HorizontalMultiLevelHierarchy#1"/>
+    <dgm:cxn modelId="{8E8E609A-A48D-4B5D-87E0-736D3DD8BB0C}" type="presParOf" srcId="{2969CB31-A149-4562-956E-EE88D1CFDFBC}" destId="{B301AEBB-12EF-40FD-ABDA-4D60B82F6AC3}" srcOrd="1" destOrd="0" presId="urn:microsoft.com/office/officeart/2008/layout/HorizontalMultiLevelHierarchy#1"/>
+    <dgm:cxn modelId="{D0B5846B-64E2-4127-92D1-FCDB34239FEF}" type="presParOf" srcId="{EB92D9D9-8625-4AEF-AF00-C36FDC8429E0}" destId="{7E7E8E16-B053-4845-8A47-089CD9A78F56}" srcOrd="12" destOrd="0" presId="urn:microsoft.com/office/officeart/2008/layout/HorizontalMultiLevelHierarchy#1"/>
+    <dgm:cxn modelId="{A9B201F6-C180-4905-BC9F-C2FB52460955}" type="presParOf" srcId="{7E7E8E16-B053-4845-8A47-089CD9A78F56}" destId="{44297386-6A8E-4205-B11B-EB5E3AEADFFA}" srcOrd="0" destOrd="0" presId="urn:microsoft.com/office/officeart/2008/layout/HorizontalMultiLevelHierarchy#1"/>
+    <dgm:cxn modelId="{671A28ED-FD45-4A7F-921E-619E95CD7023}" type="presParOf" srcId="{EB92D9D9-8625-4AEF-AF00-C36FDC8429E0}" destId="{A91A14B7-0A3A-45F6-A20E-D894C20CE31D}" srcOrd="13" destOrd="0" presId="urn:microsoft.com/office/officeart/2008/layout/HorizontalMultiLevelHierarchy#1"/>
+    <dgm:cxn modelId="{A350B8E0-360D-47B1-85D1-0709DDAA37D9}" type="presParOf" srcId="{A91A14B7-0A3A-45F6-A20E-D894C20CE31D}" destId="{0E9277A7-885A-405A-97CE-FCC3592A1BA5}" srcOrd="0" destOrd="0" presId="urn:microsoft.com/office/officeart/2008/layout/HorizontalMultiLevelHierarchy#1"/>
+    <dgm:cxn modelId="{0930472D-0793-4F1B-AF53-77D7CE953480}" type="presParOf" srcId="{A91A14B7-0A3A-45F6-A20E-D894C20CE31D}" destId="{B9CF3214-80A5-4634-97C1-CD556EC284A5}" srcOrd="1" destOrd="0" presId="urn:microsoft.com/office/officeart/2008/layout/HorizontalMultiLevelHierarchy#1"/>
+    <dgm:cxn modelId="{3AB80ACF-766A-4E32-A47B-8D021BC61C28}" type="presParOf" srcId="{EB92D9D9-8625-4AEF-AF00-C36FDC8429E0}" destId="{318AA675-F1F1-4413-9EB0-B499B7BD47F3}" srcOrd="14" destOrd="0" presId="urn:microsoft.com/office/officeart/2008/layout/HorizontalMultiLevelHierarchy#1"/>
+    <dgm:cxn modelId="{4020A454-4131-47B9-A2E9-2A6DD00DE742}" type="presParOf" srcId="{318AA675-F1F1-4413-9EB0-B499B7BD47F3}" destId="{C70DE741-3049-4844-B66D-2F337AE86EC9}" srcOrd="0" destOrd="0" presId="urn:microsoft.com/office/officeart/2008/layout/HorizontalMultiLevelHierarchy#1"/>
+    <dgm:cxn modelId="{5DBF7947-3DF8-4947-99C0-30CAE43CEA76}" type="presParOf" srcId="{EB92D9D9-8625-4AEF-AF00-C36FDC8429E0}" destId="{54E66034-B7AA-44BE-894D-52354DEA877A}" srcOrd="15" destOrd="0" presId="urn:microsoft.com/office/officeart/2008/layout/HorizontalMultiLevelHierarchy#1"/>
+    <dgm:cxn modelId="{0418A8C7-68D8-4161-AA4E-8CE0E232E336}" type="presParOf" srcId="{54E66034-B7AA-44BE-894D-52354DEA877A}" destId="{2277A565-CE33-4308-8FFC-6C45A4070994}" srcOrd="0" destOrd="0" presId="urn:microsoft.com/office/officeart/2008/layout/HorizontalMultiLevelHierarchy#1"/>
+    <dgm:cxn modelId="{8AD4B3BE-B518-4C0E-851C-3470D22F845C}" type="presParOf" srcId="{54E66034-B7AA-44BE-894D-52354DEA877A}" destId="{3CA91790-B44C-404F-A610-59D93C460E3E}" srcOrd="1" destOrd="0" presId="urn:microsoft.com/office/officeart/2008/layout/HorizontalMultiLevelHierarchy#1"/>
   </dgm:cxnLst>
   <dgm:bg/>
   <dgm:whole/>
   <dgm:extLst>
     <a:ext uri="http://schemas.microsoft.com/office/drawing/2008/diagram">
-      <dsp:dataModelExt xmlns:dsp="http://schemas.microsoft.com/office/drawing/2008/diagram" relId="rId5" minVer="http://schemas.openxmlformats.org/drawingml/2006/diagram"/>
+      <dsp:dataModelExt xmlns:dsp="http://schemas.microsoft.com/office/drawing/2008/diagram" relId="rId6" minVer="http://schemas.openxmlformats.org/drawingml/2006/diagram"/>
     </a:ext>
   </dgm:extLst>
 </dgm:dataModel>
@@ -6754,7 +6763,7 @@
 <dgm:dataModel xmlns:dgm="http://schemas.openxmlformats.org/drawingml/2006/diagram" xmlns:a="http://schemas.openxmlformats.org/drawingml/2006/main">
   <dgm:ptLst>
     <dgm:pt modelId="{CCEAA75D-7711-4A00-802E-F9F42EC5BA7A}" type="doc">
-      <dgm:prSet loTypeId="urn:microsoft.com/office/officeart/2008/layout/HorizontalMultiLevelHierarchy" loCatId="hierarchy" qsTypeId="urn:microsoft.com/office/officeart/2005/8/quickstyle/simple1" qsCatId="simple" csTypeId="urn:microsoft.com/office/officeart/2005/8/colors/accent0_1" csCatId="mainScheme" phldr="1"/>
+      <dgm:prSet loTypeId="urn:microsoft.com/office/officeart/2008/layout/HorizontalMultiLevelHierarchy#2" loCatId="hierarchy" qsTypeId="urn:microsoft.com/office/officeart/2005/8/quickstyle/simple1#2" qsCatId="simple" csTypeId="urn:microsoft.com/office/officeart/2005/8/colors/accent0_1#2" csCatId="mainScheme" phldr="1"/>
       <dgm:spPr/>
       <dgm:t>
         <a:bodyPr/>
@@ -6783,7 +6792,7 @@
         </a:p>
       </dgm:t>
     </dgm:pt>
-    <dgm:pt modelId="{6418F433-3F42-4A99-A93B-AC91C0FF8B1C}" cxnId="{C6970605-03BD-4C5B-8BF5-64D10C3A828A}" type="parTrans">
+    <dgm:pt modelId="{6418F433-3F42-4A99-A93B-AC91C0FF8B1C}" type="parTrans" cxnId="{C6970605-03BD-4C5B-8BF5-64D10C3A828A}">
       <dgm:prSet/>
       <dgm:spPr/>
       <dgm:t>
@@ -6794,7 +6803,7 @@
         </a:p>
       </dgm:t>
     </dgm:pt>
-    <dgm:pt modelId="{CD85D536-A820-448F-A56B-EA5C90AD3F6A}" cxnId="{C6970605-03BD-4C5B-8BF5-64D10C3A828A}" type="sibTrans">
+    <dgm:pt modelId="{CD85D536-A820-448F-A56B-EA5C90AD3F6A}" type="sibTrans" cxnId="{C6970605-03BD-4C5B-8BF5-64D10C3A828A}">
       <dgm:prSet/>
       <dgm:spPr/>
       <dgm:t>
@@ -6820,7 +6829,7 @@
         </a:p>
       </dgm:t>
     </dgm:pt>
-    <dgm:pt modelId="{5390F5AB-4CA5-4B0F-A7C0-18194751DF48}" cxnId="{073BFEA4-6C18-4891-BFDD-336FCCFE587C}" type="parTrans">
+    <dgm:pt modelId="{5390F5AB-4CA5-4B0F-A7C0-18194751DF48}" type="parTrans" cxnId="{073BFEA4-6C18-4891-BFDD-336FCCFE587C}">
       <dgm:prSet/>
       <dgm:spPr/>
       <dgm:t>
@@ -6831,7 +6840,7 @@
         </a:p>
       </dgm:t>
     </dgm:pt>
-    <dgm:pt modelId="{79648331-0337-4E18-B057-868EBB78375E}" cxnId="{073BFEA4-6C18-4891-BFDD-336FCCFE587C}" type="sibTrans">
+    <dgm:pt modelId="{79648331-0337-4E18-B057-868EBB78375E}" type="sibTrans" cxnId="{073BFEA4-6C18-4891-BFDD-336FCCFE587C}">
       <dgm:prSet/>
       <dgm:spPr/>
       <dgm:t>
@@ -6860,7 +6869,7 @@
         </a:p>
       </dgm:t>
     </dgm:pt>
-    <dgm:pt modelId="{ECB75868-304B-48F8-9CD0-C801050000A6}" cxnId="{CACF7395-F306-401A-92A7-CB64E3DA2C5C}" type="parTrans">
+    <dgm:pt modelId="{ECB75868-304B-48F8-9CD0-C801050000A6}" type="parTrans" cxnId="{CACF7395-F306-401A-92A7-CB64E3DA2C5C}">
       <dgm:prSet/>
       <dgm:spPr/>
       <dgm:t>
@@ -6871,7 +6880,7 @@
         </a:p>
       </dgm:t>
     </dgm:pt>
-    <dgm:pt modelId="{471BC183-0BF8-4C1B-8AB0-7D4CC5802343}" cxnId="{CACF7395-F306-401A-92A7-CB64E3DA2C5C}" type="sibTrans">
+    <dgm:pt modelId="{471BC183-0BF8-4C1B-8AB0-7D4CC5802343}" type="sibTrans" cxnId="{CACF7395-F306-401A-92A7-CB64E3DA2C5C}">
       <dgm:prSet/>
       <dgm:spPr/>
       <dgm:t>
@@ -6897,7 +6906,7 @@
         </a:p>
       </dgm:t>
     </dgm:pt>
-    <dgm:pt modelId="{DA79ECD4-CC61-4B37-860A-F0C87FAFB4DA}" cxnId="{D95352F2-DF78-4BFB-821A-DC0CC3153B2F}" type="parTrans">
+    <dgm:pt modelId="{DA79ECD4-CC61-4B37-860A-F0C87FAFB4DA}" type="parTrans" cxnId="{D95352F2-DF78-4BFB-821A-DC0CC3153B2F}">
       <dgm:prSet/>
       <dgm:spPr/>
       <dgm:t>
@@ -6908,7 +6917,7 @@
         </a:p>
       </dgm:t>
     </dgm:pt>
-    <dgm:pt modelId="{AB0C640B-32EB-49A2-A74D-5822A80E0E8E}" cxnId="{D95352F2-DF78-4BFB-821A-DC0CC3153B2F}" type="sibTrans">
+    <dgm:pt modelId="{AB0C640B-32EB-49A2-A74D-5822A80E0E8E}" type="sibTrans" cxnId="{D95352F2-DF78-4BFB-821A-DC0CC3153B2F}">
       <dgm:prSet/>
       <dgm:spPr/>
       <dgm:t>
@@ -6937,7 +6946,7 @@
         </a:p>
       </dgm:t>
     </dgm:pt>
-    <dgm:pt modelId="{EC35BBE5-848A-4791-860D-12A16E4B193B}" cxnId="{4FA03BD8-DB6F-4A98-B413-79B41C825C3C}" type="parTrans">
+    <dgm:pt modelId="{EC35BBE5-848A-4791-860D-12A16E4B193B}" type="parTrans" cxnId="{4FA03BD8-DB6F-4A98-B413-79B41C825C3C}">
       <dgm:prSet/>
       <dgm:spPr/>
       <dgm:t>
@@ -6948,7 +6957,7 @@
         </a:p>
       </dgm:t>
     </dgm:pt>
-    <dgm:pt modelId="{42566899-F43B-4801-89BE-FDCBA6A001C0}" cxnId="{4FA03BD8-DB6F-4A98-B413-79B41C825C3C}" type="sibTrans">
+    <dgm:pt modelId="{42566899-F43B-4801-89BE-FDCBA6A001C0}" type="sibTrans" cxnId="{4FA03BD8-DB6F-4A98-B413-79B41C825C3C}">
       <dgm:prSet/>
       <dgm:spPr/>
       <dgm:t>
@@ -6977,7 +6986,7 @@
         </a:p>
       </dgm:t>
     </dgm:pt>
-    <dgm:pt modelId="{52CDD9B4-3777-47D7-8068-972F25377AEA}" cxnId="{DFB8D7CA-5680-4520-8595-6F00A3F58B05}" type="parTrans">
+    <dgm:pt modelId="{52CDD9B4-3777-47D7-8068-972F25377AEA}" type="parTrans" cxnId="{DFB8D7CA-5680-4520-8595-6F00A3F58B05}">
       <dgm:prSet/>
       <dgm:spPr/>
       <dgm:t>
@@ -6988,7 +6997,7 @@
         </a:p>
       </dgm:t>
     </dgm:pt>
-    <dgm:pt modelId="{3C425ACC-C343-4582-A56B-AFD9B88C1A79}" cxnId="{DFB8D7CA-5680-4520-8595-6F00A3F58B05}" type="sibTrans">
+    <dgm:pt modelId="{3C425ACC-C343-4582-A56B-AFD9B88C1A79}" type="sibTrans" cxnId="{DFB8D7CA-5680-4520-8595-6F00A3F58B05}">
       <dgm:prSet/>
       <dgm:spPr/>
       <dgm:t>
@@ -7017,7 +7026,7 @@
         </a:p>
       </dgm:t>
     </dgm:pt>
-    <dgm:pt modelId="{11015663-2A0B-41EB-A951-4D5568D49272}" cxnId="{FC24CD73-5C4A-4C35-8995-24421B17212D}" type="parTrans">
+    <dgm:pt modelId="{11015663-2A0B-41EB-A951-4D5568D49272}" type="parTrans" cxnId="{FC24CD73-5C4A-4C35-8995-24421B17212D}">
       <dgm:prSet/>
       <dgm:spPr/>
       <dgm:t>
@@ -7028,7 +7037,7 @@
         </a:p>
       </dgm:t>
     </dgm:pt>
-    <dgm:pt modelId="{A5E49DBA-9877-4150-BC22-88ADC9ABF740}" cxnId="{FC24CD73-5C4A-4C35-8995-24421B17212D}" type="sibTrans">
+    <dgm:pt modelId="{A5E49DBA-9877-4150-BC22-88ADC9ABF740}" type="sibTrans" cxnId="{FC24CD73-5C4A-4C35-8995-24421B17212D}">
       <dgm:prSet/>
       <dgm:spPr/>
       <dgm:t>
@@ -7057,7 +7066,7 @@
         </a:p>
       </dgm:t>
     </dgm:pt>
-    <dgm:pt modelId="{AB0D5250-4553-4398-8E2C-AA3671A27AA5}" cxnId="{F8A16804-102B-46CC-BC05-27CD3078EA48}" type="parTrans">
+    <dgm:pt modelId="{AB0D5250-4553-4398-8E2C-AA3671A27AA5}" type="parTrans" cxnId="{F8A16804-102B-46CC-BC05-27CD3078EA48}">
       <dgm:prSet/>
       <dgm:spPr/>
       <dgm:t>
@@ -7068,7 +7077,7 @@
         </a:p>
       </dgm:t>
     </dgm:pt>
-    <dgm:pt modelId="{5E1BD4D1-D9CF-4C86-B566-5D3218B76E31}" cxnId="{F8A16804-102B-46CC-BC05-27CD3078EA48}" type="sibTrans">
+    <dgm:pt modelId="{5E1BD4D1-D9CF-4C86-B566-5D3218B76E31}" type="sibTrans" cxnId="{F8A16804-102B-46CC-BC05-27CD3078EA48}">
       <dgm:prSet/>
       <dgm:spPr/>
       <dgm:t>
@@ -7097,7 +7106,7 @@
         </a:p>
       </dgm:t>
     </dgm:pt>
-    <dgm:pt modelId="{5A26A75D-DC82-4A8E-B17F-EEBBF8C99C54}" cxnId="{FCB84D3B-00ED-4496-8C50-A22C105E4C4F}" type="parTrans">
+    <dgm:pt modelId="{5A26A75D-DC82-4A8E-B17F-EEBBF8C99C54}" type="parTrans" cxnId="{FCB84D3B-00ED-4496-8C50-A22C105E4C4F}">
       <dgm:prSet/>
       <dgm:spPr/>
       <dgm:t>
@@ -7108,7 +7117,7 @@
         </a:p>
       </dgm:t>
     </dgm:pt>
-    <dgm:pt modelId="{08CA288E-D272-4F6B-BBE2-216FE7413FFD}" cxnId="{FCB84D3B-00ED-4496-8C50-A22C105E4C4F}" type="sibTrans">
+    <dgm:pt modelId="{08CA288E-D272-4F6B-BBE2-216FE7413FFD}" type="sibTrans" cxnId="{FCB84D3B-00ED-4496-8C50-A22C105E4C4F}">
       <dgm:prSet/>
       <dgm:spPr/>
       <dgm:t>
@@ -7138,7 +7147,7 @@
         </a:p>
       </dgm:t>
     </dgm:pt>
-    <dgm:pt modelId="{165F59CF-FB06-437F-ACF0-AE7C739ED7B3}" cxnId="{6BC8B815-CB2B-4D22-B986-F12308F4DC8A}" type="parTrans">
+    <dgm:pt modelId="{165F59CF-FB06-437F-ACF0-AE7C739ED7B3}" type="parTrans" cxnId="{6BC8B815-CB2B-4D22-B986-F12308F4DC8A}">
       <dgm:prSet/>
       <dgm:spPr/>
       <dgm:t>
@@ -7149,7 +7158,7 @@
         </a:p>
       </dgm:t>
     </dgm:pt>
-    <dgm:pt modelId="{7F844452-A868-4768-ACDC-6CFB3C303795}" cxnId="{6BC8B815-CB2B-4D22-B986-F12308F4DC8A}" type="sibTrans">
+    <dgm:pt modelId="{7F844452-A868-4768-ACDC-6CFB3C303795}" type="sibTrans" cxnId="{6BC8B815-CB2B-4D22-B986-F12308F4DC8A}">
       <dgm:prSet/>
       <dgm:spPr/>
       <dgm:t>
@@ -7178,7 +7187,7 @@
         </a:p>
       </dgm:t>
     </dgm:pt>
-    <dgm:pt modelId="{B5220A60-8490-428B-A4F0-1454F9269F31}" cxnId="{F3173EEC-0A57-40A7-B665-B3E10EFE574A}" type="parTrans">
+    <dgm:pt modelId="{B5220A60-8490-428B-A4F0-1454F9269F31}" type="parTrans" cxnId="{F3173EEC-0A57-40A7-B665-B3E10EFE574A}">
       <dgm:prSet/>
       <dgm:spPr/>
       <dgm:t>
@@ -7189,7 +7198,7 @@
         </a:p>
       </dgm:t>
     </dgm:pt>
-    <dgm:pt modelId="{944BC1C5-6B57-40FB-A253-53A8BAD5B54E}" cxnId="{F3173EEC-0A57-40A7-B665-B3E10EFE574A}" type="sibTrans">
+    <dgm:pt modelId="{944BC1C5-6B57-40FB-A253-53A8BAD5B54E}" type="sibTrans" cxnId="{F3173EEC-0A57-40A7-B665-B3E10EFE574A}">
       <dgm:prSet/>
       <dgm:spPr/>
       <dgm:t>
@@ -7218,7 +7227,7 @@
         </a:p>
       </dgm:t>
     </dgm:pt>
-    <dgm:pt modelId="{D019B779-A8A9-45CD-938D-3493D8D1DD37}" cxnId="{B8619530-FD57-4D53-A0CF-848A2C625D06}" type="parTrans">
+    <dgm:pt modelId="{D019B779-A8A9-45CD-938D-3493D8D1DD37}" type="parTrans" cxnId="{B8619530-FD57-4D53-A0CF-848A2C625D06}">
       <dgm:prSet/>
       <dgm:spPr/>
       <dgm:t>
@@ -7229,7 +7238,7 @@
         </a:p>
       </dgm:t>
     </dgm:pt>
-    <dgm:pt modelId="{2162D3C9-165C-4E73-A2CF-DD11A4113215}" cxnId="{B8619530-FD57-4D53-A0CF-848A2C625D06}" type="sibTrans">
+    <dgm:pt modelId="{2162D3C9-165C-4E73-A2CF-DD11A4113215}" type="sibTrans" cxnId="{B8619530-FD57-4D53-A0CF-848A2C625D06}">
       <dgm:prSet/>
       <dgm:spPr/>
       <dgm:t>
@@ -7258,7 +7267,7 @@
         </a:p>
       </dgm:t>
     </dgm:pt>
-    <dgm:pt modelId="{5934C9BF-0759-4C32-9E11-3B5DA225E153}" cxnId="{8CE978A5-AF34-4F79-B743-30C0B0E22BF3}" type="parTrans">
+    <dgm:pt modelId="{5934C9BF-0759-4C32-9E11-3B5DA225E153}" type="parTrans" cxnId="{8CE978A5-AF34-4F79-B743-30C0B0E22BF3}">
       <dgm:prSet/>
       <dgm:spPr/>
       <dgm:t>
@@ -7269,7 +7278,7 @@
         </a:p>
       </dgm:t>
     </dgm:pt>
-    <dgm:pt modelId="{1CF773C3-C46C-4FC1-A464-506C37E59A73}" cxnId="{8CE978A5-AF34-4F79-B743-30C0B0E22BF3}" type="sibTrans">
+    <dgm:pt modelId="{1CF773C3-C46C-4FC1-A464-506C37E59A73}" type="sibTrans" cxnId="{8CE978A5-AF34-4F79-B743-30C0B0E22BF3}">
       <dgm:prSet/>
       <dgm:spPr/>
       <dgm:t>
@@ -7299,7 +7308,7 @@
         </a:p>
       </dgm:t>
     </dgm:pt>
-    <dgm:pt modelId="{8C18E1C1-DED7-41B6-8967-E40DBFF5BA3A}" cxnId="{E6C912DA-C4E4-4712-9F9A-CAE6FC348E31}" type="parTrans">
+    <dgm:pt modelId="{8C18E1C1-DED7-41B6-8967-E40DBFF5BA3A}" type="parTrans" cxnId="{E6C912DA-C4E4-4712-9F9A-CAE6FC348E31}">
       <dgm:prSet/>
       <dgm:spPr/>
       <dgm:t>
@@ -7310,7 +7319,7 @@
         </a:p>
       </dgm:t>
     </dgm:pt>
-    <dgm:pt modelId="{0F97042C-9402-4BCC-8029-0F6DCA1AA74E}" cxnId="{E6C912DA-C4E4-4712-9F9A-CAE6FC348E31}" type="sibTrans">
+    <dgm:pt modelId="{0F97042C-9402-4BCC-8029-0F6DCA1AA74E}" type="sibTrans" cxnId="{E6C912DA-C4E4-4712-9F9A-CAE6FC348E31}">
       <dgm:prSet/>
       <dgm:spPr/>
       <dgm:t>
@@ -7663,135 +7672,135 @@
     </dgm:pt>
   </dgm:ptLst>
   <dgm:cxnLst>
-    <dgm:cxn modelId="{612C4202-91DA-493B-9529-83C312F7764E}" type="presOf" srcId="{CE108FBB-9967-4BF8-8FFC-E656E4BE1628}" destId="{ED462EB3-C637-4570-B42B-6E45F145F134}" srcOrd="0" destOrd="0" presId="urn:microsoft.com/office/officeart/2008/layout/HorizontalMultiLevelHierarchy"/>
+    <dgm:cxn modelId="{612C4202-91DA-493B-9529-83C312F7764E}" type="presOf" srcId="{CE108FBB-9967-4BF8-8FFC-E656E4BE1628}" destId="{ED462EB3-C637-4570-B42B-6E45F145F134}" srcOrd="0" destOrd="0" presId="urn:microsoft.com/office/officeart/2008/layout/HorizontalMultiLevelHierarchy#2"/>
     <dgm:cxn modelId="{F8A16804-102B-46CC-BC05-27CD3078EA48}" srcId="{09873665-52E5-43E4-8C4D-2382C2DBF8EA}" destId="{8C8728C0-C646-48FF-81EE-486B53741D8A}" srcOrd="4" destOrd="0" parTransId="{AB0D5250-4553-4398-8E2C-AA3671A27AA5}" sibTransId="{5E1BD4D1-D9CF-4C86-B566-5D3218B76E31}"/>
     <dgm:cxn modelId="{C6970605-03BD-4C5B-8BF5-64D10C3A828A}" srcId="{CCEAA75D-7711-4A00-802E-F9F42EC5BA7A}" destId="{30D50822-84C3-4176-8991-D6265F50823E}" srcOrd="0" destOrd="0" parTransId="{6418F433-3F42-4A99-A93B-AC91C0FF8B1C}" sibTransId="{CD85D536-A820-448F-A56B-EA5C90AD3F6A}"/>
-    <dgm:cxn modelId="{699B2805-8DD2-4595-A134-CE89624D045F}" type="presOf" srcId="{D019B779-A8A9-45CD-938D-3493D8D1DD37}" destId="{26B1D735-E696-4669-9EE0-C555BE21E395}" srcOrd="0" destOrd="0" presId="urn:microsoft.com/office/officeart/2008/layout/HorizontalMultiLevelHierarchy"/>
-    <dgm:cxn modelId="{3912C80B-4B35-4A9D-AFAB-2938A4FC4FCB}" type="presOf" srcId="{B85A3FB9-9A6A-46C4-979F-6D89C98A331A}" destId="{CD89B80F-D55F-4966-83EC-A9B8E44A28CC}" srcOrd="0" destOrd="0" presId="urn:microsoft.com/office/officeart/2008/layout/HorizontalMultiLevelHierarchy"/>
-    <dgm:cxn modelId="{92B4C411-4725-474A-BCB1-ADC7EF2746C1}" type="presOf" srcId="{5A26A75D-DC82-4A8E-B17F-EEBBF8C99C54}" destId="{D80E153A-59F9-41EE-905B-1CDFC32D1209}" srcOrd="0" destOrd="0" presId="urn:microsoft.com/office/officeart/2008/layout/HorizontalMultiLevelHierarchy"/>
+    <dgm:cxn modelId="{699B2805-8DD2-4595-A134-CE89624D045F}" type="presOf" srcId="{D019B779-A8A9-45CD-938D-3493D8D1DD37}" destId="{26B1D735-E696-4669-9EE0-C555BE21E395}" srcOrd="0" destOrd="0" presId="urn:microsoft.com/office/officeart/2008/layout/HorizontalMultiLevelHierarchy#2"/>
+    <dgm:cxn modelId="{3912C80B-4B35-4A9D-AFAB-2938A4FC4FCB}" type="presOf" srcId="{B85A3FB9-9A6A-46C4-979F-6D89C98A331A}" destId="{CD89B80F-D55F-4966-83EC-A9B8E44A28CC}" srcOrd="0" destOrd="0" presId="urn:microsoft.com/office/officeart/2008/layout/HorizontalMultiLevelHierarchy#2"/>
+    <dgm:cxn modelId="{92B4C411-4725-474A-BCB1-ADC7EF2746C1}" type="presOf" srcId="{5A26A75D-DC82-4A8E-B17F-EEBBF8C99C54}" destId="{D80E153A-59F9-41EE-905B-1CDFC32D1209}" srcOrd="0" destOrd="0" presId="urn:microsoft.com/office/officeart/2008/layout/HorizontalMultiLevelHierarchy#2"/>
     <dgm:cxn modelId="{6BC8B815-CB2B-4D22-B986-F12308F4DC8A}" srcId="{AF21C3D9-8353-45ED-8186-67A7938D5F22}" destId="{3C8014D2-9AF8-4B6D-873C-51919CBF2256}" srcOrd="1" destOrd="0" parTransId="{165F59CF-FB06-437F-ACF0-AE7C739ED7B3}" sibTransId="{7F844452-A868-4768-ACDC-6CFB3C303795}"/>
-    <dgm:cxn modelId="{8A94101E-A2F3-4C57-AC1A-4DD90312CAD2}" type="presOf" srcId="{11015663-2A0B-41EB-A951-4D5568D49272}" destId="{B18313EB-8667-4676-96D3-1BFCA2CD1218}" srcOrd="1" destOrd="0" presId="urn:microsoft.com/office/officeart/2008/layout/HorizontalMultiLevelHierarchy"/>
-    <dgm:cxn modelId="{698C0728-C7EA-4E1D-8EFC-59818C55F22D}" type="presOf" srcId="{165F59CF-FB06-437F-ACF0-AE7C739ED7B3}" destId="{66CF2449-22DC-443C-927D-401651C6EF7C}" srcOrd="1" destOrd="0" presId="urn:microsoft.com/office/officeart/2008/layout/HorizontalMultiLevelHierarchy"/>
-    <dgm:cxn modelId="{D25FEC2D-C182-4100-A991-B0FBE584B3E6}" type="presOf" srcId="{5934C9BF-0759-4C32-9E11-3B5DA225E153}" destId="{9A882045-F926-445E-BF0A-3AAB6CD0B70C}" srcOrd="0" destOrd="0" presId="urn:microsoft.com/office/officeart/2008/layout/HorizontalMultiLevelHierarchy"/>
+    <dgm:cxn modelId="{8A94101E-A2F3-4C57-AC1A-4DD90312CAD2}" type="presOf" srcId="{11015663-2A0B-41EB-A951-4D5568D49272}" destId="{B18313EB-8667-4676-96D3-1BFCA2CD1218}" srcOrd="1" destOrd="0" presId="urn:microsoft.com/office/officeart/2008/layout/HorizontalMultiLevelHierarchy#2"/>
+    <dgm:cxn modelId="{698C0728-C7EA-4E1D-8EFC-59818C55F22D}" type="presOf" srcId="{165F59CF-FB06-437F-ACF0-AE7C739ED7B3}" destId="{66CF2449-22DC-443C-927D-401651C6EF7C}" srcOrd="1" destOrd="0" presId="urn:microsoft.com/office/officeart/2008/layout/HorizontalMultiLevelHierarchy#2"/>
+    <dgm:cxn modelId="{D25FEC2D-C182-4100-A991-B0FBE584B3E6}" type="presOf" srcId="{5934C9BF-0759-4C32-9E11-3B5DA225E153}" destId="{9A882045-F926-445E-BF0A-3AAB6CD0B70C}" srcOrd="0" destOrd="0" presId="urn:microsoft.com/office/officeart/2008/layout/HorizontalMultiLevelHierarchy#2"/>
     <dgm:cxn modelId="{B8619530-FD57-4D53-A0CF-848A2C625D06}" srcId="{AF21C3D9-8353-45ED-8186-67A7938D5F22}" destId="{1E0575D9-5748-4398-9B93-DD6864E49F6C}" srcOrd="3" destOrd="0" parTransId="{D019B779-A8A9-45CD-938D-3493D8D1DD37}" sibTransId="{2162D3C9-165C-4E73-A2CF-DD11A4113215}"/>
-    <dgm:cxn modelId="{581CBA38-8F85-419E-BDB9-7C609AEC5464}" type="presOf" srcId="{8C18E1C1-DED7-41B6-8967-E40DBFF5BA3A}" destId="{E68CB3ED-F4FB-4EFF-93B5-5B7D82640667}" srcOrd="0" destOrd="0" presId="urn:microsoft.com/office/officeart/2008/layout/HorizontalMultiLevelHierarchy"/>
+    <dgm:cxn modelId="{581CBA38-8F85-419E-BDB9-7C609AEC5464}" type="presOf" srcId="{8C18E1C1-DED7-41B6-8967-E40DBFF5BA3A}" destId="{E68CB3ED-F4FB-4EFF-93B5-5B7D82640667}" srcOrd="0" destOrd="0" presId="urn:microsoft.com/office/officeart/2008/layout/HorizontalMultiLevelHierarchy#2"/>
     <dgm:cxn modelId="{FCB84D3B-00ED-4496-8C50-A22C105E4C4F}" srcId="{AF21C3D9-8353-45ED-8186-67A7938D5F22}" destId="{3EC20B52-2CC3-4BFC-85C5-2F6B0D05785E}" srcOrd="0" destOrd="0" parTransId="{5A26A75D-DC82-4A8E-B17F-EEBBF8C99C54}" sibTransId="{08CA288E-D272-4F6B-BBE2-216FE7413FFD}"/>
-    <dgm:cxn modelId="{FD035940-7A05-420D-A917-4F96DB2EF0D3}" type="presOf" srcId="{5390F5AB-4CA5-4B0F-A7C0-18194751DF48}" destId="{D9EE3440-85D3-4881-B1D6-691949CFB9F5}" srcOrd="1" destOrd="0" presId="urn:microsoft.com/office/officeart/2008/layout/HorizontalMultiLevelHierarchy"/>
-    <dgm:cxn modelId="{4C133F5C-8AB3-4697-894B-42E2BC4CC918}" type="presOf" srcId="{CCEAA75D-7711-4A00-802E-F9F42EC5BA7A}" destId="{00DB5933-41A5-4A4B-9091-5BF5F07D43BB}" srcOrd="0" destOrd="0" presId="urn:microsoft.com/office/officeart/2008/layout/HorizontalMultiLevelHierarchy"/>
-    <dgm:cxn modelId="{D3A74C43-5066-4DD5-9ACC-49F8CE2FE9C8}" type="presOf" srcId="{52CDD9B4-3777-47D7-8068-972F25377AEA}" destId="{5B831445-B011-4B47-ADE6-971D62402EC9}" srcOrd="1" destOrd="0" presId="urn:microsoft.com/office/officeart/2008/layout/HorizontalMultiLevelHierarchy"/>
-    <dgm:cxn modelId="{95A8A768-6BB6-4178-9A0E-3BC6DBCC6E6A}" type="presOf" srcId="{52CDD9B4-3777-47D7-8068-972F25377AEA}" destId="{5DF6C20D-2070-4E3A-85A2-76688C869C26}" srcOrd="0" destOrd="0" presId="urn:microsoft.com/office/officeart/2008/layout/HorizontalMultiLevelHierarchy"/>
-    <dgm:cxn modelId="{9157AD4B-5431-41C6-A113-B6C3024BF0C9}" type="presOf" srcId="{30D50822-84C3-4176-8991-D6265F50823E}" destId="{45C54206-0F79-4109-A601-E1C744A40849}" srcOrd="0" destOrd="0" presId="urn:microsoft.com/office/officeart/2008/layout/HorizontalMultiLevelHierarchy"/>
-    <dgm:cxn modelId="{A65E704D-3771-4961-A54D-BD326EBE0A02}" type="presOf" srcId="{B5220A60-8490-428B-A4F0-1454F9269F31}" destId="{E643E57A-D750-416D-8F5A-A9962A5D0236}" srcOrd="0" destOrd="0" presId="urn:microsoft.com/office/officeart/2008/layout/HorizontalMultiLevelHierarchy"/>
-    <dgm:cxn modelId="{4E7D9D4D-6190-4ED9-8340-931F78089C8F}" type="presOf" srcId="{ECB75868-304B-48F8-9CD0-C801050000A6}" destId="{617250C8-147B-4FD6-94AD-D08D1CBFB569}" srcOrd="1" destOrd="0" presId="urn:microsoft.com/office/officeart/2008/layout/HorizontalMultiLevelHierarchy"/>
-    <dgm:cxn modelId="{21E2434F-9F65-4CAC-9337-65816955DDD7}" type="presOf" srcId="{1E0575D9-5748-4398-9B93-DD6864E49F6C}" destId="{879734F7-5B85-4B17-B316-73D3FEB2F9EC}" srcOrd="0" destOrd="0" presId="urn:microsoft.com/office/officeart/2008/layout/HorizontalMultiLevelHierarchy"/>
+    <dgm:cxn modelId="{FD035940-7A05-420D-A917-4F96DB2EF0D3}" type="presOf" srcId="{5390F5AB-4CA5-4B0F-A7C0-18194751DF48}" destId="{D9EE3440-85D3-4881-B1D6-691949CFB9F5}" srcOrd="1" destOrd="0" presId="urn:microsoft.com/office/officeart/2008/layout/HorizontalMultiLevelHierarchy#2"/>
+    <dgm:cxn modelId="{4C133F5C-8AB3-4697-894B-42E2BC4CC918}" type="presOf" srcId="{CCEAA75D-7711-4A00-802E-F9F42EC5BA7A}" destId="{00DB5933-41A5-4A4B-9091-5BF5F07D43BB}" srcOrd="0" destOrd="0" presId="urn:microsoft.com/office/officeart/2008/layout/HorizontalMultiLevelHierarchy#2"/>
+    <dgm:cxn modelId="{D3A74C43-5066-4DD5-9ACC-49F8CE2FE9C8}" type="presOf" srcId="{52CDD9B4-3777-47D7-8068-972F25377AEA}" destId="{5B831445-B011-4B47-ADE6-971D62402EC9}" srcOrd="1" destOrd="0" presId="urn:microsoft.com/office/officeart/2008/layout/HorizontalMultiLevelHierarchy#2"/>
+    <dgm:cxn modelId="{95A8A768-6BB6-4178-9A0E-3BC6DBCC6E6A}" type="presOf" srcId="{52CDD9B4-3777-47D7-8068-972F25377AEA}" destId="{5DF6C20D-2070-4E3A-85A2-76688C869C26}" srcOrd="0" destOrd="0" presId="urn:microsoft.com/office/officeart/2008/layout/HorizontalMultiLevelHierarchy#2"/>
+    <dgm:cxn modelId="{9157AD4B-5431-41C6-A113-B6C3024BF0C9}" type="presOf" srcId="{30D50822-84C3-4176-8991-D6265F50823E}" destId="{45C54206-0F79-4109-A601-E1C744A40849}" srcOrd="0" destOrd="0" presId="urn:microsoft.com/office/officeart/2008/layout/HorizontalMultiLevelHierarchy#2"/>
+    <dgm:cxn modelId="{A65E704D-3771-4961-A54D-BD326EBE0A02}" type="presOf" srcId="{B5220A60-8490-428B-A4F0-1454F9269F31}" destId="{E643E57A-D750-416D-8F5A-A9962A5D0236}" srcOrd="0" destOrd="0" presId="urn:microsoft.com/office/officeart/2008/layout/HorizontalMultiLevelHierarchy#2"/>
+    <dgm:cxn modelId="{4E7D9D4D-6190-4ED9-8340-931F78089C8F}" type="presOf" srcId="{ECB75868-304B-48F8-9CD0-C801050000A6}" destId="{617250C8-147B-4FD6-94AD-D08D1CBFB569}" srcOrd="1" destOrd="0" presId="urn:microsoft.com/office/officeart/2008/layout/HorizontalMultiLevelHierarchy#2"/>
+    <dgm:cxn modelId="{21E2434F-9F65-4CAC-9337-65816955DDD7}" type="presOf" srcId="{1E0575D9-5748-4398-9B93-DD6864E49F6C}" destId="{879734F7-5B85-4B17-B316-73D3FEB2F9EC}" srcOrd="0" destOrd="0" presId="urn:microsoft.com/office/officeart/2008/layout/HorizontalMultiLevelHierarchy#2"/>
     <dgm:cxn modelId="{FC24CD73-5C4A-4C35-8995-24421B17212D}" srcId="{09873665-52E5-43E4-8C4D-2382C2DBF8EA}" destId="{01EED2D3-DB93-4E32-87F1-6108CAD18B70}" srcOrd="3" destOrd="0" parTransId="{11015663-2A0B-41EB-A951-4D5568D49272}" sibTransId="{A5E49DBA-9877-4150-BC22-88ADC9ABF740}"/>
-    <dgm:cxn modelId="{21ED8254-81DD-41F1-95AE-5B17B84EE424}" type="presOf" srcId="{09873665-52E5-43E4-8C4D-2382C2DBF8EA}" destId="{A5B8561B-3E16-4EC8-8C97-E9144931B153}" srcOrd="0" destOrd="0" presId="urn:microsoft.com/office/officeart/2008/layout/HorizontalMultiLevelHierarchy"/>
-    <dgm:cxn modelId="{3AB8BE74-3FB9-4103-AB3E-2DF610EC256A}" type="presOf" srcId="{5934C9BF-0759-4C32-9E11-3B5DA225E153}" destId="{867D14A5-AB39-4431-97B6-D9AC2E90A2B6}" srcOrd="1" destOrd="0" presId="urn:microsoft.com/office/officeart/2008/layout/HorizontalMultiLevelHierarchy"/>
-    <dgm:cxn modelId="{8C3E3F83-AB2A-41EF-903F-C1E6AB21C893}" type="presOf" srcId="{EC35BBE5-848A-4791-860D-12A16E4B193B}" destId="{EB3C7EBA-0991-4B0C-BE3A-7320353FD1C7}" srcOrd="1" destOrd="0" presId="urn:microsoft.com/office/officeart/2008/layout/HorizontalMultiLevelHierarchy"/>
-    <dgm:cxn modelId="{66402B86-F7B3-46C2-B417-5AD882AE13E3}" type="presOf" srcId="{ECB75868-304B-48F8-9CD0-C801050000A6}" destId="{56660007-0D91-47FC-AFA7-4DDF9ED3CCFB}" srcOrd="0" destOrd="0" presId="urn:microsoft.com/office/officeart/2008/layout/HorizontalMultiLevelHierarchy"/>
-    <dgm:cxn modelId="{3D314A86-3CFF-47ED-9382-2A6EE5A8ADDD}" type="presOf" srcId="{11015663-2A0B-41EB-A951-4D5568D49272}" destId="{60AD70B9-9118-4F65-B9C2-E57AE62DE7C2}" srcOrd="0" destOrd="0" presId="urn:microsoft.com/office/officeart/2008/layout/HorizontalMultiLevelHierarchy"/>
-    <dgm:cxn modelId="{A2545C8B-3BFD-4089-8107-6BD423E1B36C}" type="presOf" srcId="{E676575B-2A98-4796-B089-CCD1B6B6B0EA}" destId="{56265BA8-9ABE-4FD1-8CFF-EBD4618A396E}" srcOrd="0" destOrd="0" presId="urn:microsoft.com/office/officeart/2008/layout/HorizontalMultiLevelHierarchy"/>
-    <dgm:cxn modelId="{FA72BF90-88DA-40FF-9134-850379A41A58}" type="presOf" srcId="{8C18E1C1-DED7-41B6-8967-E40DBFF5BA3A}" destId="{AB148D73-7E5C-4298-982E-D38D8A25BC40}" srcOrd="1" destOrd="0" presId="urn:microsoft.com/office/officeart/2008/layout/HorizontalMultiLevelHierarchy"/>
-    <dgm:cxn modelId="{AC9FCE90-BF11-4DE6-9EB8-95E20F2DE07B}" type="presOf" srcId="{3C8014D2-9AF8-4B6D-873C-51919CBF2256}" destId="{468B067E-8DBD-4952-B923-CA125BC016FB}" srcOrd="0" destOrd="0" presId="urn:microsoft.com/office/officeart/2008/layout/HorizontalMultiLevelHierarchy"/>
-    <dgm:cxn modelId="{E3126192-6088-424E-99F5-DF18DC44F430}" type="presOf" srcId="{AF21C3D9-8353-45ED-8186-67A7938D5F22}" destId="{2586E7A4-D66B-4418-BEAE-F4737D31712F}" srcOrd="0" destOrd="0" presId="urn:microsoft.com/office/officeart/2008/layout/HorizontalMultiLevelHierarchy"/>
+    <dgm:cxn modelId="{21ED8254-81DD-41F1-95AE-5B17B84EE424}" type="presOf" srcId="{09873665-52E5-43E4-8C4D-2382C2DBF8EA}" destId="{A5B8561B-3E16-4EC8-8C97-E9144931B153}" srcOrd="0" destOrd="0" presId="urn:microsoft.com/office/officeart/2008/layout/HorizontalMultiLevelHierarchy#2"/>
+    <dgm:cxn modelId="{3AB8BE74-3FB9-4103-AB3E-2DF610EC256A}" type="presOf" srcId="{5934C9BF-0759-4C32-9E11-3B5DA225E153}" destId="{867D14A5-AB39-4431-97B6-D9AC2E90A2B6}" srcOrd="1" destOrd="0" presId="urn:microsoft.com/office/officeart/2008/layout/HorizontalMultiLevelHierarchy#2"/>
+    <dgm:cxn modelId="{8C3E3F83-AB2A-41EF-903F-C1E6AB21C893}" type="presOf" srcId="{EC35BBE5-848A-4791-860D-12A16E4B193B}" destId="{EB3C7EBA-0991-4B0C-BE3A-7320353FD1C7}" srcOrd="1" destOrd="0" presId="urn:microsoft.com/office/officeart/2008/layout/HorizontalMultiLevelHierarchy#2"/>
+    <dgm:cxn modelId="{66402B86-F7B3-46C2-B417-5AD882AE13E3}" type="presOf" srcId="{ECB75868-304B-48F8-9CD0-C801050000A6}" destId="{56660007-0D91-47FC-AFA7-4DDF9ED3CCFB}" srcOrd="0" destOrd="0" presId="urn:microsoft.com/office/officeart/2008/layout/HorizontalMultiLevelHierarchy#2"/>
+    <dgm:cxn modelId="{3D314A86-3CFF-47ED-9382-2A6EE5A8ADDD}" type="presOf" srcId="{11015663-2A0B-41EB-A951-4D5568D49272}" destId="{60AD70B9-9118-4F65-B9C2-E57AE62DE7C2}" srcOrd="0" destOrd="0" presId="urn:microsoft.com/office/officeart/2008/layout/HorizontalMultiLevelHierarchy#2"/>
+    <dgm:cxn modelId="{A2545C8B-3BFD-4089-8107-6BD423E1B36C}" type="presOf" srcId="{E676575B-2A98-4796-B089-CCD1B6B6B0EA}" destId="{56265BA8-9ABE-4FD1-8CFF-EBD4618A396E}" srcOrd="0" destOrd="0" presId="urn:microsoft.com/office/officeart/2008/layout/HorizontalMultiLevelHierarchy#2"/>
+    <dgm:cxn modelId="{FA72BF90-88DA-40FF-9134-850379A41A58}" type="presOf" srcId="{8C18E1C1-DED7-41B6-8967-E40DBFF5BA3A}" destId="{AB148D73-7E5C-4298-982E-D38D8A25BC40}" srcOrd="1" destOrd="0" presId="urn:microsoft.com/office/officeart/2008/layout/HorizontalMultiLevelHierarchy#2"/>
+    <dgm:cxn modelId="{AC9FCE90-BF11-4DE6-9EB8-95E20F2DE07B}" type="presOf" srcId="{3C8014D2-9AF8-4B6D-873C-51919CBF2256}" destId="{468B067E-8DBD-4952-B923-CA125BC016FB}" srcOrd="0" destOrd="0" presId="urn:microsoft.com/office/officeart/2008/layout/HorizontalMultiLevelHierarchy#2"/>
+    <dgm:cxn modelId="{E3126192-6088-424E-99F5-DF18DC44F430}" type="presOf" srcId="{AF21C3D9-8353-45ED-8186-67A7938D5F22}" destId="{2586E7A4-D66B-4418-BEAE-F4737D31712F}" srcOrd="0" destOrd="0" presId="urn:microsoft.com/office/officeart/2008/layout/HorizontalMultiLevelHierarchy#2"/>
     <dgm:cxn modelId="{CACF7395-F306-401A-92A7-CB64E3DA2C5C}" srcId="{09873665-52E5-43E4-8C4D-2382C2DBF8EA}" destId="{911BED4A-36B5-4AA5-AECA-DFF4D2EF3748}" srcOrd="0" destOrd="0" parTransId="{ECB75868-304B-48F8-9CD0-C801050000A6}" sibTransId="{471BC183-0BF8-4C1B-8AB0-7D4CC5802343}"/>
-    <dgm:cxn modelId="{E189379B-DAD7-430B-BFA4-DD7CC8503290}" type="presOf" srcId="{5390F5AB-4CA5-4B0F-A7C0-18194751DF48}" destId="{E3C39ED0-95A2-431D-8951-3ED838F5B545}" srcOrd="0" destOrd="0" presId="urn:microsoft.com/office/officeart/2008/layout/HorizontalMultiLevelHierarchy"/>
+    <dgm:cxn modelId="{E189379B-DAD7-430B-BFA4-DD7CC8503290}" type="presOf" srcId="{5390F5AB-4CA5-4B0F-A7C0-18194751DF48}" destId="{E3C39ED0-95A2-431D-8951-3ED838F5B545}" srcOrd="0" destOrd="0" presId="urn:microsoft.com/office/officeart/2008/layout/HorizontalMultiLevelHierarchy#2"/>
     <dgm:cxn modelId="{073BFEA4-6C18-4891-BFDD-336FCCFE587C}" srcId="{30D50822-84C3-4176-8991-D6265F50823E}" destId="{09873665-52E5-43E4-8C4D-2382C2DBF8EA}" srcOrd="0" destOrd="0" parTransId="{5390F5AB-4CA5-4B0F-A7C0-18194751DF48}" sibTransId="{79648331-0337-4E18-B057-868EBB78375E}"/>
     <dgm:cxn modelId="{8CE978A5-AF34-4F79-B743-30C0B0E22BF3}" srcId="{AF21C3D9-8353-45ED-8186-67A7938D5F22}" destId="{5BC1762F-2FD8-4EC2-922D-8F70272890FA}" srcOrd="4" destOrd="0" parTransId="{5934C9BF-0759-4C32-9E11-3B5DA225E153}" sibTransId="{1CF773C3-C46C-4FC1-A464-506C37E59A73}"/>
-    <dgm:cxn modelId="{6CD1DFA6-5B3F-441E-985A-E4048816F503}" type="presOf" srcId="{5A26A75D-DC82-4A8E-B17F-EEBBF8C99C54}" destId="{ED4E88B8-CB1C-4401-A8F8-D04BAE97C610}" srcOrd="1" destOrd="0" presId="urn:microsoft.com/office/officeart/2008/layout/HorizontalMultiLevelHierarchy"/>
-    <dgm:cxn modelId="{E5C07DA7-2D18-4B5E-83E5-FBFC38B426BE}" type="presOf" srcId="{4D351DDD-C8A9-4B19-AC3E-C07A0B0F903E}" destId="{5E3F2CF5-8C6A-4373-8FEC-AEA85059DD1F}" srcOrd="0" destOrd="0" presId="urn:microsoft.com/office/officeart/2008/layout/HorizontalMultiLevelHierarchy"/>
-    <dgm:cxn modelId="{65EEA1A7-16E7-4001-B000-574964BE0600}" type="presOf" srcId="{AB0D5250-4553-4398-8E2C-AA3671A27AA5}" destId="{B1C4328F-012D-4C9E-9E68-E53EC0271311}" srcOrd="0" destOrd="0" presId="urn:microsoft.com/office/officeart/2008/layout/HorizontalMultiLevelHierarchy"/>
-    <dgm:cxn modelId="{50421AAE-0216-4C8C-8A22-8A6E0667D33F}" type="presOf" srcId="{AB0D5250-4553-4398-8E2C-AA3671A27AA5}" destId="{FBCE37BD-DF06-432A-9BB8-DC98077BE161}" srcOrd="1" destOrd="0" presId="urn:microsoft.com/office/officeart/2008/layout/HorizontalMultiLevelHierarchy"/>
-    <dgm:cxn modelId="{EF7357B0-8A9C-46E1-AD4F-72C726B7D679}" type="presOf" srcId="{D019B779-A8A9-45CD-938D-3493D8D1DD37}" destId="{460BF31A-A3E2-4E62-962B-9CD7531EDD7B}" srcOrd="1" destOrd="0" presId="urn:microsoft.com/office/officeart/2008/layout/HorizontalMultiLevelHierarchy"/>
-    <dgm:cxn modelId="{007092B0-2C45-4E1A-834B-CB75D494D9BD}" type="presOf" srcId="{3EC20B52-2CC3-4BFC-85C5-2F6B0D05785E}" destId="{C9C307F2-2676-4DC5-8A19-23718D84D7BC}" srcOrd="0" destOrd="0" presId="urn:microsoft.com/office/officeart/2008/layout/HorizontalMultiLevelHierarchy"/>
-    <dgm:cxn modelId="{44F836C3-3602-45F1-8645-692F67854984}" type="presOf" srcId="{DA79ECD4-CC61-4B37-860A-F0C87FAFB4DA}" destId="{1C32CD12-3A7F-48FD-830F-98496F2B322F}" srcOrd="0" destOrd="0" presId="urn:microsoft.com/office/officeart/2008/layout/HorizontalMultiLevelHierarchy"/>
+    <dgm:cxn modelId="{6CD1DFA6-5B3F-441E-985A-E4048816F503}" type="presOf" srcId="{5A26A75D-DC82-4A8E-B17F-EEBBF8C99C54}" destId="{ED4E88B8-CB1C-4401-A8F8-D04BAE97C610}" srcOrd="1" destOrd="0" presId="urn:microsoft.com/office/officeart/2008/layout/HorizontalMultiLevelHierarchy#2"/>
+    <dgm:cxn modelId="{E5C07DA7-2D18-4B5E-83E5-FBFC38B426BE}" type="presOf" srcId="{4D351DDD-C8A9-4B19-AC3E-C07A0B0F903E}" destId="{5E3F2CF5-8C6A-4373-8FEC-AEA85059DD1F}" srcOrd="0" destOrd="0" presId="urn:microsoft.com/office/officeart/2008/layout/HorizontalMultiLevelHierarchy#2"/>
+    <dgm:cxn modelId="{65EEA1A7-16E7-4001-B000-574964BE0600}" type="presOf" srcId="{AB0D5250-4553-4398-8E2C-AA3671A27AA5}" destId="{B1C4328F-012D-4C9E-9E68-E53EC0271311}" srcOrd="0" destOrd="0" presId="urn:microsoft.com/office/officeart/2008/layout/HorizontalMultiLevelHierarchy#2"/>
+    <dgm:cxn modelId="{50421AAE-0216-4C8C-8A22-8A6E0667D33F}" type="presOf" srcId="{AB0D5250-4553-4398-8E2C-AA3671A27AA5}" destId="{FBCE37BD-DF06-432A-9BB8-DC98077BE161}" srcOrd="1" destOrd="0" presId="urn:microsoft.com/office/officeart/2008/layout/HorizontalMultiLevelHierarchy#2"/>
+    <dgm:cxn modelId="{EF7357B0-8A9C-46E1-AD4F-72C726B7D679}" type="presOf" srcId="{D019B779-A8A9-45CD-938D-3493D8D1DD37}" destId="{460BF31A-A3E2-4E62-962B-9CD7531EDD7B}" srcOrd="1" destOrd="0" presId="urn:microsoft.com/office/officeart/2008/layout/HorizontalMultiLevelHierarchy#2"/>
+    <dgm:cxn modelId="{007092B0-2C45-4E1A-834B-CB75D494D9BD}" type="presOf" srcId="{3EC20B52-2CC3-4BFC-85C5-2F6B0D05785E}" destId="{C9C307F2-2676-4DC5-8A19-23718D84D7BC}" srcOrd="0" destOrd="0" presId="urn:microsoft.com/office/officeart/2008/layout/HorizontalMultiLevelHierarchy#2"/>
+    <dgm:cxn modelId="{44F836C3-3602-45F1-8645-692F67854984}" type="presOf" srcId="{DA79ECD4-CC61-4B37-860A-F0C87FAFB4DA}" destId="{1C32CD12-3A7F-48FD-830F-98496F2B322F}" srcOrd="0" destOrd="0" presId="urn:microsoft.com/office/officeart/2008/layout/HorizontalMultiLevelHierarchy#2"/>
     <dgm:cxn modelId="{DFB8D7CA-5680-4520-8595-6F00A3F58B05}" srcId="{09873665-52E5-43E4-8C4D-2382C2DBF8EA}" destId="{B85A3FB9-9A6A-46C4-979F-6D89C98A331A}" srcOrd="2" destOrd="0" parTransId="{52CDD9B4-3777-47D7-8068-972F25377AEA}" sibTransId="{3C425ACC-C343-4582-A56B-AFD9B88C1A79}"/>
-    <dgm:cxn modelId="{660AE5CF-2E61-4D7E-8DB0-EEB700A65810}" type="presOf" srcId="{911BED4A-36B5-4AA5-AECA-DFF4D2EF3748}" destId="{83244ABE-AF47-4997-9FBE-8A443FD87D74}" srcOrd="0" destOrd="0" presId="urn:microsoft.com/office/officeart/2008/layout/HorizontalMultiLevelHierarchy"/>
-    <dgm:cxn modelId="{C6BEC3D1-9E2E-4EED-8E43-FB15C138560B}" type="presOf" srcId="{5BC1762F-2FD8-4EC2-922D-8F70272890FA}" destId="{01DD923D-F84C-409E-BC22-A0E32C4E731F}" srcOrd="0" destOrd="0" presId="urn:microsoft.com/office/officeart/2008/layout/HorizontalMultiLevelHierarchy"/>
-    <dgm:cxn modelId="{173C31D7-2DB0-4E55-84FD-FAD60EDF7DAD}" type="presOf" srcId="{B5220A60-8490-428B-A4F0-1454F9269F31}" destId="{192B899F-E253-4892-A08D-77677277A9C9}" srcOrd="1" destOrd="0" presId="urn:microsoft.com/office/officeart/2008/layout/HorizontalMultiLevelHierarchy"/>
+    <dgm:cxn modelId="{660AE5CF-2E61-4D7E-8DB0-EEB700A65810}" type="presOf" srcId="{911BED4A-36B5-4AA5-AECA-DFF4D2EF3748}" destId="{83244ABE-AF47-4997-9FBE-8A443FD87D74}" srcOrd="0" destOrd="0" presId="urn:microsoft.com/office/officeart/2008/layout/HorizontalMultiLevelHierarchy#2"/>
+    <dgm:cxn modelId="{C6BEC3D1-9E2E-4EED-8E43-FB15C138560B}" type="presOf" srcId="{5BC1762F-2FD8-4EC2-922D-8F70272890FA}" destId="{01DD923D-F84C-409E-BC22-A0E32C4E731F}" srcOrd="0" destOrd="0" presId="urn:microsoft.com/office/officeart/2008/layout/HorizontalMultiLevelHierarchy#2"/>
+    <dgm:cxn modelId="{173C31D7-2DB0-4E55-84FD-FAD60EDF7DAD}" type="presOf" srcId="{B5220A60-8490-428B-A4F0-1454F9269F31}" destId="{192B899F-E253-4892-A08D-77677277A9C9}" srcOrd="1" destOrd="0" presId="urn:microsoft.com/office/officeart/2008/layout/HorizontalMultiLevelHierarchy#2"/>
     <dgm:cxn modelId="{4FA03BD8-DB6F-4A98-B413-79B41C825C3C}" srcId="{09873665-52E5-43E4-8C4D-2382C2DBF8EA}" destId="{4D351DDD-C8A9-4B19-AC3E-C07A0B0F903E}" srcOrd="1" destOrd="0" parTransId="{EC35BBE5-848A-4791-860D-12A16E4B193B}" sibTransId="{42566899-F43B-4801-89BE-FDCBA6A001C0}"/>
     <dgm:cxn modelId="{E6C912DA-C4E4-4712-9F9A-CAE6FC348E31}" srcId="{AF21C3D9-8353-45ED-8186-67A7938D5F22}" destId="{E676575B-2A98-4796-B089-CCD1B6B6B0EA}" srcOrd="5" destOrd="0" parTransId="{8C18E1C1-DED7-41B6-8967-E40DBFF5BA3A}" sibTransId="{0F97042C-9402-4BCC-8029-0F6DCA1AA74E}"/>
-    <dgm:cxn modelId="{8C2F18E0-49FB-4594-8308-FDAE10F378FF}" type="presOf" srcId="{DA79ECD4-CC61-4B37-860A-F0C87FAFB4DA}" destId="{99A2653D-71FC-4D26-BEB9-51B815B376ED}" srcOrd="1" destOrd="0" presId="urn:microsoft.com/office/officeart/2008/layout/HorizontalMultiLevelHierarchy"/>
+    <dgm:cxn modelId="{8C2F18E0-49FB-4594-8308-FDAE10F378FF}" type="presOf" srcId="{DA79ECD4-CC61-4B37-860A-F0C87FAFB4DA}" destId="{99A2653D-71FC-4D26-BEB9-51B815B376ED}" srcOrd="1" destOrd="0" presId="urn:microsoft.com/office/officeart/2008/layout/HorizontalMultiLevelHierarchy#2"/>
     <dgm:cxn modelId="{F3173EEC-0A57-40A7-B665-B3E10EFE574A}" srcId="{AF21C3D9-8353-45ED-8186-67A7938D5F22}" destId="{CE108FBB-9967-4BF8-8FFC-E656E4BE1628}" srcOrd="2" destOrd="0" parTransId="{B5220A60-8490-428B-A4F0-1454F9269F31}" sibTransId="{944BC1C5-6B57-40FB-A253-53A8BAD5B54E}"/>
-    <dgm:cxn modelId="{80C743EE-18C6-41AF-80DC-BB0E3C680BFA}" type="presOf" srcId="{01EED2D3-DB93-4E32-87F1-6108CAD18B70}" destId="{4D765DFC-3788-4941-B2A0-3B34BE4D497F}" srcOrd="0" destOrd="0" presId="urn:microsoft.com/office/officeart/2008/layout/HorizontalMultiLevelHierarchy"/>
+    <dgm:cxn modelId="{80C743EE-18C6-41AF-80DC-BB0E3C680BFA}" type="presOf" srcId="{01EED2D3-DB93-4E32-87F1-6108CAD18B70}" destId="{4D765DFC-3788-4941-B2A0-3B34BE4D497F}" srcOrd="0" destOrd="0" presId="urn:microsoft.com/office/officeart/2008/layout/HorizontalMultiLevelHierarchy#2"/>
     <dgm:cxn modelId="{D95352F2-DF78-4BFB-821A-DC0CC3153B2F}" srcId="{30D50822-84C3-4176-8991-D6265F50823E}" destId="{AF21C3D9-8353-45ED-8186-67A7938D5F22}" srcOrd="1" destOrd="0" parTransId="{DA79ECD4-CC61-4B37-860A-F0C87FAFB4DA}" sibTransId="{AB0C640B-32EB-49A2-A74D-5822A80E0E8E}"/>
-    <dgm:cxn modelId="{C1A53BF7-2339-478C-A01E-66D2B03089BA}" type="presOf" srcId="{165F59CF-FB06-437F-ACF0-AE7C739ED7B3}" destId="{2915826C-6D68-4C6D-9673-177563FA85E1}" srcOrd="0" destOrd="0" presId="urn:microsoft.com/office/officeart/2008/layout/HorizontalMultiLevelHierarchy"/>
-    <dgm:cxn modelId="{8D1123F8-C833-4436-9D81-6F6634ED0F09}" type="presOf" srcId="{8C8728C0-C646-48FF-81EE-486B53741D8A}" destId="{4AD4BD80-5637-425E-B9FF-908B056A64AF}" srcOrd="0" destOrd="0" presId="urn:microsoft.com/office/officeart/2008/layout/HorizontalMultiLevelHierarchy"/>
-    <dgm:cxn modelId="{F6A6A3FB-712E-4992-BDDB-F3892C208590}" type="presOf" srcId="{EC35BBE5-848A-4791-860D-12A16E4B193B}" destId="{959010C3-0D25-4224-8595-8ACBD616AEBD}" srcOrd="0" destOrd="0" presId="urn:microsoft.com/office/officeart/2008/layout/HorizontalMultiLevelHierarchy"/>
-    <dgm:cxn modelId="{5737CF6D-40C9-455F-B2B7-B01011AF3CFC}" type="presParOf" srcId="{00DB5933-41A5-4A4B-9091-5BF5F07D43BB}" destId="{B491EA4D-1CEC-4F9A-A0E0-AE7C5F6AE0A0}" srcOrd="0" destOrd="0" presId="urn:microsoft.com/office/officeart/2008/layout/HorizontalMultiLevelHierarchy"/>
-    <dgm:cxn modelId="{53472643-9E21-43DF-87A4-81866382C038}" type="presParOf" srcId="{B491EA4D-1CEC-4F9A-A0E0-AE7C5F6AE0A0}" destId="{45C54206-0F79-4109-A601-E1C744A40849}" srcOrd="0" destOrd="0" presId="urn:microsoft.com/office/officeart/2008/layout/HorizontalMultiLevelHierarchy"/>
-    <dgm:cxn modelId="{7A183CB2-DD3B-4ED7-A330-B205021355E9}" type="presParOf" srcId="{B491EA4D-1CEC-4F9A-A0E0-AE7C5F6AE0A0}" destId="{2F3BB204-96D4-46A3-8F47-8759930CD1A9}" srcOrd="1" destOrd="0" presId="urn:microsoft.com/office/officeart/2008/layout/HorizontalMultiLevelHierarchy"/>
-    <dgm:cxn modelId="{F2E09430-B5B0-4231-8C71-E14251C46852}" type="presParOf" srcId="{2F3BB204-96D4-46A3-8F47-8759930CD1A9}" destId="{E3C39ED0-95A2-431D-8951-3ED838F5B545}" srcOrd="0" destOrd="0" presId="urn:microsoft.com/office/officeart/2008/layout/HorizontalMultiLevelHierarchy"/>
-    <dgm:cxn modelId="{56AEF55E-6451-4F0B-A465-0F6D642F256F}" type="presParOf" srcId="{E3C39ED0-95A2-431D-8951-3ED838F5B545}" destId="{D9EE3440-85D3-4881-B1D6-691949CFB9F5}" srcOrd="0" destOrd="0" presId="urn:microsoft.com/office/officeart/2008/layout/HorizontalMultiLevelHierarchy"/>
-    <dgm:cxn modelId="{6104376C-FEBA-4186-9F35-A5D191967F0E}" type="presParOf" srcId="{2F3BB204-96D4-46A3-8F47-8759930CD1A9}" destId="{EF00984C-057C-493C-A9EC-053231FCA7C7}" srcOrd="1" destOrd="0" presId="urn:microsoft.com/office/officeart/2008/layout/HorizontalMultiLevelHierarchy"/>
-    <dgm:cxn modelId="{A0B24723-EF50-435D-B89E-8DE1AFA652B2}" type="presParOf" srcId="{EF00984C-057C-493C-A9EC-053231FCA7C7}" destId="{A5B8561B-3E16-4EC8-8C97-E9144931B153}" srcOrd="0" destOrd="0" presId="urn:microsoft.com/office/officeart/2008/layout/HorizontalMultiLevelHierarchy"/>
-    <dgm:cxn modelId="{F1479A05-3108-4EAC-B2AE-25DEDC577C8E}" type="presParOf" srcId="{EF00984C-057C-493C-A9EC-053231FCA7C7}" destId="{DF0D5FC6-24C1-495A-A387-E7FD2C4B19B3}" srcOrd="1" destOrd="0" presId="urn:microsoft.com/office/officeart/2008/layout/HorizontalMultiLevelHierarchy"/>
-    <dgm:cxn modelId="{2FB94C22-0D44-460C-A2E5-C39A9459646A}" type="presParOf" srcId="{DF0D5FC6-24C1-495A-A387-E7FD2C4B19B3}" destId="{56660007-0D91-47FC-AFA7-4DDF9ED3CCFB}" srcOrd="0" destOrd="0" presId="urn:microsoft.com/office/officeart/2008/layout/HorizontalMultiLevelHierarchy"/>
-    <dgm:cxn modelId="{1D6D6A60-D8F6-43AE-A47C-22B79BC83CA7}" type="presParOf" srcId="{56660007-0D91-47FC-AFA7-4DDF9ED3CCFB}" destId="{617250C8-147B-4FD6-94AD-D08D1CBFB569}" srcOrd="0" destOrd="0" presId="urn:microsoft.com/office/officeart/2008/layout/HorizontalMultiLevelHierarchy"/>
-    <dgm:cxn modelId="{611DD41D-3DE1-453A-929C-B3B477B6329A}" type="presParOf" srcId="{DF0D5FC6-24C1-495A-A387-E7FD2C4B19B3}" destId="{0E5CFF1A-E19D-4B0E-950E-F25C27FD850A}" srcOrd="1" destOrd="0" presId="urn:microsoft.com/office/officeart/2008/layout/HorizontalMultiLevelHierarchy"/>
-    <dgm:cxn modelId="{A43319B8-D1A8-4F9A-AEF5-0EF4B285CFDE}" type="presParOf" srcId="{0E5CFF1A-E19D-4B0E-950E-F25C27FD850A}" destId="{83244ABE-AF47-4997-9FBE-8A443FD87D74}" srcOrd="0" destOrd="0" presId="urn:microsoft.com/office/officeart/2008/layout/HorizontalMultiLevelHierarchy"/>
-    <dgm:cxn modelId="{4986A345-E849-40C3-BFBE-B63B2AEBC848}" type="presParOf" srcId="{0E5CFF1A-E19D-4B0E-950E-F25C27FD850A}" destId="{E1F5E3CF-25B2-4231-A681-428FB5880BF0}" srcOrd="1" destOrd="0" presId="urn:microsoft.com/office/officeart/2008/layout/HorizontalMultiLevelHierarchy"/>
-    <dgm:cxn modelId="{E511E8F0-00C4-4847-BB7C-BF0DCA443D42}" type="presParOf" srcId="{DF0D5FC6-24C1-495A-A387-E7FD2C4B19B3}" destId="{959010C3-0D25-4224-8595-8ACBD616AEBD}" srcOrd="2" destOrd="0" presId="urn:microsoft.com/office/officeart/2008/layout/HorizontalMultiLevelHierarchy"/>
-    <dgm:cxn modelId="{45300816-B896-4940-AA14-E92B2C51175F}" type="presParOf" srcId="{959010C3-0D25-4224-8595-8ACBD616AEBD}" destId="{EB3C7EBA-0991-4B0C-BE3A-7320353FD1C7}" srcOrd="0" destOrd="0" presId="urn:microsoft.com/office/officeart/2008/layout/HorizontalMultiLevelHierarchy"/>
-    <dgm:cxn modelId="{878064B5-8119-4A65-B5BC-38749A3E1196}" type="presParOf" srcId="{DF0D5FC6-24C1-495A-A387-E7FD2C4B19B3}" destId="{959C021C-9DCD-4E92-945A-2944B667E8CA}" srcOrd="3" destOrd="0" presId="urn:microsoft.com/office/officeart/2008/layout/HorizontalMultiLevelHierarchy"/>
-    <dgm:cxn modelId="{16789F3E-3449-46D4-8574-4D6E4DD95E5A}" type="presParOf" srcId="{959C021C-9DCD-4E92-945A-2944B667E8CA}" destId="{5E3F2CF5-8C6A-4373-8FEC-AEA85059DD1F}" srcOrd="0" destOrd="0" presId="urn:microsoft.com/office/officeart/2008/layout/HorizontalMultiLevelHierarchy"/>
-    <dgm:cxn modelId="{BAA491FD-7C34-42AC-9996-77EE91B70973}" type="presParOf" srcId="{959C021C-9DCD-4E92-945A-2944B667E8CA}" destId="{8D9954FE-7AC7-4713-A694-DB45FEEE51B1}" srcOrd="1" destOrd="0" presId="urn:microsoft.com/office/officeart/2008/layout/HorizontalMultiLevelHierarchy"/>
-    <dgm:cxn modelId="{C63E5DAC-E6D6-413E-B27C-4A36A34D5492}" type="presParOf" srcId="{DF0D5FC6-24C1-495A-A387-E7FD2C4B19B3}" destId="{5DF6C20D-2070-4E3A-85A2-76688C869C26}" srcOrd="4" destOrd="0" presId="urn:microsoft.com/office/officeart/2008/layout/HorizontalMultiLevelHierarchy"/>
-    <dgm:cxn modelId="{06161065-6C99-4686-BCAA-0FDEF8A5B161}" type="presParOf" srcId="{5DF6C20D-2070-4E3A-85A2-76688C869C26}" destId="{5B831445-B011-4B47-ADE6-971D62402EC9}" srcOrd="0" destOrd="0" presId="urn:microsoft.com/office/officeart/2008/layout/HorizontalMultiLevelHierarchy"/>
-    <dgm:cxn modelId="{601D9503-F7FE-4CB7-BB62-2677BC94D80D}" type="presParOf" srcId="{DF0D5FC6-24C1-495A-A387-E7FD2C4B19B3}" destId="{F958BC08-E0C3-47BF-AF6A-EF2710EB6B99}" srcOrd="5" destOrd="0" presId="urn:microsoft.com/office/officeart/2008/layout/HorizontalMultiLevelHierarchy"/>
-    <dgm:cxn modelId="{E95DD93A-DAAF-44DB-9DB9-4900BB64CD4D}" type="presParOf" srcId="{F958BC08-E0C3-47BF-AF6A-EF2710EB6B99}" destId="{CD89B80F-D55F-4966-83EC-A9B8E44A28CC}" srcOrd="0" destOrd="0" presId="urn:microsoft.com/office/officeart/2008/layout/HorizontalMultiLevelHierarchy"/>
-    <dgm:cxn modelId="{807EF4BF-6314-419A-86AC-51831B550A76}" type="presParOf" srcId="{F958BC08-E0C3-47BF-AF6A-EF2710EB6B99}" destId="{220BEA03-6606-4F71-9777-0B112FD543C4}" srcOrd="1" destOrd="0" presId="urn:microsoft.com/office/officeart/2008/layout/HorizontalMultiLevelHierarchy"/>
-    <dgm:cxn modelId="{BD8A5A3E-4229-4A69-93A2-FCA09A8B88A4}" type="presParOf" srcId="{DF0D5FC6-24C1-495A-A387-E7FD2C4B19B3}" destId="{60AD70B9-9118-4F65-B9C2-E57AE62DE7C2}" srcOrd="6" destOrd="0" presId="urn:microsoft.com/office/officeart/2008/layout/HorizontalMultiLevelHierarchy"/>
-    <dgm:cxn modelId="{EA5D6616-786D-42D4-AF0B-B88646D7D1E4}" type="presParOf" srcId="{60AD70B9-9118-4F65-B9C2-E57AE62DE7C2}" destId="{B18313EB-8667-4676-96D3-1BFCA2CD1218}" srcOrd="0" destOrd="0" presId="urn:microsoft.com/office/officeart/2008/layout/HorizontalMultiLevelHierarchy"/>
-    <dgm:cxn modelId="{31B5E035-E7A6-42CC-9703-D6B1CFEE43EF}" type="presParOf" srcId="{DF0D5FC6-24C1-495A-A387-E7FD2C4B19B3}" destId="{D722F671-964F-48BE-A1C1-3E7A2C59AA18}" srcOrd="7" destOrd="0" presId="urn:microsoft.com/office/officeart/2008/layout/HorizontalMultiLevelHierarchy"/>
-    <dgm:cxn modelId="{AE1EA1A7-32DC-4B6F-AC29-024CC33AEDA9}" type="presParOf" srcId="{D722F671-964F-48BE-A1C1-3E7A2C59AA18}" destId="{4D765DFC-3788-4941-B2A0-3B34BE4D497F}" srcOrd="0" destOrd="0" presId="urn:microsoft.com/office/officeart/2008/layout/HorizontalMultiLevelHierarchy"/>
-    <dgm:cxn modelId="{7A677F0A-828A-4804-A39C-F97F30EBAAE4}" type="presParOf" srcId="{D722F671-964F-48BE-A1C1-3E7A2C59AA18}" destId="{9AEE1840-4752-4B3D-9A26-C36BDA15CB81}" srcOrd="1" destOrd="0" presId="urn:microsoft.com/office/officeart/2008/layout/HorizontalMultiLevelHierarchy"/>
-    <dgm:cxn modelId="{CF6A3030-D6CF-4388-A98F-14A4E10B5166}" type="presParOf" srcId="{DF0D5FC6-24C1-495A-A387-E7FD2C4B19B3}" destId="{B1C4328F-012D-4C9E-9E68-E53EC0271311}" srcOrd="8" destOrd="0" presId="urn:microsoft.com/office/officeart/2008/layout/HorizontalMultiLevelHierarchy"/>
-    <dgm:cxn modelId="{2A7B7556-D913-4962-BCFD-C475B13DE6D6}" type="presParOf" srcId="{B1C4328F-012D-4C9E-9E68-E53EC0271311}" destId="{FBCE37BD-DF06-432A-9BB8-DC98077BE161}" srcOrd="0" destOrd="0" presId="urn:microsoft.com/office/officeart/2008/layout/HorizontalMultiLevelHierarchy"/>
-    <dgm:cxn modelId="{2975D101-782D-4B57-BDA1-614CD70CF8DD}" type="presParOf" srcId="{DF0D5FC6-24C1-495A-A387-E7FD2C4B19B3}" destId="{030F9888-02D6-411A-957B-836394B53BD9}" srcOrd="9" destOrd="0" presId="urn:microsoft.com/office/officeart/2008/layout/HorizontalMultiLevelHierarchy"/>
-    <dgm:cxn modelId="{60A4E1FF-8B33-4C81-B885-C1AF5B5C89BB}" type="presParOf" srcId="{030F9888-02D6-411A-957B-836394B53BD9}" destId="{4AD4BD80-5637-425E-B9FF-908B056A64AF}" srcOrd="0" destOrd="0" presId="urn:microsoft.com/office/officeart/2008/layout/HorizontalMultiLevelHierarchy"/>
-    <dgm:cxn modelId="{34A278B9-542D-4F82-B334-C83B104CD7B0}" type="presParOf" srcId="{030F9888-02D6-411A-957B-836394B53BD9}" destId="{78D5A2A6-2480-4CFE-8EFF-943471C3E476}" srcOrd="1" destOrd="0" presId="urn:microsoft.com/office/officeart/2008/layout/HorizontalMultiLevelHierarchy"/>
-    <dgm:cxn modelId="{C1DCB2FC-8940-43B8-8733-1ED2C30BAE0C}" type="presParOf" srcId="{2F3BB204-96D4-46A3-8F47-8759930CD1A9}" destId="{1C32CD12-3A7F-48FD-830F-98496F2B322F}" srcOrd="2" destOrd="0" presId="urn:microsoft.com/office/officeart/2008/layout/HorizontalMultiLevelHierarchy"/>
-    <dgm:cxn modelId="{9419195C-D473-4C92-A0DB-4C405AB99014}" type="presParOf" srcId="{1C32CD12-3A7F-48FD-830F-98496F2B322F}" destId="{99A2653D-71FC-4D26-BEB9-51B815B376ED}" srcOrd="0" destOrd="0" presId="urn:microsoft.com/office/officeart/2008/layout/HorizontalMultiLevelHierarchy"/>
-    <dgm:cxn modelId="{1872AE9F-E360-4B87-B897-933690B7F5A5}" type="presParOf" srcId="{2F3BB204-96D4-46A3-8F47-8759930CD1A9}" destId="{AF5FB730-CC09-4F66-A89C-1EB9171526F5}" srcOrd="3" destOrd="0" presId="urn:microsoft.com/office/officeart/2008/layout/HorizontalMultiLevelHierarchy"/>
-    <dgm:cxn modelId="{CC76A1B5-9DCF-4C8C-B243-F0EFDF6F6B78}" type="presParOf" srcId="{AF5FB730-CC09-4F66-A89C-1EB9171526F5}" destId="{2586E7A4-D66B-4418-BEAE-F4737D31712F}" srcOrd="0" destOrd="0" presId="urn:microsoft.com/office/officeart/2008/layout/HorizontalMultiLevelHierarchy"/>
-    <dgm:cxn modelId="{CA43892B-7A39-4451-BD6C-EB50B8B98749}" type="presParOf" srcId="{AF5FB730-CC09-4F66-A89C-1EB9171526F5}" destId="{CADF07BD-B89F-4A73-A6E3-AB096A93F68D}" srcOrd="1" destOrd="0" presId="urn:microsoft.com/office/officeart/2008/layout/HorizontalMultiLevelHierarchy"/>
-    <dgm:cxn modelId="{14FA47E1-811D-49D6-B481-C00F5958FD47}" type="presParOf" srcId="{CADF07BD-B89F-4A73-A6E3-AB096A93F68D}" destId="{D80E153A-59F9-41EE-905B-1CDFC32D1209}" srcOrd="0" destOrd="0" presId="urn:microsoft.com/office/officeart/2008/layout/HorizontalMultiLevelHierarchy"/>
-    <dgm:cxn modelId="{684C9A47-DC54-44CC-A464-338DAFFAF740}" type="presParOf" srcId="{D80E153A-59F9-41EE-905B-1CDFC32D1209}" destId="{ED4E88B8-CB1C-4401-A8F8-D04BAE97C610}" srcOrd="0" destOrd="0" presId="urn:microsoft.com/office/officeart/2008/layout/HorizontalMultiLevelHierarchy"/>
-    <dgm:cxn modelId="{B0BDE72C-F4E6-4D66-8544-EF1C2E85C9C7}" type="presParOf" srcId="{CADF07BD-B89F-4A73-A6E3-AB096A93F68D}" destId="{71F2E404-3F7F-4CF9-9CC2-55E89B59E61A}" srcOrd="1" destOrd="0" presId="urn:microsoft.com/office/officeart/2008/layout/HorizontalMultiLevelHierarchy"/>
-    <dgm:cxn modelId="{245B334F-9501-45A7-A2B6-96668A3D47DC}" type="presParOf" srcId="{71F2E404-3F7F-4CF9-9CC2-55E89B59E61A}" destId="{C9C307F2-2676-4DC5-8A19-23718D84D7BC}" srcOrd="0" destOrd="0" presId="urn:microsoft.com/office/officeart/2008/layout/HorizontalMultiLevelHierarchy"/>
-    <dgm:cxn modelId="{FD8FCFEC-F9BA-4EB4-9639-6512B945F6C0}" type="presParOf" srcId="{71F2E404-3F7F-4CF9-9CC2-55E89B59E61A}" destId="{E60EFFF3-EB42-41E2-ABFA-8DCFE9FCE28C}" srcOrd="1" destOrd="0" presId="urn:microsoft.com/office/officeart/2008/layout/HorizontalMultiLevelHierarchy"/>
-    <dgm:cxn modelId="{167EFDA6-F001-4CD0-83B8-E351492017B6}" type="presParOf" srcId="{CADF07BD-B89F-4A73-A6E3-AB096A93F68D}" destId="{2915826C-6D68-4C6D-9673-177563FA85E1}" srcOrd="2" destOrd="0" presId="urn:microsoft.com/office/officeart/2008/layout/HorizontalMultiLevelHierarchy"/>
-    <dgm:cxn modelId="{1F6B0D4D-4004-4950-862F-2026EA73E393}" type="presParOf" srcId="{2915826C-6D68-4C6D-9673-177563FA85E1}" destId="{66CF2449-22DC-443C-927D-401651C6EF7C}" srcOrd="0" destOrd="0" presId="urn:microsoft.com/office/officeart/2008/layout/HorizontalMultiLevelHierarchy"/>
-    <dgm:cxn modelId="{D787C923-DB6B-4113-970E-C820DC141EA0}" type="presParOf" srcId="{CADF07BD-B89F-4A73-A6E3-AB096A93F68D}" destId="{6F93D952-949E-4130-8746-FC657E75D914}" srcOrd="3" destOrd="0" presId="urn:microsoft.com/office/officeart/2008/layout/HorizontalMultiLevelHierarchy"/>
-    <dgm:cxn modelId="{F8137812-8779-4EC4-B324-B96631B74F4D}" type="presParOf" srcId="{6F93D952-949E-4130-8746-FC657E75D914}" destId="{468B067E-8DBD-4952-B923-CA125BC016FB}" srcOrd="0" destOrd="0" presId="urn:microsoft.com/office/officeart/2008/layout/HorizontalMultiLevelHierarchy"/>
-    <dgm:cxn modelId="{9BB53658-13AE-4162-92AB-2BCDE25B1AE1}" type="presParOf" srcId="{6F93D952-949E-4130-8746-FC657E75D914}" destId="{D5E08972-A012-42B9-963B-EE2CF74F2A15}" srcOrd="1" destOrd="0" presId="urn:microsoft.com/office/officeart/2008/layout/HorizontalMultiLevelHierarchy"/>
-    <dgm:cxn modelId="{06FF662E-449C-4606-B2ED-64C44AA212BE}" type="presParOf" srcId="{CADF07BD-B89F-4A73-A6E3-AB096A93F68D}" destId="{E643E57A-D750-416D-8F5A-A9962A5D0236}" srcOrd="4" destOrd="0" presId="urn:microsoft.com/office/officeart/2008/layout/HorizontalMultiLevelHierarchy"/>
-    <dgm:cxn modelId="{4BD9A6BD-F1F7-4500-9FF6-40F403F425ED}" type="presParOf" srcId="{E643E57A-D750-416D-8F5A-A9962A5D0236}" destId="{192B899F-E253-4892-A08D-77677277A9C9}" srcOrd="0" destOrd="0" presId="urn:microsoft.com/office/officeart/2008/layout/HorizontalMultiLevelHierarchy"/>
-    <dgm:cxn modelId="{03AA3069-CE07-4910-BA4A-B559D36F2201}" type="presParOf" srcId="{CADF07BD-B89F-4A73-A6E3-AB096A93F68D}" destId="{56DB49E3-B7F3-4F2C-AA9B-F094C841A850}" srcOrd="5" destOrd="0" presId="urn:microsoft.com/office/officeart/2008/layout/HorizontalMultiLevelHierarchy"/>
-    <dgm:cxn modelId="{3BEDCDE8-8E41-4882-A2FE-E2299511B898}" type="presParOf" srcId="{56DB49E3-B7F3-4F2C-AA9B-F094C841A850}" destId="{ED462EB3-C637-4570-B42B-6E45F145F134}" srcOrd="0" destOrd="0" presId="urn:microsoft.com/office/officeart/2008/layout/HorizontalMultiLevelHierarchy"/>
-    <dgm:cxn modelId="{E2BA9520-583D-4F89-B9B5-28B1F80F3C79}" type="presParOf" srcId="{56DB49E3-B7F3-4F2C-AA9B-F094C841A850}" destId="{9904F3EC-609A-4ED8-9195-EA519D5FBF13}" srcOrd="1" destOrd="0" presId="urn:microsoft.com/office/officeart/2008/layout/HorizontalMultiLevelHierarchy"/>
-    <dgm:cxn modelId="{3AEAD2E6-E0C4-4E17-B6E3-98C4D0B9F8DD}" type="presParOf" srcId="{CADF07BD-B89F-4A73-A6E3-AB096A93F68D}" destId="{26B1D735-E696-4669-9EE0-C555BE21E395}" srcOrd="6" destOrd="0" presId="urn:microsoft.com/office/officeart/2008/layout/HorizontalMultiLevelHierarchy"/>
-    <dgm:cxn modelId="{51C4A0F3-79FF-425B-9E19-15A345F01B35}" type="presParOf" srcId="{26B1D735-E696-4669-9EE0-C555BE21E395}" destId="{460BF31A-A3E2-4E62-962B-9CD7531EDD7B}" srcOrd="0" destOrd="0" presId="urn:microsoft.com/office/officeart/2008/layout/HorizontalMultiLevelHierarchy"/>
-    <dgm:cxn modelId="{AD128F2C-3CE0-4D6A-9111-B64182F5DA46}" type="presParOf" srcId="{CADF07BD-B89F-4A73-A6E3-AB096A93F68D}" destId="{F215097A-36C6-4149-A88C-06F7A21E3A93}" srcOrd="7" destOrd="0" presId="urn:microsoft.com/office/officeart/2008/layout/HorizontalMultiLevelHierarchy"/>
-    <dgm:cxn modelId="{CA94CE53-D069-4FD5-8F35-923403053347}" type="presParOf" srcId="{F215097A-36C6-4149-A88C-06F7A21E3A93}" destId="{879734F7-5B85-4B17-B316-73D3FEB2F9EC}" srcOrd="0" destOrd="0" presId="urn:microsoft.com/office/officeart/2008/layout/HorizontalMultiLevelHierarchy"/>
-    <dgm:cxn modelId="{C80FF95C-F76D-4C4E-935E-AD0FFAF17C09}" type="presParOf" srcId="{F215097A-36C6-4149-A88C-06F7A21E3A93}" destId="{926FE21A-2AC5-411E-85B5-75AB4535C100}" srcOrd="1" destOrd="0" presId="urn:microsoft.com/office/officeart/2008/layout/HorizontalMultiLevelHierarchy"/>
-    <dgm:cxn modelId="{BE2B1613-B7E2-475C-A440-94BCC1D21B26}" type="presParOf" srcId="{CADF07BD-B89F-4A73-A6E3-AB096A93F68D}" destId="{9A882045-F926-445E-BF0A-3AAB6CD0B70C}" srcOrd="8" destOrd="0" presId="urn:microsoft.com/office/officeart/2008/layout/HorizontalMultiLevelHierarchy"/>
-    <dgm:cxn modelId="{497CB3E7-97A6-4740-A042-7077200392DA}" type="presParOf" srcId="{9A882045-F926-445E-BF0A-3AAB6CD0B70C}" destId="{867D14A5-AB39-4431-97B6-D9AC2E90A2B6}" srcOrd="0" destOrd="0" presId="urn:microsoft.com/office/officeart/2008/layout/HorizontalMultiLevelHierarchy"/>
-    <dgm:cxn modelId="{00788233-3A00-494E-B249-09EC6FF7FEC1}" type="presParOf" srcId="{CADF07BD-B89F-4A73-A6E3-AB096A93F68D}" destId="{10EFCEA7-60F7-4AAB-BF89-C217A9234DE1}" srcOrd="9" destOrd="0" presId="urn:microsoft.com/office/officeart/2008/layout/HorizontalMultiLevelHierarchy"/>
-    <dgm:cxn modelId="{A359FEDC-1327-457A-B781-F9B7727B1326}" type="presParOf" srcId="{10EFCEA7-60F7-4AAB-BF89-C217A9234DE1}" destId="{01DD923D-F84C-409E-BC22-A0E32C4E731F}" srcOrd="0" destOrd="0" presId="urn:microsoft.com/office/officeart/2008/layout/HorizontalMultiLevelHierarchy"/>
-    <dgm:cxn modelId="{34A02342-53A3-47EE-AE9A-ABEA91875725}" type="presParOf" srcId="{10EFCEA7-60F7-4AAB-BF89-C217A9234DE1}" destId="{AAE033B6-1C45-4095-97EC-5DF2C7290458}" srcOrd="1" destOrd="0" presId="urn:microsoft.com/office/officeart/2008/layout/HorizontalMultiLevelHierarchy"/>
-    <dgm:cxn modelId="{2D4245B9-0585-4A7F-B6C8-79780DE2A32A}" type="presParOf" srcId="{CADF07BD-B89F-4A73-A6E3-AB096A93F68D}" destId="{E68CB3ED-F4FB-4EFF-93B5-5B7D82640667}" srcOrd="10" destOrd="0" presId="urn:microsoft.com/office/officeart/2008/layout/HorizontalMultiLevelHierarchy"/>
-    <dgm:cxn modelId="{982955E9-7301-489E-A879-72BCD7628003}" type="presParOf" srcId="{E68CB3ED-F4FB-4EFF-93B5-5B7D82640667}" destId="{AB148D73-7E5C-4298-982E-D38D8A25BC40}" srcOrd="0" destOrd="0" presId="urn:microsoft.com/office/officeart/2008/layout/HorizontalMultiLevelHierarchy"/>
-    <dgm:cxn modelId="{648FFEED-5A16-4868-8290-55EDCF8FEEE0}" type="presParOf" srcId="{CADF07BD-B89F-4A73-A6E3-AB096A93F68D}" destId="{27EE52D4-AA8F-4AA8-8119-E255C2B1F1A7}" srcOrd="11" destOrd="0" presId="urn:microsoft.com/office/officeart/2008/layout/HorizontalMultiLevelHierarchy"/>
-    <dgm:cxn modelId="{98A9841D-E9C0-4EDD-812F-1C309A58B95B}" type="presParOf" srcId="{27EE52D4-AA8F-4AA8-8119-E255C2B1F1A7}" destId="{56265BA8-9ABE-4FD1-8CFF-EBD4618A396E}" srcOrd="0" destOrd="0" presId="urn:microsoft.com/office/officeart/2008/layout/HorizontalMultiLevelHierarchy"/>
-    <dgm:cxn modelId="{EB93421B-B44E-4887-8E56-C1E0F06AE537}" type="presParOf" srcId="{27EE52D4-AA8F-4AA8-8119-E255C2B1F1A7}" destId="{553AD4B0-3DE2-445C-B516-C33843FE79E5}" srcOrd="1" destOrd="0" presId="urn:microsoft.com/office/officeart/2008/layout/HorizontalMultiLevelHierarchy"/>
+    <dgm:cxn modelId="{C1A53BF7-2339-478C-A01E-66D2B03089BA}" type="presOf" srcId="{165F59CF-FB06-437F-ACF0-AE7C739ED7B3}" destId="{2915826C-6D68-4C6D-9673-177563FA85E1}" srcOrd="0" destOrd="0" presId="urn:microsoft.com/office/officeart/2008/layout/HorizontalMultiLevelHierarchy#2"/>
+    <dgm:cxn modelId="{8D1123F8-C833-4436-9D81-6F6634ED0F09}" type="presOf" srcId="{8C8728C0-C646-48FF-81EE-486B53741D8A}" destId="{4AD4BD80-5637-425E-B9FF-908B056A64AF}" srcOrd="0" destOrd="0" presId="urn:microsoft.com/office/officeart/2008/layout/HorizontalMultiLevelHierarchy#2"/>
+    <dgm:cxn modelId="{F6A6A3FB-712E-4992-BDDB-F3892C208590}" type="presOf" srcId="{EC35BBE5-848A-4791-860D-12A16E4B193B}" destId="{959010C3-0D25-4224-8595-8ACBD616AEBD}" srcOrd="0" destOrd="0" presId="urn:microsoft.com/office/officeart/2008/layout/HorizontalMultiLevelHierarchy#2"/>
+    <dgm:cxn modelId="{5737CF6D-40C9-455F-B2B7-B01011AF3CFC}" type="presParOf" srcId="{00DB5933-41A5-4A4B-9091-5BF5F07D43BB}" destId="{B491EA4D-1CEC-4F9A-A0E0-AE7C5F6AE0A0}" srcOrd="0" destOrd="0" presId="urn:microsoft.com/office/officeart/2008/layout/HorizontalMultiLevelHierarchy#2"/>
+    <dgm:cxn modelId="{53472643-9E21-43DF-87A4-81866382C038}" type="presParOf" srcId="{B491EA4D-1CEC-4F9A-A0E0-AE7C5F6AE0A0}" destId="{45C54206-0F79-4109-A601-E1C744A40849}" srcOrd="0" destOrd="0" presId="urn:microsoft.com/office/officeart/2008/layout/HorizontalMultiLevelHierarchy#2"/>
+    <dgm:cxn modelId="{7A183CB2-DD3B-4ED7-A330-B205021355E9}" type="presParOf" srcId="{B491EA4D-1CEC-4F9A-A0E0-AE7C5F6AE0A0}" destId="{2F3BB204-96D4-46A3-8F47-8759930CD1A9}" srcOrd="1" destOrd="0" presId="urn:microsoft.com/office/officeart/2008/layout/HorizontalMultiLevelHierarchy#2"/>
+    <dgm:cxn modelId="{F2E09430-B5B0-4231-8C71-E14251C46852}" type="presParOf" srcId="{2F3BB204-96D4-46A3-8F47-8759930CD1A9}" destId="{E3C39ED0-95A2-431D-8951-3ED838F5B545}" srcOrd="0" destOrd="0" presId="urn:microsoft.com/office/officeart/2008/layout/HorizontalMultiLevelHierarchy#2"/>
+    <dgm:cxn modelId="{56AEF55E-6451-4F0B-A465-0F6D642F256F}" type="presParOf" srcId="{E3C39ED0-95A2-431D-8951-3ED838F5B545}" destId="{D9EE3440-85D3-4881-B1D6-691949CFB9F5}" srcOrd="0" destOrd="0" presId="urn:microsoft.com/office/officeart/2008/layout/HorizontalMultiLevelHierarchy#2"/>
+    <dgm:cxn modelId="{6104376C-FEBA-4186-9F35-A5D191967F0E}" type="presParOf" srcId="{2F3BB204-96D4-46A3-8F47-8759930CD1A9}" destId="{EF00984C-057C-493C-A9EC-053231FCA7C7}" srcOrd="1" destOrd="0" presId="urn:microsoft.com/office/officeart/2008/layout/HorizontalMultiLevelHierarchy#2"/>
+    <dgm:cxn modelId="{A0B24723-EF50-435D-B89E-8DE1AFA652B2}" type="presParOf" srcId="{EF00984C-057C-493C-A9EC-053231FCA7C7}" destId="{A5B8561B-3E16-4EC8-8C97-E9144931B153}" srcOrd="0" destOrd="0" presId="urn:microsoft.com/office/officeart/2008/layout/HorizontalMultiLevelHierarchy#2"/>
+    <dgm:cxn modelId="{F1479A05-3108-4EAC-B2AE-25DEDC577C8E}" type="presParOf" srcId="{EF00984C-057C-493C-A9EC-053231FCA7C7}" destId="{DF0D5FC6-24C1-495A-A387-E7FD2C4B19B3}" srcOrd="1" destOrd="0" presId="urn:microsoft.com/office/officeart/2008/layout/HorizontalMultiLevelHierarchy#2"/>
+    <dgm:cxn modelId="{2FB94C22-0D44-460C-A2E5-C39A9459646A}" type="presParOf" srcId="{DF0D5FC6-24C1-495A-A387-E7FD2C4B19B3}" destId="{56660007-0D91-47FC-AFA7-4DDF9ED3CCFB}" srcOrd="0" destOrd="0" presId="urn:microsoft.com/office/officeart/2008/layout/HorizontalMultiLevelHierarchy#2"/>
+    <dgm:cxn modelId="{1D6D6A60-D8F6-43AE-A47C-22B79BC83CA7}" type="presParOf" srcId="{56660007-0D91-47FC-AFA7-4DDF9ED3CCFB}" destId="{617250C8-147B-4FD6-94AD-D08D1CBFB569}" srcOrd="0" destOrd="0" presId="urn:microsoft.com/office/officeart/2008/layout/HorizontalMultiLevelHierarchy#2"/>
+    <dgm:cxn modelId="{611DD41D-3DE1-453A-929C-B3B477B6329A}" type="presParOf" srcId="{DF0D5FC6-24C1-495A-A387-E7FD2C4B19B3}" destId="{0E5CFF1A-E19D-4B0E-950E-F25C27FD850A}" srcOrd="1" destOrd="0" presId="urn:microsoft.com/office/officeart/2008/layout/HorizontalMultiLevelHierarchy#2"/>
+    <dgm:cxn modelId="{A43319B8-D1A8-4F9A-AEF5-0EF4B285CFDE}" type="presParOf" srcId="{0E5CFF1A-E19D-4B0E-950E-F25C27FD850A}" destId="{83244ABE-AF47-4997-9FBE-8A443FD87D74}" srcOrd="0" destOrd="0" presId="urn:microsoft.com/office/officeart/2008/layout/HorizontalMultiLevelHierarchy#2"/>
+    <dgm:cxn modelId="{4986A345-E849-40C3-BFBE-B63B2AEBC848}" type="presParOf" srcId="{0E5CFF1A-E19D-4B0E-950E-F25C27FD850A}" destId="{E1F5E3CF-25B2-4231-A681-428FB5880BF0}" srcOrd="1" destOrd="0" presId="urn:microsoft.com/office/officeart/2008/layout/HorizontalMultiLevelHierarchy#2"/>
+    <dgm:cxn modelId="{E511E8F0-00C4-4847-BB7C-BF0DCA443D42}" type="presParOf" srcId="{DF0D5FC6-24C1-495A-A387-E7FD2C4B19B3}" destId="{959010C3-0D25-4224-8595-8ACBD616AEBD}" srcOrd="2" destOrd="0" presId="urn:microsoft.com/office/officeart/2008/layout/HorizontalMultiLevelHierarchy#2"/>
+    <dgm:cxn modelId="{45300816-B896-4940-AA14-E92B2C51175F}" type="presParOf" srcId="{959010C3-0D25-4224-8595-8ACBD616AEBD}" destId="{EB3C7EBA-0991-4B0C-BE3A-7320353FD1C7}" srcOrd="0" destOrd="0" presId="urn:microsoft.com/office/officeart/2008/layout/HorizontalMultiLevelHierarchy#2"/>
+    <dgm:cxn modelId="{878064B5-8119-4A65-B5BC-38749A3E1196}" type="presParOf" srcId="{DF0D5FC6-24C1-495A-A387-E7FD2C4B19B3}" destId="{959C021C-9DCD-4E92-945A-2944B667E8CA}" srcOrd="3" destOrd="0" presId="urn:microsoft.com/office/officeart/2008/layout/HorizontalMultiLevelHierarchy#2"/>
+    <dgm:cxn modelId="{16789F3E-3449-46D4-8574-4D6E4DD95E5A}" type="presParOf" srcId="{959C021C-9DCD-4E92-945A-2944B667E8CA}" destId="{5E3F2CF5-8C6A-4373-8FEC-AEA85059DD1F}" srcOrd="0" destOrd="0" presId="urn:microsoft.com/office/officeart/2008/layout/HorizontalMultiLevelHierarchy#2"/>
+    <dgm:cxn modelId="{BAA491FD-7C34-42AC-9996-77EE91B70973}" type="presParOf" srcId="{959C021C-9DCD-4E92-945A-2944B667E8CA}" destId="{8D9954FE-7AC7-4713-A694-DB45FEEE51B1}" srcOrd="1" destOrd="0" presId="urn:microsoft.com/office/officeart/2008/layout/HorizontalMultiLevelHierarchy#2"/>
+    <dgm:cxn modelId="{C63E5DAC-E6D6-413E-B27C-4A36A34D5492}" type="presParOf" srcId="{DF0D5FC6-24C1-495A-A387-E7FD2C4B19B3}" destId="{5DF6C20D-2070-4E3A-85A2-76688C869C26}" srcOrd="4" destOrd="0" presId="urn:microsoft.com/office/officeart/2008/layout/HorizontalMultiLevelHierarchy#2"/>
+    <dgm:cxn modelId="{06161065-6C99-4686-BCAA-0FDEF8A5B161}" type="presParOf" srcId="{5DF6C20D-2070-4E3A-85A2-76688C869C26}" destId="{5B831445-B011-4B47-ADE6-971D62402EC9}" srcOrd="0" destOrd="0" presId="urn:microsoft.com/office/officeart/2008/layout/HorizontalMultiLevelHierarchy#2"/>
+    <dgm:cxn modelId="{601D9503-F7FE-4CB7-BB62-2677BC94D80D}" type="presParOf" srcId="{DF0D5FC6-24C1-495A-A387-E7FD2C4B19B3}" destId="{F958BC08-E0C3-47BF-AF6A-EF2710EB6B99}" srcOrd="5" destOrd="0" presId="urn:microsoft.com/office/officeart/2008/layout/HorizontalMultiLevelHierarchy#2"/>
+    <dgm:cxn modelId="{E95DD93A-DAAF-44DB-9DB9-4900BB64CD4D}" type="presParOf" srcId="{F958BC08-E0C3-47BF-AF6A-EF2710EB6B99}" destId="{CD89B80F-D55F-4966-83EC-A9B8E44A28CC}" srcOrd="0" destOrd="0" presId="urn:microsoft.com/office/officeart/2008/layout/HorizontalMultiLevelHierarchy#2"/>
+    <dgm:cxn modelId="{807EF4BF-6314-419A-86AC-51831B550A76}" type="presParOf" srcId="{F958BC08-E0C3-47BF-AF6A-EF2710EB6B99}" destId="{220BEA03-6606-4F71-9777-0B112FD543C4}" srcOrd="1" destOrd="0" presId="urn:microsoft.com/office/officeart/2008/layout/HorizontalMultiLevelHierarchy#2"/>
+    <dgm:cxn modelId="{BD8A5A3E-4229-4A69-93A2-FCA09A8B88A4}" type="presParOf" srcId="{DF0D5FC6-24C1-495A-A387-E7FD2C4B19B3}" destId="{60AD70B9-9118-4F65-B9C2-E57AE62DE7C2}" srcOrd="6" destOrd="0" presId="urn:microsoft.com/office/officeart/2008/layout/HorizontalMultiLevelHierarchy#2"/>
+    <dgm:cxn modelId="{EA5D6616-786D-42D4-AF0B-B88646D7D1E4}" type="presParOf" srcId="{60AD70B9-9118-4F65-B9C2-E57AE62DE7C2}" destId="{B18313EB-8667-4676-96D3-1BFCA2CD1218}" srcOrd="0" destOrd="0" presId="urn:microsoft.com/office/officeart/2008/layout/HorizontalMultiLevelHierarchy#2"/>
+    <dgm:cxn modelId="{31B5E035-E7A6-42CC-9703-D6B1CFEE43EF}" type="presParOf" srcId="{DF0D5FC6-24C1-495A-A387-E7FD2C4B19B3}" destId="{D722F671-964F-48BE-A1C1-3E7A2C59AA18}" srcOrd="7" destOrd="0" presId="urn:microsoft.com/office/officeart/2008/layout/HorizontalMultiLevelHierarchy#2"/>
+    <dgm:cxn modelId="{AE1EA1A7-32DC-4B6F-AC29-024CC33AEDA9}" type="presParOf" srcId="{D722F671-964F-48BE-A1C1-3E7A2C59AA18}" destId="{4D765DFC-3788-4941-B2A0-3B34BE4D497F}" srcOrd="0" destOrd="0" presId="urn:microsoft.com/office/officeart/2008/layout/HorizontalMultiLevelHierarchy#2"/>
+    <dgm:cxn modelId="{7A677F0A-828A-4804-A39C-F97F30EBAAE4}" type="presParOf" srcId="{D722F671-964F-48BE-A1C1-3E7A2C59AA18}" destId="{9AEE1840-4752-4B3D-9A26-C36BDA15CB81}" srcOrd="1" destOrd="0" presId="urn:microsoft.com/office/officeart/2008/layout/HorizontalMultiLevelHierarchy#2"/>
+    <dgm:cxn modelId="{CF6A3030-D6CF-4388-A98F-14A4E10B5166}" type="presParOf" srcId="{DF0D5FC6-24C1-495A-A387-E7FD2C4B19B3}" destId="{B1C4328F-012D-4C9E-9E68-E53EC0271311}" srcOrd="8" destOrd="0" presId="urn:microsoft.com/office/officeart/2008/layout/HorizontalMultiLevelHierarchy#2"/>
+    <dgm:cxn modelId="{2A7B7556-D913-4962-BCFD-C475B13DE6D6}" type="presParOf" srcId="{B1C4328F-012D-4C9E-9E68-E53EC0271311}" destId="{FBCE37BD-DF06-432A-9BB8-DC98077BE161}" srcOrd="0" destOrd="0" presId="urn:microsoft.com/office/officeart/2008/layout/HorizontalMultiLevelHierarchy#2"/>
+    <dgm:cxn modelId="{2975D101-782D-4B57-BDA1-614CD70CF8DD}" type="presParOf" srcId="{DF0D5FC6-24C1-495A-A387-E7FD2C4B19B3}" destId="{030F9888-02D6-411A-957B-836394B53BD9}" srcOrd="9" destOrd="0" presId="urn:microsoft.com/office/officeart/2008/layout/HorizontalMultiLevelHierarchy#2"/>
+    <dgm:cxn modelId="{60A4E1FF-8B33-4C81-B885-C1AF5B5C89BB}" type="presParOf" srcId="{030F9888-02D6-411A-957B-836394B53BD9}" destId="{4AD4BD80-5637-425E-B9FF-908B056A64AF}" srcOrd="0" destOrd="0" presId="urn:microsoft.com/office/officeart/2008/layout/HorizontalMultiLevelHierarchy#2"/>
+    <dgm:cxn modelId="{34A278B9-542D-4F82-B334-C83B104CD7B0}" type="presParOf" srcId="{030F9888-02D6-411A-957B-836394B53BD9}" destId="{78D5A2A6-2480-4CFE-8EFF-943471C3E476}" srcOrd="1" destOrd="0" presId="urn:microsoft.com/office/officeart/2008/layout/HorizontalMultiLevelHierarchy#2"/>
+    <dgm:cxn modelId="{C1DCB2FC-8940-43B8-8733-1ED2C30BAE0C}" type="presParOf" srcId="{2F3BB204-96D4-46A3-8F47-8759930CD1A9}" destId="{1C32CD12-3A7F-48FD-830F-98496F2B322F}" srcOrd="2" destOrd="0" presId="urn:microsoft.com/office/officeart/2008/layout/HorizontalMultiLevelHierarchy#2"/>
+    <dgm:cxn modelId="{9419195C-D473-4C92-A0DB-4C405AB99014}" type="presParOf" srcId="{1C32CD12-3A7F-48FD-830F-98496F2B322F}" destId="{99A2653D-71FC-4D26-BEB9-51B815B376ED}" srcOrd="0" destOrd="0" presId="urn:microsoft.com/office/officeart/2008/layout/HorizontalMultiLevelHierarchy#2"/>
+    <dgm:cxn modelId="{1872AE9F-E360-4B87-B897-933690B7F5A5}" type="presParOf" srcId="{2F3BB204-96D4-46A3-8F47-8759930CD1A9}" destId="{AF5FB730-CC09-4F66-A89C-1EB9171526F5}" srcOrd="3" destOrd="0" presId="urn:microsoft.com/office/officeart/2008/layout/HorizontalMultiLevelHierarchy#2"/>
+    <dgm:cxn modelId="{CC76A1B5-9DCF-4C8C-B243-F0EFDF6F6B78}" type="presParOf" srcId="{AF5FB730-CC09-4F66-A89C-1EB9171526F5}" destId="{2586E7A4-D66B-4418-BEAE-F4737D31712F}" srcOrd="0" destOrd="0" presId="urn:microsoft.com/office/officeart/2008/layout/HorizontalMultiLevelHierarchy#2"/>
+    <dgm:cxn modelId="{CA43892B-7A39-4451-BD6C-EB50B8B98749}" type="presParOf" srcId="{AF5FB730-CC09-4F66-A89C-1EB9171526F5}" destId="{CADF07BD-B89F-4A73-A6E3-AB096A93F68D}" srcOrd="1" destOrd="0" presId="urn:microsoft.com/office/officeart/2008/layout/HorizontalMultiLevelHierarchy#2"/>
+    <dgm:cxn modelId="{14FA47E1-811D-49D6-B481-C00F5958FD47}" type="presParOf" srcId="{CADF07BD-B89F-4A73-A6E3-AB096A93F68D}" destId="{D80E153A-59F9-41EE-905B-1CDFC32D1209}" srcOrd="0" destOrd="0" presId="urn:microsoft.com/office/officeart/2008/layout/HorizontalMultiLevelHierarchy#2"/>
+    <dgm:cxn modelId="{684C9A47-DC54-44CC-A464-338DAFFAF740}" type="presParOf" srcId="{D80E153A-59F9-41EE-905B-1CDFC32D1209}" destId="{ED4E88B8-CB1C-4401-A8F8-D04BAE97C610}" srcOrd="0" destOrd="0" presId="urn:microsoft.com/office/officeart/2008/layout/HorizontalMultiLevelHierarchy#2"/>
+    <dgm:cxn modelId="{B0BDE72C-F4E6-4D66-8544-EF1C2E85C9C7}" type="presParOf" srcId="{CADF07BD-B89F-4A73-A6E3-AB096A93F68D}" destId="{71F2E404-3F7F-4CF9-9CC2-55E89B59E61A}" srcOrd="1" destOrd="0" presId="urn:microsoft.com/office/officeart/2008/layout/HorizontalMultiLevelHierarchy#2"/>
+    <dgm:cxn modelId="{245B334F-9501-45A7-A2B6-96668A3D47DC}" type="presParOf" srcId="{71F2E404-3F7F-4CF9-9CC2-55E89B59E61A}" destId="{C9C307F2-2676-4DC5-8A19-23718D84D7BC}" srcOrd="0" destOrd="0" presId="urn:microsoft.com/office/officeart/2008/layout/HorizontalMultiLevelHierarchy#2"/>
+    <dgm:cxn modelId="{FD8FCFEC-F9BA-4EB4-9639-6512B945F6C0}" type="presParOf" srcId="{71F2E404-3F7F-4CF9-9CC2-55E89B59E61A}" destId="{E60EFFF3-EB42-41E2-ABFA-8DCFE9FCE28C}" srcOrd="1" destOrd="0" presId="urn:microsoft.com/office/officeart/2008/layout/HorizontalMultiLevelHierarchy#2"/>
+    <dgm:cxn modelId="{167EFDA6-F001-4CD0-83B8-E351492017B6}" type="presParOf" srcId="{CADF07BD-B89F-4A73-A6E3-AB096A93F68D}" destId="{2915826C-6D68-4C6D-9673-177563FA85E1}" srcOrd="2" destOrd="0" presId="urn:microsoft.com/office/officeart/2008/layout/HorizontalMultiLevelHierarchy#2"/>
+    <dgm:cxn modelId="{1F6B0D4D-4004-4950-862F-2026EA73E393}" type="presParOf" srcId="{2915826C-6D68-4C6D-9673-177563FA85E1}" destId="{66CF2449-22DC-443C-927D-401651C6EF7C}" srcOrd="0" destOrd="0" presId="urn:microsoft.com/office/officeart/2008/layout/HorizontalMultiLevelHierarchy#2"/>
+    <dgm:cxn modelId="{D787C923-DB6B-4113-970E-C820DC141EA0}" type="presParOf" srcId="{CADF07BD-B89F-4A73-A6E3-AB096A93F68D}" destId="{6F93D952-949E-4130-8746-FC657E75D914}" srcOrd="3" destOrd="0" presId="urn:microsoft.com/office/officeart/2008/layout/HorizontalMultiLevelHierarchy#2"/>
+    <dgm:cxn modelId="{F8137812-8779-4EC4-B324-B96631B74F4D}" type="presParOf" srcId="{6F93D952-949E-4130-8746-FC657E75D914}" destId="{468B067E-8DBD-4952-B923-CA125BC016FB}" srcOrd="0" destOrd="0" presId="urn:microsoft.com/office/officeart/2008/layout/HorizontalMultiLevelHierarchy#2"/>
+    <dgm:cxn modelId="{9BB53658-13AE-4162-92AB-2BCDE25B1AE1}" type="presParOf" srcId="{6F93D952-949E-4130-8746-FC657E75D914}" destId="{D5E08972-A012-42B9-963B-EE2CF74F2A15}" srcOrd="1" destOrd="0" presId="urn:microsoft.com/office/officeart/2008/layout/HorizontalMultiLevelHierarchy#2"/>
+    <dgm:cxn modelId="{06FF662E-449C-4606-B2ED-64C44AA212BE}" type="presParOf" srcId="{CADF07BD-B89F-4A73-A6E3-AB096A93F68D}" destId="{E643E57A-D750-416D-8F5A-A9962A5D0236}" srcOrd="4" destOrd="0" presId="urn:microsoft.com/office/officeart/2008/layout/HorizontalMultiLevelHierarchy#2"/>
+    <dgm:cxn modelId="{4BD9A6BD-F1F7-4500-9FF6-40F403F425ED}" type="presParOf" srcId="{E643E57A-D750-416D-8F5A-A9962A5D0236}" destId="{192B899F-E253-4892-A08D-77677277A9C9}" srcOrd="0" destOrd="0" presId="urn:microsoft.com/office/officeart/2008/layout/HorizontalMultiLevelHierarchy#2"/>
+    <dgm:cxn modelId="{03AA3069-CE07-4910-BA4A-B559D36F2201}" type="presParOf" srcId="{CADF07BD-B89F-4A73-A6E3-AB096A93F68D}" destId="{56DB49E3-B7F3-4F2C-AA9B-F094C841A850}" srcOrd="5" destOrd="0" presId="urn:microsoft.com/office/officeart/2008/layout/HorizontalMultiLevelHierarchy#2"/>
+    <dgm:cxn modelId="{3BEDCDE8-8E41-4882-A2FE-E2299511B898}" type="presParOf" srcId="{56DB49E3-B7F3-4F2C-AA9B-F094C841A850}" destId="{ED462EB3-C637-4570-B42B-6E45F145F134}" srcOrd="0" destOrd="0" presId="urn:microsoft.com/office/officeart/2008/layout/HorizontalMultiLevelHierarchy#2"/>
+    <dgm:cxn modelId="{E2BA9520-583D-4F89-B9B5-28B1F80F3C79}" type="presParOf" srcId="{56DB49E3-B7F3-4F2C-AA9B-F094C841A850}" destId="{9904F3EC-609A-4ED8-9195-EA519D5FBF13}" srcOrd="1" destOrd="0" presId="urn:microsoft.com/office/officeart/2008/layout/HorizontalMultiLevelHierarchy#2"/>
+    <dgm:cxn modelId="{3AEAD2E6-E0C4-4E17-B6E3-98C4D0B9F8DD}" type="presParOf" srcId="{CADF07BD-B89F-4A73-A6E3-AB096A93F68D}" destId="{26B1D735-E696-4669-9EE0-C555BE21E395}" srcOrd="6" destOrd="0" presId="urn:microsoft.com/office/officeart/2008/layout/HorizontalMultiLevelHierarchy#2"/>
+    <dgm:cxn modelId="{51C4A0F3-79FF-425B-9E19-15A345F01B35}" type="presParOf" srcId="{26B1D735-E696-4669-9EE0-C555BE21E395}" destId="{460BF31A-A3E2-4E62-962B-9CD7531EDD7B}" srcOrd="0" destOrd="0" presId="urn:microsoft.com/office/officeart/2008/layout/HorizontalMultiLevelHierarchy#2"/>
+    <dgm:cxn modelId="{AD128F2C-3CE0-4D6A-9111-B64182F5DA46}" type="presParOf" srcId="{CADF07BD-B89F-4A73-A6E3-AB096A93F68D}" destId="{F215097A-36C6-4149-A88C-06F7A21E3A93}" srcOrd="7" destOrd="0" presId="urn:microsoft.com/office/officeart/2008/layout/HorizontalMultiLevelHierarchy#2"/>
+    <dgm:cxn modelId="{CA94CE53-D069-4FD5-8F35-923403053347}" type="presParOf" srcId="{F215097A-36C6-4149-A88C-06F7A21E3A93}" destId="{879734F7-5B85-4B17-B316-73D3FEB2F9EC}" srcOrd="0" destOrd="0" presId="urn:microsoft.com/office/officeart/2008/layout/HorizontalMultiLevelHierarchy#2"/>
+    <dgm:cxn modelId="{C80FF95C-F76D-4C4E-935E-AD0FFAF17C09}" type="presParOf" srcId="{F215097A-36C6-4149-A88C-06F7A21E3A93}" destId="{926FE21A-2AC5-411E-85B5-75AB4535C100}" srcOrd="1" destOrd="0" presId="urn:microsoft.com/office/officeart/2008/layout/HorizontalMultiLevelHierarchy#2"/>
+    <dgm:cxn modelId="{BE2B1613-B7E2-475C-A440-94BCC1D21B26}" type="presParOf" srcId="{CADF07BD-B89F-4A73-A6E3-AB096A93F68D}" destId="{9A882045-F926-445E-BF0A-3AAB6CD0B70C}" srcOrd="8" destOrd="0" presId="urn:microsoft.com/office/officeart/2008/layout/HorizontalMultiLevelHierarchy#2"/>
+    <dgm:cxn modelId="{497CB3E7-97A6-4740-A042-7077200392DA}" type="presParOf" srcId="{9A882045-F926-445E-BF0A-3AAB6CD0B70C}" destId="{867D14A5-AB39-4431-97B6-D9AC2E90A2B6}" srcOrd="0" destOrd="0" presId="urn:microsoft.com/office/officeart/2008/layout/HorizontalMultiLevelHierarchy#2"/>
+    <dgm:cxn modelId="{00788233-3A00-494E-B249-09EC6FF7FEC1}" type="presParOf" srcId="{CADF07BD-B89F-4A73-A6E3-AB096A93F68D}" destId="{10EFCEA7-60F7-4AAB-BF89-C217A9234DE1}" srcOrd="9" destOrd="0" presId="urn:microsoft.com/office/officeart/2008/layout/HorizontalMultiLevelHierarchy#2"/>
+    <dgm:cxn modelId="{A359FEDC-1327-457A-B781-F9B7727B1326}" type="presParOf" srcId="{10EFCEA7-60F7-4AAB-BF89-C217A9234DE1}" destId="{01DD923D-F84C-409E-BC22-A0E32C4E731F}" srcOrd="0" destOrd="0" presId="urn:microsoft.com/office/officeart/2008/layout/HorizontalMultiLevelHierarchy#2"/>
+    <dgm:cxn modelId="{34A02342-53A3-47EE-AE9A-ABEA91875725}" type="presParOf" srcId="{10EFCEA7-60F7-4AAB-BF89-C217A9234DE1}" destId="{AAE033B6-1C45-4095-97EC-5DF2C7290458}" srcOrd="1" destOrd="0" presId="urn:microsoft.com/office/officeart/2008/layout/HorizontalMultiLevelHierarchy#2"/>
+    <dgm:cxn modelId="{2D4245B9-0585-4A7F-B6C8-79780DE2A32A}" type="presParOf" srcId="{CADF07BD-B89F-4A73-A6E3-AB096A93F68D}" destId="{E68CB3ED-F4FB-4EFF-93B5-5B7D82640667}" srcOrd="10" destOrd="0" presId="urn:microsoft.com/office/officeart/2008/layout/HorizontalMultiLevelHierarchy#2"/>
+    <dgm:cxn modelId="{982955E9-7301-489E-A879-72BCD7628003}" type="presParOf" srcId="{E68CB3ED-F4FB-4EFF-93B5-5B7D82640667}" destId="{AB148D73-7E5C-4298-982E-D38D8A25BC40}" srcOrd="0" destOrd="0" presId="urn:microsoft.com/office/officeart/2008/layout/HorizontalMultiLevelHierarchy#2"/>
+    <dgm:cxn modelId="{648FFEED-5A16-4868-8290-55EDCF8FEEE0}" type="presParOf" srcId="{CADF07BD-B89F-4A73-A6E3-AB096A93F68D}" destId="{27EE52D4-AA8F-4AA8-8119-E255C2B1F1A7}" srcOrd="11" destOrd="0" presId="urn:microsoft.com/office/officeart/2008/layout/HorizontalMultiLevelHierarchy#2"/>
+    <dgm:cxn modelId="{98A9841D-E9C0-4EDD-812F-1C309A58B95B}" type="presParOf" srcId="{27EE52D4-AA8F-4AA8-8119-E255C2B1F1A7}" destId="{56265BA8-9ABE-4FD1-8CFF-EBD4618A396E}" srcOrd="0" destOrd="0" presId="urn:microsoft.com/office/officeart/2008/layout/HorizontalMultiLevelHierarchy#2"/>
+    <dgm:cxn modelId="{EB93421B-B44E-4887-8E56-C1E0F06AE537}" type="presParOf" srcId="{27EE52D4-AA8F-4AA8-8119-E255C2B1F1A7}" destId="{553AD4B0-3DE2-445C-B516-C33843FE79E5}" srcOrd="1" destOrd="0" presId="urn:microsoft.com/office/officeart/2008/layout/HorizontalMultiLevelHierarchy#2"/>
   </dgm:cxnLst>
   <dgm:bg/>
   <dgm:whole/>
   <dgm:extLst>
     <a:ext uri="http://schemas.microsoft.com/office/drawing/2008/diagram">
-      <dsp:dataModelExt xmlns:dsp="http://schemas.microsoft.com/office/drawing/2008/diagram" relId="rId5" minVer="http://schemas.openxmlformats.org/drawingml/2006/diagram"/>
+      <dsp:dataModelExt xmlns:dsp="http://schemas.microsoft.com/office/drawing/2008/diagram" relId="rId6" minVer="http://schemas.openxmlformats.org/drawingml/2006/diagram"/>
     </a:ext>
   </dgm:extLst>
 </dgm:dataModel>
@@ -7801,7 +7810,7 @@
 <dgm:dataModel xmlns:dgm="http://schemas.openxmlformats.org/drawingml/2006/diagram" xmlns:a="http://schemas.openxmlformats.org/drawingml/2006/main">
   <dgm:ptLst>
     <dgm:pt modelId="{CCEAA75D-7711-4A00-802E-F9F42EC5BA7A}" type="doc">
-      <dgm:prSet loTypeId="urn:microsoft.com/office/officeart/2008/layout/HorizontalMultiLevelHierarchy" loCatId="hierarchy" qsTypeId="urn:microsoft.com/office/officeart/2005/8/quickstyle/simple1" qsCatId="simple" csTypeId="urn:microsoft.com/office/officeart/2005/8/colors/accent0_1" csCatId="mainScheme" phldr="1"/>
+      <dgm:prSet loTypeId="urn:microsoft.com/office/officeart/2008/layout/HorizontalMultiLevelHierarchy#3" loCatId="hierarchy" qsTypeId="urn:microsoft.com/office/officeart/2005/8/quickstyle/simple1#3" qsCatId="simple" csTypeId="urn:microsoft.com/office/officeart/2005/8/colors/accent0_1#3" csCatId="mainScheme" phldr="1"/>
       <dgm:spPr/>
       <dgm:t>
         <a:bodyPr/>
@@ -7850,7 +7859,7 @@
         </a:p>
       </dgm:t>
     </dgm:pt>
-    <dgm:pt modelId="{6418F433-3F42-4A99-A93B-AC91C0FF8B1C}" cxnId="{C6970605-03BD-4C5B-8BF5-64D10C3A828A}" type="parTrans">
+    <dgm:pt modelId="{6418F433-3F42-4A99-A93B-AC91C0FF8B1C}" type="parTrans" cxnId="{C6970605-03BD-4C5B-8BF5-64D10C3A828A}">
       <dgm:prSet/>
       <dgm:spPr/>
       <dgm:t>
@@ -7861,7 +7870,7 @@
         </a:p>
       </dgm:t>
     </dgm:pt>
-    <dgm:pt modelId="{CD85D536-A820-448F-A56B-EA5C90AD3F6A}" cxnId="{C6970605-03BD-4C5B-8BF5-64D10C3A828A}" type="sibTrans">
+    <dgm:pt modelId="{CD85D536-A820-448F-A56B-EA5C90AD3F6A}" type="sibTrans" cxnId="{C6970605-03BD-4C5B-8BF5-64D10C3A828A}">
       <dgm:prSet/>
       <dgm:spPr/>
       <dgm:t>
@@ -7886,7 +7895,7 @@
         </a:p>
       </dgm:t>
     </dgm:pt>
-    <dgm:pt modelId="{6272FAA4-6E59-421C-959D-2CA99F82F4E4}" cxnId="{92525178-DE0B-45FA-B7AC-AB2B4B539B65}" type="sibTrans">
+    <dgm:pt modelId="{6272FAA4-6E59-421C-959D-2CA99F82F4E4}" type="sibTrans" cxnId="{92525178-DE0B-45FA-B7AC-AB2B4B539B65}">
       <dgm:prSet/>
       <dgm:spPr/>
       <dgm:t>
@@ -7897,7 +7906,7 @@
         </a:p>
       </dgm:t>
     </dgm:pt>
-    <dgm:pt modelId="{FFE066F3-AF05-4D3B-A7B8-959D077886EE}" cxnId="{92525178-DE0B-45FA-B7AC-AB2B4B539B65}" type="parTrans">
+    <dgm:pt modelId="{FFE066F3-AF05-4D3B-A7B8-959D077886EE}" type="parTrans" cxnId="{92525178-DE0B-45FA-B7AC-AB2B4B539B65}">
       <dgm:prSet custT="1"/>
       <dgm:spPr/>
       <dgm:t>
@@ -7970,7 +7979,7 @@
         </a:p>
       </dgm:t>
     </dgm:pt>
-    <dgm:pt modelId="{2AED9589-0348-4DA1-946F-C4A026F08B62}" cxnId="{EFF4F1EF-30E2-4AE4-A20A-34F7AB282BF5}" type="parTrans">
+    <dgm:pt modelId="{2AED9589-0348-4DA1-946F-C4A026F08B62}" type="parTrans" cxnId="{EFF4F1EF-30E2-4AE4-A20A-34F7AB282BF5}">
       <dgm:prSet/>
       <dgm:spPr/>
       <dgm:t>
@@ -7981,7 +7990,7 @@
         </a:p>
       </dgm:t>
     </dgm:pt>
-    <dgm:pt modelId="{228C6D4C-5C80-4699-A571-CA8AC513879F}" cxnId="{EFF4F1EF-30E2-4AE4-A20A-34F7AB282BF5}" type="sibTrans">
+    <dgm:pt modelId="{228C6D4C-5C80-4699-A571-CA8AC513879F}" type="sibTrans" cxnId="{EFF4F1EF-30E2-4AE4-A20A-34F7AB282BF5}">
       <dgm:prSet/>
       <dgm:spPr/>
       <dgm:t>
@@ -8006,7 +8015,7 @@
         </a:p>
       </dgm:t>
     </dgm:pt>
-    <dgm:pt modelId="{91663E3F-6CEB-4B1B-A3CF-90F7ACFB8678}" cxnId="{A5A302C8-B136-4A2B-B6B0-1570D3D7787A}" type="parTrans">
+    <dgm:pt modelId="{91663E3F-6CEB-4B1B-A3CF-90F7ACFB8678}" type="parTrans" cxnId="{A5A302C8-B136-4A2B-B6B0-1570D3D7787A}">
       <dgm:prSet custT="1"/>
       <dgm:spPr/>
       <dgm:t>
@@ -8017,7 +8026,7 @@
         </a:p>
       </dgm:t>
     </dgm:pt>
-    <dgm:pt modelId="{88E63853-30E8-4964-9735-B490A205711B}" cxnId="{A5A302C8-B136-4A2B-B6B0-1570D3D7787A}" type="sibTrans">
+    <dgm:pt modelId="{88E63853-30E8-4964-9735-B490A205711B}" type="sibTrans" cxnId="{A5A302C8-B136-4A2B-B6B0-1570D3D7787A}">
       <dgm:prSet/>
       <dgm:spPr/>
       <dgm:t>
@@ -8042,7 +8051,7 @@
         </a:p>
       </dgm:t>
     </dgm:pt>
-    <dgm:pt modelId="{E89F9055-351E-498A-B727-E4BC20C4C9DF}" cxnId="{08FEAC7B-4095-4B8E-A01C-D1845BAF5BB5}" type="parTrans">
+    <dgm:pt modelId="{E89F9055-351E-498A-B727-E4BC20C4C9DF}" type="parTrans" cxnId="{08FEAC7B-4095-4B8E-A01C-D1845BAF5BB5}">
       <dgm:prSet custT="1"/>
       <dgm:spPr/>
       <dgm:t>
@@ -8053,7 +8062,7 @@
         </a:p>
       </dgm:t>
     </dgm:pt>
-    <dgm:pt modelId="{F4BB064C-EC70-4172-88FF-5A7FA6A76DD4}" cxnId="{08FEAC7B-4095-4B8E-A01C-D1845BAF5BB5}" type="sibTrans">
+    <dgm:pt modelId="{F4BB064C-EC70-4172-88FF-5A7FA6A76DD4}" type="sibTrans" cxnId="{08FEAC7B-4095-4B8E-A01C-D1845BAF5BB5}">
       <dgm:prSet/>
       <dgm:spPr/>
       <dgm:t>
@@ -8078,7 +8087,7 @@
         </a:p>
       </dgm:t>
     </dgm:pt>
-    <dgm:pt modelId="{67071600-9385-4344-ABF2-2D8A5CCAE300}" cxnId="{072E6B53-8BBC-46E1-B4E8-DEE5F2ACE2C7}" type="parTrans">
+    <dgm:pt modelId="{67071600-9385-4344-ABF2-2D8A5CCAE300}" type="parTrans" cxnId="{072E6B53-8BBC-46E1-B4E8-DEE5F2ACE2C7}">
       <dgm:prSet custT="1"/>
       <dgm:spPr/>
       <dgm:t>
@@ -8089,7 +8098,7 @@
         </a:p>
       </dgm:t>
     </dgm:pt>
-    <dgm:pt modelId="{383CB627-E8DD-4C09-A26A-B9966D78A605}" cxnId="{072E6B53-8BBC-46E1-B4E8-DEE5F2ACE2C7}" type="sibTrans">
+    <dgm:pt modelId="{383CB627-E8DD-4C09-A26A-B9966D78A605}" type="sibTrans" cxnId="{072E6B53-8BBC-46E1-B4E8-DEE5F2ACE2C7}">
       <dgm:prSet/>
       <dgm:spPr/>
       <dgm:t>
@@ -8114,7 +8123,7 @@
         </a:p>
       </dgm:t>
     </dgm:pt>
-    <dgm:pt modelId="{80DB72AE-2FE4-4619-B165-80D4A72C1245}" cxnId="{F88EF28D-A469-47FF-9CEC-D6B0525031D9}" type="parTrans">
+    <dgm:pt modelId="{80DB72AE-2FE4-4619-B165-80D4A72C1245}" type="parTrans" cxnId="{F88EF28D-A469-47FF-9CEC-D6B0525031D9}">
       <dgm:prSet custT="1"/>
       <dgm:spPr/>
       <dgm:t>
@@ -8125,7 +8134,7 @@
         </a:p>
       </dgm:t>
     </dgm:pt>
-    <dgm:pt modelId="{11AD31AC-2AD7-43F1-B91C-2EE834A1A899}" cxnId="{F88EF28D-A469-47FF-9CEC-D6B0525031D9}" type="sibTrans">
+    <dgm:pt modelId="{11AD31AC-2AD7-43F1-B91C-2EE834A1A899}" type="sibTrans" cxnId="{F88EF28D-A469-47FF-9CEC-D6B0525031D9}">
       <dgm:prSet/>
       <dgm:spPr/>
       <dgm:t>
@@ -8150,7 +8159,7 @@
         </a:p>
       </dgm:t>
     </dgm:pt>
-    <dgm:pt modelId="{B53B1D0F-2DC7-4602-B2D1-7EC3AEFEC139}" cxnId="{5A9E86B3-BAB4-4874-8DAA-91851662CC90}" type="parTrans">
+    <dgm:pt modelId="{B53B1D0F-2DC7-4602-B2D1-7EC3AEFEC139}" type="parTrans" cxnId="{5A9E86B3-BAB4-4874-8DAA-91851662CC90}">
       <dgm:prSet custT="1"/>
       <dgm:spPr/>
       <dgm:t>
@@ -8161,7 +8170,7 @@
         </a:p>
       </dgm:t>
     </dgm:pt>
-    <dgm:pt modelId="{06F873BF-AC6A-4B9D-B24F-92BE28DB2343}" cxnId="{5A9E86B3-BAB4-4874-8DAA-91851662CC90}" type="sibTrans">
+    <dgm:pt modelId="{06F873BF-AC6A-4B9D-B24F-92BE28DB2343}" type="sibTrans" cxnId="{5A9E86B3-BAB4-4874-8DAA-91851662CC90}">
       <dgm:prSet/>
       <dgm:spPr/>
       <dgm:t>
@@ -8186,7 +8195,7 @@
         </a:p>
       </dgm:t>
     </dgm:pt>
-    <dgm:pt modelId="{F59C85F5-E7FA-4907-AB31-433C1CD72650}" cxnId="{9356EA2C-9C26-4E40-8A28-DA73575A9C14}" type="parTrans">
+    <dgm:pt modelId="{F59C85F5-E7FA-4907-AB31-433C1CD72650}" type="parTrans" cxnId="{9356EA2C-9C26-4E40-8A28-DA73575A9C14}">
       <dgm:prSet custT="1"/>
       <dgm:spPr/>
       <dgm:t>
@@ -8197,7 +8206,7 @@
         </a:p>
       </dgm:t>
     </dgm:pt>
-    <dgm:pt modelId="{84020315-3F61-4BCF-8A60-074F55D787A3}" cxnId="{9356EA2C-9C26-4E40-8A28-DA73575A9C14}" type="sibTrans">
+    <dgm:pt modelId="{84020315-3F61-4BCF-8A60-074F55D787A3}" type="sibTrans" cxnId="{9356EA2C-9C26-4E40-8A28-DA73575A9C14}">
       <dgm:prSet/>
       <dgm:spPr/>
       <dgm:t>
@@ -8223,7 +8232,7 @@
         </a:p>
       </dgm:t>
     </dgm:pt>
-    <dgm:pt modelId="{A8459278-FCE2-438C-B6F5-0034BD7A0F4B}" cxnId="{1633C6ED-0C3A-4A4C-BB79-97CE17DCEBAB}" type="parTrans">
+    <dgm:pt modelId="{A8459278-FCE2-438C-B6F5-0034BD7A0F4B}" type="parTrans" cxnId="{1633C6ED-0C3A-4A4C-BB79-97CE17DCEBAB}">
       <dgm:prSet custT="1"/>
       <dgm:spPr/>
       <dgm:t>
@@ -8234,7 +8243,7 @@
         </a:p>
       </dgm:t>
     </dgm:pt>
-    <dgm:pt modelId="{48E5192B-E146-4383-B8E1-9471DB466A0D}" cxnId="{1633C6ED-0C3A-4A4C-BB79-97CE17DCEBAB}" type="sibTrans">
+    <dgm:pt modelId="{48E5192B-E146-4383-B8E1-9471DB466A0D}" type="sibTrans" cxnId="{1633C6ED-0C3A-4A4C-BB79-97CE17DCEBAB}">
       <dgm:prSet/>
       <dgm:spPr/>
       <dgm:t>
@@ -8259,7 +8268,7 @@
         </a:p>
       </dgm:t>
     </dgm:pt>
-    <dgm:pt modelId="{6FA85140-56E1-41CB-8B9E-1FC167776601}" cxnId="{A9571E0A-925F-4FF5-A9FA-8AC6D4440333}" type="parTrans">
+    <dgm:pt modelId="{6FA85140-56E1-41CB-8B9E-1FC167776601}" type="parTrans" cxnId="{A9571E0A-925F-4FF5-A9FA-8AC6D4440333}">
       <dgm:prSet custT="1"/>
       <dgm:spPr/>
       <dgm:t>
@@ -8270,7 +8279,7 @@
         </a:p>
       </dgm:t>
     </dgm:pt>
-    <dgm:pt modelId="{17B2342A-657C-4DDE-AE35-2977B8393C5E}" cxnId="{A9571E0A-925F-4FF5-A9FA-8AC6D4440333}" type="sibTrans">
+    <dgm:pt modelId="{17B2342A-657C-4DDE-AE35-2977B8393C5E}" type="sibTrans" cxnId="{A9571E0A-925F-4FF5-A9FA-8AC6D4440333}">
       <dgm:prSet/>
       <dgm:spPr/>
       <dgm:t>
@@ -8295,7 +8304,7 @@
         </a:p>
       </dgm:t>
     </dgm:pt>
-    <dgm:pt modelId="{BA8B05BA-0091-4B58-931B-084873857BE7}" cxnId="{E6E2AE28-FD52-4469-91FC-29DFF2820788}" type="parTrans">
+    <dgm:pt modelId="{BA8B05BA-0091-4B58-931B-084873857BE7}" type="parTrans" cxnId="{E6E2AE28-FD52-4469-91FC-29DFF2820788}">
       <dgm:prSet custT="1"/>
       <dgm:spPr/>
       <dgm:t>
@@ -8306,7 +8315,7 @@
         </a:p>
       </dgm:t>
     </dgm:pt>
-    <dgm:pt modelId="{501D8979-8D01-423D-89F0-7D748A83FDB5}" cxnId="{E6E2AE28-FD52-4469-91FC-29DFF2820788}" type="sibTrans">
+    <dgm:pt modelId="{501D8979-8D01-423D-89F0-7D748A83FDB5}" type="sibTrans" cxnId="{E6E2AE28-FD52-4469-91FC-29DFF2820788}">
       <dgm:prSet/>
       <dgm:spPr/>
       <dgm:t>
@@ -8331,7 +8340,7 @@
         </a:p>
       </dgm:t>
     </dgm:pt>
-    <dgm:pt modelId="{1D75659B-8EF2-4072-AA9C-EF12504351E3}" cxnId="{DE226689-266E-4FC2-AB60-BD1F1BE43951}" type="parTrans">
+    <dgm:pt modelId="{1D75659B-8EF2-4072-AA9C-EF12504351E3}" type="parTrans" cxnId="{DE226689-266E-4FC2-AB60-BD1F1BE43951}">
       <dgm:prSet custT="1"/>
       <dgm:spPr/>
       <dgm:t>
@@ -8342,7 +8351,7 @@
         </a:p>
       </dgm:t>
     </dgm:pt>
-    <dgm:pt modelId="{DA3F25CE-D1FD-4F43-91E7-DCC600825C4B}" cxnId="{DE226689-266E-4FC2-AB60-BD1F1BE43951}" type="sibTrans">
+    <dgm:pt modelId="{DA3F25CE-D1FD-4F43-91E7-DCC600825C4B}" type="sibTrans" cxnId="{DE226689-266E-4FC2-AB60-BD1F1BE43951}">
       <dgm:prSet/>
       <dgm:spPr/>
       <dgm:t>
@@ -8367,7 +8376,7 @@
         </a:p>
       </dgm:t>
     </dgm:pt>
-    <dgm:pt modelId="{9DBCE0BA-2D14-40F3-B18E-4238559027D7}" cxnId="{52C5F464-8292-44B7-84F0-20AFC8E173A6}" type="parTrans">
+    <dgm:pt modelId="{9DBCE0BA-2D14-40F3-B18E-4238559027D7}" type="parTrans" cxnId="{52C5F464-8292-44B7-84F0-20AFC8E173A6}">
       <dgm:prSet custT="1"/>
       <dgm:spPr/>
       <dgm:t>
@@ -8378,7 +8387,7 @@
         </a:p>
       </dgm:t>
     </dgm:pt>
-    <dgm:pt modelId="{5ED7B248-3C05-4410-83A2-A1B6ED5E7EB4}" cxnId="{52C5F464-8292-44B7-84F0-20AFC8E173A6}" type="sibTrans">
+    <dgm:pt modelId="{5ED7B248-3C05-4410-83A2-A1B6ED5E7EB4}" type="sibTrans" cxnId="{52C5F464-8292-44B7-84F0-20AFC8E173A6}">
       <dgm:prSet/>
       <dgm:spPr/>
       <dgm:t>
@@ -8403,7 +8412,7 @@
         </a:p>
       </dgm:t>
     </dgm:pt>
-    <dgm:pt modelId="{3617F9EA-5119-4772-81B4-1A6E3E86F038}" cxnId="{A876DEE0-C176-445B-8779-F6CF114ACCB1}" type="parTrans">
+    <dgm:pt modelId="{3617F9EA-5119-4772-81B4-1A6E3E86F038}" type="parTrans" cxnId="{A876DEE0-C176-445B-8779-F6CF114ACCB1}">
       <dgm:prSet custT="1"/>
       <dgm:spPr/>
       <dgm:t>
@@ -8414,7 +8423,7 @@
         </a:p>
       </dgm:t>
     </dgm:pt>
-    <dgm:pt modelId="{128EA59E-E648-4470-A650-FA1A6EEE08E0}" cxnId="{A876DEE0-C176-445B-8779-F6CF114ACCB1}" type="sibTrans">
+    <dgm:pt modelId="{128EA59E-E648-4470-A650-FA1A6EEE08E0}" type="sibTrans" cxnId="{A876DEE0-C176-445B-8779-F6CF114ACCB1}">
       <dgm:prSet/>
       <dgm:spPr/>
       <dgm:t>
@@ -8791,140 +8800,140 @@
     </dgm:pt>
   </dgm:ptLst>
   <dgm:cxnLst>
-    <dgm:cxn modelId="{A9915103-3317-43FC-A196-13080F437BC1}" type="presOf" srcId="{A8459278-FCE2-438C-B6F5-0034BD7A0F4B}" destId="{3ED91E02-9A06-4C15-8098-5E14E505F87A}" srcOrd="0" destOrd="0" presId="urn:microsoft.com/office/officeart/2008/layout/HorizontalMultiLevelHierarchy"/>
+    <dgm:cxn modelId="{A9915103-3317-43FC-A196-13080F437BC1}" type="presOf" srcId="{A8459278-FCE2-438C-B6F5-0034BD7A0F4B}" destId="{3ED91E02-9A06-4C15-8098-5E14E505F87A}" srcOrd="0" destOrd="0" presId="urn:microsoft.com/office/officeart/2008/layout/HorizontalMultiLevelHierarchy#3"/>
     <dgm:cxn modelId="{C6970605-03BD-4C5B-8BF5-64D10C3A828A}" srcId="{CCEAA75D-7711-4A00-802E-F9F42EC5BA7A}" destId="{30D50822-84C3-4176-8991-D6265F50823E}" srcOrd="0" destOrd="0" parTransId="{6418F433-3F42-4A99-A93B-AC91C0FF8B1C}" sibTransId="{CD85D536-A820-448F-A56B-EA5C90AD3F6A}"/>
-    <dgm:cxn modelId="{36A59806-A9B9-4323-8D16-D70315866337}" type="presOf" srcId="{80DB72AE-2FE4-4619-B165-80D4A72C1245}" destId="{CE4A8848-335E-4E72-A34E-517F49E1BEAF}" srcOrd="1" destOrd="0" presId="urn:microsoft.com/office/officeart/2008/layout/HorizontalMultiLevelHierarchy"/>
-    <dgm:cxn modelId="{9B0A2D09-5C78-4DE5-82D7-ACB4FFD8F9EA}" type="presOf" srcId="{3617F9EA-5119-4772-81B4-1A6E3E86F038}" destId="{E89FB587-636C-43F0-814C-9C4DC127EB0A}" srcOrd="1" destOrd="0" presId="urn:microsoft.com/office/officeart/2008/layout/HorizontalMultiLevelHierarchy"/>
+    <dgm:cxn modelId="{36A59806-A9B9-4323-8D16-D70315866337}" type="presOf" srcId="{80DB72AE-2FE4-4619-B165-80D4A72C1245}" destId="{CE4A8848-335E-4E72-A34E-517F49E1BEAF}" srcOrd="1" destOrd="0" presId="urn:microsoft.com/office/officeart/2008/layout/HorizontalMultiLevelHierarchy#3"/>
+    <dgm:cxn modelId="{9B0A2D09-5C78-4DE5-82D7-ACB4FFD8F9EA}" type="presOf" srcId="{3617F9EA-5119-4772-81B4-1A6E3E86F038}" destId="{E89FB587-636C-43F0-814C-9C4DC127EB0A}" srcOrd="1" destOrd="0" presId="urn:microsoft.com/office/officeart/2008/layout/HorizontalMultiLevelHierarchy#3"/>
     <dgm:cxn modelId="{A9571E0A-925F-4FF5-A9FA-8AC6D4440333}" srcId="{8A559C0C-A4D3-4BFB-BCAD-61B0A120A878}" destId="{1ADAB8B5-7CC6-40B9-B76B-7E2CDBF28551}" srcOrd="1" destOrd="0" parTransId="{6FA85140-56E1-41CB-8B9E-1FC167776601}" sibTransId="{17B2342A-657C-4DDE-AE35-2977B8393C5E}"/>
-    <dgm:cxn modelId="{6B815721-CBB7-4D62-83A6-44BCABD5CC67}" type="presOf" srcId="{9DBCE0BA-2D14-40F3-B18E-4238559027D7}" destId="{D2BE0E5F-B9DC-434A-B2B7-D4FF75ACD490}" srcOrd="0" destOrd="0" presId="urn:microsoft.com/office/officeart/2008/layout/HorizontalMultiLevelHierarchy"/>
+    <dgm:cxn modelId="{6B815721-CBB7-4D62-83A6-44BCABD5CC67}" type="presOf" srcId="{9DBCE0BA-2D14-40F3-B18E-4238559027D7}" destId="{D2BE0E5F-B9DC-434A-B2B7-D4FF75ACD490}" srcOrd="0" destOrd="0" presId="urn:microsoft.com/office/officeart/2008/layout/HorizontalMultiLevelHierarchy#3"/>
     <dgm:cxn modelId="{E6E2AE28-FD52-4469-91FC-29DFF2820788}" srcId="{8A559C0C-A4D3-4BFB-BCAD-61B0A120A878}" destId="{D71C5C33-FD7B-459C-B26E-191B2F3E4401}" srcOrd="2" destOrd="0" parTransId="{BA8B05BA-0091-4B58-931B-084873857BE7}" sibTransId="{501D8979-8D01-423D-89F0-7D748A83FDB5}"/>
     <dgm:cxn modelId="{9356EA2C-9C26-4E40-8A28-DA73575A9C14}" srcId="{32198FF9-DA95-4069-B5AB-4CE332CA8111}" destId="{45AA0A49-27E8-42F2-A7EC-BDD3BCC14D58}" srcOrd="1" destOrd="0" parTransId="{F59C85F5-E7FA-4907-AB31-433C1CD72650}" sibTransId="{84020315-3F61-4BCF-8A60-074F55D787A3}"/>
-    <dgm:cxn modelId="{D876E32E-3678-4932-894D-9F0F07F84553}" type="presOf" srcId="{3617F9EA-5119-4772-81B4-1A6E3E86F038}" destId="{9CA62828-1544-4FCA-90D4-60F9DFB2BD26}" srcOrd="0" destOrd="0" presId="urn:microsoft.com/office/officeart/2008/layout/HorizontalMultiLevelHierarchy"/>
-    <dgm:cxn modelId="{52523A2F-33C3-4CC6-9F6A-A9F3681F6084}" type="presOf" srcId="{1D75659B-8EF2-4072-AA9C-EF12504351E3}" destId="{C15F26BA-9FDE-4D10-9F35-03D008BDAEEB}" srcOrd="0" destOrd="0" presId="urn:microsoft.com/office/officeart/2008/layout/HorizontalMultiLevelHierarchy"/>
-    <dgm:cxn modelId="{486BF82F-E433-4BE8-A52C-631A3B27DEF3}" type="presOf" srcId="{1ADAB8B5-7CC6-40B9-B76B-7E2CDBF28551}" destId="{D2F968A6-5D48-419F-9E6B-F91C613746CD}" srcOrd="0" destOrd="0" presId="urn:microsoft.com/office/officeart/2008/layout/HorizontalMultiLevelHierarchy"/>
-    <dgm:cxn modelId="{7644DD30-341E-4A12-BC2B-D90711F239F2}" type="presOf" srcId="{45AA0A49-27E8-42F2-A7EC-BDD3BCC14D58}" destId="{6A2EFE3F-B0F7-48AD-98D6-6DF2E8DB7B12}" srcOrd="0" destOrd="0" presId="urn:microsoft.com/office/officeart/2008/layout/HorizontalMultiLevelHierarchy"/>
-    <dgm:cxn modelId="{C077A331-B5ED-4827-8F54-01F3EC614E35}" type="presOf" srcId="{8A559C0C-A4D3-4BFB-BCAD-61B0A120A878}" destId="{643EA0BF-835F-4326-9266-DBFCD43F3F73}" srcOrd="0" destOrd="0" presId="urn:microsoft.com/office/officeart/2008/layout/HorizontalMultiLevelHierarchy"/>
-    <dgm:cxn modelId="{27114934-4D8D-409A-B839-1B73D6B71EEE}" type="presOf" srcId="{BA8B05BA-0091-4B58-931B-084873857BE7}" destId="{ED406999-7806-4EC4-A4C3-5B14AE200C01}" srcOrd="0" destOrd="0" presId="urn:microsoft.com/office/officeart/2008/layout/HorizontalMultiLevelHierarchy"/>
-    <dgm:cxn modelId="{775E6737-6431-48EE-BAEF-66A7BDA44F89}" type="presOf" srcId="{6FA85140-56E1-41CB-8B9E-1FC167776601}" destId="{3C1603EB-D77D-4426-B625-E3556A04067D}" srcOrd="0" destOrd="0" presId="urn:microsoft.com/office/officeart/2008/layout/HorizontalMultiLevelHierarchy"/>
-    <dgm:cxn modelId="{6D6F5F40-D204-4C31-B87C-80954C15D56B}" type="presOf" srcId="{6FA85140-56E1-41CB-8B9E-1FC167776601}" destId="{D29A899D-DC3F-4D2D-B330-AE087C5F8669}" srcOrd="1" destOrd="0" presId="urn:microsoft.com/office/officeart/2008/layout/HorizontalMultiLevelHierarchy"/>
-    <dgm:cxn modelId="{4C133F5C-8AB3-4697-894B-42E2BC4CC918}" type="presOf" srcId="{CCEAA75D-7711-4A00-802E-F9F42EC5BA7A}" destId="{00DB5933-41A5-4A4B-9091-5BF5F07D43BB}" srcOrd="0" destOrd="0" presId="urn:microsoft.com/office/officeart/2008/layout/HorizontalMultiLevelHierarchy"/>
+    <dgm:cxn modelId="{D876E32E-3678-4932-894D-9F0F07F84553}" type="presOf" srcId="{3617F9EA-5119-4772-81B4-1A6E3E86F038}" destId="{9CA62828-1544-4FCA-90D4-60F9DFB2BD26}" srcOrd="0" destOrd="0" presId="urn:microsoft.com/office/officeart/2008/layout/HorizontalMultiLevelHierarchy#3"/>
+    <dgm:cxn modelId="{52523A2F-33C3-4CC6-9F6A-A9F3681F6084}" type="presOf" srcId="{1D75659B-8EF2-4072-AA9C-EF12504351E3}" destId="{C15F26BA-9FDE-4D10-9F35-03D008BDAEEB}" srcOrd="0" destOrd="0" presId="urn:microsoft.com/office/officeart/2008/layout/HorizontalMultiLevelHierarchy#3"/>
+    <dgm:cxn modelId="{486BF82F-E433-4BE8-A52C-631A3B27DEF3}" type="presOf" srcId="{1ADAB8B5-7CC6-40B9-B76B-7E2CDBF28551}" destId="{D2F968A6-5D48-419F-9E6B-F91C613746CD}" srcOrd="0" destOrd="0" presId="urn:microsoft.com/office/officeart/2008/layout/HorizontalMultiLevelHierarchy#3"/>
+    <dgm:cxn modelId="{7644DD30-341E-4A12-BC2B-D90711F239F2}" type="presOf" srcId="{45AA0A49-27E8-42F2-A7EC-BDD3BCC14D58}" destId="{6A2EFE3F-B0F7-48AD-98D6-6DF2E8DB7B12}" srcOrd="0" destOrd="0" presId="urn:microsoft.com/office/officeart/2008/layout/HorizontalMultiLevelHierarchy#3"/>
+    <dgm:cxn modelId="{C077A331-B5ED-4827-8F54-01F3EC614E35}" type="presOf" srcId="{8A559C0C-A4D3-4BFB-BCAD-61B0A120A878}" destId="{643EA0BF-835F-4326-9266-DBFCD43F3F73}" srcOrd="0" destOrd="0" presId="urn:microsoft.com/office/officeart/2008/layout/HorizontalMultiLevelHierarchy#3"/>
+    <dgm:cxn modelId="{27114934-4D8D-409A-B839-1B73D6B71EEE}" type="presOf" srcId="{BA8B05BA-0091-4B58-931B-084873857BE7}" destId="{ED406999-7806-4EC4-A4C3-5B14AE200C01}" srcOrd="0" destOrd="0" presId="urn:microsoft.com/office/officeart/2008/layout/HorizontalMultiLevelHierarchy#3"/>
+    <dgm:cxn modelId="{775E6737-6431-48EE-BAEF-66A7BDA44F89}" type="presOf" srcId="{6FA85140-56E1-41CB-8B9E-1FC167776601}" destId="{3C1603EB-D77D-4426-B625-E3556A04067D}" srcOrd="0" destOrd="0" presId="urn:microsoft.com/office/officeart/2008/layout/HorizontalMultiLevelHierarchy#3"/>
+    <dgm:cxn modelId="{6D6F5F40-D204-4C31-B87C-80954C15D56B}" type="presOf" srcId="{6FA85140-56E1-41CB-8B9E-1FC167776601}" destId="{D29A899D-DC3F-4D2D-B330-AE087C5F8669}" srcOrd="1" destOrd="0" presId="urn:microsoft.com/office/officeart/2008/layout/HorizontalMultiLevelHierarchy#3"/>
+    <dgm:cxn modelId="{4C133F5C-8AB3-4697-894B-42E2BC4CC918}" type="presOf" srcId="{CCEAA75D-7711-4A00-802E-F9F42EC5BA7A}" destId="{00DB5933-41A5-4A4B-9091-5BF5F07D43BB}" srcOrd="0" destOrd="0" presId="urn:microsoft.com/office/officeart/2008/layout/HorizontalMultiLevelHierarchy#3"/>
     <dgm:cxn modelId="{52C5F464-8292-44B7-84F0-20AFC8E173A6}" srcId="{4241ABFE-6A01-4AC1-B326-48D9B33019EB}" destId="{E6E4F52A-62F2-4D98-8967-531C1B707605}" srcOrd="1" destOrd="0" parTransId="{9DBCE0BA-2D14-40F3-B18E-4238559027D7}" sibTransId="{5ED7B248-3C05-4410-83A2-A1B6ED5E7EB4}"/>
-    <dgm:cxn modelId="{28D3BE65-302F-462F-9110-B838198616A8}" type="presOf" srcId="{A8DF6B6A-D6B8-48AF-B903-12FBE80B4264}" destId="{2DBA60D8-5CCD-4E9B-8D7A-8BD07A698397}" srcOrd="0" destOrd="0" presId="urn:microsoft.com/office/officeart/2008/layout/HorizontalMultiLevelHierarchy"/>
-    <dgm:cxn modelId="{E9AEB34A-9EAA-4400-956E-12D9C6C51B70}" type="presOf" srcId="{F59C85F5-E7FA-4907-AB31-433C1CD72650}" destId="{8DD5A9F8-0883-4777-9FF6-1DF73EC134A5}" srcOrd="1" destOrd="0" presId="urn:microsoft.com/office/officeart/2008/layout/HorizontalMultiLevelHierarchy"/>
-    <dgm:cxn modelId="{9157AD4B-5431-41C6-A113-B6C3024BF0C9}" type="presOf" srcId="{30D50822-84C3-4176-8991-D6265F50823E}" destId="{45C54206-0F79-4109-A601-E1C744A40849}" srcOrd="0" destOrd="0" presId="urn:microsoft.com/office/officeart/2008/layout/HorizontalMultiLevelHierarchy"/>
-    <dgm:cxn modelId="{7729736D-D622-4F5D-BBAD-3E23D0257442}" type="presOf" srcId="{F59C85F5-E7FA-4907-AB31-433C1CD72650}" destId="{CB6D698F-19C2-45E9-9E4F-55DD7B0764E3}" srcOrd="0" destOrd="0" presId="urn:microsoft.com/office/officeart/2008/layout/HorizontalMultiLevelHierarchy"/>
-    <dgm:cxn modelId="{6BEC3F52-0BE9-4A75-80A6-2B82333A1816}" type="presOf" srcId="{4241ABFE-6A01-4AC1-B326-48D9B33019EB}" destId="{36719527-4D46-4471-A187-ADB9D2D29F2A}" srcOrd="0" destOrd="0" presId="urn:microsoft.com/office/officeart/2008/layout/HorizontalMultiLevelHierarchy"/>
+    <dgm:cxn modelId="{28D3BE65-302F-462F-9110-B838198616A8}" type="presOf" srcId="{A8DF6B6A-D6B8-48AF-B903-12FBE80B4264}" destId="{2DBA60D8-5CCD-4E9B-8D7A-8BD07A698397}" srcOrd="0" destOrd="0" presId="urn:microsoft.com/office/officeart/2008/layout/HorizontalMultiLevelHierarchy#3"/>
+    <dgm:cxn modelId="{E9AEB34A-9EAA-4400-956E-12D9C6C51B70}" type="presOf" srcId="{F59C85F5-E7FA-4907-AB31-433C1CD72650}" destId="{8DD5A9F8-0883-4777-9FF6-1DF73EC134A5}" srcOrd="1" destOrd="0" presId="urn:microsoft.com/office/officeart/2008/layout/HorizontalMultiLevelHierarchy#3"/>
+    <dgm:cxn modelId="{9157AD4B-5431-41C6-A113-B6C3024BF0C9}" type="presOf" srcId="{30D50822-84C3-4176-8991-D6265F50823E}" destId="{45C54206-0F79-4109-A601-E1C744A40849}" srcOrd="0" destOrd="0" presId="urn:microsoft.com/office/officeart/2008/layout/HorizontalMultiLevelHierarchy#3"/>
+    <dgm:cxn modelId="{7729736D-D622-4F5D-BBAD-3E23D0257442}" type="presOf" srcId="{F59C85F5-E7FA-4907-AB31-433C1CD72650}" destId="{CB6D698F-19C2-45E9-9E4F-55DD7B0764E3}" srcOrd="0" destOrd="0" presId="urn:microsoft.com/office/officeart/2008/layout/HorizontalMultiLevelHierarchy#3"/>
+    <dgm:cxn modelId="{6BEC3F52-0BE9-4A75-80A6-2B82333A1816}" type="presOf" srcId="{4241ABFE-6A01-4AC1-B326-48D9B33019EB}" destId="{36719527-4D46-4471-A187-ADB9D2D29F2A}" srcOrd="0" destOrd="0" presId="urn:microsoft.com/office/officeart/2008/layout/HorizontalMultiLevelHierarchy#3"/>
     <dgm:cxn modelId="{072E6B53-8BBC-46E1-B4E8-DEE5F2ACE2C7}" srcId="{9F0B4827-447C-4839-B5D5-59A4C0D195F3}" destId="{4241ABFE-6A01-4AC1-B326-48D9B33019EB}" srcOrd="1" destOrd="0" parTransId="{67071600-9385-4344-ABF2-2D8A5CCAE300}" sibTransId="{383CB627-E8DD-4C09-A26A-B9966D78A605}"/>
-    <dgm:cxn modelId="{DE5FFA76-9E37-4DC5-9ECF-23F304024FD0}" type="presOf" srcId="{91663E3F-6CEB-4B1B-A3CF-90F7ACFB8678}" destId="{F43CF4C4-C8F8-43FE-915F-F3BB2342AD9A}" srcOrd="1" destOrd="0" presId="urn:microsoft.com/office/officeart/2008/layout/HorizontalMultiLevelHierarchy"/>
-    <dgm:cxn modelId="{7D27FD56-ED02-477D-A097-3143866F0A7F}" type="presOf" srcId="{BA8B05BA-0091-4B58-931B-084873857BE7}" destId="{2781CC53-BE8C-4B3B-A017-CA00538A8065}" srcOrd="1" destOrd="0" presId="urn:microsoft.com/office/officeart/2008/layout/HorizontalMultiLevelHierarchy"/>
+    <dgm:cxn modelId="{DE5FFA76-9E37-4DC5-9ECF-23F304024FD0}" type="presOf" srcId="{91663E3F-6CEB-4B1B-A3CF-90F7ACFB8678}" destId="{F43CF4C4-C8F8-43FE-915F-F3BB2342AD9A}" srcOrd="1" destOrd="0" presId="urn:microsoft.com/office/officeart/2008/layout/HorizontalMultiLevelHierarchy#3"/>
+    <dgm:cxn modelId="{7D27FD56-ED02-477D-A097-3143866F0A7F}" type="presOf" srcId="{BA8B05BA-0091-4B58-931B-084873857BE7}" destId="{2781CC53-BE8C-4B3B-A017-CA00538A8065}" srcOrd="1" destOrd="0" presId="urn:microsoft.com/office/officeart/2008/layout/HorizontalMultiLevelHierarchy#3"/>
     <dgm:cxn modelId="{92525178-DE0B-45FA-B7AC-AB2B4B539B65}" srcId="{9F0B4827-447C-4839-B5D5-59A4C0D195F3}" destId="{81806F00-D01A-4D39-B195-01EB32F078CF}" srcOrd="0" destOrd="0" parTransId="{FFE066F3-AF05-4D3B-A7B8-959D077886EE}" sibTransId="{6272FAA4-6E59-421C-959D-2CA99F82F4E4}"/>
     <dgm:cxn modelId="{08FEAC7B-4095-4B8E-A01C-D1845BAF5BB5}" srcId="{30D50822-84C3-4176-8991-D6265F50823E}" destId="{8A559C0C-A4D3-4BFB-BCAD-61B0A120A878}" srcOrd="1" destOrd="0" parTransId="{E89F9055-351E-498A-B727-E4BC20C4C9DF}" sibTransId="{F4BB064C-EC70-4172-88FF-5A7FA6A76DD4}"/>
-    <dgm:cxn modelId="{562AD17E-AE2E-47A0-B17A-48AFF3296EDB}" type="presOf" srcId="{E9297EC6-C27D-429A-A1D5-1452803FF158}" destId="{D9921F0A-3DBC-4142-B592-1B97B88AA78D}" srcOrd="0" destOrd="0" presId="urn:microsoft.com/office/officeart/2008/layout/HorizontalMultiLevelHierarchy"/>
-    <dgm:cxn modelId="{D23E257F-0343-49E2-A67D-83B7A2846FCF}" type="presOf" srcId="{B53B1D0F-2DC7-4602-B2D1-7EC3AEFEC139}" destId="{7CC31390-B30A-4A08-ADAC-F98F1B85A7D4}" srcOrd="0" destOrd="0" presId="urn:microsoft.com/office/officeart/2008/layout/HorizontalMultiLevelHierarchy"/>
-    <dgm:cxn modelId="{50B46481-133D-4E7A-9735-05A7CA9A1AD7}" type="presOf" srcId="{25CA5AEF-22F2-43F4-8A0D-336D71DBEBC1}" destId="{85584212-2881-4AB1-9559-3A4298762659}" srcOrd="0" destOrd="0" presId="urn:microsoft.com/office/officeart/2008/layout/HorizontalMultiLevelHierarchy"/>
-    <dgm:cxn modelId="{12DE1D85-04E3-43CF-BEF5-FCDFBD97ED11}" type="presOf" srcId="{FFE066F3-AF05-4D3B-A7B8-959D077886EE}" destId="{3E6392E4-F8C3-4A08-8547-4566D77BF7B7}" srcOrd="0" destOrd="0" presId="urn:microsoft.com/office/officeart/2008/layout/HorizontalMultiLevelHierarchy"/>
-    <dgm:cxn modelId="{FE3F7687-6B8E-458C-A8F0-7B2249FF8284}" type="presOf" srcId="{B53B1D0F-2DC7-4602-B2D1-7EC3AEFEC139}" destId="{5B5DBEE0-911D-440F-AC13-FCAE07C6E3C8}" srcOrd="1" destOrd="0" presId="urn:microsoft.com/office/officeart/2008/layout/HorizontalMultiLevelHierarchy"/>
+    <dgm:cxn modelId="{562AD17E-AE2E-47A0-B17A-48AFF3296EDB}" type="presOf" srcId="{E9297EC6-C27D-429A-A1D5-1452803FF158}" destId="{D9921F0A-3DBC-4142-B592-1B97B88AA78D}" srcOrd="0" destOrd="0" presId="urn:microsoft.com/office/officeart/2008/layout/HorizontalMultiLevelHierarchy#3"/>
+    <dgm:cxn modelId="{D23E257F-0343-49E2-A67D-83B7A2846FCF}" type="presOf" srcId="{B53B1D0F-2DC7-4602-B2D1-7EC3AEFEC139}" destId="{7CC31390-B30A-4A08-ADAC-F98F1B85A7D4}" srcOrd="0" destOrd="0" presId="urn:microsoft.com/office/officeart/2008/layout/HorizontalMultiLevelHierarchy#3"/>
+    <dgm:cxn modelId="{50B46481-133D-4E7A-9735-05A7CA9A1AD7}" type="presOf" srcId="{25CA5AEF-22F2-43F4-8A0D-336D71DBEBC1}" destId="{85584212-2881-4AB1-9559-3A4298762659}" srcOrd="0" destOrd="0" presId="urn:microsoft.com/office/officeart/2008/layout/HorizontalMultiLevelHierarchy#3"/>
+    <dgm:cxn modelId="{12DE1D85-04E3-43CF-BEF5-FCDFBD97ED11}" type="presOf" srcId="{FFE066F3-AF05-4D3B-A7B8-959D077886EE}" destId="{3E6392E4-F8C3-4A08-8547-4566D77BF7B7}" srcOrd="0" destOrd="0" presId="urn:microsoft.com/office/officeart/2008/layout/HorizontalMultiLevelHierarchy#3"/>
+    <dgm:cxn modelId="{FE3F7687-6B8E-458C-A8F0-7B2249FF8284}" type="presOf" srcId="{B53B1D0F-2DC7-4602-B2D1-7EC3AEFEC139}" destId="{5B5DBEE0-911D-440F-AC13-FCAE07C6E3C8}" srcOrd="1" destOrd="0" presId="urn:microsoft.com/office/officeart/2008/layout/HorizontalMultiLevelHierarchy#3"/>
     <dgm:cxn modelId="{DE226689-266E-4FC2-AB60-BD1F1BE43951}" srcId="{4241ABFE-6A01-4AC1-B326-48D9B33019EB}" destId="{25CA5AEF-22F2-43F4-8A0D-336D71DBEBC1}" srcOrd="0" destOrd="0" parTransId="{1D75659B-8EF2-4072-AA9C-EF12504351E3}" sibTransId="{DA3F25CE-D1FD-4F43-91E7-DCC600825C4B}"/>
-    <dgm:cxn modelId="{7F81B689-6506-4C78-A7B7-303A0591D1C5}" type="presOf" srcId="{81806F00-D01A-4D39-B195-01EB32F078CF}" destId="{6968046B-AC46-4E83-9AAE-640C81C6151E}" srcOrd="0" destOrd="0" presId="urn:microsoft.com/office/officeart/2008/layout/HorizontalMultiLevelHierarchy"/>
+    <dgm:cxn modelId="{7F81B689-6506-4C78-A7B7-303A0591D1C5}" type="presOf" srcId="{81806F00-D01A-4D39-B195-01EB32F078CF}" destId="{6968046B-AC46-4E83-9AAE-640C81C6151E}" srcOrd="0" destOrd="0" presId="urn:microsoft.com/office/officeart/2008/layout/HorizontalMultiLevelHierarchy#3"/>
     <dgm:cxn modelId="{F88EF28D-A469-47FF-9CEC-D6B0525031D9}" srcId="{32198FF9-DA95-4069-B5AB-4CE332CA8111}" destId="{A8DF6B6A-D6B8-48AF-B903-12FBE80B4264}" srcOrd="2" destOrd="0" parTransId="{80DB72AE-2FE4-4619-B165-80D4A72C1245}" sibTransId="{11AD31AC-2AD7-43F1-B91C-2EE834A1A899}"/>
-    <dgm:cxn modelId="{98FC8290-FF88-4E03-9376-3DAF88695599}" type="presOf" srcId="{67071600-9385-4344-ABF2-2D8A5CCAE300}" destId="{60E286C0-2130-4F40-9C14-52025F623E8A}" srcOrd="1" destOrd="0" presId="urn:microsoft.com/office/officeart/2008/layout/HorizontalMultiLevelHierarchy"/>
-    <dgm:cxn modelId="{8221E296-78BA-476F-AFD9-89A968B45AC0}" type="presOf" srcId="{E6E4F52A-62F2-4D98-8967-531C1B707605}" destId="{2AD838DB-D634-4875-8FBA-FBA16F35BD15}" srcOrd="0" destOrd="0" presId="urn:microsoft.com/office/officeart/2008/layout/HorizontalMultiLevelHierarchy"/>
-    <dgm:cxn modelId="{A76EEB97-DCD9-4A72-A851-4B9084274684}" type="presOf" srcId="{91663E3F-6CEB-4B1B-A3CF-90F7ACFB8678}" destId="{C57EC19F-A03D-4207-83B5-EEB5D0475C8F}" srcOrd="0" destOrd="0" presId="urn:microsoft.com/office/officeart/2008/layout/HorizontalMultiLevelHierarchy"/>
-    <dgm:cxn modelId="{A21FE6AE-9331-4E66-8A8D-FDA421484708}" type="presOf" srcId="{FFE066F3-AF05-4D3B-A7B8-959D077886EE}" destId="{93C7D34A-1C69-4DE5-9C2A-D5B0EA9ABED7}" srcOrd="1" destOrd="0" presId="urn:microsoft.com/office/officeart/2008/layout/HorizontalMultiLevelHierarchy"/>
+    <dgm:cxn modelId="{98FC8290-FF88-4E03-9376-3DAF88695599}" type="presOf" srcId="{67071600-9385-4344-ABF2-2D8A5CCAE300}" destId="{60E286C0-2130-4F40-9C14-52025F623E8A}" srcOrd="1" destOrd="0" presId="urn:microsoft.com/office/officeart/2008/layout/HorizontalMultiLevelHierarchy#3"/>
+    <dgm:cxn modelId="{8221E296-78BA-476F-AFD9-89A968B45AC0}" type="presOf" srcId="{E6E4F52A-62F2-4D98-8967-531C1B707605}" destId="{2AD838DB-D634-4875-8FBA-FBA16F35BD15}" srcOrd="0" destOrd="0" presId="urn:microsoft.com/office/officeart/2008/layout/HorizontalMultiLevelHierarchy#3"/>
+    <dgm:cxn modelId="{A76EEB97-DCD9-4A72-A851-4B9084274684}" type="presOf" srcId="{91663E3F-6CEB-4B1B-A3CF-90F7ACFB8678}" destId="{C57EC19F-A03D-4207-83B5-EEB5D0475C8F}" srcOrd="0" destOrd="0" presId="urn:microsoft.com/office/officeart/2008/layout/HorizontalMultiLevelHierarchy#3"/>
+    <dgm:cxn modelId="{A21FE6AE-9331-4E66-8A8D-FDA421484708}" type="presOf" srcId="{FFE066F3-AF05-4D3B-A7B8-959D077886EE}" destId="{93C7D34A-1C69-4DE5-9C2A-D5B0EA9ABED7}" srcOrd="1" destOrd="0" presId="urn:microsoft.com/office/officeart/2008/layout/HorizontalMultiLevelHierarchy#3"/>
     <dgm:cxn modelId="{5A9E86B3-BAB4-4874-8DAA-91851662CC90}" srcId="{32198FF9-DA95-4069-B5AB-4CE332CA8111}" destId="{E9297EC6-C27D-429A-A1D5-1452803FF158}" srcOrd="0" destOrd="0" parTransId="{B53B1D0F-2DC7-4602-B2D1-7EC3AEFEC139}" sibTransId="{06F873BF-AC6A-4B9D-B24F-92BE28DB2343}"/>
-    <dgm:cxn modelId="{833121B7-3FEF-4483-8923-D6D746109A84}" type="presOf" srcId="{32198FF9-DA95-4069-B5AB-4CE332CA8111}" destId="{68FCA545-C95B-4510-A15C-9CEEEE0C30C7}" srcOrd="0" destOrd="0" presId="urn:microsoft.com/office/officeart/2008/layout/HorizontalMultiLevelHierarchy"/>
-    <dgm:cxn modelId="{17D119BC-34E1-42A1-A830-D327D1CFDEAD}" type="presOf" srcId="{FAC57EF3-AD18-4911-9074-3E6725F1BDCD}" destId="{70A07595-6AF8-435C-B451-8AC070FD86F0}" srcOrd="0" destOrd="0" presId="urn:microsoft.com/office/officeart/2008/layout/HorizontalMultiLevelHierarchy"/>
-    <dgm:cxn modelId="{946FACBD-0C68-4FAA-AD14-859E881A7D12}" type="presOf" srcId="{1D75659B-8EF2-4072-AA9C-EF12504351E3}" destId="{331EAD63-83BF-4784-BB4E-697D383782BE}" srcOrd="1" destOrd="0" presId="urn:microsoft.com/office/officeart/2008/layout/HorizontalMultiLevelHierarchy"/>
+    <dgm:cxn modelId="{833121B7-3FEF-4483-8923-D6D746109A84}" type="presOf" srcId="{32198FF9-DA95-4069-B5AB-4CE332CA8111}" destId="{68FCA545-C95B-4510-A15C-9CEEEE0C30C7}" srcOrd="0" destOrd="0" presId="urn:microsoft.com/office/officeart/2008/layout/HorizontalMultiLevelHierarchy#3"/>
+    <dgm:cxn modelId="{17D119BC-34E1-42A1-A830-D327D1CFDEAD}" type="presOf" srcId="{FAC57EF3-AD18-4911-9074-3E6725F1BDCD}" destId="{70A07595-6AF8-435C-B451-8AC070FD86F0}" srcOrd="0" destOrd="0" presId="urn:microsoft.com/office/officeart/2008/layout/HorizontalMultiLevelHierarchy#3"/>
+    <dgm:cxn modelId="{946FACBD-0C68-4FAA-AD14-859E881A7D12}" type="presOf" srcId="{1D75659B-8EF2-4072-AA9C-EF12504351E3}" destId="{331EAD63-83BF-4784-BB4E-697D383782BE}" srcOrd="1" destOrd="0" presId="urn:microsoft.com/office/officeart/2008/layout/HorizontalMultiLevelHierarchy#3"/>
     <dgm:cxn modelId="{A5A302C8-B136-4A2B-B6B0-1570D3D7787A}" srcId="{30D50822-84C3-4176-8991-D6265F50823E}" destId="{32198FF9-DA95-4069-B5AB-4CE332CA8111}" srcOrd="0" destOrd="0" parTransId="{91663E3F-6CEB-4B1B-A3CF-90F7ACFB8678}" sibTransId="{88E63853-30E8-4964-9735-B490A205711B}"/>
-    <dgm:cxn modelId="{B638C4C8-A28D-4731-B032-D35DE390E5AB}" type="presOf" srcId="{80DB72AE-2FE4-4619-B165-80D4A72C1245}" destId="{2F3CB846-6D2A-462D-BF9F-F05634C07037}" srcOrd="0" destOrd="0" presId="urn:microsoft.com/office/officeart/2008/layout/HorizontalMultiLevelHierarchy"/>
-    <dgm:cxn modelId="{193348D1-EDD0-4B46-93AF-17043967C688}" type="presOf" srcId="{9DBCE0BA-2D14-40F3-B18E-4238559027D7}" destId="{D37AFBB7-FB49-4F48-A34C-8BCAA589E7AF}" srcOrd="1" destOrd="0" presId="urn:microsoft.com/office/officeart/2008/layout/HorizontalMultiLevelHierarchy"/>
-    <dgm:cxn modelId="{8CB20ED5-EA5F-40BD-8657-67F755CB7409}" type="presOf" srcId="{A8459278-FCE2-438C-B6F5-0034BD7A0F4B}" destId="{90657862-9302-4B0C-B4C1-509AC157D1B5}" srcOrd="1" destOrd="0" presId="urn:microsoft.com/office/officeart/2008/layout/HorizontalMultiLevelHierarchy"/>
-    <dgm:cxn modelId="{E2D4F5DD-5770-4868-B967-28EB76EE0E8C}" type="presOf" srcId="{2DDAA1DE-991F-45A5-BA60-49DD4C544D3B}" destId="{E7A06511-1E50-46AB-BC64-FBB1B9E5AFA0}" srcOrd="0" destOrd="0" presId="urn:microsoft.com/office/officeart/2008/layout/HorizontalMultiLevelHierarchy"/>
-    <dgm:cxn modelId="{52769ADF-72DF-4CDA-A0E8-E834A1908AD4}" type="presOf" srcId="{E89F9055-351E-498A-B727-E4BC20C4C9DF}" destId="{ACDC791B-CD13-491C-B08C-F3F9F22C902F}" srcOrd="1" destOrd="0" presId="urn:microsoft.com/office/officeart/2008/layout/HorizontalMultiLevelHierarchy"/>
+    <dgm:cxn modelId="{B638C4C8-A28D-4731-B032-D35DE390E5AB}" type="presOf" srcId="{80DB72AE-2FE4-4619-B165-80D4A72C1245}" destId="{2F3CB846-6D2A-462D-BF9F-F05634C07037}" srcOrd="0" destOrd="0" presId="urn:microsoft.com/office/officeart/2008/layout/HorizontalMultiLevelHierarchy#3"/>
+    <dgm:cxn modelId="{193348D1-EDD0-4B46-93AF-17043967C688}" type="presOf" srcId="{9DBCE0BA-2D14-40F3-B18E-4238559027D7}" destId="{D37AFBB7-FB49-4F48-A34C-8BCAA589E7AF}" srcOrd="1" destOrd="0" presId="urn:microsoft.com/office/officeart/2008/layout/HorizontalMultiLevelHierarchy#3"/>
+    <dgm:cxn modelId="{8CB20ED5-EA5F-40BD-8657-67F755CB7409}" type="presOf" srcId="{A8459278-FCE2-438C-B6F5-0034BD7A0F4B}" destId="{90657862-9302-4B0C-B4C1-509AC157D1B5}" srcOrd="1" destOrd="0" presId="urn:microsoft.com/office/officeart/2008/layout/HorizontalMultiLevelHierarchy#3"/>
+    <dgm:cxn modelId="{E2D4F5DD-5770-4868-B967-28EB76EE0E8C}" type="presOf" srcId="{2DDAA1DE-991F-45A5-BA60-49DD4C544D3B}" destId="{E7A06511-1E50-46AB-BC64-FBB1B9E5AFA0}" srcOrd="0" destOrd="0" presId="urn:microsoft.com/office/officeart/2008/layout/HorizontalMultiLevelHierarchy#3"/>
+    <dgm:cxn modelId="{52769ADF-72DF-4CDA-A0E8-E834A1908AD4}" type="presOf" srcId="{E89F9055-351E-498A-B727-E4BC20C4C9DF}" destId="{ACDC791B-CD13-491C-B08C-F3F9F22C902F}" srcOrd="1" destOrd="0" presId="urn:microsoft.com/office/officeart/2008/layout/HorizontalMultiLevelHierarchy#3"/>
     <dgm:cxn modelId="{A876DEE0-C176-445B-8779-F6CF114ACCB1}" srcId="{4241ABFE-6A01-4AC1-B326-48D9B33019EB}" destId="{FAC57EF3-AD18-4911-9074-3E6725F1BDCD}" srcOrd="2" destOrd="0" parTransId="{3617F9EA-5119-4772-81B4-1A6E3E86F038}" sibTransId="{128EA59E-E648-4470-A650-FA1A6EEE08E0}"/>
-    <dgm:cxn modelId="{66F63AED-7847-464F-92A3-8DB405BFE1D3}" type="presOf" srcId="{E89F9055-351E-498A-B727-E4BC20C4C9DF}" destId="{CB649D2D-1B57-40BD-8313-469DFF0BAFFE}" srcOrd="0" destOrd="0" presId="urn:microsoft.com/office/officeart/2008/layout/HorizontalMultiLevelHierarchy"/>
+    <dgm:cxn modelId="{66F63AED-7847-464F-92A3-8DB405BFE1D3}" type="presOf" srcId="{E89F9055-351E-498A-B727-E4BC20C4C9DF}" destId="{CB649D2D-1B57-40BD-8313-469DFF0BAFFE}" srcOrd="0" destOrd="0" presId="urn:microsoft.com/office/officeart/2008/layout/HorizontalMultiLevelHierarchy#3"/>
     <dgm:cxn modelId="{1633C6ED-0C3A-4A4C-BB79-97CE17DCEBAB}" srcId="{8A559C0C-A4D3-4BFB-BCAD-61B0A120A878}" destId="{2DDAA1DE-991F-45A5-BA60-49DD4C544D3B}" srcOrd="0" destOrd="0" parTransId="{A8459278-FCE2-438C-B6F5-0034BD7A0F4B}" sibTransId="{48E5192B-E146-4383-B8E1-9471DB466A0D}"/>
-    <dgm:cxn modelId="{C45A63EF-A5BA-4ECF-B246-E94D4763BD35}" type="presOf" srcId="{67071600-9385-4344-ABF2-2D8A5CCAE300}" destId="{363E0E33-1EF6-4891-A03D-5700B681BDFB}" srcOrd="0" destOrd="0" presId="urn:microsoft.com/office/officeart/2008/layout/HorizontalMultiLevelHierarchy"/>
+    <dgm:cxn modelId="{C45A63EF-A5BA-4ECF-B246-E94D4763BD35}" type="presOf" srcId="{67071600-9385-4344-ABF2-2D8A5CCAE300}" destId="{363E0E33-1EF6-4891-A03D-5700B681BDFB}" srcOrd="0" destOrd="0" presId="urn:microsoft.com/office/officeart/2008/layout/HorizontalMultiLevelHierarchy#3"/>
     <dgm:cxn modelId="{EFF4F1EF-30E2-4AE4-A20A-34F7AB282BF5}" srcId="{CCEAA75D-7711-4A00-802E-F9F42EC5BA7A}" destId="{9F0B4827-447C-4839-B5D5-59A4C0D195F3}" srcOrd="1" destOrd="0" parTransId="{2AED9589-0348-4DA1-946F-C4A026F08B62}" sibTransId="{228C6D4C-5C80-4699-A571-CA8AC513879F}"/>
-    <dgm:cxn modelId="{6F2640F6-A9FE-498E-BF2C-E67CCA386780}" type="presOf" srcId="{D71C5C33-FD7B-459C-B26E-191B2F3E4401}" destId="{61B18CBE-67BD-49D7-B342-50153C8CA9A8}" srcOrd="0" destOrd="0" presId="urn:microsoft.com/office/officeart/2008/layout/HorizontalMultiLevelHierarchy"/>
-    <dgm:cxn modelId="{071365F9-15D8-4CAD-B997-BF9B0705B1BE}" type="presOf" srcId="{9F0B4827-447C-4839-B5D5-59A4C0D195F3}" destId="{BC564820-3EDA-40C9-916B-6522087B0583}" srcOrd="0" destOrd="0" presId="urn:microsoft.com/office/officeart/2008/layout/HorizontalMultiLevelHierarchy"/>
-    <dgm:cxn modelId="{5737CF6D-40C9-455F-B2B7-B01011AF3CFC}" type="presParOf" srcId="{00DB5933-41A5-4A4B-9091-5BF5F07D43BB}" destId="{B491EA4D-1CEC-4F9A-A0E0-AE7C5F6AE0A0}" srcOrd="0" destOrd="0" presId="urn:microsoft.com/office/officeart/2008/layout/HorizontalMultiLevelHierarchy"/>
-    <dgm:cxn modelId="{53472643-9E21-43DF-87A4-81866382C038}" type="presParOf" srcId="{B491EA4D-1CEC-4F9A-A0E0-AE7C5F6AE0A0}" destId="{45C54206-0F79-4109-A601-E1C744A40849}" srcOrd="0" destOrd="0" presId="urn:microsoft.com/office/officeart/2008/layout/HorizontalMultiLevelHierarchy"/>
-    <dgm:cxn modelId="{7A183CB2-DD3B-4ED7-A330-B205021355E9}" type="presParOf" srcId="{B491EA4D-1CEC-4F9A-A0E0-AE7C5F6AE0A0}" destId="{2F3BB204-96D4-46A3-8F47-8759930CD1A9}" srcOrd="1" destOrd="0" presId="urn:microsoft.com/office/officeart/2008/layout/HorizontalMultiLevelHierarchy"/>
-    <dgm:cxn modelId="{B43EDE71-2BE6-488E-9928-976CEB53066F}" type="presParOf" srcId="{2F3BB204-96D4-46A3-8F47-8759930CD1A9}" destId="{C57EC19F-A03D-4207-83B5-EEB5D0475C8F}" srcOrd="0" destOrd="0" presId="urn:microsoft.com/office/officeart/2008/layout/HorizontalMultiLevelHierarchy"/>
-    <dgm:cxn modelId="{83C45B87-4BC6-4ACB-B3AA-C0555DDC3952}" type="presParOf" srcId="{C57EC19F-A03D-4207-83B5-EEB5D0475C8F}" destId="{F43CF4C4-C8F8-43FE-915F-F3BB2342AD9A}" srcOrd="0" destOrd="0" presId="urn:microsoft.com/office/officeart/2008/layout/HorizontalMultiLevelHierarchy"/>
-    <dgm:cxn modelId="{4397452E-1618-4432-8755-5B93AB2ACBA6}" type="presParOf" srcId="{2F3BB204-96D4-46A3-8F47-8759930CD1A9}" destId="{1CBF4495-5A3F-4A4E-9C97-54B50176E0EA}" srcOrd="1" destOrd="0" presId="urn:microsoft.com/office/officeart/2008/layout/HorizontalMultiLevelHierarchy"/>
-    <dgm:cxn modelId="{E2163024-7D2C-4C68-AEB3-DE3AC2A2315B}" type="presParOf" srcId="{1CBF4495-5A3F-4A4E-9C97-54B50176E0EA}" destId="{68FCA545-C95B-4510-A15C-9CEEEE0C30C7}" srcOrd="0" destOrd="0" presId="urn:microsoft.com/office/officeart/2008/layout/HorizontalMultiLevelHierarchy"/>
-    <dgm:cxn modelId="{7C23E390-CB8C-4A76-9A7D-ACE0ACC2DC33}" type="presParOf" srcId="{1CBF4495-5A3F-4A4E-9C97-54B50176E0EA}" destId="{90EA07A2-FAC7-40E1-BE93-1B72CBE75389}" srcOrd="1" destOrd="0" presId="urn:microsoft.com/office/officeart/2008/layout/HorizontalMultiLevelHierarchy"/>
-    <dgm:cxn modelId="{41F834CE-A73A-4F53-B3CE-631EB122BEFB}" type="presParOf" srcId="{90EA07A2-FAC7-40E1-BE93-1B72CBE75389}" destId="{7CC31390-B30A-4A08-ADAC-F98F1B85A7D4}" srcOrd="0" destOrd="0" presId="urn:microsoft.com/office/officeart/2008/layout/HorizontalMultiLevelHierarchy"/>
-    <dgm:cxn modelId="{3A772B2E-CD84-4D1E-931A-26F6E7972000}" type="presParOf" srcId="{7CC31390-B30A-4A08-ADAC-F98F1B85A7D4}" destId="{5B5DBEE0-911D-440F-AC13-FCAE07C6E3C8}" srcOrd="0" destOrd="0" presId="urn:microsoft.com/office/officeart/2008/layout/HorizontalMultiLevelHierarchy"/>
-    <dgm:cxn modelId="{5F1B2CC4-C07F-45D5-BFF5-70067CA6EE56}" type="presParOf" srcId="{90EA07A2-FAC7-40E1-BE93-1B72CBE75389}" destId="{D2F55B98-050A-4A5E-AC84-65D3739FC472}" srcOrd="1" destOrd="0" presId="urn:microsoft.com/office/officeart/2008/layout/HorizontalMultiLevelHierarchy"/>
-    <dgm:cxn modelId="{BC3ED4FC-D235-4039-8D4F-5ADA79700910}" type="presParOf" srcId="{D2F55B98-050A-4A5E-AC84-65D3739FC472}" destId="{D9921F0A-3DBC-4142-B592-1B97B88AA78D}" srcOrd="0" destOrd="0" presId="urn:microsoft.com/office/officeart/2008/layout/HorizontalMultiLevelHierarchy"/>
-    <dgm:cxn modelId="{26578C57-C5BF-4B3B-8D43-1ACD0EA0E75E}" type="presParOf" srcId="{D2F55B98-050A-4A5E-AC84-65D3739FC472}" destId="{A1AFDFB7-935E-485E-B871-3D21811B8748}" srcOrd="1" destOrd="0" presId="urn:microsoft.com/office/officeart/2008/layout/HorizontalMultiLevelHierarchy"/>
-    <dgm:cxn modelId="{A284567A-C8D4-4812-89D3-2DE98D666C6C}" type="presParOf" srcId="{90EA07A2-FAC7-40E1-BE93-1B72CBE75389}" destId="{CB6D698F-19C2-45E9-9E4F-55DD7B0764E3}" srcOrd="2" destOrd="0" presId="urn:microsoft.com/office/officeart/2008/layout/HorizontalMultiLevelHierarchy"/>
-    <dgm:cxn modelId="{C1951C21-FFC9-4108-AC22-975CE73FD058}" type="presParOf" srcId="{CB6D698F-19C2-45E9-9E4F-55DD7B0764E3}" destId="{8DD5A9F8-0883-4777-9FF6-1DF73EC134A5}" srcOrd="0" destOrd="0" presId="urn:microsoft.com/office/officeart/2008/layout/HorizontalMultiLevelHierarchy"/>
-    <dgm:cxn modelId="{AF8B257C-FE92-4FE0-9284-CBDAECEC4BE0}" type="presParOf" srcId="{90EA07A2-FAC7-40E1-BE93-1B72CBE75389}" destId="{E30CB592-281D-4F67-A3B0-0EFD36507F93}" srcOrd="3" destOrd="0" presId="urn:microsoft.com/office/officeart/2008/layout/HorizontalMultiLevelHierarchy"/>
-    <dgm:cxn modelId="{F440E00B-9C6D-42D3-8639-EF73D0958B6D}" type="presParOf" srcId="{E30CB592-281D-4F67-A3B0-0EFD36507F93}" destId="{6A2EFE3F-B0F7-48AD-98D6-6DF2E8DB7B12}" srcOrd="0" destOrd="0" presId="urn:microsoft.com/office/officeart/2008/layout/HorizontalMultiLevelHierarchy"/>
-    <dgm:cxn modelId="{417926F4-ED3C-4522-B40F-4E3DF3D65098}" type="presParOf" srcId="{E30CB592-281D-4F67-A3B0-0EFD36507F93}" destId="{5E56231E-C795-4881-81C0-5524D02C4430}" srcOrd="1" destOrd="0" presId="urn:microsoft.com/office/officeart/2008/layout/HorizontalMultiLevelHierarchy"/>
-    <dgm:cxn modelId="{4BE2B114-58A4-46CF-96E2-114EF918EC46}" type="presParOf" srcId="{90EA07A2-FAC7-40E1-BE93-1B72CBE75389}" destId="{2F3CB846-6D2A-462D-BF9F-F05634C07037}" srcOrd="4" destOrd="0" presId="urn:microsoft.com/office/officeart/2008/layout/HorizontalMultiLevelHierarchy"/>
-    <dgm:cxn modelId="{90F52F62-0EAF-4C21-8AB1-3120388218DD}" type="presParOf" srcId="{2F3CB846-6D2A-462D-BF9F-F05634C07037}" destId="{CE4A8848-335E-4E72-A34E-517F49E1BEAF}" srcOrd="0" destOrd="0" presId="urn:microsoft.com/office/officeart/2008/layout/HorizontalMultiLevelHierarchy"/>
-    <dgm:cxn modelId="{88C37EF2-BBF7-46C1-BF64-AB13B863CAE6}" type="presParOf" srcId="{90EA07A2-FAC7-40E1-BE93-1B72CBE75389}" destId="{84EEDA74-5BAD-4ABF-8AA7-5A38C27B7C2E}" srcOrd="5" destOrd="0" presId="urn:microsoft.com/office/officeart/2008/layout/HorizontalMultiLevelHierarchy"/>
-    <dgm:cxn modelId="{74FDF722-7D87-419E-920D-2F1B89B19312}" type="presParOf" srcId="{84EEDA74-5BAD-4ABF-8AA7-5A38C27B7C2E}" destId="{2DBA60D8-5CCD-4E9B-8D7A-8BD07A698397}" srcOrd="0" destOrd="0" presId="urn:microsoft.com/office/officeart/2008/layout/HorizontalMultiLevelHierarchy"/>
-    <dgm:cxn modelId="{65A58EE2-3FD4-4B18-BE26-B6E48F5B7B94}" type="presParOf" srcId="{84EEDA74-5BAD-4ABF-8AA7-5A38C27B7C2E}" destId="{4D4C88B3-C815-4BCF-BFF5-A724137EDA13}" srcOrd="1" destOrd="0" presId="urn:microsoft.com/office/officeart/2008/layout/HorizontalMultiLevelHierarchy"/>
-    <dgm:cxn modelId="{DA617DBD-D1F3-44FE-92EF-627DE96A4F8D}" type="presParOf" srcId="{2F3BB204-96D4-46A3-8F47-8759930CD1A9}" destId="{CB649D2D-1B57-40BD-8313-469DFF0BAFFE}" srcOrd="2" destOrd="0" presId="urn:microsoft.com/office/officeart/2008/layout/HorizontalMultiLevelHierarchy"/>
-    <dgm:cxn modelId="{29D9A3F2-D55F-496F-BDC9-F6C86CF384D3}" type="presParOf" srcId="{CB649D2D-1B57-40BD-8313-469DFF0BAFFE}" destId="{ACDC791B-CD13-491C-B08C-F3F9F22C902F}" srcOrd="0" destOrd="0" presId="urn:microsoft.com/office/officeart/2008/layout/HorizontalMultiLevelHierarchy"/>
-    <dgm:cxn modelId="{AADE0D14-E765-4409-A9A9-6FD9AB2F1488}" type="presParOf" srcId="{2F3BB204-96D4-46A3-8F47-8759930CD1A9}" destId="{DC401ACB-CCD2-4917-8819-C9CAF55FDF7D}" srcOrd="3" destOrd="0" presId="urn:microsoft.com/office/officeart/2008/layout/HorizontalMultiLevelHierarchy"/>
-    <dgm:cxn modelId="{6E689836-D20E-4B76-8517-84EBA73610D8}" type="presParOf" srcId="{DC401ACB-CCD2-4917-8819-C9CAF55FDF7D}" destId="{643EA0BF-835F-4326-9266-DBFCD43F3F73}" srcOrd="0" destOrd="0" presId="urn:microsoft.com/office/officeart/2008/layout/HorizontalMultiLevelHierarchy"/>
-    <dgm:cxn modelId="{E5148AA8-FC74-44F1-B34D-E0FD74D4EDEE}" type="presParOf" srcId="{DC401ACB-CCD2-4917-8819-C9CAF55FDF7D}" destId="{AE3A60A8-FC3B-40BE-91A9-85E9EE57E67B}" srcOrd="1" destOrd="0" presId="urn:microsoft.com/office/officeart/2008/layout/HorizontalMultiLevelHierarchy"/>
-    <dgm:cxn modelId="{11BCCF6D-869B-4D6B-8F7E-B59B5B367424}" type="presParOf" srcId="{AE3A60A8-FC3B-40BE-91A9-85E9EE57E67B}" destId="{3ED91E02-9A06-4C15-8098-5E14E505F87A}" srcOrd="0" destOrd="0" presId="urn:microsoft.com/office/officeart/2008/layout/HorizontalMultiLevelHierarchy"/>
-    <dgm:cxn modelId="{EA82F12F-FD07-4140-A61D-F8C5000F2120}" type="presParOf" srcId="{3ED91E02-9A06-4C15-8098-5E14E505F87A}" destId="{90657862-9302-4B0C-B4C1-509AC157D1B5}" srcOrd="0" destOrd="0" presId="urn:microsoft.com/office/officeart/2008/layout/HorizontalMultiLevelHierarchy"/>
-    <dgm:cxn modelId="{54DB6735-5FA8-43B8-B953-E30A08E82657}" type="presParOf" srcId="{AE3A60A8-FC3B-40BE-91A9-85E9EE57E67B}" destId="{A1C7CDF5-E487-48F9-848B-C10F763E7E3E}" srcOrd="1" destOrd="0" presId="urn:microsoft.com/office/officeart/2008/layout/HorizontalMultiLevelHierarchy"/>
-    <dgm:cxn modelId="{02F1CBE4-ACCB-4EC0-AF3A-764B5C000565}" type="presParOf" srcId="{A1C7CDF5-E487-48F9-848B-C10F763E7E3E}" destId="{E7A06511-1E50-46AB-BC64-FBB1B9E5AFA0}" srcOrd="0" destOrd="0" presId="urn:microsoft.com/office/officeart/2008/layout/HorizontalMultiLevelHierarchy"/>
-    <dgm:cxn modelId="{1B66F469-8153-408D-9830-92E9741D3945}" type="presParOf" srcId="{A1C7CDF5-E487-48F9-848B-C10F763E7E3E}" destId="{2B0A358B-D02A-4AB4-817D-51677576450A}" srcOrd="1" destOrd="0" presId="urn:microsoft.com/office/officeart/2008/layout/HorizontalMultiLevelHierarchy"/>
-    <dgm:cxn modelId="{ABC1CA6F-E456-4634-85CC-43C2E9923C36}" type="presParOf" srcId="{AE3A60A8-FC3B-40BE-91A9-85E9EE57E67B}" destId="{3C1603EB-D77D-4426-B625-E3556A04067D}" srcOrd="2" destOrd="0" presId="urn:microsoft.com/office/officeart/2008/layout/HorizontalMultiLevelHierarchy"/>
-    <dgm:cxn modelId="{50CC2343-39E3-41CB-8A67-126BACE84741}" type="presParOf" srcId="{3C1603EB-D77D-4426-B625-E3556A04067D}" destId="{D29A899D-DC3F-4D2D-B330-AE087C5F8669}" srcOrd="0" destOrd="0" presId="urn:microsoft.com/office/officeart/2008/layout/HorizontalMultiLevelHierarchy"/>
-    <dgm:cxn modelId="{F8D9CAFD-D227-4F20-A18E-3B4A4844449E}" type="presParOf" srcId="{AE3A60A8-FC3B-40BE-91A9-85E9EE57E67B}" destId="{E2642515-5C30-4CA3-8110-91B97F460558}" srcOrd="3" destOrd="0" presId="urn:microsoft.com/office/officeart/2008/layout/HorizontalMultiLevelHierarchy"/>
-    <dgm:cxn modelId="{A96D082C-5B83-4577-BA49-EA0BDEE42691}" type="presParOf" srcId="{E2642515-5C30-4CA3-8110-91B97F460558}" destId="{D2F968A6-5D48-419F-9E6B-F91C613746CD}" srcOrd="0" destOrd="0" presId="urn:microsoft.com/office/officeart/2008/layout/HorizontalMultiLevelHierarchy"/>
-    <dgm:cxn modelId="{587C87DD-7D7D-4B00-8B8B-090D8E75A7AA}" type="presParOf" srcId="{E2642515-5C30-4CA3-8110-91B97F460558}" destId="{EE530E53-1519-485E-8EAB-EC53CC3E226F}" srcOrd="1" destOrd="0" presId="urn:microsoft.com/office/officeart/2008/layout/HorizontalMultiLevelHierarchy"/>
-    <dgm:cxn modelId="{30DEF5B8-DE58-4D60-BFF3-30A5CF2DC219}" type="presParOf" srcId="{AE3A60A8-FC3B-40BE-91A9-85E9EE57E67B}" destId="{ED406999-7806-4EC4-A4C3-5B14AE200C01}" srcOrd="4" destOrd="0" presId="urn:microsoft.com/office/officeart/2008/layout/HorizontalMultiLevelHierarchy"/>
-    <dgm:cxn modelId="{A8B22DE7-DF17-47A8-BDFF-9E31A2198EFC}" type="presParOf" srcId="{ED406999-7806-4EC4-A4C3-5B14AE200C01}" destId="{2781CC53-BE8C-4B3B-A017-CA00538A8065}" srcOrd="0" destOrd="0" presId="urn:microsoft.com/office/officeart/2008/layout/HorizontalMultiLevelHierarchy"/>
-    <dgm:cxn modelId="{16187505-E3E8-4682-97C7-5958241899BF}" type="presParOf" srcId="{AE3A60A8-FC3B-40BE-91A9-85E9EE57E67B}" destId="{50764DDE-3E1D-4081-9C93-77D5F70A8CD5}" srcOrd="5" destOrd="0" presId="urn:microsoft.com/office/officeart/2008/layout/HorizontalMultiLevelHierarchy"/>
-    <dgm:cxn modelId="{B6AB5E7C-BB15-40DA-95DB-C8E0A258DFA4}" type="presParOf" srcId="{50764DDE-3E1D-4081-9C93-77D5F70A8CD5}" destId="{61B18CBE-67BD-49D7-B342-50153C8CA9A8}" srcOrd="0" destOrd="0" presId="urn:microsoft.com/office/officeart/2008/layout/HorizontalMultiLevelHierarchy"/>
-    <dgm:cxn modelId="{5F606C0A-403F-44AF-928F-7D46C38D62E3}" type="presParOf" srcId="{50764DDE-3E1D-4081-9C93-77D5F70A8CD5}" destId="{2BB504A3-04AD-444E-889A-E9E8E81A7369}" srcOrd="1" destOrd="0" presId="urn:microsoft.com/office/officeart/2008/layout/HorizontalMultiLevelHierarchy"/>
-    <dgm:cxn modelId="{C71D15C0-5568-49B7-BF2C-DE9768233274}" type="presParOf" srcId="{00DB5933-41A5-4A4B-9091-5BF5F07D43BB}" destId="{8036E567-72C3-4982-8707-4CFF1A78BE59}" srcOrd="1" destOrd="0" presId="urn:microsoft.com/office/officeart/2008/layout/HorizontalMultiLevelHierarchy"/>
-    <dgm:cxn modelId="{E0E28E4C-6EC5-4C40-AFBF-6A2A6DEC7FC0}" type="presParOf" srcId="{8036E567-72C3-4982-8707-4CFF1A78BE59}" destId="{BC564820-3EDA-40C9-916B-6522087B0583}" srcOrd="0" destOrd="0" presId="urn:microsoft.com/office/officeart/2008/layout/HorizontalMultiLevelHierarchy"/>
-    <dgm:cxn modelId="{41BDF36E-DB30-4E7B-896F-A5AE6C03AA50}" type="presParOf" srcId="{8036E567-72C3-4982-8707-4CFF1A78BE59}" destId="{E021EE6B-A6A6-42FB-8283-8BE706E07A45}" srcOrd="1" destOrd="0" presId="urn:microsoft.com/office/officeart/2008/layout/HorizontalMultiLevelHierarchy"/>
-    <dgm:cxn modelId="{CE6806A3-6F8B-4F7F-9F5C-F4A1EB73C1E4}" type="presParOf" srcId="{E021EE6B-A6A6-42FB-8283-8BE706E07A45}" destId="{3E6392E4-F8C3-4A08-8547-4566D77BF7B7}" srcOrd="0" destOrd="0" presId="urn:microsoft.com/office/officeart/2008/layout/HorizontalMultiLevelHierarchy"/>
-    <dgm:cxn modelId="{95DD7FBC-8C18-4F31-A34C-2C3D5F9DC9E3}" type="presParOf" srcId="{3E6392E4-F8C3-4A08-8547-4566D77BF7B7}" destId="{93C7D34A-1C69-4DE5-9C2A-D5B0EA9ABED7}" srcOrd="0" destOrd="0" presId="urn:microsoft.com/office/officeart/2008/layout/HorizontalMultiLevelHierarchy"/>
-    <dgm:cxn modelId="{4D774A49-BC09-45B4-A912-87DB1D2F7D62}" type="presParOf" srcId="{E021EE6B-A6A6-42FB-8283-8BE706E07A45}" destId="{9DC13FF0-6967-4F9E-8209-BA68D53ECF0E}" srcOrd="1" destOrd="0" presId="urn:microsoft.com/office/officeart/2008/layout/HorizontalMultiLevelHierarchy"/>
-    <dgm:cxn modelId="{71F2B171-C929-4A7C-9D31-D06A8F4E414F}" type="presParOf" srcId="{9DC13FF0-6967-4F9E-8209-BA68D53ECF0E}" destId="{6968046B-AC46-4E83-9AAE-640C81C6151E}" srcOrd="0" destOrd="0" presId="urn:microsoft.com/office/officeart/2008/layout/HorizontalMultiLevelHierarchy"/>
-    <dgm:cxn modelId="{B6AC9869-5A98-46EC-8A01-FB5AD2464D10}" type="presParOf" srcId="{9DC13FF0-6967-4F9E-8209-BA68D53ECF0E}" destId="{D5125FC8-B551-4E55-BA51-C43F565303BC}" srcOrd="1" destOrd="0" presId="urn:microsoft.com/office/officeart/2008/layout/HorizontalMultiLevelHierarchy"/>
-    <dgm:cxn modelId="{E068ECC5-FC8F-4334-8273-533DDA8C62A5}" type="presParOf" srcId="{E021EE6B-A6A6-42FB-8283-8BE706E07A45}" destId="{363E0E33-1EF6-4891-A03D-5700B681BDFB}" srcOrd="2" destOrd="0" presId="urn:microsoft.com/office/officeart/2008/layout/HorizontalMultiLevelHierarchy"/>
-    <dgm:cxn modelId="{098C812D-5C4A-47EF-87D1-7C98ED0AB558}" type="presParOf" srcId="{363E0E33-1EF6-4891-A03D-5700B681BDFB}" destId="{60E286C0-2130-4F40-9C14-52025F623E8A}" srcOrd="0" destOrd="0" presId="urn:microsoft.com/office/officeart/2008/layout/HorizontalMultiLevelHierarchy"/>
-    <dgm:cxn modelId="{EA6CE633-76F2-490E-B3C7-7F5777678B84}" type="presParOf" srcId="{E021EE6B-A6A6-42FB-8283-8BE706E07A45}" destId="{23073D71-13B7-43D4-8E1C-975BC2BABC99}" srcOrd="3" destOrd="0" presId="urn:microsoft.com/office/officeart/2008/layout/HorizontalMultiLevelHierarchy"/>
-    <dgm:cxn modelId="{17C48316-1DA5-46A3-B5B8-3D605A1BE5A5}" type="presParOf" srcId="{23073D71-13B7-43D4-8E1C-975BC2BABC99}" destId="{36719527-4D46-4471-A187-ADB9D2D29F2A}" srcOrd="0" destOrd="0" presId="urn:microsoft.com/office/officeart/2008/layout/HorizontalMultiLevelHierarchy"/>
-    <dgm:cxn modelId="{E791D627-70A4-40B5-B5C0-572C341FD17D}" type="presParOf" srcId="{23073D71-13B7-43D4-8E1C-975BC2BABC99}" destId="{2A14EB5D-DD03-4E51-AF64-29DC3F229E19}" srcOrd="1" destOrd="0" presId="urn:microsoft.com/office/officeart/2008/layout/HorizontalMultiLevelHierarchy"/>
-    <dgm:cxn modelId="{F96738CE-16A2-4CD0-81AF-5BD7EF858B59}" type="presParOf" srcId="{2A14EB5D-DD03-4E51-AF64-29DC3F229E19}" destId="{C15F26BA-9FDE-4D10-9F35-03D008BDAEEB}" srcOrd="0" destOrd="0" presId="urn:microsoft.com/office/officeart/2008/layout/HorizontalMultiLevelHierarchy"/>
-    <dgm:cxn modelId="{66422199-5802-4F77-B0EC-E6BCDAF21DB5}" type="presParOf" srcId="{C15F26BA-9FDE-4D10-9F35-03D008BDAEEB}" destId="{331EAD63-83BF-4784-BB4E-697D383782BE}" srcOrd="0" destOrd="0" presId="urn:microsoft.com/office/officeart/2008/layout/HorizontalMultiLevelHierarchy"/>
-    <dgm:cxn modelId="{A4EEDFE5-242D-452E-B115-BC14258C230E}" type="presParOf" srcId="{2A14EB5D-DD03-4E51-AF64-29DC3F229E19}" destId="{CCD6F66C-BBF2-46F6-BAA0-0B5E575E1C72}" srcOrd="1" destOrd="0" presId="urn:microsoft.com/office/officeart/2008/layout/HorizontalMultiLevelHierarchy"/>
-    <dgm:cxn modelId="{DF7FBFF3-1C14-4242-AE0C-7A0014FFEF7B}" type="presParOf" srcId="{CCD6F66C-BBF2-46F6-BAA0-0B5E575E1C72}" destId="{85584212-2881-4AB1-9559-3A4298762659}" srcOrd="0" destOrd="0" presId="urn:microsoft.com/office/officeart/2008/layout/HorizontalMultiLevelHierarchy"/>
-    <dgm:cxn modelId="{2AC2F47C-A6DE-4273-ADBC-019386A09D10}" type="presParOf" srcId="{CCD6F66C-BBF2-46F6-BAA0-0B5E575E1C72}" destId="{51BB485C-C402-4E6F-BA94-7CB1999CAD69}" srcOrd="1" destOrd="0" presId="urn:microsoft.com/office/officeart/2008/layout/HorizontalMultiLevelHierarchy"/>
-    <dgm:cxn modelId="{91C046AA-DE41-4285-AC1F-90283D352EDF}" type="presParOf" srcId="{2A14EB5D-DD03-4E51-AF64-29DC3F229E19}" destId="{D2BE0E5F-B9DC-434A-B2B7-D4FF75ACD490}" srcOrd="2" destOrd="0" presId="urn:microsoft.com/office/officeart/2008/layout/HorizontalMultiLevelHierarchy"/>
-    <dgm:cxn modelId="{A4FB9F1A-347E-4494-B774-71F73890E56A}" type="presParOf" srcId="{D2BE0E5F-B9DC-434A-B2B7-D4FF75ACD490}" destId="{D37AFBB7-FB49-4F48-A34C-8BCAA589E7AF}" srcOrd="0" destOrd="0" presId="urn:microsoft.com/office/officeart/2008/layout/HorizontalMultiLevelHierarchy"/>
-    <dgm:cxn modelId="{4D8F2480-E3DB-49E8-9F87-1A2328F7659C}" type="presParOf" srcId="{2A14EB5D-DD03-4E51-AF64-29DC3F229E19}" destId="{5C458172-33EA-4B7A-B448-E60316575665}" srcOrd="3" destOrd="0" presId="urn:microsoft.com/office/officeart/2008/layout/HorizontalMultiLevelHierarchy"/>
-    <dgm:cxn modelId="{8A160215-A829-40A1-95E8-DF464BF9A752}" type="presParOf" srcId="{5C458172-33EA-4B7A-B448-E60316575665}" destId="{2AD838DB-D634-4875-8FBA-FBA16F35BD15}" srcOrd="0" destOrd="0" presId="urn:microsoft.com/office/officeart/2008/layout/HorizontalMultiLevelHierarchy"/>
-    <dgm:cxn modelId="{7FD9FCA7-2522-4399-81C9-F5FACC40DC90}" type="presParOf" srcId="{5C458172-33EA-4B7A-B448-E60316575665}" destId="{0557D55C-6E70-43CB-A87F-5B4A944F7DCB}" srcOrd="1" destOrd="0" presId="urn:microsoft.com/office/officeart/2008/layout/HorizontalMultiLevelHierarchy"/>
-    <dgm:cxn modelId="{FBBB9F3A-E7DE-4F00-AF99-2FBFAAAAFE80}" type="presParOf" srcId="{2A14EB5D-DD03-4E51-AF64-29DC3F229E19}" destId="{9CA62828-1544-4FCA-90D4-60F9DFB2BD26}" srcOrd="4" destOrd="0" presId="urn:microsoft.com/office/officeart/2008/layout/HorizontalMultiLevelHierarchy"/>
-    <dgm:cxn modelId="{F5298DA7-3907-4372-AD2A-842EEB579970}" type="presParOf" srcId="{9CA62828-1544-4FCA-90D4-60F9DFB2BD26}" destId="{E89FB587-636C-43F0-814C-9C4DC127EB0A}" srcOrd="0" destOrd="0" presId="urn:microsoft.com/office/officeart/2008/layout/HorizontalMultiLevelHierarchy"/>
-    <dgm:cxn modelId="{6838A8E1-CF2E-49C0-8689-6A7B8AD6D432}" type="presParOf" srcId="{2A14EB5D-DD03-4E51-AF64-29DC3F229E19}" destId="{EB0F312D-97D4-42FD-8C52-A6BCA7C5B7BC}" srcOrd="5" destOrd="0" presId="urn:microsoft.com/office/officeart/2008/layout/HorizontalMultiLevelHierarchy"/>
-    <dgm:cxn modelId="{13C70AC7-31EC-41E1-BF5C-5C3B41000785}" type="presParOf" srcId="{EB0F312D-97D4-42FD-8C52-A6BCA7C5B7BC}" destId="{70A07595-6AF8-435C-B451-8AC070FD86F0}" srcOrd="0" destOrd="0" presId="urn:microsoft.com/office/officeart/2008/layout/HorizontalMultiLevelHierarchy"/>
-    <dgm:cxn modelId="{3BB73ADF-E7A3-47E1-BCB9-4F6EA625BA5C}" type="presParOf" srcId="{EB0F312D-97D4-42FD-8C52-A6BCA7C5B7BC}" destId="{B6592261-4519-49F3-91CC-2036BE359FFA}" srcOrd="1" destOrd="0" presId="urn:microsoft.com/office/officeart/2008/layout/HorizontalMultiLevelHierarchy"/>
+    <dgm:cxn modelId="{6F2640F6-A9FE-498E-BF2C-E67CCA386780}" type="presOf" srcId="{D71C5C33-FD7B-459C-B26E-191B2F3E4401}" destId="{61B18CBE-67BD-49D7-B342-50153C8CA9A8}" srcOrd="0" destOrd="0" presId="urn:microsoft.com/office/officeart/2008/layout/HorizontalMultiLevelHierarchy#3"/>
+    <dgm:cxn modelId="{071365F9-15D8-4CAD-B997-BF9B0705B1BE}" type="presOf" srcId="{9F0B4827-447C-4839-B5D5-59A4C0D195F3}" destId="{BC564820-3EDA-40C9-916B-6522087B0583}" srcOrd="0" destOrd="0" presId="urn:microsoft.com/office/officeart/2008/layout/HorizontalMultiLevelHierarchy#3"/>
+    <dgm:cxn modelId="{5737CF6D-40C9-455F-B2B7-B01011AF3CFC}" type="presParOf" srcId="{00DB5933-41A5-4A4B-9091-5BF5F07D43BB}" destId="{B491EA4D-1CEC-4F9A-A0E0-AE7C5F6AE0A0}" srcOrd="0" destOrd="0" presId="urn:microsoft.com/office/officeart/2008/layout/HorizontalMultiLevelHierarchy#3"/>
+    <dgm:cxn modelId="{53472643-9E21-43DF-87A4-81866382C038}" type="presParOf" srcId="{B491EA4D-1CEC-4F9A-A0E0-AE7C5F6AE0A0}" destId="{45C54206-0F79-4109-A601-E1C744A40849}" srcOrd="0" destOrd="0" presId="urn:microsoft.com/office/officeart/2008/layout/HorizontalMultiLevelHierarchy#3"/>
+    <dgm:cxn modelId="{7A183CB2-DD3B-4ED7-A330-B205021355E9}" type="presParOf" srcId="{B491EA4D-1CEC-4F9A-A0E0-AE7C5F6AE0A0}" destId="{2F3BB204-96D4-46A3-8F47-8759930CD1A9}" srcOrd="1" destOrd="0" presId="urn:microsoft.com/office/officeart/2008/layout/HorizontalMultiLevelHierarchy#3"/>
+    <dgm:cxn modelId="{B43EDE71-2BE6-488E-9928-976CEB53066F}" type="presParOf" srcId="{2F3BB204-96D4-46A3-8F47-8759930CD1A9}" destId="{C57EC19F-A03D-4207-83B5-EEB5D0475C8F}" srcOrd="0" destOrd="0" presId="urn:microsoft.com/office/officeart/2008/layout/HorizontalMultiLevelHierarchy#3"/>
+    <dgm:cxn modelId="{83C45B87-4BC6-4ACB-B3AA-C0555DDC3952}" type="presParOf" srcId="{C57EC19F-A03D-4207-83B5-EEB5D0475C8F}" destId="{F43CF4C4-C8F8-43FE-915F-F3BB2342AD9A}" srcOrd="0" destOrd="0" presId="urn:microsoft.com/office/officeart/2008/layout/HorizontalMultiLevelHierarchy#3"/>
+    <dgm:cxn modelId="{4397452E-1618-4432-8755-5B93AB2ACBA6}" type="presParOf" srcId="{2F3BB204-96D4-46A3-8F47-8759930CD1A9}" destId="{1CBF4495-5A3F-4A4E-9C97-54B50176E0EA}" srcOrd="1" destOrd="0" presId="urn:microsoft.com/office/officeart/2008/layout/HorizontalMultiLevelHierarchy#3"/>
+    <dgm:cxn modelId="{E2163024-7D2C-4C68-AEB3-DE3AC2A2315B}" type="presParOf" srcId="{1CBF4495-5A3F-4A4E-9C97-54B50176E0EA}" destId="{68FCA545-C95B-4510-A15C-9CEEEE0C30C7}" srcOrd="0" destOrd="0" presId="urn:microsoft.com/office/officeart/2008/layout/HorizontalMultiLevelHierarchy#3"/>
+    <dgm:cxn modelId="{7C23E390-CB8C-4A76-9A7D-ACE0ACC2DC33}" type="presParOf" srcId="{1CBF4495-5A3F-4A4E-9C97-54B50176E0EA}" destId="{90EA07A2-FAC7-40E1-BE93-1B72CBE75389}" srcOrd="1" destOrd="0" presId="urn:microsoft.com/office/officeart/2008/layout/HorizontalMultiLevelHierarchy#3"/>
+    <dgm:cxn modelId="{41F834CE-A73A-4F53-B3CE-631EB122BEFB}" type="presParOf" srcId="{90EA07A2-FAC7-40E1-BE93-1B72CBE75389}" destId="{7CC31390-B30A-4A08-ADAC-F98F1B85A7D4}" srcOrd="0" destOrd="0" presId="urn:microsoft.com/office/officeart/2008/layout/HorizontalMultiLevelHierarchy#3"/>
+    <dgm:cxn modelId="{3A772B2E-CD84-4D1E-931A-26F6E7972000}" type="presParOf" srcId="{7CC31390-B30A-4A08-ADAC-F98F1B85A7D4}" destId="{5B5DBEE0-911D-440F-AC13-FCAE07C6E3C8}" srcOrd="0" destOrd="0" presId="urn:microsoft.com/office/officeart/2008/layout/HorizontalMultiLevelHierarchy#3"/>
+    <dgm:cxn modelId="{5F1B2CC4-C07F-45D5-BFF5-70067CA6EE56}" type="presParOf" srcId="{90EA07A2-FAC7-40E1-BE93-1B72CBE75389}" destId="{D2F55B98-050A-4A5E-AC84-65D3739FC472}" srcOrd="1" destOrd="0" presId="urn:microsoft.com/office/officeart/2008/layout/HorizontalMultiLevelHierarchy#3"/>
+    <dgm:cxn modelId="{BC3ED4FC-D235-4039-8D4F-5ADA79700910}" type="presParOf" srcId="{D2F55B98-050A-4A5E-AC84-65D3739FC472}" destId="{D9921F0A-3DBC-4142-B592-1B97B88AA78D}" srcOrd="0" destOrd="0" presId="urn:microsoft.com/office/officeart/2008/layout/HorizontalMultiLevelHierarchy#3"/>
+    <dgm:cxn modelId="{26578C57-C5BF-4B3B-8D43-1ACD0EA0E75E}" type="presParOf" srcId="{D2F55B98-050A-4A5E-AC84-65D3739FC472}" destId="{A1AFDFB7-935E-485E-B871-3D21811B8748}" srcOrd="1" destOrd="0" presId="urn:microsoft.com/office/officeart/2008/layout/HorizontalMultiLevelHierarchy#3"/>
+    <dgm:cxn modelId="{A284567A-C8D4-4812-89D3-2DE98D666C6C}" type="presParOf" srcId="{90EA07A2-FAC7-40E1-BE93-1B72CBE75389}" destId="{CB6D698F-19C2-45E9-9E4F-55DD7B0764E3}" srcOrd="2" destOrd="0" presId="urn:microsoft.com/office/officeart/2008/layout/HorizontalMultiLevelHierarchy#3"/>
+    <dgm:cxn modelId="{C1951C21-FFC9-4108-AC22-975CE73FD058}" type="presParOf" srcId="{CB6D698F-19C2-45E9-9E4F-55DD7B0764E3}" destId="{8DD5A9F8-0883-4777-9FF6-1DF73EC134A5}" srcOrd="0" destOrd="0" presId="urn:microsoft.com/office/officeart/2008/layout/HorizontalMultiLevelHierarchy#3"/>
+    <dgm:cxn modelId="{AF8B257C-FE92-4FE0-9284-CBDAECEC4BE0}" type="presParOf" srcId="{90EA07A2-FAC7-40E1-BE93-1B72CBE75389}" destId="{E30CB592-281D-4F67-A3B0-0EFD36507F93}" srcOrd="3" destOrd="0" presId="urn:microsoft.com/office/officeart/2008/layout/HorizontalMultiLevelHierarchy#3"/>
+    <dgm:cxn modelId="{F440E00B-9C6D-42D3-8639-EF73D0958B6D}" type="presParOf" srcId="{E30CB592-281D-4F67-A3B0-0EFD36507F93}" destId="{6A2EFE3F-B0F7-48AD-98D6-6DF2E8DB7B12}" srcOrd="0" destOrd="0" presId="urn:microsoft.com/office/officeart/2008/layout/HorizontalMultiLevelHierarchy#3"/>
+    <dgm:cxn modelId="{417926F4-ED3C-4522-B40F-4E3DF3D65098}" type="presParOf" srcId="{E30CB592-281D-4F67-A3B0-0EFD36507F93}" destId="{5E56231E-C795-4881-81C0-5524D02C4430}" srcOrd="1" destOrd="0" presId="urn:microsoft.com/office/officeart/2008/layout/HorizontalMultiLevelHierarchy#3"/>
+    <dgm:cxn modelId="{4BE2B114-58A4-46CF-96E2-114EF918EC46}" type="presParOf" srcId="{90EA07A2-FAC7-40E1-BE93-1B72CBE75389}" destId="{2F3CB846-6D2A-462D-BF9F-F05634C07037}" srcOrd="4" destOrd="0" presId="urn:microsoft.com/office/officeart/2008/layout/HorizontalMultiLevelHierarchy#3"/>
+    <dgm:cxn modelId="{90F52F62-0EAF-4C21-8AB1-3120388218DD}" type="presParOf" srcId="{2F3CB846-6D2A-462D-BF9F-F05634C07037}" destId="{CE4A8848-335E-4E72-A34E-517F49E1BEAF}" srcOrd="0" destOrd="0" presId="urn:microsoft.com/office/officeart/2008/layout/HorizontalMultiLevelHierarchy#3"/>
+    <dgm:cxn modelId="{88C37EF2-BBF7-46C1-BF64-AB13B863CAE6}" type="presParOf" srcId="{90EA07A2-FAC7-40E1-BE93-1B72CBE75389}" destId="{84EEDA74-5BAD-4ABF-8AA7-5A38C27B7C2E}" srcOrd="5" destOrd="0" presId="urn:microsoft.com/office/officeart/2008/layout/HorizontalMultiLevelHierarchy#3"/>
+    <dgm:cxn modelId="{74FDF722-7D87-419E-920D-2F1B89B19312}" type="presParOf" srcId="{84EEDA74-5BAD-4ABF-8AA7-5A38C27B7C2E}" destId="{2DBA60D8-5CCD-4E9B-8D7A-8BD07A698397}" srcOrd="0" destOrd="0" presId="urn:microsoft.com/office/officeart/2008/layout/HorizontalMultiLevelHierarchy#3"/>
+    <dgm:cxn modelId="{65A58EE2-3FD4-4B18-BE26-B6E48F5B7B94}" type="presParOf" srcId="{84EEDA74-5BAD-4ABF-8AA7-5A38C27B7C2E}" destId="{4D4C88B3-C815-4BCF-BFF5-A724137EDA13}" srcOrd="1" destOrd="0" presId="urn:microsoft.com/office/officeart/2008/layout/HorizontalMultiLevelHierarchy#3"/>
+    <dgm:cxn modelId="{DA617DBD-D1F3-44FE-92EF-627DE96A4F8D}" type="presParOf" srcId="{2F3BB204-96D4-46A3-8F47-8759930CD1A9}" destId="{CB649D2D-1B57-40BD-8313-469DFF0BAFFE}" srcOrd="2" destOrd="0" presId="urn:microsoft.com/office/officeart/2008/layout/HorizontalMultiLevelHierarchy#3"/>
+    <dgm:cxn modelId="{29D9A3F2-D55F-496F-BDC9-F6C86CF384D3}" type="presParOf" srcId="{CB649D2D-1B57-40BD-8313-469DFF0BAFFE}" destId="{ACDC791B-CD13-491C-B08C-F3F9F22C902F}" srcOrd="0" destOrd="0" presId="urn:microsoft.com/office/officeart/2008/layout/HorizontalMultiLevelHierarchy#3"/>
+    <dgm:cxn modelId="{AADE0D14-E765-4409-A9A9-6FD9AB2F1488}" type="presParOf" srcId="{2F3BB204-96D4-46A3-8F47-8759930CD1A9}" destId="{DC401ACB-CCD2-4917-8819-C9CAF55FDF7D}" srcOrd="3" destOrd="0" presId="urn:microsoft.com/office/officeart/2008/layout/HorizontalMultiLevelHierarchy#3"/>
+    <dgm:cxn modelId="{6E689836-D20E-4B76-8517-84EBA73610D8}" type="presParOf" srcId="{DC401ACB-CCD2-4917-8819-C9CAF55FDF7D}" destId="{643EA0BF-835F-4326-9266-DBFCD43F3F73}" srcOrd="0" destOrd="0" presId="urn:microsoft.com/office/officeart/2008/layout/HorizontalMultiLevelHierarchy#3"/>
+    <dgm:cxn modelId="{E5148AA8-FC74-44F1-B34D-E0FD74D4EDEE}" type="presParOf" srcId="{DC401ACB-CCD2-4917-8819-C9CAF55FDF7D}" destId="{AE3A60A8-FC3B-40BE-91A9-85E9EE57E67B}" srcOrd="1" destOrd="0" presId="urn:microsoft.com/office/officeart/2008/layout/HorizontalMultiLevelHierarchy#3"/>
+    <dgm:cxn modelId="{11BCCF6D-869B-4D6B-8F7E-B59B5B367424}" type="presParOf" srcId="{AE3A60A8-FC3B-40BE-91A9-85E9EE57E67B}" destId="{3ED91E02-9A06-4C15-8098-5E14E505F87A}" srcOrd="0" destOrd="0" presId="urn:microsoft.com/office/officeart/2008/layout/HorizontalMultiLevelHierarchy#3"/>
+    <dgm:cxn modelId="{EA82F12F-FD07-4140-A61D-F8C5000F2120}" type="presParOf" srcId="{3ED91E02-9A06-4C15-8098-5E14E505F87A}" destId="{90657862-9302-4B0C-B4C1-509AC157D1B5}" srcOrd="0" destOrd="0" presId="urn:microsoft.com/office/officeart/2008/layout/HorizontalMultiLevelHierarchy#3"/>
+    <dgm:cxn modelId="{54DB6735-5FA8-43B8-B953-E30A08E82657}" type="presParOf" srcId="{AE3A60A8-FC3B-40BE-91A9-85E9EE57E67B}" destId="{A1C7CDF5-E487-48F9-848B-C10F763E7E3E}" srcOrd="1" destOrd="0" presId="urn:microsoft.com/office/officeart/2008/layout/HorizontalMultiLevelHierarchy#3"/>
+    <dgm:cxn modelId="{02F1CBE4-ACCB-4EC0-AF3A-764B5C000565}" type="presParOf" srcId="{A1C7CDF5-E487-48F9-848B-C10F763E7E3E}" destId="{E7A06511-1E50-46AB-BC64-FBB1B9E5AFA0}" srcOrd="0" destOrd="0" presId="urn:microsoft.com/office/officeart/2008/layout/HorizontalMultiLevelHierarchy#3"/>
+    <dgm:cxn modelId="{1B66F469-8153-408D-9830-92E9741D3945}" type="presParOf" srcId="{A1C7CDF5-E487-48F9-848B-C10F763E7E3E}" destId="{2B0A358B-D02A-4AB4-817D-51677576450A}" srcOrd="1" destOrd="0" presId="urn:microsoft.com/office/officeart/2008/layout/HorizontalMultiLevelHierarchy#3"/>
+    <dgm:cxn modelId="{ABC1CA6F-E456-4634-85CC-43C2E9923C36}" type="presParOf" srcId="{AE3A60A8-FC3B-40BE-91A9-85E9EE57E67B}" destId="{3C1603EB-D77D-4426-B625-E3556A04067D}" srcOrd="2" destOrd="0" presId="urn:microsoft.com/office/officeart/2008/layout/HorizontalMultiLevelHierarchy#3"/>
+    <dgm:cxn modelId="{50CC2343-39E3-41CB-8A67-126BACE84741}" type="presParOf" srcId="{3C1603EB-D77D-4426-B625-E3556A04067D}" destId="{D29A899D-DC3F-4D2D-B330-AE087C5F8669}" srcOrd="0" destOrd="0" presId="urn:microsoft.com/office/officeart/2008/layout/HorizontalMultiLevelHierarchy#3"/>
+    <dgm:cxn modelId="{F8D9CAFD-D227-4F20-A18E-3B4A4844449E}" type="presParOf" srcId="{AE3A60A8-FC3B-40BE-91A9-85E9EE57E67B}" destId="{E2642515-5C30-4CA3-8110-91B97F460558}" srcOrd="3" destOrd="0" presId="urn:microsoft.com/office/officeart/2008/layout/HorizontalMultiLevelHierarchy#3"/>
+    <dgm:cxn modelId="{A96D082C-5B83-4577-BA49-EA0BDEE42691}" type="presParOf" srcId="{E2642515-5C30-4CA3-8110-91B97F460558}" destId="{D2F968A6-5D48-419F-9E6B-F91C613746CD}" srcOrd="0" destOrd="0" presId="urn:microsoft.com/office/officeart/2008/layout/HorizontalMultiLevelHierarchy#3"/>
+    <dgm:cxn modelId="{587C87DD-7D7D-4B00-8B8B-090D8E75A7AA}" type="presParOf" srcId="{E2642515-5C30-4CA3-8110-91B97F460558}" destId="{EE530E53-1519-485E-8EAB-EC53CC3E226F}" srcOrd="1" destOrd="0" presId="urn:microsoft.com/office/officeart/2008/layout/HorizontalMultiLevelHierarchy#3"/>
+    <dgm:cxn modelId="{30DEF5B8-DE58-4D60-BFF3-30A5CF2DC219}" type="presParOf" srcId="{AE3A60A8-FC3B-40BE-91A9-85E9EE57E67B}" destId="{ED406999-7806-4EC4-A4C3-5B14AE200C01}" srcOrd="4" destOrd="0" presId="urn:microsoft.com/office/officeart/2008/layout/HorizontalMultiLevelHierarchy#3"/>
+    <dgm:cxn modelId="{A8B22DE7-DF17-47A8-BDFF-9E31A2198EFC}" type="presParOf" srcId="{ED406999-7806-4EC4-A4C3-5B14AE200C01}" destId="{2781CC53-BE8C-4B3B-A017-CA00538A8065}" srcOrd="0" destOrd="0" presId="urn:microsoft.com/office/officeart/2008/layout/HorizontalMultiLevelHierarchy#3"/>
+    <dgm:cxn modelId="{16187505-E3E8-4682-97C7-5958241899BF}" type="presParOf" srcId="{AE3A60A8-FC3B-40BE-91A9-85E9EE57E67B}" destId="{50764DDE-3E1D-4081-9C93-77D5F70A8CD5}" srcOrd="5" destOrd="0" presId="urn:microsoft.com/office/officeart/2008/layout/HorizontalMultiLevelHierarchy#3"/>
+    <dgm:cxn modelId="{B6AB5E7C-BB15-40DA-95DB-C8E0A258DFA4}" type="presParOf" srcId="{50764DDE-3E1D-4081-9C93-77D5F70A8CD5}" destId="{61B18CBE-67BD-49D7-B342-50153C8CA9A8}" srcOrd="0" destOrd="0" presId="urn:microsoft.com/office/officeart/2008/layout/HorizontalMultiLevelHierarchy#3"/>
+    <dgm:cxn modelId="{5F606C0A-403F-44AF-928F-7D46C38D62E3}" type="presParOf" srcId="{50764DDE-3E1D-4081-9C93-77D5F70A8CD5}" destId="{2BB504A3-04AD-444E-889A-E9E8E81A7369}" srcOrd="1" destOrd="0" presId="urn:microsoft.com/office/officeart/2008/layout/HorizontalMultiLevelHierarchy#3"/>
+    <dgm:cxn modelId="{C71D15C0-5568-49B7-BF2C-DE9768233274}" type="presParOf" srcId="{00DB5933-41A5-4A4B-9091-5BF5F07D43BB}" destId="{8036E567-72C3-4982-8707-4CFF1A78BE59}" srcOrd="1" destOrd="0" presId="urn:microsoft.com/office/officeart/2008/layout/HorizontalMultiLevelHierarchy#3"/>
+    <dgm:cxn modelId="{E0E28E4C-6EC5-4C40-AFBF-6A2A6DEC7FC0}" type="presParOf" srcId="{8036E567-72C3-4982-8707-4CFF1A78BE59}" destId="{BC564820-3EDA-40C9-916B-6522087B0583}" srcOrd="0" destOrd="0" presId="urn:microsoft.com/office/officeart/2008/layout/HorizontalMultiLevelHierarchy#3"/>
+    <dgm:cxn modelId="{41BDF36E-DB30-4E7B-896F-A5AE6C03AA50}" type="presParOf" srcId="{8036E567-72C3-4982-8707-4CFF1A78BE59}" destId="{E021EE6B-A6A6-42FB-8283-8BE706E07A45}" srcOrd="1" destOrd="0" presId="urn:microsoft.com/office/officeart/2008/layout/HorizontalMultiLevelHierarchy#3"/>
+    <dgm:cxn modelId="{CE6806A3-6F8B-4F7F-9F5C-F4A1EB73C1E4}" type="presParOf" srcId="{E021EE6B-A6A6-42FB-8283-8BE706E07A45}" destId="{3E6392E4-F8C3-4A08-8547-4566D77BF7B7}" srcOrd="0" destOrd="0" presId="urn:microsoft.com/office/officeart/2008/layout/HorizontalMultiLevelHierarchy#3"/>
+    <dgm:cxn modelId="{95DD7FBC-8C18-4F31-A34C-2C3D5F9DC9E3}" type="presParOf" srcId="{3E6392E4-F8C3-4A08-8547-4566D77BF7B7}" destId="{93C7D34A-1C69-4DE5-9C2A-D5B0EA9ABED7}" srcOrd="0" destOrd="0" presId="urn:microsoft.com/office/officeart/2008/layout/HorizontalMultiLevelHierarchy#3"/>
+    <dgm:cxn modelId="{4D774A49-BC09-45B4-A912-87DB1D2F7D62}" type="presParOf" srcId="{E021EE6B-A6A6-42FB-8283-8BE706E07A45}" destId="{9DC13FF0-6967-4F9E-8209-BA68D53ECF0E}" srcOrd="1" destOrd="0" presId="urn:microsoft.com/office/officeart/2008/layout/HorizontalMultiLevelHierarchy#3"/>
+    <dgm:cxn modelId="{71F2B171-C929-4A7C-9D31-D06A8F4E414F}" type="presParOf" srcId="{9DC13FF0-6967-4F9E-8209-BA68D53ECF0E}" destId="{6968046B-AC46-4E83-9AAE-640C81C6151E}" srcOrd="0" destOrd="0" presId="urn:microsoft.com/office/officeart/2008/layout/HorizontalMultiLevelHierarchy#3"/>
+    <dgm:cxn modelId="{B6AC9869-5A98-46EC-8A01-FB5AD2464D10}" type="presParOf" srcId="{9DC13FF0-6967-4F9E-8209-BA68D53ECF0E}" destId="{D5125FC8-B551-4E55-BA51-C43F565303BC}" srcOrd="1" destOrd="0" presId="urn:microsoft.com/office/officeart/2008/layout/HorizontalMultiLevelHierarchy#3"/>
+    <dgm:cxn modelId="{E068ECC5-FC8F-4334-8273-533DDA8C62A5}" type="presParOf" srcId="{E021EE6B-A6A6-42FB-8283-8BE706E07A45}" destId="{363E0E33-1EF6-4891-A03D-5700B681BDFB}" srcOrd="2" destOrd="0" presId="urn:microsoft.com/office/officeart/2008/layout/HorizontalMultiLevelHierarchy#3"/>
+    <dgm:cxn modelId="{098C812D-5C4A-47EF-87D1-7C98ED0AB558}" type="presParOf" srcId="{363E0E33-1EF6-4891-A03D-5700B681BDFB}" destId="{60E286C0-2130-4F40-9C14-52025F623E8A}" srcOrd="0" destOrd="0" presId="urn:microsoft.com/office/officeart/2008/layout/HorizontalMultiLevelHierarchy#3"/>
+    <dgm:cxn modelId="{EA6CE633-76F2-490E-B3C7-7F5777678B84}" type="presParOf" srcId="{E021EE6B-A6A6-42FB-8283-8BE706E07A45}" destId="{23073D71-13B7-43D4-8E1C-975BC2BABC99}" srcOrd="3" destOrd="0" presId="urn:microsoft.com/office/officeart/2008/layout/HorizontalMultiLevelHierarchy#3"/>
+    <dgm:cxn modelId="{17C48316-1DA5-46A3-B5B8-3D605A1BE5A5}" type="presParOf" srcId="{23073D71-13B7-43D4-8E1C-975BC2BABC99}" destId="{36719527-4D46-4471-A187-ADB9D2D29F2A}" srcOrd="0" destOrd="0" presId="urn:microsoft.com/office/officeart/2008/layout/HorizontalMultiLevelHierarchy#3"/>
+    <dgm:cxn modelId="{E791D627-70A4-40B5-B5C0-572C341FD17D}" type="presParOf" srcId="{23073D71-13B7-43D4-8E1C-975BC2BABC99}" destId="{2A14EB5D-DD03-4E51-AF64-29DC3F229E19}" srcOrd="1" destOrd="0" presId="urn:microsoft.com/office/officeart/2008/layout/HorizontalMultiLevelHierarchy#3"/>
+    <dgm:cxn modelId="{F96738CE-16A2-4CD0-81AF-5BD7EF858B59}" type="presParOf" srcId="{2A14EB5D-DD03-4E51-AF64-29DC3F229E19}" destId="{C15F26BA-9FDE-4D10-9F35-03D008BDAEEB}" srcOrd="0" destOrd="0" presId="urn:microsoft.com/office/officeart/2008/layout/HorizontalMultiLevelHierarchy#3"/>
+    <dgm:cxn modelId="{66422199-5802-4F77-B0EC-E6BCDAF21DB5}" type="presParOf" srcId="{C15F26BA-9FDE-4D10-9F35-03D008BDAEEB}" destId="{331EAD63-83BF-4784-BB4E-697D383782BE}" srcOrd="0" destOrd="0" presId="urn:microsoft.com/office/officeart/2008/layout/HorizontalMultiLevelHierarchy#3"/>
+    <dgm:cxn modelId="{A4EEDFE5-242D-452E-B115-BC14258C230E}" type="presParOf" srcId="{2A14EB5D-DD03-4E51-AF64-29DC3F229E19}" destId="{CCD6F66C-BBF2-46F6-BAA0-0B5E575E1C72}" srcOrd="1" destOrd="0" presId="urn:microsoft.com/office/officeart/2008/layout/HorizontalMultiLevelHierarchy#3"/>
+    <dgm:cxn modelId="{DF7FBFF3-1C14-4242-AE0C-7A0014FFEF7B}" type="presParOf" srcId="{CCD6F66C-BBF2-46F6-BAA0-0B5E575E1C72}" destId="{85584212-2881-4AB1-9559-3A4298762659}" srcOrd="0" destOrd="0" presId="urn:microsoft.com/office/officeart/2008/layout/HorizontalMultiLevelHierarchy#3"/>
+    <dgm:cxn modelId="{2AC2F47C-A6DE-4273-ADBC-019386A09D10}" type="presParOf" srcId="{CCD6F66C-BBF2-46F6-BAA0-0B5E575E1C72}" destId="{51BB485C-C402-4E6F-BA94-7CB1999CAD69}" srcOrd="1" destOrd="0" presId="urn:microsoft.com/office/officeart/2008/layout/HorizontalMultiLevelHierarchy#3"/>
+    <dgm:cxn modelId="{91C046AA-DE41-4285-AC1F-90283D352EDF}" type="presParOf" srcId="{2A14EB5D-DD03-4E51-AF64-29DC3F229E19}" destId="{D2BE0E5F-B9DC-434A-B2B7-D4FF75ACD490}" srcOrd="2" destOrd="0" presId="urn:microsoft.com/office/officeart/2008/layout/HorizontalMultiLevelHierarchy#3"/>
+    <dgm:cxn modelId="{A4FB9F1A-347E-4494-B774-71F73890E56A}" type="presParOf" srcId="{D2BE0E5F-B9DC-434A-B2B7-D4FF75ACD490}" destId="{D37AFBB7-FB49-4F48-A34C-8BCAA589E7AF}" srcOrd="0" destOrd="0" presId="urn:microsoft.com/office/officeart/2008/layout/HorizontalMultiLevelHierarchy#3"/>
+    <dgm:cxn modelId="{4D8F2480-E3DB-49E8-9F87-1A2328F7659C}" type="presParOf" srcId="{2A14EB5D-DD03-4E51-AF64-29DC3F229E19}" destId="{5C458172-33EA-4B7A-B448-E60316575665}" srcOrd="3" destOrd="0" presId="urn:microsoft.com/office/officeart/2008/layout/HorizontalMultiLevelHierarchy#3"/>
+    <dgm:cxn modelId="{8A160215-A829-40A1-95E8-DF464BF9A752}" type="presParOf" srcId="{5C458172-33EA-4B7A-B448-E60316575665}" destId="{2AD838DB-D634-4875-8FBA-FBA16F35BD15}" srcOrd="0" destOrd="0" presId="urn:microsoft.com/office/officeart/2008/layout/HorizontalMultiLevelHierarchy#3"/>
+    <dgm:cxn modelId="{7FD9FCA7-2522-4399-81C9-F5FACC40DC90}" type="presParOf" srcId="{5C458172-33EA-4B7A-B448-E60316575665}" destId="{0557D55C-6E70-43CB-A87F-5B4A944F7DCB}" srcOrd="1" destOrd="0" presId="urn:microsoft.com/office/officeart/2008/layout/HorizontalMultiLevelHierarchy#3"/>
+    <dgm:cxn modelId="{FBBB9F3A-E7DE-4F00-AF99-2FBFAAAAFE80}" type="presParOf" srcId="{2A14EB5D-DD03-4E51-AF64-29DC3F229E19}" destId="{9CA62828-1544-4FCA-90D4-60F9DFB2BD26}" srcOrd="4" destOrd="0" presId="urn:microsoft.com/office/officeart/2008/layout/HorizontalMultiLevelHierarchy#3"/>
+    <dgm:cxn modelId="{F5298DA7-3907-4372-AD2A-842EEB579970}" type="presParOf" srcId="{9CA62828-1544-4FCA-90D4-60F9DFB2BD26}" destId="{E89FB587-636C-43F0-814C-9C4DC127EB0A}" srcOrd="0" destOrd="0" presId="urn:microsoft.com/office/officeart/2008/layout/HorizontalMultiLevelHierarchy#3"/>
+    <dgm:cxn modelId="{6838A8E1-CF2E-49C0-8689-6A7B8AD6D432}" type="presParOf" srcId="{2A14EB5D-DD03-4E51-AF64-29DC3F229E19}" destId="{EB0F312D-97D4-42FD-8C52-A6BCA7C5B7BC}" srcOrd="5" destOrd="0" presId="urn:microsoft.com/office/officeart/2008/layout/HorizontalMultiLevelHierarchy#3"/>
+    <dgm:cxn modelId="{13C70AC7-31EC-41E1-BF5C-5C3B41000785}" type="presParOf" srcId="{EB0F312D-97D4-42FD-8C52-A6BCA7C5B7BC}" destId="{70A07595-6AF8-435C-B451-8AC070FD86F0}" srcOrd="0" destOrd="0" presId="urn:microsoft.com/office/officeart/2008/layout/HorizontalMultiLevelHierarchy#3"/>
+    <dgm:cxn modelId="{3BB73ADF-E7A3-47E1-BCB9-4F6EA625BA5C}" type="presParOf" srcId="{EB0F312D-97D4-42FD-8C52-A6BCA7C5B7BC}" destId="{B6592261-4519-49F3-91CC-2036BE359FFA}" srcOrd="1" destOrd="0" presId="urn:microsoft.com/office/officeart/2008/layout/HorizontalMultiLevelHierarchy#3"/>
   </dgm:cxnLst>
   <dgm:bg/>
   <dgm:whole/>
   <dgm:extLst>
     <a:ext uri="http://schemas.microsoft.com/office/drawing/2008/diagram">
-      <dsp:dataModelExt xmlns:dsp="http://schemas.microsoft.com/office/drawing/2008/diagram" relId="rId5" minVer="http://schemas.openxmlformats.org/drawingml/2006/diagram"/>
+      <dsp:dataModelExt xmlns:dsp="http://schemas.microsoft.com/office/drawing/2008/diagram" relId="rId6" minVer="http://schemas.openxmlformats.org/drawingml/2006/diagram"/>
     </a:ext>
   </dgm:extLst>
 </dgm:dataModel>
@@ -8934,7 +8943,7 @@
 <dgm:dataModel xmlns:dgm="http://schemas.openxmlformats.org/drawingml/2006/diagram" xmlns:a="http://schemas.openxmlformats.org/drawingml/2006/main">
   <dgm:ptLst>
     <dgm:pt modelId="{4E7A1681-8836-43A6-9CCE-237699799E09}" type="doc">
-      <dgm:prSet loTypeId="urn:microsoft.com/office/officeart/2005/8/layout/default" loCatId="list" qsTypeId="urn:microsoft.com/office/officeart/2005/8/quickstyle/simple1" qsCatId="simple" csTypeId="urn:microsoft.com/office/officeart/2005/8/colors/accent0_2" csCatId="mainScheme" phldr="1"/>
+      <dgm:prSet loTypeId="urn:microsoft.com/office/officeart/2005/8/layout/default#1" loCatId="list" qsTypeId="urn:microsoft.com/office/officeart/2005/8/quickstyle/simple1#4" qsCatId="simple" csTypeId="urn:microsoft.com/office/officeart/2005/8/colors/accent0_2#1" csCatId="mainScheme" phldr="1"/>
       <dgm:spPr/>
       <dgm:t>
         <a:bodyPr/>
@@ -8959,7 +8968,7 @@
         </a:p>
       </dgm:t>
     </dgm:pt>
-    <dgm:pt modelId="{852F90AC-F72D-430D-8BCD-BB5DAC26D1E3}" cxnId="{E8AB2012-0E70-452B-AC48-50427008D520}" type="parTrans">
+    <dgm:pt modelId="{852F90AC-F72D-430D-8BCD-BB5DAC26D1E3}" type="parTrans" cxnId="{E8AB2012-0E70-452B-AC48-50427008D520}">
       <dgm:prSet/>
       <dgm:spPr/>
       <dgm:t>
@@ -8970,7 +8979,7 @@
         </a:p>
       </dgm:t>
     </dgm:pt>
-    <dgm:pt modelId="{8EC615EA-E20A-452F-8F8E-644ED9D69976}" cxnId="{E8AB2012-0E70-452B-AC48-50427008D520}" type="sibTrans">
+    <dgm:pt modelId="{8EC615EA-E20A-452F-8F8E-644ED9D69976}" type="sibTrans" cxnId="{E8AB2012-0E70-452B-AC48-50427008D520}">
       <dgm:prSet/>
       <dgm:spPr/>
       <dgm:t>
@@ -8995,7 +9004,7 @@
         </a:p>
       </dgm:t>
     </dgm:pt>
-    <dgm:pt modelId="{E519D173-19C9-435D-BE68-693F58DF2CA8}" cxnId="{9ABBB6D2-D04A-4DC1-A808-4F8C0A93AE89}" type="parTrans">
+    <dgm:pt modelId="{E519D173-19C9-435D-BE68-693F58DF2CA8}" type="parTrans" cxnId="{9ABBB6D2-D04A-4DC1-A808-4F8C0A93AE89}">
       <dgm:prSet/>
       <dgm:spPr/>
       <dgm:t>
@@ -9006,7 +9015,7 @@
         </a:p>
       </dgm:t>
     </dgm:pt>
-    <dgm:pt modelId="{42F97BD5-4B3D-4A7A-B4BC-F0AF0A80F0AB}" cxnId="{9ABBB6D2-D04A-4DC1-A808-4F8C0A93AE89}" type="sibTrans">
+    <dgm:pt modelId="{42F97BD5-4B3D-4A7A-B4BC-F0AF0A80F0AB}" type="sibTrans" cxnId="{9ABBB6D2-D04A-4DC1-A808-4F8C0A93AE89}">
       <dgm:prSet/>
       <dgm:spPr/>
       <dgm:t>
@@ -9032,7 +9041,7 @@
         </a:p>
       </dgm:t>
     </dgm:pt>
-    <dgm:pt modelId="{7DD28AEF-94D6-49A8-B684-14E36013F9C6}" cxnId="{1AB34F9A-B590-4907-8CB0-53F6D544B3DD}" type="parTrans">
+    <dgm:pt modelId="{7DD28AEF-94D6-49A8-B684-14E36013F9C6}" type="parTrans" cxnId="{1AB34F9A-B590-4907-8CB0-53F6D544B3DD}">
       <dgm:prSet/>
       <dgm:spPr/>
       <dgm:t>
@@ -9043,7 +9052,7 @@
         </a:p>
       </dgm:t>
     </dgm:pt>
-    <dgm:pt modelId="{B0184147-FEA2-421C-BC41-5030AB4AC9C9}" cxnId="{1AB34F9A-B590-4907-8CB0-53F6D544B3DD}" type="sibTrans">
+    <dgm:pt modelId="{B0184147-FEA2-421C-BC41-5030AB4AC9C9}" type="sibTrans" cxnId="{1AB34F9A-B590-4907-8CB0-53F6D544B3DD}">
       <dgm:prSet/>
       <dgm:spPr/>
       <dgm:t>
@@ -9068,7 +9077,7 @@
         </a:p>
       </dgm:t>
     </dgm:pt>
-    <dgm:pt modelId="{06109FAD-2C9F-42CA-BBB1-C77E8BE4B161}" cxnId="{B25315EF-376C-47A3-860E-DFFAEE901F37}" type="parTrans">
+    <dgm:pt modelId="{06109FAD-2C9F-42CA-BBB1-C77E8BE4B161}" type="parTrans" cxnId="{B25315EF-376C-47A3-860E-DFFAEE901F37}">
       <dgm:prSet/>
       <dgm:spPr/>
       <dgm:t>
@@ -9079,7 +9088,7 @@
         </a:p>
       </dgm:t>
     </dgm:pt>
-    <dgm:pt modelId="{97E03080-FD34-4671-9223-73F45E3FD23E}" cxnId="{B25315EF-376C-47A3-860E-DFFAEE901F37}" type="sibTrans">
+    <dgm:pt modelId="{97E03080-FD34-4671-9223-73F45E3FD23E}" type="sibTrans" cxnId="{B25315EF-376C-47A3-860E-DFFAEE901F37}">
       <dgm:prSet/>
       <dgm:spPr/>
       <dgm:t>
@@ -9104,7 +9113,7 @@
         </a:p>
       </dgm:t>
     </dgm:pt>
-    <dgm:pt modelId="{67D42389-9562-4DB5-AD99-6D234FF7E16F}" cxnId="{B2055BE4-3BCF-478C-BC4C-41093EBADF4F}" type="sibTrans">
+    <dgm:pt modelId="{67D42389-9562-4DB5-AD99-6D234FF7E16F}" type="sibTrans" cxnId="{B2055BE4-3BCF-478C-BC4C-41093EBADF4F}">
       <dgm:prSet/>
       <dgm:spPr/>
       <dgm:t>
@@ -9115,7 +9124,7 @@
         </a:p>
       </dgm:t>
     </dgm:pt>
-    <dgm:pt modelId="{8FBB4E63-2DC5-47C1-AFAD-823D1A2778E9}" cxnId="{B2055BE4-3BCF-478C-BC4C-41093EBADF4F}" type="parTrans">
+    <dgm:pt modelId="{8FBB4E63-2DC5-47C1-AFAD-823D1A2778E9}" type="parTrans" cxnId="{B2055BE4-3BCF-478C-BC4C-41093EBADF4F}">
       <dgm:prSet/>
       <dgm:spPr/>
       <dgm:t>
@@ -9141,7 +9150,7 @@
         </a:p>
       </dgm:t>
     </dgm:pt>
-    <dgm:pt modelId="{81CC3F5D-9C1C-4BAD-AB41-45612DFC5E2A}" cxnId="{4DDE7E43-C007-4056-9D71-E9C142FD1347}" type="sibTrans">
+    <dgm:pt modelId="{81CC3F5D-9C1C-4BAD-AB41-45612DFC5E2A}" type="sibTrans" cxnId="{4DDE7E43-C007-4056-9D71-E9C142FD1347}">
       <dgm:prSet/>
       <dgm:spPr/>
       <dgm:t>
@@ -9152,7 +9161,7 @@
         </a:p>
       </dgm:t>
     </dgm:pt>
-    <dgm:pt modelId="{086FEE5E-26FF-400C-AC54-D06BA2FAE9B4}" cxnId="{4DDE7E43-C007-4056-9D71-E9C142FD1347}" type="parTrans">
+    <dgm:pt modelId="{086FEE5E-26FF-400C-AC54-D06BA2FAE9B4}" type="parTrans" cxnId="{4DDE7E43-C007-4056-9D71-E9C142FD1347}">
       <dgm:prSet/>
       <dgm:spPr/>
       <dgm:t>
@@ -9178,7 +9187,7 @@
         </a:p>
       </dgm:t>
     </dgm:pt>
-    <dgm:pt modelId="{0843CD6B-B5CE-4966-9528-511A09376653}" cxnId="{350B133A-DC92-4557-9A57-77CAD705C9B3}" type="parTrans">
+    <dgm:pt modelId="{0843CD6B-B5CE-4966-9528-511A09376653}" type="parTrans" cxnId="{350B133A-DC92-4557-9A57-77CAD705C9B3}">
       <dgm:prSet/>
       <dgm:spPr/>
       <dgm:t>
@@ -9189,7 +9198,7 @@
         </a:p>
       </dgm:t>
     </dgm:pt>
-    <dgm:pt modelId="{62AB94B0-D979-41DB-9AE4-F265D3790316}" cxnId="{350B133A-DC92-4557-9A57-77CAD705C9B3}" type="sibTrans">
+    <dgm:pt modelId="{62AB94B0-D979-41DB-9AE4-F265D3790316}" type="sibTrans" cxnId="{350B133A-DC92-4557-9A57-77CAD705C9B3}">
       <dgm:prSet/>
       <dgm:spPr/>
       <dgm:t>
@@ -9214,7 +9223,7 @@
         </a:p>
       </dgm:t>
     </dgm:pt>
-    <dgm:pt modelId="{42006FF6-4B98-4E03-8D58-976FCB8CF136}" cxnId="{7E8F1917-389D-43E3-8E14-602DD83BB6A5}" type="parTrans">
+    <dgm:pt modelId="{42006FF6-4B98-4E03-8D58-976FCB8CF136}" type="parTrans" cxnId="{7E8F1917-389D-43E3-8E14-602DD83BB6A5}">
       <dgm:prSet/>
       <dgm:spPr/>
       <dgm:t>
@@ -9225,7 +9234,7 @@
         </a:p>
       </dgm:t>
     </dgm:pt>
-    <dgm:pt modelId="{D1BCC5CD-E0A1-48F7-B5FD-644CF791F066}" cxnId="{7E8F1917-389D-43E3-8E14-602DD83BB6A5}" type="sibTrans">
+    <dgm:pt modelId="{D1BCC5CD-E0A1-48F7-B5FD-644CF791F066}" type="sibTrans" cxnId="{7E8F1917-389D-43E3-8E14-602DD83BB6A5}">
       <dgm:prSet/>
       <dgm:spPr/>
       <dgm:t>
@@ -9250,7 +9259,7 @@
         </a:p>
       </dgm:t>
     </dgm:pt>
-    <dgm:pt modelId="{2EFD16D0-4679-48AD-908C-6334D66724B8}" cxnId="{E09B9AF6-0F32-4D02-BC74-4B88798579E8}" type="parTrans">
+    <dgm:pt modelId="{2EFD16D0-4679-48AD-908C-6334D66724B8}" type="parTrans" cxnId="{E09B9AF6-0F32-4D02-BC74-4B88798579E8}">
       <dgm:prSet/>
       <dgm:spPr/>
       <dgm:t>
@@ -9261,7 +9270,7 @@
         </a:p>
       </dgm:t>
     </dgm:pt>
-    <dgm:pt modelId="{7316744C-6994-4EDB-9A88-729163D2073C}" cxnId="{E09B9AF6-0F32-4D02-BC74-4B88798579E8}" type="sibTrans">
+    <dgm:pt modelId="{7316744C-6994-4EDB-9A88-729163D2073C}" type="sibTrans" cxnId="{E09B9AF6-0F32-4D02-BC74-4B88798579E8}">
       <dgm:prSet/>
       <dgm:spPr/>
       <dgm:t>
@@ -9286,7 +9295,7 @@
         </a:p>
       </dgm:t>
     </dgm:pt>
-    <dgm:pt modelId="{E14EA6CD-598C-4807-8FED-B22056AAEE00}" cxnId="{F4464AC3-2413-48FE-A8D7-3F175AE938FD}" type="parTrans">
+    <dgm:pt modelId="{E14EA6CD-598C-4807-8FED-B22056AAEE00}" type="parTrans" cxnId="{F4464AC3-2413-48FE-A8D7-3F175AE938FD}">
       <dgm:prSet/>
       <dgm:spPr/>
       <dgm:t>
@@ -9297,7 +9306,7 @@
         </a:p>
       </dgm:t>
     </dgm:pt>
-    <dgm:pt modelId="{94AAB888-8D6F-4549-A8E6-2B2B982EC6B9}" cxnId="{F4464AC3-2413-48FE-A8D7-3F175AE938FD}" type="sibTrans">
+    <dgm:pt modelId="{94AAB888-8D6F-4549-A8E6-2B2B982EC6B9}" type="sibTrans" cxnId="{F4464AC3-2413-48FE-A8D7-3F175AE938FD}">
       <dgm:prSet/>
       <dgm:spPr/>
       <dgm:t>
@@ -9435,52 +9444,52 @@
     </dgm:pt>
   </dgm:ptLst>
   <dgm:cxnLst>
-    <dgm:cxn modelId="{A0E71D03-8F40-4645-9A2E-664A03B0C53C}" type="presOf" srcId="{4E7A1681-8836-43A6-9CCE-237699799E09}" destId="{EF8B2D43-8E1C-43BF-A4A4-D02880E75B2A}" srcOrd="0" destOrd="0" presId="urn:microsoft.com/office/officeart/2005/8/layout/default"/>
+    <dgm:cxn modelId="{A0E71D03-8F40-4645-9A2E-664A03B0C53C}" type="presOf" srcId="{4E7A1681-8836-43A6-9CCE-237699799E09}" destId="{EF8B2D43-8E1C-43BF-A4A4-D02880E75B2A}" srcOrd="0" destOrd="0" presId="urn:microsoft.com/office/officeart/2005/8/layout/default#1"/>
     <dgm:cxn modelId="{E8AB2012-0E70-452B-AC48-50427008D520}" srcId="{4E7A1681-8836-43A6-9CCE-237699799E09}" destId="{EA7BA306-FBFA-4EAC-B1DF-7D00C65E398D}" srcOrd="0" destOrd="0" parTransId="{852F90AC-F72D-430D-8BCD-BB5DAC26D1E3}" sibTransId="{8EC615EA-E20A-452F-8F8E-644ED9D69976}"/>
     <dgm:cxn modelId="{7E8F1917-389D-43E3-8E14-602DD83BB6A5}" srcId="{4E7A1681-8836-43A6-9CCE-237699799E09}" destId="{E6CD36CE-4C20-45FC-A3A4-9D2FBD6DB06E}" srcOrd="7" destOrd="0" parTransId="{42006FF6-4B98-4E03-8D58-976FCB8CF136}" sibTransId="{D1BCC5CD-E0A1-48F7-B5FD-644CF791F066}"/>
     <dgm:cxn modelId="{350B133A-DC92-4557-9A57-77CAD705C9B3}" srcId="{4E7A1681-8836-43A6-9CCE-237699799E09}" destId="{A1AFB9E6-E0DF-42F9-813B-26D6F9AD0FFC}" srcOrd="6" destOrd="0" parTransId="{0843CD6B-B5CE-4966-9528-511A09376653}" sibTransId="{62AB94B0-D979-41DB-9AE4-F265D3790316}"/>
     <dgm:cxn modelId="{4DDE7E43-C007-4056-9D71-E9C142FD1347}" srcId="{4E7A1681-8836-43A6-9CCE-237699799E09}" destId="{8EA06F9A-03EC-4F24-8FD6-3D34401747BE}" srcOrd="4" destOrd="0" parTransId="{086FEE5E-26FF-400C-AC54-D06BA2FAE9B4}" sibTransId="{81CC3F5D-9C1C-4BAD-AB41-45612DFC5E2A}"/>
-    <dgm:cxn modelId="{00048166-3630-4D66-B2D3-B6088D68D16B}" type="presOf" srcId="{5A11D033-BC3E-4640-A2C1-AD05E7D144B3}" destId="{49928568-8F5B-4E7A-850B-826709EDF1A6}" srcOrd="0" destOrd="0" presId="urn:microsoft.com/office/officeart/2005/8/layout/default"/>
-    <dgm:cxn modelId="{15033D4B-AB3C-4233-B213-87C410AFA8B0}" type="presOf" srcId="{3A7BE599-3702-49DE-805D-E9576E071472}" destId="{50D98871-BBB8-4D2C-BC53-3652B2992F18}" srcOrd="0" destOrd="0" presId="urn:microsoft.com/office/officeart/2005/8/layout/default"/>
-    <dgm:cxn modelId="{4EEC1C6C-A5B9-4FD7-84B4-4D57BB898550}" type="presOf" srcId="{E6CD36CE-4C20-45FC-A3A4-9D2FBD6DB06E}" destId="{2BD09C1B-05CB-4776-A210-279FC44A8832}" srcOrd="0" destOrd="0" presId="urn:microsoft.com/office/officeart/2005/8/layout/default"/>
-    <dgm:cxn modelId="{1B7F2487-E954-4CBB-846E-B0955067A983}" type="presOf" srcId="{1B6B39B1-EDB1-4F91-8E10-D07262559488}" destId="{54F942B3-EDB1-4BC1-A8BF-59475B1E6909}" srcOrd="0" destOrd="0" presId="urn:microsoft.com/office/officeart/2005/8/layout/default"/>
-    <dgm:cxn modelId="{6929308C-B9FB-4F9D-9525-443EC7024B11}" type="presOf" srcId="{4EF7D893-8AC3-41C5-92C5-B0E0A69EBE04}" destId="{2BC665E8-5800-48AB-BF0D-1D28C2E1D252}" srcOrd="0" destOrd="0" presId="urn:microsoft.com/office/officeart/2005/8/layout/default"/>
+    <dgm:cxn modelId="{00048166-3630-4D66-B2D3-B6088D68D16B}" type="presOf" srcId="{5A11D033-BC3E-4640-A2C1-AD05E7D144B3}" destId="{49928568-8F5B-4E7A-850B-826709EDF1A6}" srcOrd="0" destOrd="0" presId="urn:microsoft.com/office/officeart/2005/8/layout/default#1"/>
+    <dgm:cxn modelId="{15033D4B-AB3C-4233-B213-87C410AFA8B0}" type="presOf" srcId="{3A7BE599-3702-49DE-805D-E9576E071472}" destId="{50D98871-BBB8-4D2C-BC53-3652B2992F18}" srcOrd="0" destOrd="0" presId="urn:microsoft.com/office/officeart/2005/8/layout/default#1"/>
+    <dgm:cxn modelId="{4EEC1C6C-A5B9-4FD7-84B4-4D57BB898550}" type="presOf" srcId="{E6CD36CE-4C20-45FC-A3A4-9D2FBD6DB06E}" destId="{2BD09C1B-05CB-4776-A210-279FC44A8832}" srcOrd="0" destOrd="0" presId="urn:microsoft.com/office/officeart/2005/8/layout/default#1"/>
+    <dgm:cxn modelId="{1B7F2487-E954-4CBB-846E-B0955067A983}" type="presOf" srcId="{1B6B39B1-EDB1-4F91-8E10-D07262559488}" destId="{54F942B3-EDB1-4BC1-A8BF-59475B1E6909}" srcOrd="0" destOrd="0" presId="urn:microsoft.com/office/officeart/2005/8/layout/default#1"/>
+    <dgm:cxn modelId="{6929308C-B9FB-4F9D-9525-443EC7024B11}" type="presOf" srcId="{4EF7D893-8AC3-41C5-92C5-B0E0A69EBE04}" destId="{2BC665E8-5800-48AB-BF0D-1D28C2E1D252}" srcOrd="0" destOrd="0" presId="urn:microsoft.com/office/officeart/2005/8/layout/default#1"/>
     <dgm:cxn modelId="{1AB34F9A-B590-4907-8CB0-53F6D544B3DD}" srcId="{4E7A1681-8836-43A6-9CCE-237699799E09}" destId="{23831BD0-952D-4A3F-906C-B37D9B2FA6F1}" srcOrd="3" destOrd="0" parTransId="{7DD28AEF-94D6-49A8-B684-14E36013F9C6}" sibTransId="{B0184147-FEA2-421C-BC41-5030AB4AC9C9}"/>
-    <dgm:cxn modelId="{45F2D3A1-1DEE-4E63-A7FB-E6D7885FD44B}" type="presOf" srcId="{EA7BA306-FBFA-4EAC-B1DF-7D00C65E398D}" destId="{43404660-E2C2-466F-9915-9B261C6F7A0D}" srcOrd="0" destOrd="0" presId="urn:microsoft.com/office/officeart/2005/8/layout/default"/>
-    <dgm:cxn modelId="{0F9B14A3-8670-44B4-B90E-FE28C39F373B}" type="presOf" srcId="{8EA06F9A-03EC-4F24-8FD6-3D34401747BE}" destId="{2C1B6C4F-AC65-45F6-81D2-9C6F90D1F2F9}" srcOrd="0" destOrd="0" presId="urn:microsoft.com/office/officeart/2005/8/layout/default"/>
-    <dgm:cxn modelId="{3C6D43BD-089E-4B1A-9AA2-4923DD2B355A}" type="presOf" srcId="{23831BD0-952D-4A3F-906C-B37D9B2FA6F1}" destId="{CB2D3144-E880-44B0-BE31-D1CFA39229E9}" srcOrd="0" destOrd="0" presId="urn:microsoft.com/office/officeart/2005/8/layout/default"/>
+    <dgm:cxn modelId="{45F2D3A1-1DEE-4E63-A7FB-E6D7885FD44B}" type="presOf" srcId="{EA7BA306-FBFA-4EAC-B1DF-7D00C65E398D}" destId="{43404660-E2C2-466F-9915-9B261C6F7A0D}" srcOrd="0" destOrd="0" presId="urn:microsoft.com/office/officeart/2005/8/layout/default#1"/>
+    <dgm:cxn modelId="{0F9B14A3-8670-44B4-B90E-FE28C39F373B}" type="presOf" srcId="{8EA06F9A-03EC-4F24-8FD6-3D34401747BE}" destId="{2C1B6C4F-AC65-45F6-81D2-9C6F90D1F2F9}" srcOrd="0" destOrd="0" presId="urn:microsoft.com/office/officeart/2005/8/layout/default#1"/>
+    <dgm:cxn modelId="{3C6D43BD-089E-4B1A-9AA2-4923DD2B355A}" type="presOf" srcId="{23831BD0-952D-4A3F-906C-B37D9B2FA6F1}" destId="{CB2D3144-E880-44B0-BE31-D1CFA39229E9}" srcOrd="0" destOrd="0" presId="urn:microsoft.com/office/officeart/2005/8/layout/default#1"/>
     <dgm:cxn modelId="{F4464AC3-2413-48FE-A8D7-3F175AE938FD}" srcId="{4E7A1681-8836-43A6-9CCE-237699799E09}" destId="{4EF7D893-8AC3-41C5-92C5-B0E0A69EBE04}" srcOrd="9" destOrd="0" parTransId="{E14EA6CD-598C-4807-8FED-B22056AAEE00}" sibTransId="{94AAB888-8D6F-4549-A8E6-2B2B982EC6B9}"/>
     <dgm:cxn modelId="{9ABBB6D2-D04A-4DC1-A808-4F8C0A93AE89}" srcId="{4E7A1681-8836-43A6-9CCE-237699799E09}" destId="{5A11D033-BC3E-4640-A2C1-AD05E7D144B3}" srcOrd="2" destOrd="0" parTransId="{E519D173-19C9-435D-BE68-693F58DF2CA8}" sibTransId="{42F97BD5-4B3D-4A7A-B4BC-F0AF0A80F0AB}"/>
-    <dgm:cxn modelId="{2288B9D6-A0B0-48C1-B0E8-9246ED3F1665}" type="presOf" srcId="{7627CD7B-B2A7-4491-B0A2-77787018B10C}" destId="{733E19DC-44C1-4621-A9C4-32DABF4E077B}" srcOrd="0" destOrd="0" presId="urn:microsoft.com/office/officeart/2005/8/layout/default"/>
-    <dgm:cxn modelId="{A85AB4E3-6B95-4DB2-853D-01AD0023FC6D}" type="presOf" srcId="{A1AFB9E6-E0DF-42F9-813B-26D6F9AD0FFC}" destId="{609F2EFB-75B7-4856-9A04-34E4A15A2C62}" srcOrd="0" destOrd="0" presId="urn:microsoft.com/office/officeart/2005/8/layout/default"/>
+    <dgm:cxn modelId="{2288B9D6-A0B0-48C1-B0E8-9246ED3F1665}" type="presOf" srcId="{7627CD7B-B2A7-4491-B0A2-77787018B10C}" destId="{733E19DC-44C1-4621-A9C4-32DABF4E077B}" srcOrd="0" destOrd="0" presId="urn:microsoft.com/office/officeart/2005/8/layout/default#1"/>
+    <dgm:cxn modelId="{A85AB4E3-6B95-4DB2-853D-01AD0023FC6D}" type="presOf" srcId="{A1AFB9E6-E0DF-42F9-813B-26D6F9AD0FFC}" destId="{609F2EFB-75B7-4856-9A04-34E4A15A2C62}" srcOrd="0" destOrd="0" presId="urn:microsoft.com/office/officeart/2005/8/layout/default#1"/>
     <dgm:cxn modelId="{B2055BE4-3BCF-478C-BC4C-41093EBADF4F}" srcId="{4E7A1681-8836-43A6-9CCE-237699799E09}" destId="{1B6B39B1-EDB1-4F91-8E10-D07262559488}" srcOrd="1" destOrd="0" parTransId="{8FBB4E63-2DC5-47C1-AFAD-823D1A2778E9}" sibTransId="{67D42389-9562-4DB5-AD99-6D234FF7E16F}"/>
     <dgm:cxn modelId="{B25315EF-376C-47A3-860E-DFFAEE901F37}" srcId="{4E7A1681-8836-43A6-9CCE-237699799E09}" destId="{3A7BE599-3702-49DE-805D-E9576E071472}" srcOrd="5" destOrd="0" parTransId="{06109FAD-2C9F-42CA-BBB1-C77E8BE4B161}" sibTransId="{97E03080-FD34-4671-9223-73F45E3FD23E}"/>
     <dgm:cxn modelId="{E09B9AF6-0F32-4D02-BC74-4B88798579E8}" srcId="{4E7A1681-8836-43A6-9CCE-237699799E09}" destId="{7627CD7B-B2A7-4491-B0A2-77787018B10C}" srcOrd="8" destOrd="0" parTransId="{2EFD16D0-4679-48AD-908C-6334D66724B8}" sibTransId="{7316744C-6994-4EDB-9A88-729163D2073C}"/>
-    <dgm:cxn modelId="{CE0251CE-0CD5-4F9E-8F6F-0C75D34AC772}" type="presParOf" srcId="{EF8B2D43-8E1C-43BF-A4A4-D02880E75B2A}" destId="{43404660-E2C2-466F-9915-9B261C6F7A0D}" srcOrd="0" destOrd="0" presId="urn:microsoft.com/office/officeart/2005/8/layout/default"/>
-    <dgm:cxn modelId="{6D94447A-15F1-47D2-8705-993D98E76BC2}" type="presParOf" srcId="{EF8B2D43-8E1C-43BF-A4A4-D02880E75B2A}" destId="{8A72CDAA-E633-4E3C-AD85-CB83E0D63AC3}" srcOrd="1" destOrd="0" presId="urn:microsoft.com/office/officeart/2005/8/layout/default"/>
-    <dgm:cxn modelId="{8697DE87-ACB3-43B7-8441-D1517D87C4CF}" type="presParOf" srcId="{EF8B2D43-8E1C-43BF-A4A4-D02880E75B2A}" destId="{54F942B3-EDB1-4BC1-A8BF-59475B1E6909}" srcOrd="2" destOrd="0" presId="urn:microsoft.com/office/officeart/2005/8/layout/default"/>
-    <dgm:cxn modelId="{CBCA54DE-3AE3-4A96-AC31-ACEA0C3005D2}" type="presParOf" srcId="{EF8B2D43-8E1C-43BF-A4A4-D02880E75B2A}" destId="{DB8001A9-6DC5-49F2-B0C1-8E3E5C4492C7}" srcOrd="3" destOrd="0" presId="urn:microsoft.com/office/officeart/2005/8/layout/default"/>
-    <dgm:cxn modelId="{7FD6B49C-3487-46C4-8593-8C5B900ADDCE}" type="presParOf" srcId="{EF8B2D43-8E1C-43BF-A4A4-D02880E75B2A}" destId="{49928568-8F5B-4E7A-850B-826709EDF1A6}" srcOrd="4" destOrd="0" presId="urn:microsoft.com/office/officeart/2005/8/layout/default"/>
-    <dgm:cxn modelId="{E2D56168-F481-4F68-9F67-0502FCF7BA46}" type="presParOf" srcId="{EF8B2D43-8E1C-43BF-A4A4-D02880E75B2A}" destId="{4FC1627E-E76F-40AF-A1B5-B443947A3562}" srcOrd="5" destOrd="0" presId="urn:microsoft.com/office/officeart/2005/8/layout/default"/>
-    <dgm:cxn modelId="{E24EA5F1-C8D8-44EF-A4DF-B2401E5739AD}" type="presParOf" srcId="{EF8B2D43-8E1C-43BF-A4A4-D02880E75B2A}" destId="{CB2D3144-E880-44B0-BE31-D1CFA39229E9}" srcOrd="6" destOrd="0" presId="urn:microsoft.com/office/officeart/2005/8/layout/default"/>
-    <dgm:cxn modelId="{6BB90DAE-5BA6-4C4E-A182-A5E0432BC667}" type="presParOf" srcId="{EF8B2D43-8E1C-43BF-A4A4-D02880E75B2A}" destId="{7A88BFAE-07C1-41D3-B6EC-2B85E5575FE1}" srcOrd="7" destOrd="0" presId="urn:microsoft.com/office/officeart/2005/8/layout/default"/>
-    <dgm:cxn modelId="{4CDBC8C2-205F-4239-9EBC-8A2300871C08}" type="presParOf" srcId="{EF8B2D43-8E1C-43BF-A4A4-D02880E75B2A}" destId="{2C1B6C4F-AC65-45F6-81D2-9C6F90D1F2F9}" srcOrd="8" destOrd="0" presId="urn:microsoft.com/office/officeart/2005/8/layout/default"/>
-    <dgm:cxn modelId="{DA03D806-67DD-4CF0-9A3C-49D181291650}" type="presParOf" srcId="{EF8B2D43-8E1C-43BF-A4A4-D02880E75B2A}" destId="{9A73CC63-3A2D-4AE3-8451-EE3E60751F65}" srcOrd="9" destOrd="0" presId="urn:microsoft.com/office/officeart/2005/8/layout/default"/>
-    <dgm:cxn modelId="{0AA5295F-6F68-4A0E-B660-C27B78764680}" type="presParOf" srcId="{EF8B2D43-8E1C-43BF-A4A4-D02880E75B2A}" destId="{50D98871-BBB8-4D2C-BC53-3652B2992F18}" srcOrd="10" destOrd="0" presId="urn:microsoft.com/office/officeart/2005/8/layout/default"/>
-    <dgm:cxn modelId="{230657E0-8DE2-43FB-B47B-407C0C69F3F8}" type="presParOf" srcId="{EF8B2D43-8E1C-43BF-A4A4-D02880E75B2A}" destId="{D5C3B451-CA7C-4FA8-BCB3-F080EDC3F749}" srcOrd="11" destOrd="0" presId="urn:microsoft.com/office/officeart/2005/8/layout/default"/>
-    <dgm:cxn modelId="{D25F9A62-61AA-4E4A-B4A4-9BE9998B359D}" type="presParOf" srcId="{EF8B2D43-8E1C-43BF-A4A4-D02880E75B2A}" destId="{609F2EFB-75B7-4856-9A04-34E4A15A2C62}" srcOrd="12" destOrd="0" presId="urn:microsoft.com/office/officeart/2005/8/layout/default"/>
-    <dgm:cxn modelId="{F8CC238D-9048-4DA9-97E6-7896774D2B9E}" type="presParOf" srcId="{EF8B2D43-8E1C-43BF-A4A4-D02880E75B2A}" destId="{30299820-6E92-4ED7-89DF-C71C21722C9F}" srcOrd="13" destOrd="0" presId="urn:microsoft.com/office/officeart/2005/8/layout/default"/>
-    <dgm:cxn modelId="{3C5E3AC0-AAF3-4349-845B-8243E8D6F069}" type="presParOf" srcId="{EF8B2D43-8E1C-43BF-A4A4-D02880E75B2A}" destId="{2BD09C1B-05CB-4776-A210-279FC44A8832}" srcOrd="14" destOrd="0" presId="urn:microsoft.com/office/officeart/2005/8/layout/default"/>
-    <dgm:cxn modelId="{3706690F-55DB-4FB1-87A7-809618DA1794}" type="presParOf" srcId="{EF8B2D43-8E1C-43BF-A4A4-D02880E75B2A}" destId="{A818C95E-4453-4909-B2C4-519BCC4DD79E}" srcOrd="15" destOrd="0" presId="urn:microsoft.com/office/officeart/2005/8/layout/default"/>
-    <dgm:cxn modelId="{8596FA2B-1FC1-47EB-B824-E943D8854B22}" type="presParOf" srcId="{EF8B2D43-8E1C-43BF-A4A4-D02880E75B2A}" destId="{733E19DC-44C1-4621-A9C4-32DABF4E077B}" srcOrd="16" destOrd="0" presId="urn:microsoft.com/office/officeart/2005/8/layout/default"/>
-    <dgm:cxn modelId="{6A30A612-8603-4A06-8139-DEBBE0D483DE}" type="presParOf" srcId="{EF8B2D43-8E1C-43BF-A4A4-D02880E75B2A}" destId="{F48510CC-12A6-4A23-936D-3E2A7E937D58}" srcOrd="17" destOrd="0" presId="urn:microsoft.com/office/officeart/2005/8/layout/default"/>
-    <dgm:cxn modelId="{A25683C0-8631-45DF-BA92-132BE62BCC58}" type="presParOf" srcId="{EF8B2D43-8E1C-43BF-A4A4-D02880E75B2A}" destId="{2BC665E8-5800-48AB-BF0D-1D28C2E1D252}" srcOrd="18" destOrd="0" presId="urn:microsoft.com/office/officeart/2005/8/layout/default"/>
+    <dgm:cxn modelId="{CE0251CE-0CD5-4F9E-8F6F-0C75D34AC772}" type="presParOf" srcId="{EF8B2D43-8E1C-43BF-A4A4-D02880E75B2A}" destId="{43404660-E2C2-466F-9915-9B261C6F7A0D}" srcOrd="0" destOrd="0" presId="urn:microsoft.com/office/officeart/2005/8/layout/default#1"/>
+    <dgm:cxn modelId="{6D94447A-15F1-47D2-8705-993D98E76BC2}" type="presParOf" srcId="{EF8B2D43-8E1C-43BF-A4A4-D02880E75B2A}" destId="{8A72CDAA-E633-4E3C-AD85-CB83E0D63AC3}" srcOrd="1" destOrd="0" presId="urn:microsoft.com/office/officeart/2005/8/layout/default#1"/>
+    <dgm:cxn modelId="{8697DE87-ACB3-43B7-8441-D1517D87C4CF}" type="presParOf" srcId="{EF8B2D43-8E1C-43BF-A4A4-D02880E75B2A}" destId="{54F942B3-EDB1-4BC1-A8BF-59475B1E6909}" srcOrd="2" destOrd="0" presId="urn:microsoft.com/office/officeart/2005/8/layout/default#1"/>
+    <dgm:cxn modelId="{CBCA54DE-3AE3-4A96-AC31-ACEA0C3005D2}" type="presParOf" srcId="{EF8B2D43-8E1C-43BF-A4A4-D02880E75B2A}" destId="{DB8001A9-6DC5-49F2-B0C1-8E3E5C4492C7}" srcOrd="3" destOrd="0" presId="urn:microsoft.com/office/officeart/2005/8/layout/default#1"/>
+    <dgm:cxn modelId="{7FD6B49C-3487-46C4-8593-8C5B900ADDCE}" type="presParOf" srcId="{EF8B2D43-8E1C-43BF-A4A4-D02880E75B2A}" destId="{49928568-8F5B-4E7A-850B-826709EDF1A6}" srcOrd="4" destOrd="0" presId="urn:microsoft.com/office/officeart/2005/8/layout/default#1"/>
+    <dgm:cxn modelId="{E2D56168-F481-4F68-9F67-0502FCF7BA46}" type="presParOf" srcId="{EF8B2D43-8E1C-43BF-A4A4-D02880E75B2A}" destId="{4FC1627E-E76F-40AF-A1B5-B443947A3562}" srcOrd="5" destOrd="0" presId="urn:microsoft.com/office/officeart/2005/8/layout/default#1"/>
+    <dgm:cxn modelId="{E24EA5F1-C8D8-44EF-A4DF-B2401E5739AD}" type="presParOf" srcId="{EF8B2D43-8E1C-43BF-A4A4-D02880E75B2A}" destId="{CB2D3144-E880-44B0-BE31-D1CFA39229E9}" srcOrd="6" destOrd="0" presId="urn:microsoft.com/office/officeart/2005/8/layout/default#1"/>
+    <dgm:cxn modelId="{6BB90DAE-5BA6-4C4E-A182-A5E0432BC667}" type="presParOf" srcId="{EF8B2D43-8E1C-43BF-A4A4-D02880E75B2A}" destId="{7A88BFAE-07C1-41D3-B6EC-2B85E5575FE1}" srcOrd="7" destOrd="0" presId="urn:microsoft.com/office/officeart/2005/8/layout/default#1"/>
+    <dgm:cxn modelId="{4CDBC8C2-205F-4239-9EBC-8A2300871C08}" type="presParOf" srcId="{EF8B2D43-8E1C-43BF-A4A4-D02880E75B2A}" destId="{2C1B6C4F-AC65-45F6-81D2-9C6F90D1F2F9}" srcOrd="8" destOrd="0" presId="urn:microsoft.com/office/officeart/2005/8/layout/default#1"/>
+    <dgm:cxn modelId="{DA03D806-67DD-4CF0-9A3C-49D181291650}" type="presParOf" srcId="{EF8B2D43-8E1C-43BF-A4A4-D02880E75B2A}" destId="{9A73CC63-3A2D-4AE3-8451-EE3E60751F65}" srcOrd="9" destOrd="0" presId="urn:microsoft.com/office/officeart/2005/8/layout/default#1"/>
+    <dgm:cxn modelId="{0AA5295F-6F68-4A0E-B660-C27B78764680}" type="presParOf" srcId="{EF8B2D43-8E1C-43BF-A4A4-D02880E75B2A}" destId="{50D98871-BBB8-4D2C-BC53-3652B2992F18}" srcOrd="10" destOrd="0" presId="urn:microsoft.com/office/officeart/2005/8/layout/default#1"/>
+    <dgm:cxn modelId="{230657E0-8DE2-43FB-B47B-407C0C69F3F8}" type="presParOf" srcId="{EF8B2D43-8E1C-43BF-A4A4-D02880E75B2A}" destId="{D5C3B451-CA7C-4FA8-BCB3-F080EDC3F749}" srcOrd="11" destOrd="0" presId="urn:microsoft.com/office/officeart/2005/8/layout/default#1"/>
+    <dgm:cxn modelId="{D25F9A62-61AA-4E4A-B4A4-9BE9998B359D}" type="presParOf" srcId="{EF8B2D43-8E1C-43BF-A4A4-D02880E75B2A}" destId="{609F2EFB-75B7-4856-9A04-34E4A15A2C62}" srcOrd="12" destOrd="0" presId="urn:microsoft.com/office/officeart/2005/8/layout/default#1"/>
+    <dgm:cxn modelId="{F8CC238D-9048-4DA9-97E6-7896774D2B9E}" type="presParOf" srcId="{EF8B2D43-8E1C-43BF-A4A4-D02880E75B2A}" destId="{30299820-6E92-4ED7-89DF-C71C21722C9F}" srcOrd="13" destOrd="0" presId="urn:microsoft.com/office/officeart/2005/8/layout/default#1"/>
+    <dgm:cxn modelId="{3C5E3AC0-AAF3-4349-845B-8243E8D6F069}" type="presParOf" srcId="{EF8B2D43-8E1C-43BF-A4A4-D02880E75B2A}" destId="{2BD09C1B-05CB-4776-A210-279FC44A8832}" srcOrd="14" destOrd="0" presId="urn:microsoft.com/office/officeart/2005/8/layout/default#1"/>
+    <dgm:cxn modelId="{3706690F-55DB-4FB1-87A7-809618DA1794}" type="presParOf" srcId="{EF8B2D43-8E1C-43BF-A4A4-D02880E75B2A}" destId="{A818C95E-4453-4909-B2C4-519BCC4DD79E}" srcOrd="15" destOrd="0" presId="urn:microsoft.com/office/officeart/2005/8/layout/default#1"/>
+    <dgm:cxn modelId="{8596FA2B-1FC1-47EB-B824-E943D8854B22}" type="presParOf" srcId="{EF8B2D43-8E1C-43BF-A4A4-D02880E75B2A}" destId="{733E19DC-44C1-4621-A9C4-32DABF4E077B}" srcOrd="16" destOrd="0" presId="urn:microsoft.com/office/officeart/2005/8/layout/default#1"/>
+    <dgm:cxn modelId="{6A30A612-8603-4A06-8139-DEBBE0D483DE}" type="presParOf" srcId="{EF8B2D43-8E1C-43BF-A4A4-D02880E75B2A}" destId="{F48510CC-12A6-4A23-936D-3E2A7E937D58}" srcOrd="17" destOrd="0" presId="urn:microsoft.com/office/officeart/2005/8/layout/default#1"/>
+    <dgm:cxn modelId="{A25683C0-8631-45DF-BA92-132BE62BCC58}" type="presParOf" srcId="{EF8B2D43-8E1C-43BF-A4A4-D02880E75B2A}" destId="{2BC665E8-5800-48AB-BF0D-1D28C2E1D252}" srcOrd="18" destOrd="0" presId="urn:microsoft.com/office/officeart/2005/8/layout/default#1"/>
   </dgm:cxnLst>
   <dgm:bg/>
   <dgm:whole/>
   <dgm:extLst>
     <a:ext uri="http://schemas.microsoft.com/office/drawing/2008/diagram">
-      <dsp:dataModelExt xmlns:dsp="http://schemas.microsoft.com/office/drawing/2008/diagram" relId="rId5" minVer="http://schemas.openxmlformats.org/drawingml/2006/diagram"/>
+      <dsp:dataModelExt xmlns:dsp="http://schemas.microsoft.com/office/drawing/2008/diagram" relId="rId6" minVer="http://schemas.openxmlformats.org/drawingml/2006/diagram"/>
     </a:ext>
   </dgm:extLst>
 </dgm:dataModel>
@@ -9490,7 +9499,7 @@
 <dgm:dataModel xmlns:dgm="http://schemas.openxmlformats.org/drawingml/2006/diagram" xmlns:a="http://schemas.openxmlformats.org/drawingml/2006/main">
   <dgm:ptLst>
     <dgm:pt modelId="{A99BEBC9-C7C6-477E-9F15-A7D72F4A4EBB}" type="doc">
-      <dgm:prSet loTypeId="urn:microsoft.com/office/officeart/2005/8/layout/lProcess2" loCatId="relationship" qsTypeId="urn:microsoft.com/office/officeart/2005/8/quickstyle/simple1" qsCatId="simple" csTypeId="urn:microsoft.com/office/officeart/2005/8/colors/accent0_1" csCatId="mainScheme" phldr="1"/>
+      <dgm:prSet loTypeId="urn:microsoft.com/office/officeart/2005/8/layout/lProcess2" loCatId="relationship" qsTypeId="urn:microsoft.com/office/officeart/2005/8/quickstyle/simple1#5" qsCatId="simple" csTypeId="urn:microsoft.com/office/officeart/2005/8/colors/accent0_1#4" csCatId="mainScheme" phldr="1"/>
       <dgm:spPr/>
       <dgm:t>
         <a:bodyPr/>
@@ -9514,7 +9523,7 @@
         </a:p>
       </dgm:t>
     </dgm:pt>
-    <dgm:pt modelId="{D8851C86-EEFB-4937-941F-B004FE296BE6}" cxnId="{40B04B93-1E7F-41A7-87FB-DC41674B1CEB}" type="parTrans">
+    <dgm:pt modelId="{D8851C86-EEFB-4937-941F-B004FE296BE6}" type="parTrans" cxnId="{40B04B93-1E7F-41A7-87FB-DC41674B1CEB}">
       <dgm:prSet/>
       <dgm:spPr/>
       <dgm:t>
@@ -9525,7 +9534,7 @@
         </a:p>
       </dgm:t>
     </dgm:pt>
-    <dgm:pt modelId="{1790C3F7-D861-457C-9FA5-FD558C45E8A4}" cxnId="{40B04B93-1E7F-41A7-87FB-DC41674B1CEB}" type="sibTrans">
+    <dgm:pt modelId="{1790C3F7-D861-457C-9FA5-FD558C45E8A4}" type="sibTrans" cxnId="{40B04B93-1E7F-41A7-87FB-DC41674B1CEB}">
       <dgm:prSet/>
       <dgm:spPr/>
       <dgm:t>
@@ -9550,7 +9559,7 @@
         </a:p>
       </dgm:t>
     </dgm:pt>
-    <dgm:pt modelId="{7EC9768B-5268-47C4-AA9D-2AEC4E87DA33}" cxnId="{2BE31CCA-0F48-41E7-A0A6-F85D52546D40}" type="parTrans">
+    <dgm:pt modelId="{7EC9768B-5268-47C4-AA9D-2AEC4E87DA33}" type="parTrans" cxnId="{2BE31CCA-0F48-41E7-A0A6-F85D52546D40}">
       <dgm:prSet/>
       <dgm:spPr/>
       <dgm:t>
@@ -9561,7 +9570,7 @@
         </a:p>
       </dgm:t>
     </dgm:pt>
-    <dgm:pt modelId="{2E399C13-FFB8-4046-A7DF-4458940636A1}" cxnId="{2BE31CCA-0F48-41E7-A0A6-F85D52546D40}" type="sibTrans">
+    <dgm:pt modelId="{2E399C13-FFB8-4046-A7DF-4458940636A1}" type="sibTrans" cxnId="{2BE31CCA-0F48-41E7-A0A6-F85D52546D40}">
       <dgm:prSet/>
       <dgm:spPr/>
       <dgm:t>
@@ -9586,7 +9595,7 @@
         </a:p>
       </dgm:t>
     </dgm:pt>
-    <dgm:pt modelId="{B2081EB7-5343-4556-A1CB-A65AFC676D2F}" cxnId="{9E59FA31-0212-4431-92C9-9BD3F93EEF95}" type="parTrans">
+    <dgm:pt modelId="{B2081EB7-5343-4556-A1CB-A65AFC676D2F}" type="parTrans" cxnId="{9E59FA31-0212-4431-92C9-9BD3F93EEF95}">
       <dgm:prSet/>
       <dgm:spPr/>
       <dgm:t>
@@ -9597,7 +9606,7 @@
         </a:p>
       </dgm:t>
     </dgm:pt>
-    <dgm:pt modelId="{CAEBEE06-22EE-4740-898C-B6B543FB6CF3}" cxnId="{9E59FA31-0212-4431-92C9-9BD3F93EEF95}" type="sibTrans">
+    <dgm:pt modelId="{CAEBEE06-22EE-4740-898C-B6B543FB6CF3}" type="sibTrans" cxnId="{9E59FA31-0212-4431-92C9-9BD3F93EEF95}">
       <dgm:prSet/>
       <dgm:spPr/>
       <dgm:t>
@@ -9622,7 +9631,7 @@
         </a:p>
       </dgm:t>
     </dgm:pt>
-    <dgm:pt modelId="{C55BE867-C92F-438F-896D-847ECAE51693}" cxnId="{5B1FD016-670D-4627-B423-233E865413D7}" type="parTrans">
+    <dgm:pt modelId="{C55BE867-C92F-438F-896D-847ECAE51693}" type="parTrans" cxnId="{5B1FD016-670D-4627-B423-233E865413D7}">
       <dgm:prSet/>
       <dgm:spPr/>
       <dgm:t>
@@ -9633,7 +9642,7 @@
         </a:p>
       </dgm:t>
     </dgm:pt>
-    <dgm:pt modelId="{E1DDE469-C4EF-4CC1-9D48-5D999EAC4005}" cxnId="{5B1FD016-670D-4627-B423-233E865413D7}" type="sibTrans">
+    <dgm:pt modelId="{E1DDE469-C4EF-4CC1-9D48-5D999EAC4005}" type="sibTrans" cxnId="{5B1FD016-670D-4627-B423-233E865413D7}">
       <dgm:prSet/>
       <dgm:spPr/>
       <dgm:t>
@@ -9658,7 +9667,7 @@
         </a:p>
       </dgm:t>
     </dgm:pt>
-    <dgm:pt modelId="{26479082-4C52-42FA-A5FD-F1474D076EEC}" cxnId="{0498A5FF-D2D6-4406-A249-EA17C8D28404}" type="parTrans">
+    <dgm:pt modelId="{26479082-4C52-42FA-A5FD-F1474D076EEC}" type="parTrans" cxnId="{0498A5FF-D2D6-4406-A249-EA17C8D28404}">
       <dgm:prSet/>
       <dgm:spPr/>
       <dgm:t>
@@ -9669,7 +9678,7 @@
         </a:p>
       </dgm:t>
     </dgm:pt>
-    <dgm:pt modelId="{A0C4D631-684C-42E6-A7F8-C44506959A98}" cxnId="{0498A5FF-D2D6-4406-A249-EA17C8D28404}" type="sibTrans">
+    <dgm:pt modelId="{A0C4D631-684C-42E6-A7F8-C44506959A98}" type="sibTrans" cxnId="{0498A5FF-D2D6-4406-A249-EA17C8D28404}">
       <dgm:prSet/>
       <dgm:spPr/>
       <dgm:t>
@@ -9694,7 +9703,7 @@
         </a:p>
       </dgm:t>
     </dgm:pt>
-    <dgm:pt modelId="{8FB78FA4-FD64-4824-A364-E952188807E2}" cxnId="{CF6F9184-A1A9-47B2-99A4-48D68011E89E}" type="parTrans">
+    <dgm:pt modelId="{8FB78FA4-FD64-4824-A364-E952188807E2}" type="parTrans" cxnId="{CF6F9184-A1A9-47B2-99A4-48D68011E89E}">
       <dgm:prSet/>
       <dgm:spPr/>
       <dgm:t>
@@ -9705,7 +9714,7 @@
         </a:p>
       </dgm:t>
     </dgm:pt>
-    <dgm:pt modelId="{B831CB94-73F0-40AF-AE51-248363D43113}" cxnId="{CF6F9184-A1A9-47B2-99A4-48D68011E89E}" type="sibTrans">
+    <dgm:pt modelId="{B831CB94-73F0-40AF-AE51-248363D43113}" type="sibTrans" cxnId="{CF6F9184-A1A9-47B2-99A4-48D68011E89E}">
       <dgm:prSet/>
       <dgm:spPr/>
       <dgm:t>
@@ -9730,7 +9739,7 @@
         </a:p>
       </dgm:t>
     </dgm:pt>
-    <dgm:pt modelId="{03B63136-F081-4F0E-A182-8E6B6B924BA7}" cxnId="{269A3A3D-BE53-45B5-8062-539F1A18BC89}" type="parTrans">
+    <dgm:pt modelId="{03B63136-F081-4F0E-A182-8E6B6B924BA7}" type="parTrans" cxnId="{269A3A3D-BE53-45B5-8062-539F1A18BC89}">
       <dgm:prSet/>
       <dgm:spPr/>
       <dgm:t>
@@ -9741,7 +9750,7 @@
         </a:p>
       </dgm:t>
     </dgm:pt>
-    <dgm:pt modelId="{0DA3477E-3927-45E5-ACF6-FA0E2AE527FB}" cxnId="{269A3A3D-BE53-45B5-8062-539F1A18BC89}" type="sibTrans">
+    <dgm:pt modelId="{0DA3477E-3927-45E5-ACF6-FA0E2AE527FB}" type="sibTrans" cxnId="{269A3A3D-BE53-45B5-8062-539F1A18BC89}">
       <dgm:prSet/>
       <dgm:spPr/>
       <dgm:t>
@@ -9766,7 +9775,7 @@
         </a:p>
       </dgm:t>
     </dgm:pt>
-    <dgm:pt modelId="{C8713C7E-18BD-4C83-8263-B42C582B2D26}" cxnId="{A5DEC8FE-497F-49F0-BB80-5BD7437D3EC9}" type="parTrans">
+    <dgm:pt modelId="{C8713C7E-18BD-4C83-8263-B42C582B2D26}" type="parTrans" cxnId="{A5DEC8FE-497F-49F0-BB80-5BD7437D3EC9}">
       <dgm:prSet/>
       <dgm:spPr/>
       <dgm:t>
@@ -9777,7 +9786,7 @@
         </a:p>
       </dgm:t>
     </dgm:pt>
-    <dgm:pt modelId="{2E35CAA3-7A56-4185-B70A-11192AE21E6B}" cxnId="{A5DEC8FE-497F-49F0-BB80-5BD7437D3EC9}" type="sibTrans">
+    <dgm:pt modelId="{2E35CAA3-7A56-4185-B70A-11192AE21E6B}" type="sibTrans" cxnId="{A5DEC8FE-497F-49F0-BB80-5BD7437D3EC9}">
       <dgm:prSet/>
       <dgm:spPr/>
       <dgm:t>
@@ -9802,7 +9811,7 @@
         </a:p>
       </dgm:t>
     </dgm:pt>
-    <dgm:pt modelId="{862B68F4-53F3-4F49-8B03-DD250D2786D2}" cxnId="{D8CB4604-EFB1-465E-B4FA-563EC39D9796}" type="parTrans">
+    <dgm:pt modelId="{862B68F4-53F3-4F49-8B03-DD250D2786D2}" type="parTrans" cxnId="{D8CB4604-EFB1-465E-B4FA-563EC39D9796}">
       <dgm:prSet/>
       <dgm:spPr/>
       <dgm:t>
@@ -9813,7 +9822,7 @@
         </a:p>
       </dgm:t>
     </dgm:pt>
-    <dgm:pt modelId="{954AAFE2-3EE9-465E-8079-9F12BD0130FF}" cxnId="{D8CB4604-EFB1-465E-B4FA-563EC39D9796}" type="sibTrans">
+    <dgm:pt modelId="{954AAFE2-3EE9-465E-8079-9F12BD0130FF}" type="sibTrans" cxnId="{D8CB4604-EFB1-465E-B4FA-563EC39D9796}">
       <dgm:prSet/>
       <dgm:spPr/>
       <dgm:t>
@@ -9838,7 +9847,7 @@
         </a:p>
       </dgm:t>
     </dgm:pt>
-    <dgm:pt modelId="{E3CD5D92-5179-434A-905B-9DB2D9879C73}" cxnId="{DA403B29-84CD-4ACD-AEA9-84AF8953068E}" type="parTrans">
+    <dgm:pt modelId="{E3CD5D92-5179-434A-905B-9DB2D9879C73}" type="parTrans" cxnId="{DA403B29-84CD-4ACD-AEA9-84AF8953068E}">
       <dgm:prSet/>
       <dgm:spPr/>
       <dgm:t>
@@ -9849,7 +9858,7 @@
         </a:p>
       </dgm:t>
     </dgm:pt>
-    <dgm:pt modelId="{877A57F0-69D6-43E9-9925-EAC7CDE151A1}" cxnId="{DA403B29-84CD-4ACD-AEA9-84AF8953068E}" type="sibTrans">
+    <dgm:pt modelId="{877A57F0-69D6-43E9-9925-EAC7CDE151A1}" type="sibTrans" cxnId="{DA403B29-84CD-4ACD-AEA9-84AF8953068E}">
       <dgm:prSet/>
       <dgm:spPr/>
       <dgm:t>
@@ -9874,7 +9883,7 @@
         </a:p>
       </dgm:t>
     </dgm:pt>
-    <dgm:pt modelId="{75F6DC2D-478E-4F4A-8E36-224F131D7CFD}" cxnId="{CEA20217-B623-4F41-BAA3-6E85995B72CD}" type="parTrans">
+    <dgm:pt modelId="{75F6DC2D-478E-4F4A-8E36-224F131D7CFD}" type="parTrans" cxnId="{CEA20217-B623-4F41-BAA3-6E85995B72CD}">
       <dgm:prSet/>
       <dgm:spPr/>
       <dgm:t>
@@ -9885,7 +9894,7 @@
         </a:p>
       </dgm:t>
     </dgm:pt>
-    <dgm:pt modelId="{72ECFB70-3C58-4CD5-A728-AA61BF84569F}" cxnId="{CEA20217-B623-4F41-BAA3-6E85995B72CD}" type="sibTrans">
+    <dgm:pt modelId="{72ECFB70-3C58-4CD5-A728-AA61BF84569F}" type="sibTrans" cxnId="{CEA20217-B623-4F41-BAA3-6E85995B72CD}">
       <dgm:prSet/>
       <dgm:spPr/>
       <dgm:t>
@@ -9910,7 +9919,7 @@
         </a:p>
       </dgm:t>
     </dgm:pt>
-    <dgm:pt modelId="{90039A00-A4C2-4F75-9952-AC5D68EE353E}" cxnId="{DE78B1BF-CC75-4D4E-BBAE-7FDF6E8C539C}" type="parTrans">
+    <dgm:pt modelId="{90039A00-A4C2-4F75-9952-AC5D68EE353E}" type="parTrans" cxnId="{DE78B1BF-CC75-4D4E-BBAE-7FDF6E8C539C}">
       <dgm:prSet/>
       <dgm:spPr/>
       <dgm:t>
@@ -9921,7 +9930,7 @@
         </a:p>
       </dgm:t>
     </dgm:pt>
-    <dgm:pt modelId="{73F9C908-948D-48E5-A16F-2976312AA848}" cxnId="{DE78B1BF-CC75-4D4E-BBAE-7FDF6E8C539C}" type="sibTrans">
+    <dgm:pt modelId="{73F9C908-948D-48E5-A16F-2976312AA848}" type="sibTrans" cxnId="{DE78B1BF-CC75-4D4E-BBAE-7FDF6E8C539C}">
       <dgm:prSet/>
       <dgm:spPr/>
       <dgm:t>
@@ -9946,7 +9955,7 @@
         </a:p>
       </dgm:t>
     </dgm:pt>
-    <dgm:pt modelId="{9D13973D-01BA-4311-88C0-1942AE0B18E1}" cxnId="{1911953A-9A96-49C3-BBA8-05EFECB71071}" type="parTrans">
+    <dgm:pt modelId="{9D13973D-01BA-4311-88C0-1942AE0B18E1}" type="parTrans" cxnId="{1911953A-9A96-49C3-BBA8-05EFECB71071}">
       <dgm:prSet/>
       <dgm:spPr/>
       <dgm:t>
@@ -9957,7 +9966,7 @@
         </a:p>
       </dgm:t>
     </dgm:pt>
-    <dgm:pt modelId="{0EB9F2AD-0560-4AEA-8132-93902E37F1BE}" cxnId="{1911953A-9A96-49C3-BBA8-05EFECB71071}" type="sibTrans">
+    <dgm:pt modelId="{0EB9F2AD-0560-4AEA-8132-93902E37F1BE}" type="sibTrans" cxnId="{1911953A-9A96-49C3-BBA8-05EFECB71071}">
       <dgm:prSet/>
       <dgm:spPr/>
       <dgm:t>
@@ -9982,7 +9991,7 @@
         </a:p>
       </dgm:t>
     </dgm:pt>
-    <dgm:pt modelId="{36240308-C66F-408D-8DE2-0D8813EB2E7D}" cxnId="{758FD87C-EDE7-49B7-A4A9-80308E8AF30F}" type="parTrans">
+    <dgm:pt modelId="{36240308-C66F-408D-8DE2-0D8813EB2E7D}" type="parTrans" cxnId="{758FD87C-EDE7-49B7-A4A9-80308E8AF30F}">
       <dgm:prSet/>
       <dgm:spPr/>
       <dgm:t>
@@ -9993,7 +10002,7 @@
         </a:p>
       </dgm:t>
     </dgm:pt>
-    <dgm:pt modelId="{A7CDF602-AA6D-47BC-BF21-F91ED3F337A7}" cxnId="{758FD87C-EDE7-49B7-A4A9-80308E8AF30F}" type="sibTrans">
+    <dgm:pt modelId="{A7CDF602-AA6D-47BC-BF21-F91ED3F337A7}" type="sibTrans" cxnId="{758FD87C-EDE7-49B7-A4A9-80308E8AF30F}">
       <dgm:prSet/>
       <dgm:spPr/>
       <dgm:t>
@@ -10018,7 +10027,7 @@
         </a:p>
       </dgm:t>
     </dgm:pt>
-    <dgm:pt modelId="{C29EC997-1DE1-459F-A94A-2073FC9B3ACF}" cxnId="{42810C6B-F677-40DD-8070-175635F84AA8}" type="parTrans">
+    <dgm:pt modelId="{C29EC997-1DE1-459F-A94A-2073FC9B3ACF}" type="parTrans" cxnId="{42810C6B-F677-40DD-8070-175635F84AA8}">
       <dgm:prSet/>
       <dgm:spPr/>
       <dgm:t>
@@ -10029,7 +10038,7 @@
         </a:p>
       </dgm:t>
     </dgm:pt>
-    <dgm:pt modelId="{BAACF4E6-5528-4508-9FB7-DA1F03BED706}" cxnId="{42810C6B-F677-40DD-8070-175635F84AA8}" type="sibTrans">
+    <dgm:pt modelId="{BAACF4E6-5528-4508-9FB7-DA1F03BED706}" type="sibTrans" cxnId="{42810C6B-F677-40DD-8070-175635F84AA8}">
       <dgm:prSet/>
       <dgm:spPr/>
       <dgm:t>
@@ -10054,7 +10063,7 @@
         </a:p>
       </dgm:t>
     </dgm:pt>
-    <dgm:pt modelId="{9DC25964-78B8-4131-9147-B4A3910FEF3A}" cxnId="{DEB2A77A-3C34-45B8-A220-FA1F60E466FA}" type="parTrans">
+    <dgm:pt modelId="{9DC25964-78B8-4131-9147-B4A3910FEF3A}" type="parTrans" cxnId="{DEB2A77A-3C34-45B8-A220-FA1F60E466FA}">
       <dgm:prSet/>
       <dgm:spPr/>
       <dgm:t>
@@ -10065,7 +10074,7 @@
         </a:p>
       </dgm:t>
     </dgm:pt>
-    <dgm:pt modelId="{A837A0E8-48BD-401F-A7E8-17E9283F8FA6}" cxnId="{DEB2A77A-3C34-45B8-A220-FA1F60E466FA}" type="sibTrans">
+    <dgm:pt modelId="{A837A0E8-48BD-401F-A7E8-17E9283F8FA6}" type="sibTrans" cxnId="{DEB2A77A-3C34-45B8-A220-FA1F60E466FA}">
       <dgm:prSet/>
       <dgm:spPr/>
       <dgm:t>
@@ -10090,7 +10099,7 @@
         </a:p>
       </dgm:t>
     </dgm:pt>
-    <dgm:pt modelId="{241361BD-0923-4E83-8691-54652FACC6CC}" cxnId="{C34787A0-C517-4697-A637-F2A1E5BB7806}" type="parTrans">
+    <dgm:pt modelId="{241361BD-0923-4E83-8691-54652FACC6CC}" type="parTrans" cxnId="{C34787A0-C517-4697-A637-F2A1E5BB7806}">
       <dgm:prSet/>
       <dgm:spPr/>
       <dgm:t>
@@ -10101,7 +10110,7 @@
         </a:p>
       </dgm:t>
     </dgm:pt>
-    <dgm:pt modelId="{B0F806D0-2160-4CA2-9BA6-729EBCF8CA24}" cxnId="{C34787A0-C517-4697-A637-F2A1E5BB7806}" type="sibTrans">
+    <dgm:pt modelId="{B0F806D0-2160-4CA2-9BA6-729EBCF8CA24}" type="sibTrans" cxnId="{C34787A0-C517-4697-A637-F2A1E5BB7806}">
       <dgm:prSet/>
       <dgm:spPr/>
       <dgm:t>
@@ -10126,7 +10135,7 @@
         </a:p>
       </dgm:t>
     </dgm:pt>
-    <dgm:pt modelId="{F314078E-4032-4492-87B4-A6F4292D2DFB}" cxnId="{65F48BFD-8BFD-4564-B8D4-90647602B24E}" type="parTrans">
+    <dgm:pt modelId="{F314078E-4032-4492-87B4-A6F4292D2DFB}" type="parTrans" cxnId="{65F48BFD-8BFD-4564-B8D4-90647602B24E}">
       <dgm:prSet/>
       <dgm:spPr/>
       <dgm:t>
@@ -10137,7 +10146,7 @@
         </a:p>
       </dgm:t>
     </dgm:pt>
-    <dgm:pt modelId="{A89A3EBA-1AD1-4018-8AEC-292DFED23657}" cxnId="{65F48BFD-8BFD-4564-B8D4-90647602B24E}" type="sibTrans">
+    <dgm:pt modelId="{A89A3EBA-1AD1-4018-8AEC-292DFED23657}" type="sibTrans" cxnId="{65F48BFD-8BFD-4564-B8D4-90647602B24E}">
       <dgm:prSet/>
       <dgm:spPr/>
       <dgm:t>
@@ -10162,7 +10171,7 @@
         </a:p>
       </dgm:t>
     </dgm:pt>
-    <dgm:pt modelId="{C758E401-A64E-4408-B1E9-AE3B8A664A8A}" cxnId="{0D17088E-5BAE-445E-8C3A-02A092C8C495}" type="parTrans">
+    <dgm:pt modelId="{C758E401-A64E-4408-B1E9-AE3B8A664A8A}" type="parTrans" cxnId="{0D17088E-5BAE-445E-8C3A-02A092C8C495}">
       <dgm:prSet/>
       <dgm:spPr/>
       <dgm:t>
@@ -10173,7 +10182,7 @@
         </a:p>
       </dgm:t>
     </dgm:pt>
-    <dgm:pt modelId="{01A97FDC-8052-4CE8-AB8C-D17B59EDE6D3}" cxnId="{0D17088E-5BAE-445E-8C3A-02A092C8C495}" type="sibTrans">
+    <dgm:pt modelId="{01A97FDC-8052-4CE8-AB8C-D17B59EDE6D3}" type="sibTrans" cxnId="{0D17088E-5BAE-445E-8C3A-02A092C8C495}">
       <dgm:prSet/>
       <dgm:spPr/>
       <dgm:t>
@@ -10198,7 +10207,7 @@
         </a:p>
       </dgm:t>
     </dgm:pt>
-    <dgm:pt modelId="{74A952D0-56CB-4447-B400-1557C8B8783A}" cxnId="{875DAE71-18EB-42AF-A80F-63E5DCD1654A}" type="parTrans">
+    <dgm:pt modelId="{74A952D0-56CB-4447-B400-1557C8B8783A}" type="parTrans" cxnId="{875DAE71-18EB-42AF-A80F-63E5DCD1654A}">
       <dgm:prSet/>
       <dgm:spPr/>
       <dgm:t>
@@ -10209,7 +10218,7 @@
         </a:p>
       </dgm:t>
     </dgm:pt>
-    <dgm:pt modelId="{B1C70A4E-D61D-4B74-BE59-53C222FD832B}" cxnId="{875DAE71-18EB-42AF-A80F-63E5DCD1654A}" type="sibTrans">
+    <dgm:pt modelId="{B1C70A4E-D61D-4B74-BE59-53C222FD832B}" type="sibTrans" cxnId="{875DAE71-18EB-42AF-A80F-63E5DCD1654A}">
       <dgm:prSet/>
       <dgm:spPr/>
       <dgm:t>
@@ -10234,7 +10243,7 @@
         </a:p>
       </dgm:t>
     </dgm:pt>
-    <dgm:pt modelId="{293112AD-35F1-467D-A384-62A125773085}" cxnId="{EB4C91D6-FB8D-4B2F-BB16-4604F3477CC5}" type="parTrans">
+    <dgm:pt modelId="{293112AD-35F1-467D-A384-62A125773085}" type="parTrans" cxnId="{EB4C91D6-FB8D-4B2F-BB16-4604F3477CC5}">
       <dgm:prSet/>
       <dgm:spPr/>
       <dgm:t>
@@ -10245,7 +10254,7 @@
         </a:p>
       </dgm:t>
     </dgm:pt>
-    <dgm:pt modelId="{7DFFD0AC-41F3-4081-A504-0EDCD5C326F9}" cxnId="{EB4C91D6-FB8D-4B2F-BB16-4604F3477CC5}" type="sibTrans">
+    <dgm:pt modelId="{7DFFD0AC-41F3-4081-A504-0EDCD5C326F9}" type="sibTrans" cxnId="{EB4C91D6-FB8D-4B2F-BB16-4604F3477CC5}">
       <dgm:prSet/>
       <dgm:spPr/>
       <dgm:t>
@@ -10270,7 +10279,7 @@
         </a:p>
       </dgm:t>
     </dgm:pt>
-    <dgm:pt modelId="{3D513486-B3A5-4FB9-833E-D49EE647C7D6}" cxnId="{A5592958-F0C4-42AC-9BE0-F76AD575EE13}" type="parTrans">
+    <dgm:pt modelId="{3D513486-B3A5-4FB9-833E-D49EE647C7D6}" type="parTrans" cxnId="{A5592958-F0C4-42AC-9BE0-F76AD575EE13}">
       <dgm:prSet/>
       <dgm:spPr/>
       <dgm:t>
@@ -10281,7 +10290,7 @@
         </a:p>
       </dgm:t>
     </dgm:pt>
-    <dgm:pt modelId="{78174580-3FE7-4397-95B4-474A2CEFDFB2}" cxnId="{A5592958-F0C4-42AC-9BE0-F76AD575EE13}" type="sibTrans">
+    <dgm:pt modelId="{78174580-3FE7-4397-95B4-474A2CEFDFB2}" type="sibTrans" cxnId="{A5592958-F0C4-42AC-9BE0-F76AD575EE13}">
       <dgm:prSet/>
       <dgm:spPr/>
       <dgm:t>
@@ -10306,7 +10315,7 @@
         </a:p>
       </dgm:t>
     </dgm:pt>
-    <dgm:pt modelId="{D8EE6ADF-61D4-4F08-BAF8-6288464F399C}" cxnId="{B4FDD280-0C30-4EC9-882B-6356361EE624}" type="parTrans">
+    <dgm:pt modelId="{D8EE6ADF-61D4-4F08-BAF8-6288464F399C}" type="parTrans" cxnId="{B4FDD280-0C30-4EC9-882B-6356361EE624}">
       <dgm:prSet/>
       <dgm:spPr/>
       <dgm:t>
@@ -10317,7 +10326,7 @@
         </a:p>
       </dgm:t>
     </dgm:pt>
-    <dgm:pt modelId="{EFA63F5B-884D-43DA-ABB1-0B4C0F7261B9}" cxnId="{B4FDD280-0C30-4EC9-882B-6356361EE624}" type="sibTrans">
+    <dgm:pt modelId="{EFA63F5B-884D-43DA-ABB1-0B4C0F7261B9}" type="sibTrans" cxnId="{B4FDD280-0C30-4EC9-882B-6356361EE624}">
       <dgm:prSet/>
       <dgm:spPr/>
       <dgm:t>
@@ -10769,7 +10778,7 @@
   <dgm:whole/>
   <dgm:extLst>
     <a:ext uri="http://schemas.microsoft.com/office/drawing/2008/diagram">
-      <dsp:dataModelExt xmlns:dsp="http://schemas.microsoft.com/office/drawing/2008/diagram" relId="rId5" minVer="http://schemas.openxmlformats.org/drawingml/2006/diagram"/>
+      <dsp:dataModelExt xmlns:dsp="http://schemas.microsoft.com/office/drawing/2008/diagram" relId="rId6" minVer="http://schemas.openxmlformats.org/drawingml/2006/diagram"/>
     </a:ext>
   </dgm:extLst>
 </dgm:dataModel>
@@ -10779,7 +10788,7 @@
 <dgm:dataModel xmlns:dgm="http://schemas.openxmlformats.org/drawingml/2006/diagram" xmlns:a="http://schemas.openxmlformats.org/drawingml/2006/main">
   <dgm:ptLst>
     <dgm:pt modelId="{EB73D896-D644-43F5-B1D2-4E53419732E7}" type="doc">
-      <dgm:prSet loTypeId="urn:microsoft.com/office/officeart/2005/8/layout/vList5" loCatId="list" qsTypeId="urn:microsoft.com/office/officeart/2005/8/quickstyle/simple1" qsCatId="simple" csTypeId="urn:microsoft.com/office/officeart/2005/8/colors/accent1_2" csCatId="accent1" phldr="1"/>
+      <dgm:prSet loTypeId="urn:microsoft.com/office/officeart/2005/8/layout/vList5" loCatId="list" qsTypeId="urn:microsoft.com/office/officeart/2005/8/quickstyle/simple1#6" qsCatId="simple" csTypeId="urn:microsoft.com/office/officeart/2005/8/colors/accent1_2#2" csCatId="accent1" phldr="1"/>
       <dgm:spPr/>
       <dgm:t>
         <a:bodyPr/>
@@ -10803,7 +10812,7 @@
         </a:p>
       </dgm:t>
     </dgm:pt>
-    <dgm:pt modelId="{38B822EA-0D7D-494B-BAC3-D6ED50AB823B}" cxnId="{3B226B8B-F0AD-4EE1-94DB-B8E8814D589D}" type="parTrans">
+    <dgm:pt modelId="{38B822EA-0D7D-494B-BAC3-D6ED50AB823B}" type="parTrans" cxnId="{3B226B8B-F0AD-4EE1-94DB-B8E8814D589D}">
       <dgm:prSet/>
       <dgm:spPr/>
       <dgm:t>
@@ -10814,7 +10823,7 @@
         </a:p>
       </dgm:t>
     </dgm:pt>
-    <dgm:pt modelId="{B031EDB8-A270-44E0-831C-5225BB1C5430}" cxnId="{3B226B8B-F0AD-4EE1-94DB-B8E8814D589D}" type="sibTrans">
+    <dgm:pt modelId="{B031EDB8-A270-44E0-831C-5225BB1C5430}" type="sibTrans" cxnId="{3B226B8B-F0AD-4EE1-94DB-B8E8814D589D}">
       <dgm:prSet/>
       <dgm:spPr/>
       <dgm:t>
@@ -10852,7 +10861,7 @@
         </a:p>
       </dgm:t>
     </dgm:pt>
-    <dgm:pt modelId="{EEB8AADE-21F6-49D4-9158-A4026CF65EF8}" cxnId="{8CD6863F-EC3E-4FF7-AF4D-0CE97C6CC2EF}" type="parTrans">
+    <dgm:pt modelId="{EEB8AADE-21F6-49D4-9158-A4026CF65EF8}" type="parTrans" cxnId="{8CD6863F-EC3E-4FF7-AF4D-0CE97C6CC2EF}">
       <dgm:prSet/>
       <dgm:spPr/>
       <dgm:t>
@@ -10863,7 +10872,7 @@
         </a:p>
       </dgm:t>
     </dgm:pt>
-    <dgm:pt modelId="{B2C9C44F-92FA-4AA2-9769-1B28CC38BE52}" cxnId="{8CD6863F-EC3E-4FF7-AF4D-0CE97C6CC2EF}" type="sibTrans">
+    <dgm:pt modelId="{B2C9C44F-92FA-4AA2-9769-1B28CC38BE52}" type="sibTrans" cxnId="{8CD6863F-EC3E-4FF7-AF4D-0CE97C6CC2EF}">
       <dgm:prSet/>
       <dgm:spPr/>
       <dgm:t>
@@ -10888,7 +10897,7 @@
         </a:p>
       </dgm:t>
     </dgm:pt>
-    <dgm:pt modelId="{588771EB-A027-4450-ADE2-BBDE0C1FE884}" cxnId="{3A1E90AD-DB89-4970-B31E-CA8E2AC8F451}" type="parTrans">
+    <dgm:pt modelId="{588771EB-A027-4450-ADE2-BBDE0C1FE884}" type="parTrans" cxnId="{3A1E90AD-DB89-4970-B31E-CA8E2AC8F451}">
       <dgm:prSet/>
       <dgm:spPr/>
       <dgm:t>
@@ -10899,7 +10908,7 @@
         </a:p>
       </dgm:t>
     </dgm:pt>
-    <dgm:pt modelId="{14E5A762-D8C6-4507-8A85-7F3A0643C46A}" cxnId="{3A1E90AD-DB89-4970-B31E-CA8E2AC8F451}" type="sibTrans">
+    <dgm:pt modelId="{14E5A762-D8C6-4507-8A85-7F3A0643C46A}" type="sibTrans" cxnId="{3A1E90AD-DB89-4970-B31E-CA8E2AC8F451}">
       <dgm:prSet/>
       <dgm:spPr/>
       <dgm:t>
@@ -10924,7 +10933,7 @@
         </a:p>
       </dgm:t>
     </dgm:pt>
-    <dgm:pt modelId="{ED6610F1-22A7-4C21-9AC4-1D4D0C42291A}" cxnId="{C66F1D6C-DA94-4F1D-B262-2305170F035C}" type="parTrans">
+    <dgm:pt modelId="{ED6610F1-22A7-4C21-9AC4-1D4D0C42291A}" type="parTrans" cxnId="{C66F1D6C-DA94-4F1D-B262-2305170F035C}">
       <dgm:prSet/>
       <dgm:spPr/>
       <dgm:t>
@@ -10935,7 +10944,7 @@
         </a:p>
       </dgm:t>
     </dgm:pt>
-    <dgm:pt modelId="{14852D75-A55A-4CF8-8042-D3FD7F335D8A}" cxnId="{C66F1D6C-DA94-4F1D-B262-2305170F035C}" type="sibTrans">
+    <dgm:pt modelId="{14852D75-A55A-4CF8-8042-D3FD7F335D8A}" type="sibTrans" cxnId="{C66F1D6C-DA94-4F1D-B262-2305170F035C}">
       <dgm:prSet/>
       <dgm:spPr/>
       <dgm:t>
@@ -10960,7 +10969,7 @@
         </a:p>
       </dgm:t>
     </dgm:pt>
-    <dgm:pt modelId="{A6DBDBD3-FD1C-4073-8644-58FBAC7AFFEC}" cxnId="{ED020920-A18B-49D9-B949-D20D246E32D0}" type="parTrans">
+    <dgm:pt modelId="{A6DBDBD3-FD1C-4073-8644-58FBAC7AFFEC}" type="parTrans" cxnId="{ED020920-A18B-49D9-B949-D20D246E32D0}">
       <dgm:prSet/>
       <dgm:spPr/>
       <dgm:t>
@@ -10971,7 +10980,7 @@
         </a:p>
       </dgm:t>
     </dgm:pt>
-    <dgm:pt modelId="{A02230FE-1E09-497C-8A7B-988657820A0D}" cxnId="{ED020920-A18B-49D9-B949-D20D246E32D0}" type="sibTrans">
+    <dgm:pt modelId="{A02230FE-1E09-497C-8A7B-988657820A0D}" type="sibTrans" cxnId="{ED020920-A18B-49D9-B949-D20D246E32D0}">
       <dgm:prSet/>
       <dgm:spPr/>
       <dgm:t>
@@ -10996,7 +11005,7 @@
         </a:p>
       </dgm:t>
     </dgm:pt>
-    <dgm:pt modelId="{572D4DAC-FBC5-4981-8605-C128D09836CF}" cxnId="{241FEA22-13D6-4FA7-A30A-B7DB2597410E}" type="parTrans">
+    <dgm:pt modelId="{572D4DAC-FBC5-4981-8605-C128D09836CF}" type="parTrans" cxnId="{241FEA22-13D6-4FA7-A30A-B7DB2597410E}">
       <dgm:prSet/>
       <dgm:spPr/>
       <dgm:t>
@@ -11007,7 +11016,7 @@
         </a:p>
       </dgm:t>
     </dgm:pt>
-    <dgm:pt modelId="{689C33C2-C435-4D67-AE7C-46F365339198}" cxnId="{241FEA22-13D6-4FA7-A30A-B7DB2597410E}" type="sibTrans">
+    <dgm:pt modelId="{689C33C2-C435-4D67-AE7C-46F365339198}" type="sibTrans" cxnId="{241FEA22-13D6-4FA7-A30A-B7DB2597410E}">
       <dgm:prSet/>
       <dgm:spPr/>
       <dgm:t>
@@ -11032,7 +11041,7 @@
         </a:p>
       </dgm:t>
     </dgm:pt>
-    <dgm:pt modelId="{0A362CD0-92E3-44F6-B07A-9F0A973CC9A1}" cxnId="{F5DE88FE-A17C-42CD-A3D0-756F801C5152}" type="parTrans">
+    <dgm:pt modelId="{0A362CD0-92E3-44F6-B07A-9F0A973CC9A1}" type="parTrans" cxnId="{F5DE88FE-A17C-42CD-A3D0-756F801C5152}">
       <dgm:prSet/>
       <dgm:spPr/>
       <dgm:t>
@@ -11043,7 +11052,7 @@
         </a:p>
       </dgm:t>
     </dgm:pt>
-    <dgm:pt modelId="{3B896670-709D-4686-8CA0-CEB16723609D}" cxnId="{F5DE88FE-A17C-42CD-A3D0-756F801C5152}" type="sibTrans">
+    <dgm:pt modelId="{3B896670-709D-4686-8CA0-CEB16723609D}" type="sibTrans" cxnId="{F5DE88FE-A17C-42CD-A3D0-756F801C5152}">
       <dgm:prSet/>
       <dgm:spPr/>
       <dgm:t>
@@ -11068,7 +11077,7 @@
         </a:p>
       </dgm:t>
     </dgm:pt>
-    <dgm:pt modelId="{6ACB44D6-98D1-478F-9DE5-02D61249DAEB}" cxnId="{D415A4B4-6CDE-40F5-868F-9E4636AD4310}" type="sibTrans">
+    <dgm:pt modelId="{6ACB44D6-98D1-478F-9DE5-02D61249DAEB}" type="sibTrans" cxnId="{D415A4B4-6CDE-40F5-868F-9E4636AD4310}">
       <dgm:prSet/>
       <dgm:spPr/>
       <dgm:t>
@@ -11079,7 +11088,7 @@
         </a:p>
       </dgm:t>
     </dgm:pt>
-    <dgm:pt modelId="{C003AD22-0BB5-4BE6-93B6-6296D6D3A99E}" cxnId="{D415A4B4-6CDE-40F5-868F-9E4636AD4310}" type="parTrans">
+    <dgm:pt modelId="{C003AD22-0BB5-4BE6-93B6-6296D6D3A99E}" type="parTrans" cxnId="{D415A4B4-6CDE-40F5-868F-9E4636AD4310}">
       <dgm:prSet/>
       <dgm:spPr/>
       <dgm:t>
@@ -11104,7 +11113,7 @@
         </a:p>
       </dgm:t>
     </dgm:pt>
-    <dgm:pt modelId="{AE505EEA-A38A-4D4A-AB3B-76D7B3D89C10}" cxnId="{8732C317-F9FF-4878-996A-7992290CE634}" type="parTrans">
+    <dgm:pt modelId="{AE505EEA-A38A-4D4A-AB3B-76D7B3D89C10}" type="parTrans" cxnId="{8732C317-F9FF-4878-996A-7992290CE634}">
       <dgm:prSet/>
       <dgm:spPr/>
       <dgm:t>
@@ -11115,7 +11124,7 @@
         </a:p>
       </dgm:t>
     </dgm:pt>
-    <dgm:pt modelId="{CA6DC063-048D-4179-AD1E-A6DBF070FBF0}" cxnId="{8732C317-F9FF-4878-996A-7992290CE634}" type="sibTrans">
+    <dgm:pt modelId="{CA6DC063-048D-4179-AD1E-A6DBF070FBF0}" type="sibTrans" cxnId="{8732C317-F9FF-4878-996A-7992290CE634}">
       <dgm:prSet/>
       <dgm:spPr/>
       <dgm:t>
@@ -11141,7 +11150,7 @@
         </a:p>
       </dgm:t>
     </dgm:pt>
-    <dgm:pt modelId="{C512C3CF-49C2-4D71-8DD5-1A51FBAA9D43}" cxnId="{CA10F979-0DA2-4EC3-B87C-6C0A17FD9A0A}" type="parTrans">
+    <dgm:pt modelId="{C512C3CF-49C2-4D71-8DD5-1A51FBAA9D43}" type="parTrans" cxnId="{CA10F979-0DA2-4EC3-B87C-6C0A17FD9A0A}">
       <dgm:prSet/>
       <dgm:spPr/>
       <dgm:t>
@@ -11152,7 +11161,7 @@
         </a:p>
       </dgm:t>
     </dgm:pt>
-    <dgm:pt modelId="{FF1C3C87-D4B4-4FDA-8D5C-FD28352D0B17}" cxnId="{CA10F979-0DA2-4EC3-B87C-6C0A17FD9A0A}" type="sibTrans">
+    <dgm:pt modelId="{FF1C3C87-D4B4-4FDA-8D5C-FD28352D0B17}" type="sibTrans" cxnId="{CA10F979-0DA2-4EC3-B87C-6C0A17FD9A0A}">
       <dgm:prSet/>
       <dgm:spPr/>
       <dgm:t>
@@ -11177,7 +11186,7 @@
         </a:p>
       </dgm:t>
     </dgm:pt>
-    <dgm:pt modelId="{3F3F69B5-4B96-4511-BD41-605D1DDCBE98}" cxnId="{7400E200-C728-4A54-A235-7BFD2A4C81AF}" type="parTrans">
+    <dgm:pt modelId="{3F3F69B5-4B96-4511-BD41-605D1DDCBE98}" type="parTrans" cxnId="{7400E200-C728-4A54-A235-7BFD2A4C81AF}">
       <dgm:prSet/>
       <dgm:spPr/>
       <dgm:t>
@@ -11188,7 +11197,7 @@
         </a:p>
       </dgm:t>
     </dgm:pt>
-    <dgm:pt modelId="{3DBADB71-B142-4061-8440-A1031ED4302E}" cxnId="{7400E200-C728-4A54-A235-7BFD2A4C81AF}" type="sibTrans">
+    <dgm:pt modelId="{3DBADB71-B142-4061-8440-A1031ED4302E}" type="sibTrans" cxnId="{7400E200-C728-4A54-A235-7BFD2A4C81AF}">
       <dgm:prSet/>
       <dgm:spPr/>
       <dgm:t>
@@ -11217,7 +11226,7 @@
         </a:p>
       </dgm:t>
     </dgm:pt>
-    <dgm:pt modelId="{610CE7A3-4925-48BB-9F99-AD31820F92AE}" cxnId="{1BAF1A25-69B1-425A-BBE4-226FC6391E78}" type="parTrans">
+    <dgm:pt modelId="{610CE7A3-4925-48BB-9F99-AD31820F92AE}" type="parTrans" cxnId="{1BAF1A25-69B1-425A-BBE4-226FC6391E78}">
       <dgm:prSet/>
       <dgm:spPr/>
       <dgm:t>
@@ -11228,7 +11237,7 @@
         </a:p>
       </dgm:t>
     </dgm:pt>
-    <dgm:pt modelId="{6D1B74C2-441E-4923-A487-94357693B836}" cxnId="{1BAF1A25-69B1-425A-BBE4-226FC6391E78}" type="sibTrans">
+    <dgm:pt modelId="{6D1B74C2-441E-4923-A487-94357693B836}" type="sibTrans" cxnId="{1BAF1A25-69B1-425A-BBE4-226FC6391E78}">
       <dgm:prSet/>
       <dgm:spPr/>
       <dgm:t>
@@ -11253,7 +11262,7 @@
         </a:p>
       </dgm:t>
     </dgm:pt>
-    <dgm:pt modelId="{AAA1B27F-E962-4D06-B5A1-212F830D2807}" cxnId="{94357257-3FF1-4440-B97D-E5CC99FF3BD0}" type="parTrans">
+    <dgm:pt modelId="{AAA1B27F-E962-4D06-B5A1-212F830D2807}" type="parTrans" cxnId="{94357257-3FF1-4440-B97D-E5CC99FF3BD0}">
       <dgm:prSet/>
       <dgm:spPr/>
       <dgm:t>
@@ -11264,7 +11273,7 @@
         </a:p>
       </dgm:t>
     </dgm:pt>
-    <dgm:pt modelId="{CAEE62F1-2C6C-4C7C-83CF-C822601F95B1}" cxnId="{94357257-3FF1-4440-B97D-E5CC99FF3BD0}" type="sibTrans">
+    <dgm:pt modelId="{CAEE62F1-2C6C-4C7C-83CF-C822601F95B1}" type="sibTrans" cxnId="{94357257-3FF1-4440-B97D-E5CC99FF3BD0}">
       <dgm:prSet/>
       <dgm:spPr/>
       <dgm:t>
@@ -11401,7 +11410,7 @@
   <dgm:whole/>
   <dgm:extLst>
     <a:ext uri="http://schemas.microsoft.com/office/drawing/2008/diagram">
-      <dsp:dataModelExt xmlns:dsp="http://schemas.microsoft.com/office/drawing/2008/diagram" relId="rId6" minVer="http://schemas.openxmlformats.org/drawingml/2006/diagram"/>
+      <dsp:dataModelExt xmlns:dsp="http://schemas.microsoft.com/office/drawing/2008/diagram" relId="rId7" minVer="http://schemas.openxmlformats.org/drawingml/2006/diagram"/>
     </a:ext>
   </dgm:extLst>
 </dgm:dataModel>
@@ -13103,7 +13112,7 @@
             <a:buNone/>
           </a:pPr>
           <a:r>
-            <a:rPr lang="zh-CN" sz="2500" kern="1200"/>
+            <a:rPr lang="zh-CN" altLang="en-US" sz="2500" kern="1200"/>
             <a:t>怪物血量</a:t>
           </a:r>
           <a:endParaRPr lang="zh-CN" altLang="en-US" sz="2500" kern="1200" dirty="0"/>
@@ -13210,10 +13219,9 @@
             <a:buNone/>
           </a:pPr>
           <a:r>
-            <a:rPr lang="zh-CN" sz="2400" kern="1200" dirty="0"/>
+            <a:rPr lang="zh-CN" altLang="en-US" sz="2400" kern="1200" dirty="0"/>
             <a:t>怪物移动速度</a:t>
           </a:r>
-          <a:endParaRPr lang="zh-CN" altLang="en-US" sz="2400" kern="1200" dirty="0"/>
         </a:p>
       </dsp:txBody>
       <dsp:txXfrm>
@@ -13318,10 +13326,9 @@
             <a:buNone/>
           </a:pPr>
           <a:r>
-            <a:rPr lang="zh-CN" sz="2400" kern="1200" dirty="0"/>
+            <a:rPr lang="zh-CN" altLang="en-US" sz="2400" kern="1200" dirty="0"/>
             <a:t>怪物掉落的金钱</a:t>
           </a:r>
-          <a:endParaRPr lang="zh-CN" altLang="en-US" sz="2400" kern="1200" dirty="0"/>
         </a:p>
       </dsp:txBody>
       <dsp:txXfrm>
@@ -13426,10 +13433,9 @@
             <a:buNone/>
           </a:pPr>
           <a:r>
-            <a:rPr lang="zh-CN" sz="2400" kern="1200" dirty="0"/>
+            <a:rPr lang="zh-CN" altLang="en-US" sz="2400" kern="1200" dirty="0"/>
             <a:t>怪物间距</a:t>
           </a:r>
-          <a:endParaRPr lang="zh-CN" altLang="en-US" sz="2400" kern="1200" dirty="0"/>
         </a:p>
       </dsp:txBody>
       <dsp:txXfrm>
@@ -13534,10 +13540,9 @@
             <a:buNone/>
           </a:pPr>
           <a:r>
-            <a:rPr lang="zh-CN" sz="2300" kern="1200" dirty="0"/>
+            <a:rPr lang="zh-CN" altLang="en-US" sz="2300" kern="1200" dirty="0"/>
             <a:t>防御塔攻击力</a:t>
           </a:r>
-          <a:endParaRPr lang="zh-CN" altLang="en-US" sz="2300" kern="1200" dirty="0"/>
         </a:p>
       </dsp:txBody>
       <dsp:txXfrm>
@@ -13641,10 +13646,9 @@
             <a:buNone/>
           </a:pPr>
           <a:r>
-            <a:rPr lang="zh-CN" sz="2200" kern="1200" dirty="0"/>
+            <a:rPr lang="zh-CN" altLang="en-US" sz="2200" kern="1200" dirty="0"/>
             <a:t>防御塔攻击范围</a:t>
           </a:r>
-          <a:endParaRPr lang="zh-CN" altLang="en-US" sz="2200" kern="1200" dirty="0"/>
         </a:p>
       </dsp:txBody>
       <dsp:txXfrm>
@@ -13749,10 +13753,9 @@
             <a:buNone/>
           </a:pPr>
           <a:r>
-            <a:rPr lang="zh-CN" sz="2200" kern="1200" dirty="0"/>
+            <a:rPr lang="zh-CN" altLang="en-US" sz="2200" kern="1200" dirty="0"/>
             <a:t>防御塔攻击速度</a:t>
           </a:r>
-          <a:endParaRPr lang="zh-CN" altLang="en-US" sz="2200" kern="1200" dirty="0"/>
         </a:p>
       </dsp:txBody>
       <dsp:txXfrm>
@@ -13857,10 +13860,9 @@
             <a:buNone/>
           </a:pPr>
           <a:r>
-            <a:rPr lang="zh-CN" sz="2200" kern="1200" dirty="0"/>
+            <a:rPr lang="zh-CN" altLang="en-US" sz="2200" kern="1200" dirty="0"/>
             <a:t>防御塔价格</a:t>
           </a:r>
-          <a:endParaRPr lang="zh-CN" altLang="en-US" sz="2200" kern="1200" dirty="0"/>
         </a:p>
       </dsp:txBody>
       <dsp:txXfrm>
@@ -21855,7 +21857,7 @@
           <dgm:alg type="tx"/>
           <dgm:choose name="Name4">
             <dgm:if name="Name5" func="var" arg="dir" op="equ" val="norm">
-              <dgm:shape xmlns:r="http://schemas.openxmlformats.org/officeDocument/2006/relationships" type="homePlate" r:blip="" rot="180" zOrderOff="-1">
+              <dgm:shape xmlns:r="http://schemas.openxmlformats.org/officeDocument/2006/relationships" rot="180" type="homePlate" r:blip="" zOrderOff="-1">
                 <dgm:adjLst/>
               </dgm:shape>
             </dgm:if>
@@ -21892,7 +21894,7 @@
 </file>
 
 <file path=ppt/diagrams/layout2.xml><?xml version="1.0" encoding="utf-8"?>
-<dgm:layoutDef xmlns:dgm="http://schemas.openxmlformats.org/drawingml/2006/diagram" xmlns:a="http://schemas.openxmlformats.org/drawingml/2006/main" uniqueId="urn:microsoft.com/office/officeart/2008/layout/HorizontalMultiLevelHierarchy">
+<dgm:layoutDef xmlns:dgm="http://schemas.openxmlformats.org/drawingml/2006/diagram" xmlns:a="http://schemas.openxmlformats.org/drawingml/2006/main" uniqueId="urn:microsoft.com/office/officeart/2008/layout/HorizontalMultiLevelHierarchy#1">
   <dgm:title val=""/>
   <dgm:desc val=""/>
   <dgm:catLst>
@@ -22045,12 +22047,12 @@
             </dgm:alg>
             <dgm:choose name="Name9">
               <dgm:if name="Name10" func="var" arg="dir" op="equ" val="norm">
-                <dgm:shape xmlns:r="http://schemas.openxmlformats.org/officeDocument/2006/relationships" type="rect" r:blip="" rot="270">
+                <dgm:shape xmlns:r="http://schemas.openxmlformats.org/officeDocument/2006/relationships" rot="270" type="rect" r:blip="">
                   <dgm:adjLst/>
                 </dgm:shape>
               </dgm:if>
               <dgm:else name="Name11">
-                <dgm:shape xmlns:r="http://schemas.openxmlformats.org/officeDocument/2006/relationships" type="rect" r:blip="" rot="90">
+                <dgm:shape xmlns:r="http://schemas.openxmlformats.org/officeDocument/2006/relationships" rot="90" type="rect" r:blip="">
                   <dgm:adjLst/>
                 </dgm:shape>
               </dgm:else>
@@ -22215,7 +22217,7 @@
 </file>
 
 <file path=ppt/diagrams/layout3.xml><?xml version="1.0" encoding="utf-8"?>
-<dgm:layoutDef xmlns:dgm="http://schemas.openxmlformats.org/drawingml/2006/diagram" xmlns:a="http://schemas.openxmlformats.org/drawingml/2006/main" uniqueId="urn:microsoft.com/office/officeart/2008/layout/HorizontalMultiLevelHierarchy">
+<dgm:layoutDef xmlns:dgm="http://schemas.openxmlformats.org/drawingml/2006/diagram" xmlns:a="http://schemas.openxmlformats.org/drawingml/2006/main" uniqueId="urn:microsoft.com/office/officeart/2008/layout/HorizontalMultiLevelHierarchy#2">
   <dgm:title val=""/>
   <dgm:desc val=""/>
   <dgm:catLst>
@@ -22368,12 +22370,12 @@
             </dgm:alg>
             <dgm:choose name="Name9">
               <dgm:if name="Name10" func="var" arg="dir" op="equ" val="norm">
-                <dgm:shape xmlns:r="http://schemas.openxmlformats.org/officeDocument/2006/relationships" type="rect" r:blip="" rot="270">
+                <dgm:shape xmlns:r="http://schemas.openxmlformats.org/officeDocument/2006/relationships" rot="270" type="rect" r:blip="">
                   <dgm:adjLst/>
                 </dgm:shape>
               </dgm:if>
               <dgm:else name="Name11">
-                <dgm:shape xmlns:r="http://schemas.openxmlformats.org/officeDocument/2006/relationships" type="rect" r:blip="" rot="90">
+                <dgm:shape xmlns:r="http://schemas.openxmlformats.org/officeDocument/2006/relationships" rot="90" type="rect" r:blip="">
                   <dgm:adjLst/>
                 </dgm:shape>
               </dgm:else>
@@ -22538,7 +22540,7 @@
 </file>
 
 <file path=ppt/diagrams/layout4.xml><?xml version="1.0" encoding="utf-8"?>
-<dgm:layoutDef xmlns:dgm="http://schemas.openxmlformats.org/drawingml/2006/diagram" xmlns:a="http://schemas.openxmlformats.org/drawingml/2006/main" uniqueId="urn:microsoft.com/office/officeart/2008/layout/HorizontalMultiLevelHierarchy">
+<dgm:layoutDef xmlns:dgm="http://schemas.openxmlformats.org/drawingml/2006/diagram" xmlns:a="http://schemas.openxmlformats.org/drawingml/2006/main" uniqueId="urn:microsoft.com/office/officeart/2008/layout/HorizontalMultiLevelHierarchy#3">
   <dgm:title val=""/>
   <dgm:desc val=""/>
   <dgm:catLst>
@@ -22691,12 +22693,12 @@
             </dgm:alg>
             <dgm:choose name="Name9">
               <dgm:if name="Name10" func="var" arg="dir" op="equ" val="norm">
-                <dgm:shape xmlns:r="http://schemas.openxmlformats.org/officeDocument/2006/relationships" type="rect" r:blip="" rot="270">
+                <dgm:shape xmlns:r="http://schemas.openxmlformats.org/officeDocument/2006/relationships" rot="270" type="rect" r:blip="">
                   <dgm:adjLst/>
                 </dgm:shape>
               </dgm:if>
               <dgm:else name="Name11">
-                <dgm:shape xmlns:r="http://schemas.openxmlformats.org/officeDocument/2006/relationships" type="rect" r:blip="" rot="90">
+                <dgm:shape xmlns:r="http://schemas.openxmlformats.org/officeDocument/2006/relationships" rot="90" type="rect" r:blip="">
                   <dgm:adjLst/>
                 </dgm:shape>
               </dgm:else>
@@ -22861,7 +22863,7 @@
 </file>
 
 <file path=ppt/diagrams/layout5.xml><?xml version="1.0" encoding="utf-8"?>
-<dgm:layoutDef xmlns:dgm="http://schemas.openxmlformats.org/drawingml/2006/diagram" xmlns:a="http://schemas.openxmlformats.org/drawingml/2006/main" uniqueId="urn:microsoft.com/office/officeart/2005/8/layout/default">
+<dgm:layoutDef xmlns:dgm="http://schemas.openxmlformats.org/drawingml/2006/diagram" xmlns:a="http://schemas.openxmlformats.org/drawingml/2006/main" uniqueId="urn:microsoft.com/office/officeart/2005/8/layout/default#1">
   <dgm:title val=""/>
   <dgm:desc val=""/>
   <dgm:catLst>
@@ -23424,12 +23426,12 @@
               </dgm:alg>
               <dgm:choose name="Name10">
                 <dgm:if name="Name11" func="var" arg="dir" op="equ" val="norm">
-                  <dgm:shape xmlns:r="http://schemas.openxmlformats.org/officeDocument/2006/relationships" type="round2SameRect" r:blip="" rot="90">
+                  <dgm:shape xmlns:r="http://schemas.openxmlformats.org/officeDocument/2006/relationships" rot="90" type="round2SameRect" r:blip="">
                     <dgm:adjLst/>
                   </dgm:shape>
                 </dgm:if>
                 <dgm:else name="Name12">
-                  <dgm:shape xmlns:r="http://schemas.openxmlformats.org/officeDocument/2006/relationships" type="round2SameRect" r:blip="" rot="-90">
+                  <dgm:shape xmlns:r="http://schemas.openxmlformats.org/officeDocument/2006/relationships" rot="-90" type="round2SameRect" r:blip="">
                     <dgm:adjLst/>
                   </dgm:shape>
                 </dgm:else>
@@ -23468,7 +23470,7 @@
 </file>
 
 <file path=ppt/diagrams/quickStyle1.xml><?xml version="1.0" encoding="utf-8"?>
-<dgm:styleDef xmlns:dgm="http://schemas.openxmlformats.org/drawingml/2006/diagram" xmlns:a="http://schemas.openxmlformats.org/drawingml/2006/main" uniqueId="urn:microsoft.com/office/officeart/2005/8/quickstyle/simple1">
+<dgm:styleDef xmlns:dgm="http://schemas.openxmlformats.org/drawingml/2006/diagram" xmlns:a="http://schemas.openxmlformats.org/drawingml/2006/main" uniqueId="urn:microsoft.com/office/officeart/2005/8/quickstyle/simple1#1">
   <dgm:title val=""/>
   <dgm:desc val=""/>
   <dgm:catLst>
@@ -23483,6 +23485,7 @@
       <a:camera prst="orthographicFront"/>
       <a:lightRig rig="threePt" dir="t"/>
     </dgm:scene3d>
+    <dgm:sp3d/>
     <dgm:txPr/>
     <dgm:style>
       <a:lnRef idx="2">
@@ -23502,6 +23505,7 @@
       <a:camera prst="orthographicFront"/>
       <a:lightRig rig="threePt" dir="t"/>
     </dgm:scene3d>
+    <dgm:sp3d/>
     <dgm:txPr/>
     <dgm:style>
       <a:lnRef idx="2">
@@ -23521,6 +23525,7 @@
       <a:camera prst="orthographicFront"/>
       <a:lightRig rig="threePt" dir="t"/>
     </dgm:scene3d>
+    <dgm:sp3d/>
     <dgm:txPr/>
     <dgm:style>
       <a:lnRef idx="2">
@@ -23540,6 +23545,7 @@
       <a:camera prst="orthographicFront"/>
       <a:lightRig rig="threePt" dir="t"/>
     </dgm:scene3d>
+    <dgm:sp3d/>
     <dgm:txPr/>
     <dgm:style>
       <a:lnRef idx="2">
@@ -23561,6 +23567,7 @@
       <a:camera prst="orthographicFront"/>
       <a:lightRig rig="threePt" dir="t"/>
     </dgm:scene3d>
+    <dgm:sp3d/>
     <dgm:txPr/>
     <dgm:style>
       <a:lnRef idx="2">
@@ -23582,6 +23589,7 @@
       <a:camera prst="orthographicFront"/>
       <a:lightRig rig="threePt" dir="t"/>
     </dgm:scene3d>
+    <dgm:sp3d/>
     <dgm:txPr/>
     <dgm:style>
       <a:lnRef idx="2">
@@ -23603,6 +23611,7 @@
       <a:camera prst="orthographicFront"/>
       <a:lightRig rig="threePt" dir="t"/>
     </dgm:scene3d>
+    <dgm:sp3d/>
     <dgm:txPr/>
     <dgm:style>
       <a:lnRef idx="2">
@@ -23624,6 +23633,7 @@
       <a:camera prst="orthographicFront"/>
       <a:lightRig rig="threePt" dir="t"/>
     </dgm:scene3d>
+    <dgm:sp3d/>
     <dgm:txPr/>
     <dgm:style>
       <a:lnRef idx="2">
@@ -23645,6 +23655,7 @@
       <a:camera prst="orthographicFront"/>
       <a:lightRig rig="threePt" dir="t"/>
     </dgm:scene3d>
+    <dgm:sp3d/>
     <dgm:txPr/>
     <dgm:style>
       <a:lnRef idx="2">
@@ -23666,6 +23677,7 @@
       <a:camera prst="orthographicFront"/>
       <a:lightRig rig="threePt" dir="t"/>
     </dgm:scene3d>
+    <dgm:sp3d/>
     <dgm:txPr/>
     <dgm:style>
       <a:lnRef idx="2">
@@ -23685,6 +23697,7 @@
       <a:camera prst="orthographicFront"/>
       <a:lightRig rig="threePt" dir="t"/>
     </dgm:scene3d>
+    <dgm:sp3d/>
     <dgm:txPr/>
     <dgm:style>
       <a:lnRef idx="2">
@@ -23704,6 +23717,7 @@
       <a:camera prst="orthographicFront"/>
       <a:lightRig rig="threePt" dir="t"/>
     </dgm:scene3d>
+    <dgm:sp3d/>
     <dgm:txPr/>
     <dgm:style>
       <a:lnRef idx="2">
@@ -23723,6 +23737,7 @@
       <a:camera prst="orthographicFront"/>
       <a:lightRig rig="threePt" dir="t"/>
     </dgm:scene3d>
+    <dgm:sp3d/>
     <dgm:txPr/>
     <dgm:style>
       <a:lnRef idx="0">
@@ -23742,6 +23757,7 @@
       <a:camera prst="orthographicFront"/>
       <a:lightRig rig="threePt" dir="t"/>
     </dgm:scene3d>
+    <dgm:sp3d/>
     <dgm:txPr/>
     <dgm:style>
       <a:lnRef idx="0">
@@ -23763,6 +23779,7 @@
       <a:camera prst="orthographicFront"/>
       <a:lightRig rig="threePt" dir="t"/>
     </dgm:scene3d>
+    <dgm:sp3d/>
     <dgm:txPr/>
     <dgm:style>
       <a:lnRef idx="2">
@@ -23782,6 +23799,7 @@
       <a:camera prst="orthographicFront"/>
       <a:lightRig rig="threePt" dir="t"/>
     </dgm:scene3d>
+    <dgm:sp3d/>
     <dgm:txPr/>
     <dgm:style>
       <a:lnRef idx="2">
@@ -23801,6 +23819,7 @@
       <a:camera prst="orthographicFront"/>
       <a:lightRig rig="threePt" dir="t"/>
     </dgm:scene3d>
+    <dgm:sp3d/>
     <dgm:txPr/>
     <dgm:style>
       <a:lnRef idx="0">
@@ -23820,6 +23839,7 @@
       <a:camera prst="orthographicFront"/>
       <a:lightRig rig="threePt" dir="t"/>
     </dgm:scene3d>
+    <dgm:sp3d/>
     <dgm:txPr/>
     <dgm:style>
       <a:lnRef idx="2">
@@ -23839,6 +23859,7 @@
       <a:camera prst="orthographicFront"/>
       <a:lightRig rig="threePt" dir="t"/>
     </dgm:scene3d>
+    <dgm:sp3d/>
     <dgm:txPr/>
     <dgm:style>
       <a:lnRef idx="2">
@@ -23858,6 +23879,7 @@
       <a:camera prst="orthographicFront"/>
       <a:lightRig rig="threePt" dir="t"/>
     </dgm:scene3d>
+    <dgm:sp3d/>
     <dgm:txPr/>
     <dgm:style>
       <a:lnRef idx="2">
@@ -23877,6 +23899,7 @@
       <a:camera prst="orthographicFront"/>
       <a:lightRig rig="threePt" dir="t"/>
     </dgm:scene3d>
+    <dgm:sp3d/>
     <dgm:txPr/>
     <dgm:style>
       <a:lnRef idx="2">
@@ -23896,6 +23919,7 @@
       <a:camera prst="orthographicFront"/>
       <a:lightRig rig="threePt" dir="t"/>
     </dgm:scene3d>
+    <dgm:sp3d/>
     <dgm:txPr/>
     <dgm:style>
       <a:lnRef idx="2">
@@ -23915,6 +23939,7 @@
       <a:camera prst="orthographicFront"/>
       <a:lightRig rig="threePt" dir="t"/>
     </dgm:scene3d>
+    <dgm:sp3d/>
     <dgm:txPr/>
     <dgm:style>
       <a:lnRef idx="2">
@@ -23934,6 +23959,7 @@
       <a:camera prst="orthographicFront"/>
       <a:lightRig rig="threePt" dir="t"/>
     </dgm:scene3d>
+    <dgm:sp3d/>
     <dgm:txPr/>
     <dgm:style>
       <a:lnRef idx="2">
@@ -23953,6 +23979,7 @@
       <a:camera prst="orthographicFront"/>
       <a:lightRig rig="threePt" dir="t"/>
     </dgm:scene3d>
+    <dgm:sp3d/>
     <dgm:txPr/>
     <dgm:style>
       <a:lnRef idx="2">
@@ -23972,6 +23999,7 @@
       <a:camera prst="orthographicFront"/>
       <a:lightRig rig="threePt" dir="t"/>
     </dgm:scene3d>
+    <dgm:sp3d/>
     <dgm:txPr/>
     <dgm:style>
       <a:lnRef idx="0">
@@ -23993,6 +24021,7 @@
       <a:camera prst="orthographicFront"/>
       <a:lightRig rig="threePt" dir="t"/>
     </dgm:scene3d>
+    <dgm:sp3d/>
     <dgm:txPr/>
     <dgm:style>
       <a:lnRef idx="2">
@@ -24014,6 +24043,7 @@
       <a:camera prst="orthographicFront"/>
       <a:lightRig rig="threePt" dir="t"/>
     </dgm:scene3d>
+    <dgm:sp3d/>
     <dgm:txPr/>
     <dgm:style>
       <a:lnRef idx="2">
@@ -24035,6 +24065,7 @@
       <a:camera prst="orthographicFront"/>
       <a:lightRig rig="threePt" dir="t"/>
     </dgm:scene3d>
+    <dgm:sp3d/>
     <dgm:txPr/>
     <dgm:style>
       <a:lnRef idx="2">
@@ -24056,6 +24087,7 @@
       <a:camera prst="orthographicFront"/>
       <a:lightRig rig="threePt" dir="t"/>
     </dgm:scene3d>
+    <dgm:sp3d/>
     <dgm:txPr/>
     <dgm:style>
       <a:lnRef idx="2">
@@ -24077,6 +24109,7 @@
       <a:camera prst="orthographicFront"/>
       <a:lightRig rig="threePt" dir="t"/>
     </dgm:scene3d>
+    <dgm:sp3d/>
     <dgm:txPr/>
     <dgm:style>
       <a:lnRef idx="2">
@@ -24098,6 +24131,7 @@
       <a:camera prst="orthographicFront"/>
       <a:lightRig rig="threePt" dir="t"/>
     </dgm:scene3d>
+    <dgm:sp3d/>
     <dgm:txPr/>
     <dgm:style>
       <a:lnRef idx="2">
@@ -24119,6 +24153,7 @@
       <a:camera prst="orthographicFront"/>
       <a:lightRig rig="threePt" dir="t"/>
     </dgm:scene3d>
+    <dgm:sp3d/>
     <dgm:txPr/>
     <dgm:style>
       <a:lnRef idx="2">
@@ -24138,6 +24173,7 @@
       <a:camera prst="orthographicFront"/>
       <a:lightRig rig="threePt" dir="t"/>
     </dgm:scene3d>
+    <dgm:sp3d/>
     <dgm:txPr/>
     <dgm:style>
       <a:lnRef idx="2">
@@ -24157,6 +24193,7 @@
       <a:camera prst="orthographicFront"/>
       <a:lightRig rig="threePt" dir="t"/>
     </dgm:scene3d>
+    <dgm:sp3d/>
     <dgm:txPr/>
     <dgm:style>
       <a:lnRef idx="2">
@@ -24176,6 +24213,7 @@
       <a:camera prst="orthographicFront"/>
       <a:lightRig rig="threePt" dir="t"/>
     </dgm:scene3d>
+    <dgm:sp3d/>
     <dgm:txPr/>
     <dgm:style>
       <a:lnRef idx="2">
@@ -24195,6 +24233,7 @@
       <a:camera prst="orthographicFront"/>
       <a:lightRig rig="threePt" dir="t"/>
     </dgm:scene3d>
+    <dgm:sp3d/>
     <dgm:txPr/>
     <dgm:style>
       <a:lnRef idx="2">
@@ -24216,6 +24255,7 @@
       <a:camera prst="orthographicFront"/>
       <a:lightRig rig="threePt" dir="t"/>
     </dgm:scene3d>
+    <dgm:sp3d/>
     <dgm:txPr/>
     <dgm:style>
       <a:lnRef idx="2">
@@ -24237,6 +24277,7 @@
       <a:camera prst="orthographicFront"/>
       <a:lightRig rig="threePt" dir="t"/>
     </dgm:scene3d>
+    <dgm:sp3d/>
     <dgm:txPr/>
     <dgm:style>
       <a:lnRef idx="2">
@@ -24258,6 +24299,7 @@
       <a:camera prst="orthographicFront"/>
       <a:lightRig rig="threePt" dir="t"/>
     </dgm:scene3d>
+    <dgm:sp3d/>
     <dgm:txPr/>
     <dgm:style>
       <a:lnRef idx="2">
@@ -24279,6 +24321,7 @@
       <a:camera prst="orthographicFront"/>
       <a:lightRig rig="threePt" dir="t"/>
     </dgm:scene3d>
+    <dgm:sp3d/>
     <dgm:txPr/>
     <dgm:style>
       <a:lnRef idx="0">
@@ -24298,6 +24341,7 @@
       <a:camera prst="orthographicFront"/>
       <a:lightRig rig="threePt" dir="t"/>
     </dgm:scene3d>
+    <dgm:sp3d/>
     <dgm:txPr/>
     <dgm:style>
       <a:lnRef idx="1">
@@ -24317,6 +24361,7 @@
       <a:camera prst="orthographicFront"/>
       <a:lightRig rig="threePt" dir="t"/>
     </dgm:scene3d>
+    <dgm:sp3d/>
     <dgm:txPr/>
     <dgm:style>
       <a:lnRef idx="0">
@@ -24338,6 +24383,7 @@
       <a:camera prst="orthographicFront"/>
       <a:lightRig rig="threePt" dir="t"/>
     </dgm:scene3d>
+    <dgm:sp3d/>
     <dgm:txPr/>
     <dgm:style>
       <a:lnRef idx="2">
@@ -24357,6 +24403,7 @@
       <a:camera prst="orthographicFront"/>
       <a:lightRig rig="threePt" dir="t"/>
     </dgm:scene3d>
+    <dgm:sp3d/>
     <dgm:txPr/>
     <dgm:style>
       <a:lnRef idx="2">
@@ -24376,6 +24423,7 @@
       <a:camera prst="orthographicFront"/>
       <a:lightRig rig="threePt" dir="t"/>
     </dgm:scene3d>
+    <dgm:sp3d/>
     <dgm:txPr/>
     <dgm:style>
       <a:lnRef idx="2">
@@ -24395,6 +24443,7 @@
       <a:camera prst="orthographicFront"/>
       <a:lightRig rig="threePt" dir="t"/>
     </dgm:scene3d>
+    <dgm:sp3d/>
     <dgm:txPr/>
     <dgm:style>
       <a:lnRef idx="1">
@@ -24414,6 +24463,7 @@
       <a:camera prst="orthographicFront"/>
       <a:lightRig rig="threePt" dir="t"/>
     </dgm:scene3d>
+    <dgm:sp3d/>
     <dgm:txPr/>
     <dgm:style>
       <a:lnRef idx="0">
@@ -24433,6 +24483,7 @@
       <a:camera prst="orthographicFront"/>
       <a:lightRig rig="threePt" dir="t"/>
     </dgm:scene3d>
+    <dgm:sp3d/>
     <dgm:txPr/>
     <dgm:style>
       <a:lnRef idx="2">
@@ -24453,7 +24504,7 @@
 </file>
 
 <file path=ppt/diagrams/quickStyle2.xml><?xml version="1.0" encoding="utf-8"?>
-<dgm:styleDef xmlns:dgm="http://schemas.openxmlformats.org/drawingml/2006/diagram" xmlns:a="http://schemas.openxmlformats.org/drawingml/2006/main" uniqueId="urn:microsoft.com/office/officeart/2005/8/quickstyle/simple3">
+<dgm:styleDef xmlns:dgm="http://schemas.openxmlformats.org/drawingml/2006/diagram" xmlns:a="http://schemas.openxmlformats.org/drawingml/2006/main" uniqueId="urn:microsoft.com/office/officeart/2005/8/quickstyle/simple3#1">
   <dgm:title val=""/>
   <dgm:desc val=""/>
   <dgm:catLst>
@@ -24468,6 +24519,7 @@
       <a:camera prst="orthographicFront"/>
       <a:lightRig rig="threePt" dir="t"/>
     </dgm:scene3d>
+    <dgm:sp3d/>
     <dgm:txPr/>
     <dgm:style>
       <a:lnRef idx="1">
@@ -24487,6 +24539,7 @@
       <a:camera prst="orthographicFront"/>
       <a:lightRig rig="threePt" dir="t"/>
     </dgm:scene3d>
+    <dgm:sp3d/>
     <dgm:txPr/>
     <dgm:style>
       <a:lnRef idx="1">
@@ -24506,6 +24559,7 @@
       <a:camera prst="orthographicFront"/>
       <a:lightRig rig="threePt" dir="t"/>
     </dgm:scene3d>
+    <dgm:sp3d/>
     <dgm:txPr/>
     <dgm:style>
       <a:lnRef idx="1">
@@ -24525,6 +24579,7 @@
       <a:camera prst="orthographicFront"/>
       <a:lightRig rig="threePt" dir="t"/>
     </dgm:scene3d>
+    <dgm:sp3d/>
     <dgm:txPr/>
     <dgm:style>
       <a:lnRef idx="1">
@@ -24666,6 +24721,7 @@
       <a:camera prst="orthographicFront"/>
       <a:lightRig rig="threePt" dir="t"/>
     </dgm:scene3d>
+    <dgm:sp3d/>
     <dgm:txPr/>
     <dgm:style>
       <a:lnRef idx="1">
@@ -24685,6 +24741,7 @@
       <a:camera prst="orthographicFront"/>
       <a:lightRig rig="threePt" dir="t"/>
     </dgm:scene3d>
+    <dgm:sp3d/>
     <dgm:txPr/>
     <dgm:style>
       <a:lnRef idx="1">
@@ -24704,6 +24761,7 @@
       <a:camera prst="orthographicFront"/>
       <a:lightRig rig="threePt" dir="t"/>
     </dgm:scene3d>
+    <dgm:sp3d/>
     <dgm:txPr/>
     <dgm:style>
       <a:lnRef idx="1">
@@ -24723,6 +24781,7 @@
       <a:camera prst="orthographicFront"/>
       <a:lightRig rig="threePt" dir="t"/>
     </dgm:scene3d>
+    <dgm:sp3d/>
     <dgm:txPr/>
     <dgm:style>
       <a:lnRef idx="0">
@@ -24742,6 +24801,7 @@
       <a:camera prst="orthographicFront"/>
       <a:lightRig rig="threePt" dir="t"/>
     </dgm:scene3d>
+    <dgm:sp3d/>
     <dgm:txPr/>
     <dgm:style>
       <a:lnRef idx="0">
@@ -24763,6 +24823,7 @@
       <a:camera prst="orthographicFront"/>
       <a:lightRig rig="threePt" dir="t"/>
     </dgm:scene3d>
+    <dgm:sp3d/>
     <dgm:txPr/>
     <dgm:style>
       <a:lnRef idx="1">
@@ -24782,6 +24843,7 @@
       <a:camera prst="orthographicFront"/>
       <a:lightRig rig="threePt" dir="t"/>
     </dgm:scene3d>
+    <dgm:sp3d/>
     <dgm:txPr/>
     <dgm:style>
       <a:lnRef idx="1">
@@ -24801,6 +24863,7 @@
       <a:camera prst="orthographicFront"/>
       <a:lightRig rig="threePt" dir="t"/>
     </dgm:scene3d>
+    <dgm:sp3d/>
     <dgm:txPr/>
     <dgm:style>
       <a:lnRef idx="0">
@@ -24820,6 +24883,7 @@
       <a:camera prst="orthographicFront"/>
       <a:lightRig rig="threePt" dir="t"/>
     </dgm:scene3d>
+    <dgm:sp3d/>
     <dgm:txPr/>
     <dgm:style>
       <a:lnRef idx="1">
@@ -24839,6 +24903,7 @@
       <a:camera prst="orthographicFront"/>
       <a:lightRig rig="threePt" dir="t"/>
     </dgm:scene3d>
+    <dgm:sp3d/>
     <dgm:txPr/>
     <dgm:style>
       <a:lnRef idx="1">
@@ -24858,6 +24923,7 @@
       <a:camera prst="orthographicFront"/>
       <a:lightRig rig="threePt" dir="t"/>
     </dgm:scene3d>
+    <dgm:sp3d/>
     <dgm:txPr/>
     <dgm:style>
       <a:lnRef idx="1">
@@ -24877,6 +24943,7 @@
       <a:camera prst="orthographicFront"/>
       <a:lightRig rig="threePt" dir="t"/>
     </dgm:scene3d>
+    <dgm:sp3d/>
     <dgm:txPr/>
     <dgm:style>
       <a:lnRef idx="1">
@@ -24896,6 +24963,7 @@
       <a:camera prst="orthographicFront"/>
       <a:lightRig rig="threePt" dir="t"/>
     </dgm:scene3d>
+    <dgm:sp3d/>
     <dgm:txPr/>
     <dgm:style>
       <a:lnRef idx="1">
@@ -24915,6 +24983,7 @@
       <a:camera prst="orthographicFront"/>
       <a:lightRig rig="threePt" dir="t"/>
     </dgm:scene3d>
+    <dgm:sp3d/>
     <dgm:txPr/>
     <dgm:style>
       <a:lnRef idx="1">
@@ -24934,6 +25003,7 @@
       <a:camera prst="orthographicFront"/>
       <a:lightRig rig="threePt" dir="t"/>
     </dgm:scene3d>
+    <dgm:sp3d/>
     <dgm:txPr/>
     <dgm:style>
       <a:lnRef idx="1">
@@ -24975,6 +25045,7 @@
       <a:camera prst="orthographicFront"/>
       <a:lightRig rig="threePt" dir="t"/>
     </dgm:scene3d>
+    <dgm:sp3d/>
     <dgm:txPr/>
     <dgm:style>
       <a:lnRef idx="0">
@@ -25140,6 +25211,7 @@
       <a:camera prst="orthographicFront"/>
       <a:lightRig rig="threePt" dir="t"/>
     </dgm:scene3d>
+    <dgm:sp3d/>
     <dgm:txPr/>
     <dgm:style>
       <a:lnRef idx="2">
@@ -25159,6 +25231,7 @@
       <a:camera prst="orthographicFront"/>
       <a:lightRig rig="threePt" dir="t"/>
     </dgm:scene3d>
+    <dgm:sp3d/>
     <dgm:txPr/>
     <dgm:style>
       <a:lnRef idx="2">
@@ -25178,6 +25251,7 @@
       <a:camera prst="orthographicFront"/>
       <a:lightRig rig="threePt" dir="t"/>
     </dgm:scene3d>
+    <dgm:sp3d/>
     <dgm:txPr/>
     <dgm:style>
       <a:lnRef idx="2">
@@ -25197,6 +25271,7 @@
       <a:camera prst="orthographicFront"/>
       <a:lightRig rig="threePt" dir="t"/>
     </dgm:scene3d>
+    <dgm:sp3d/>
     <dgm:txPr/>
     <dgm:style>
       <a:lnRef idx="2">
@@ -25216,6 +25291,7 @@
       <a:camera prst="orthographicFront"/>
       <a:lightRig rig="threePt" dir="t"/>
     </dgm:scene3d>
+    <dgm:sp3d/>
     <dgm:txPr/>
     <dgm:style>
       <a:lnRef idx="1">
@@ -25237,6 +25313,7 @@
       <a:camera prst="orthographicFront"/>
       <a:lightRig rig="threePt" dir="t"/>
     </dgm:scene3d>
+    <dgm:sp3d/>
     <dgm:txPr/>
     <dgm:style>
       <a:lnRef idx="1">
@@ -25258,6 +25335,7 @@
       <a:camera prst="orthographicFront"/>
       <a:lightRig rig="threePt" dir="t"/>
     </dgm:scene3d>
+    <dgm:sp3d/>
     <dgm:txPr/>
     <dgm:style>
       <a:lnRef idx="1">
@@ -25279,6 +25357,7 @@
       <a:camera prst="orthographicFront"/>
       <a:lightRig rig="threePt" dir="t"/>
     </dgm:scene3d>
+    <dgm:sp3d/>
     <dgm:txPr/>
     <dgm:style>
       <a:lnRef idx="1">
@@ -25300,6 +25379,7 @@
       <a:camera prst="orthographicFront"/>
       <a:lightRig rig="threePt" dir="t"/>
     </dgm:scene3d>
+    <dgm:sp3d/>
     <dgm:txPr/>
     <dgm:style>
       <a:lnRef idx="0">
@@ -25319,6 +25399,7 @@
       <a:camera prst="orthographicFront"/>
       <a:lightRig rig="threePt" dir="t"/>
     </dgm:scene3d>
+    <dgm:sp3d/>
     <dgm:txPr/>
     <dgm:style>
       <a:lnRef idx="1">
@@ -25338,6 +25419,7 @@
       <a:camera prst="orthographicFront"/>
       <a:lightRig rig="threePt" dir="t"/>
     </dgm:scene3d>
+    <dgm:sp3d/>
     <dgm:txPr/>
     <dgm:style>
       <a:lnRef idx="0">
@@ -25359,6 +25441,7 @@
       <a:camera prst="orthographicFront"/>
       <a:lightRig rig="threePt" dir="t"/>
     </dgm:scene3d>
+    <dgm:sp3d/>
     <dgm:txPr/>
     <dgm:style>
       <a:lnRef idx="1">
@@ -25378,6 +25461,7 @@
       <a:camera prst="orthographicFront"/>
       <a:lightRig rig="threePt" dir="t"/>
     </dgm:scene3d>
+    <dgm:sp3d/>
     <dgm:txPr/>
     <dgm:style>
       <a:lnRef idx="1">
@@ -25397,6 +25481,7 @@
       <a:camera prst="orthographicFront"/>
       <a:lightRig rig="threePt" dir="t"/>
     </dgm:scene3d>
+    <dgm:sp3d/>
     <dgm:txPr/>
     <dgm:style>
       <a:lnRef idx="1">
@@ -25416,6 +25501,7 @@
       <a:camera prst="orthographicFront"/>
       <a:lightRig rig="threePt" dir="t"/>
     </dgm:scene3d>
+    <dgm:sp3d/>
     <dgm:txPr/>
     <dgm:style>
       <a:lnRef idx="1">
@@ -25435,6 +25521,7 @@
       <a:camera prst="orthographicFront"/>
       <a:lightRig rig="threePt" dir="t"/>
     </dgm:scene3d>
+    <dgm:sp3d/>
     <dgm:txPr/>
     <dgm:style>
       <a:lnRef idx="0">
@@ -25477,7 +25564,7 @@
 </file>
 
 <file path=ppt/diagrams/quickStyle3.xml><?xml version="1.0" encoding="utf-8"?>
-<dgm:styleDef xmlns:dgm="http://schemas.openxmlformats.org/drawingml/2006/diagram" xmlns:a="http://schemas.openxmlformats.org/drawingml/2006/main" uniqueId="urn:microsoft.com/office/officeart/2005/8/quickstyle/simple1">
+<dgm:styleDef xmlns:dgm="http://schemas.openxmlformats.org/drawingml/2006/diagram" xmlns:a="http://schemas.openxmlformats.org/drawingml/2006/main" uniqueId="urn:microsoft.com/office/officeart/2005/8/quickstyle/simple1#2">
   <dgm:title val=""/>
   <dgm:desc val=""/>
   <dgm:catLst>
@@ -25492,6 +25579,7 @@
       <a:camera prst="orthographicFront"/>
       <a:lightRig rig="threePt" dir="t"/>
     </dgm:scene3d>
+    <dgm:sp3d/>
     <dgm:txPr/>
     <dgm:style>
       <a:lnRef idx="2">
@@ -25511,6 +25599,7 @@
       <a:camera prst="orthographicFront"/>
       <a:lightRig rig="threePt" dir="t"/>
     </dgm:scene3d>
+    <dgm:sp3d/>
     <dgm:txPr/>
     <dgm:style>
       <a:lnRef idx="2">
@@ -25530,6 +25619,7 @@
       <a:camera prst="orthographicFront"/>
       <a:lightRig rig="threePt" dir="t"/>
     </dgm:scene3d>
+    <dgm:sp3d/>
     <dgm:txPr/>
     <dgm:style>
       <a:lnRef idx="2">
@@ -25549,6 +25639,7 @@
       <a:camera prst="orthographicFront"/>
       <a:lightRig rig="threePt" dir="t"/>
     </dgm:scene3d>
+    <dgm:sp3d/>
     <dgm:txPr/>
     <dgm:style>
       <a:lnRef idx="2">
@@ -25570,6 +25661,7 @@
       <a:camera prst="orthographicFront"/>
       <a:lightRig rig="threePt" dir="t"/>
     </dgm:scene3d>
+    <dgm:sp3d/>
     <dgm:txPr/>
     <dgm:style>
       <a:lnRef idx="2">
@@ -25591,6 +25683,7 @@
       <a:camera prst="orthographicFront"/>
       <a:lightRig rig="threePt" dir="t"/>
     </dgm:scene3d>
+    <dgm:sp3d/>
     <dgm:txPr/>
     <dgm:style>
       <a:lnRef idx="2">
@@ -25612,6 +25705,7 @@
       <a:camera prst="orthographicFront"/>
       <a:lightRig rig="threePt" dir="t"/>
     </dgm:scene3d>
+    <dgm:sp3d/>
     <dgm:txPr/>
     <dgm:style>
       <a:lnRef idx="2">
@@ -25633,6 +25727,7 @@
       <a:camera prst="orthographicFront"/>
       <a:lightRig rig="threePt" dir="t"/>
     </dgm:scene3d>
+    <dgm:sp3d/>
     <dgm:txPr/>
     <dgm:style>
       <a:lnRef idx="2">
@@ -25654,6 +25749,7 @@
       <a:camera prst="orthographicFront"/>
       <a:lightRig rig="threePt" dir="t"/>
     </dgm:scene3d>
+    <dgm:sp3d/>
     <dgm:txPr/>
     <dgm:style>
       <a:lnRef idx="2">
@@ -25675,6 +25771,7 @@
       <a:camera prst="orthographicFront"/>
       <a:lightRig rig="threePt" dir="t"/>
     </dgm:scene3d>
+    <dgm:sp3d/>
     <dgm:txPr/>
     <dgm:style>
       <a:lnRef idx="2">
@@ -25694,6 +25791,7 @@
       <a:camera prst="orthographicFront"/>
       <a:lightRig rig="threePt" dir="t"/>
     </dgm:scene3d>
+    <dgm:sp3d/>
     <dgm:txPr/>
     <dgm:style>
       <a:lnRef idx="2">
@@ -25713,6 +25811,7 @@
       <a:camera prst="orthographicFront"/>
       <a:lightRig rig="threePt" dir="t"/>
     </dgm:scene3d>
+    <dgm:sp3d/>
     <dgm:txPr/>
     <dgm:style>
       <a:lnRef idx="2">
@@ -25732,6 +25831,7 @@
       <a:camera prst="orthographicFront"/>
       <a:lightRig rig="threePt" dir="t"/>
     </dgm:scene3d>
+    <dgm:sp3d/>
     <dgm:txPr/>
     <dgm:style>
       <a:lnRef idx="0">
@@ -25751,6 +25851,7 @@
       <a:camera prst="orthographicFront"/>
       <a:lightRig rig="threePt" dir="t"/>
     </dgm:scene3d>
+    <dgm:sp3d/>
     <dgm:txPr/>
     <dgm:style>
       <a:lnRef idx="0">
@@ -25772,6 +25873,7 @@
       <a:camera prst="orthographicFront"/>
       <a:lightRig rig="threePt" dir="t"/>
     </dgm:scene3d>
+    <dgm:sp3d/>
     <dgm:txPr/>
     <dgm:style>
       <a:lnRef idx="2">
@@ -25791,6 +25893,7 @@
       <a:camera prst="orthographicFront"/>
       <a:lightRig rig="threePt" dir="t"/>
     </dgm:scene3d>
+    <dgm:sp3d/>
     <dgm:txPr/>
     <dgm:style>
       <a:lnRef idx="2">
@@ -25810,6 +25913,7 @@
       <a:camera prst="orthographicFront"/>
       <a:lightRig rig="threePt" dir="t"/>
     </dgm:scene3d>
+    <dgm:sp3d/>
     <dgm:txPr/>
     <dgm:style>
       <a:lnRef idx="0">
@@ -25829,6 +25933,7 @@
       <a:camera prst="orthographicFront"/>
       <a:lightRig rig="threePt" dir="t"/>
     </dgm:scene3d>
+    <dgm:sp3d/>
     <dgm:txPr/>
     <dgm:style>
       <a:lnRef idx="2">
@@ -25848,6 +25953,7 @@
       <a:camera prst="orthographicFront"/>
       <a:lightRig rig="threePt" dir="t"/>
     </dgm:scene3d>
+    <dgm:sp3d/>
     <dgm:txPr/>
     <dgm:style>
       <a:lnRef idx="2">
@@ -25867,6 +25973,7 @@
       <a:camera prst="orthographicFront"/>
       <a:lightRig rig="threePt" dir="t"/>
     </dgm:scene3d>
+    <dgm:sp3d/>
     <dgm:txPr/>
     <dgm:style>
       <a:lnRef idx="2">
@@ -25886,6 +25993,7 @@
       <a:camera prst="orthographicFront"/>
       <a:lightRig rig="threePt" dir="t"/>
     </dgm:scene3d>
+    <dgm:sp3d/>
     <dgm:txPr/>
     <dgm:style>
       <a:lnRef idx="2">
@@ -25905,6 +26013,7 @@
       <a:camera prst="orthographicFront"/>
       <a:lightRig rig="threePt" dir="t"/>
     </dgm:scene3d>
+    <dgm:sp3d/>
     <dgm:txPr/>
     <dgm:style>
       <a:lnRef idx="2">
@@ -25924,6 +26033,7 @@
       <a:camera prst="orthographicFront"/>
       <a:lightRig rig="threePt" dir="t"/>
     </dgm:scene3d>
+    <dgm:sp3d/>
     <dgm:txPr/>
     <dgm:style>
       <a:lnRef idx="2">
@@ -25943,6 +26053,7 @@
       <a:camera prst="orthographicFront"/>
       <a:lightRig rig="threePt" dir="t"/>
     </dgm:scene3d>
+    <dgm:sp3d/>
     <dgm:txPr/>
     <dgm:style>
       <a:lnRef idx="2">
@@ -25962,6 +26073,7 @@
       <a:camera prst="orthographicFront"/>
       <a:lightRig rig="threePt" dir="t"/>
     </dgm:scene3d>
+    <dgm:sp3d/>
     <dgm:txPr/>
     <dgm:style>
       <a:lnRef idx="2">
@@ -25981,6 +26093,7 @@
       <a:camera prst="orthographicFront"/>
       <a:lightRig rig="threePt" dir="t"/>
     </dgm:scene3d>
+    <dgm:sp3d/>
     <dgm:txPr/>
     <dgm:style>
       <a:lnRef idx="0">
@@ -26002,6 +26115,7 @@
       <a:camera prst="orthographicFront"/>
       <a:lightRig rig="threePt" dir="t"/>
     </dgm:scene3d>
+    <dgm:sp3d/>
     <dgm:txPr/>
     <dgm:style>
       <a:lnRef idx="2">
@@ -26023,6 +26137,7 @@
       <a:camera prst="orthographicFront"/>
       <a:lightRig rig="threePt" dir="t"/>
     </dgm:scene3d>
+    <dgm:sp3d/>
     <dgm:txPr/>
     <dgm:style>
       <a:lnRef idx="2">
@@ -26044,6 +26159,7 @@
       <a:camera prst="orthographicFront"/>
       <a:lightRig rig="threePt" dir="t"/>
     </dgm:scene3d>
+    <dgm:sp3d/>
     <dgm:txPr/>
     <dgm:style>
       <a:lnRef idx="2">
@@ -26065,6 +26181,7 @@
       <a:camera prst="orthographicFront"/>
       <a:lightRig rig="threePt" dir="t"/>
     </dgm:scene3d>
+    <dgm:sp3d/>
     <dgm:txPr/>
     <dgm:style>
       <a:lnRef idx="2">
@@ -26086,6 +26203,7 @@
       <a:camera prst="orthographicFront"/>
       <a:lightRig rig="threePt" dir="t"/>
     </dgm:scene3d>
+    <dgm:sp3d/>
     <dgm:txPr/>
     <dgm:style>
       <a:lnRef idx="2">
@@ -26107,6 +26225,7 @@
       <a:camera prst="orthographicFront"/>
       <a:lightRig rig="threePt" dir="t"/>
     </dgm:scene3d>
+    <dgm:sp3d/>
     <dgm:txPr/>
     <dgm:style>
       <a:lnRef idx="2">
@@ -26128,6 +26247,7 @@
       <a:camera prst="orthographicFront"/>
       <a:lightRig rig="threePt" dir="t"/>
     </dgm:scene3d>
+    <dgm:sp3d/>
     <dgm:txPr/>
     <dgm:style>
       <a:lnRef idx="2">
@@ -26147,6 +26267,7 @@
       <a:camera prst="orthographicFront"/>
       <a:lightRig rig="threePt" dir="t"/>
     </dgm:scene3d>
+    <dgm:sp3d/>
     <dgm:txPr/>
     <dgm:style>
       <a:lnRef idx="2">
@@ -26166,6 +26287,7 @@
       <a:camera prst="orthographicFront"/>
       <a:lightRig rig="threePt" dir="t"/>
     </dgm:scene3d>
+    <dgm:sp3d/>
     <dgm:txPr/>
     <dgm:style>
       <a:lnRef idx="2">
@@ -26185,6 +26307,7 @@
       <a:camera prst="orthographicFront"/>
       <a:lightRig rig="threePt" dir="t"/>
     </dgm:scene3d>
+    <dgm:sp3d/>
     <dgm:txPr/>
     <dgm:style>
       <a:lnRef idx="2">
@@ -26204,6 +26327,7 @@
       <a:camera prst="orthographicFront"/>
       <a:lightRig rig="threePt" dir="t"/>
     </dgm:scene3d>
+    <dgm:sp3d/>
     <dgm:txPr/>
     <dgm:style>
       <a:lnRef idx="2">
@@ -26225,6 +26349,7 @@
       <a:camera prst="orthographicFront"/>
       <a:lightRig rig="threePt" dir="t"/>
     </dgm:scene3d>
+    <dgm:sp3d/>
     <dgm:txPr/>
     <dgm:style>
       <a:lnRef idx="2">
@@ -26246,6 +26371,7 @@
       <a:camera prst="orthographicFront"/>
       <a:lightRig rig="threePt" dir="t"/>
     </dgm:scene3d>
+    <dgm:sp3d/>
     <dgm:txPr/>
     <dgm:style>
       <a:lnRef idx="2">
@@ -26267,6 +26393,7 @@
       <a:camera prst="orthographicFront"/>
       <a:lightRig rig="threePt" dir="t"/>
     </dgm:scene3d>
+    <dgm:sp3d/>
     <dgm:txPr/>
     <dgm:style>
       <a:lnRef idx="2">
@@ -26288,6 +26415,7 @@
       <a:camera prst="orthographicFront"/>
       <a:lightRig rig="threePt" dir="t"/>
     </dgm:scene3d>
+    <dgm:sp3d/>
     <dgm:txPr/>
     <dgm:style>
       <a:lnRef idx="0">
@@ -26307,6 +26435,7 @@
       <a:camera prst="orthographicFront"/>
       <a:lightRig rig="threePt" dir="t"/>
     </dgm:scene3d>
+    <dgm:sp3d/>
     <dgm:txPr/>
     <dgm:style>
       <a:lnRef idx="1">
@@ -26326,6 +26455,7 @@
       <a:camera prst="orthographicFront"/>
       <a:lightRig rig="threePt" dir="t"/>
     </dgm:scene3d>
+    <dgm:sp3d/>
     <dgm:txPr/>
     <dgm:style>
       <a:lnRef idx="0">
@@ -26347,6 +26477,7 @@
       <a:camera prst="orthographicFront"/>
       <a:lightRig rig="threePt" dir="t"/>
     </dgm:scene3d>
+    <dgm:sp3d/>
     <dgm:txPr/>
     <dgm:style>
       <a:lnRef idx="2">
@@ -26366,6 +26497,7 @@
       <a:camera prst="orthographicFront"/>
       <a:lightRig rig="threePt" dir="t"/>
     </dgm:scene3d>
+    <dgm:sp3d/>
     <dgm:txPr/>
     <dgm:style>
       <a:lnRef idx="2">
@@ -26385,6 +26517,7 @@
       <a:camera prst="orthographicFront"/>
       <a:lightRig rig="threePt" dir="t"/>
     </dgm:scene3d>
+    <dgm:sp3d/>
     <dgm:txPr/>
     <dgm:style>
       <a:lnRef idx="2">
@@ -26404,6 +26537,7 @@
       <a:camera prst="orthographicFront"/>
       <a:lightRig rig="threePt" dir="t"/>
     </dgm:scene3d>
+    <dgm:sp3d/>
     <dgm:txPr/>
     <dgm:style>
       <a:lnRef idx="1">
@@ -26423,6 +26557,7 @@
       <a:camera prst="orthographicFront"/>
       <a:lightRig rig="threePt" dir="t"/>
     </dgm:scene3d>
+    <dgm:sp3d/>
     <dgm:txPr/>
     <dgm:style>
       <a:lnRef idx="0">
@@ -26442,6 +26577,7 @@
       <a:camera prst="orthographicFront"/>
       <a:lightRig rig="threePt" dir="t"/>
     </dgm:scene3d>
+    <dgm:sp3d/>
     <dgm:txPr/>
     <dgm:style>
       <a:lnRef idx="2">
@@ -26462,7 +26598,7 @@
 </file>
 
 <file path=ppt/diagrams/quickStyle4.xml><?xml version="1.0" encoding="utf-8"?>
-<dgm:styleDef xmlns:dgm="http://schemas.openxmlformats.org/drawingml/2006/diagram" xmlns:a="http://schemas.openxmlformats.org/drawingml/2006/main" uniqueId="urn:microsoft.com/office/officeart/2005/8/quickstyle/simple1">
+<dgm:styleDef xmlns:dgm="http://schemas.openxmlformats.org/drawingml/2006/diagram" xmlns:a="http://schemas.openxmlformats.org/drawingml/2006/main" uniqueId="urn:microsoft.com/office/officeart/2005/8/quickstyle/simple1#3">
   <dgm:title val=""/>
   <dgm:desc val=""/>
   <dgm:catLst>
@@ -26477,6 +26613,7 @@
       <a:camera prst="orthographicFront"/>
       <a:lightRig rig="threePt" dir="t"/>
     </dgm:scene3d>
+    <dgm:sp3d/>
     <dgm:txPr/>
     <dgm:style>
       <a:lnRef idx="2">
@@ -26496,6 +26633,7 @@
       <a:camera prst="orthographicFront"/>
       <a:lightRig rig="threePt" dir="t"/>
     </dgm:scene3d>
+    <dgm:sp3d/>
     <dgm:txPr/>
     <dgm:style>
       <a:lnRef idx="2">
@@ -26515,6 +26653,7 @@
       <a:camera prst="orthographicFront"/>
       <a:lightRig rig="threePt" dir="t"/>
     </dgm:scene3d>
+    <dgm:sp3d/>
     <dgm:txPr/>
     <dgm:style>
       <a:lnRef idx="2">
@@ -26534,6 +26673,7 @@
       <a:camera prst="orthographicFront"/>
       <a:lightRig rig="threePt" dir="t"/>
     </dgm:scene3d>
+    <dgm:sp3d/>
     <dgm:txPr/>
     <dgm:style>
       <a:lnRef idx="2">
@@ -26555,6 +26695,7 @@
       <a:camera prst="orthographicFront"/>
       <a:lightRig rig="threePt" dir="t"/>
     </dgm:scene3d>
+    <dgm:sp3d/>
     <dgm:txPr/>
     <dgm:style>
       <a:lnRef idx="2">
@@ -26576,6 +26717,7 @@
       <a:camera prst="orthographicFront"/>
       <a:lightRig rig="threePt" dir="t"/>
     </dgm:scene3d>
+    <dgm:sp3d/>
     <dgm:txPr/>
     <dgm:style>
       <a:lnRef idx="2">
@@ -26597,6 +26739,7 @@
       <a:camera prst="orthographicFront"/>
       <a:lightRig rig="threePt" dir="t"/>
     </dgm:scene3d>
+    <dgm:sp3d/>
     <dgm:txPr/>
     <dgm:style>
       <a:lnRef idx="2">
@@ -26618,6 +26761,7 @@
       <a:camera prst="orthographicFront"/>
       <a:lightRig rig="threePt" dir="t"/>
     </dgm:scene3d>
+    <dgm:sp3d/>
     <dgm:txPr/>
     <dgm:style>
       <a:lnRef idx="2">
@@ -26639,6 +26783,7 @@
       <a:camera prst="orthographicFront"/>
       <a:lightRig rig="threePt" dir="t"/>
     </dgm:scene3d>
+    <dgm:sp3d/>
     <dgm:txPr/>
     <dgm:style>
       <a:lnRef idx="2">
@@ -26660,6 +26805,7 @@
       <a:camera prst="orthographicFront"/>
       <a:lightRig rig="threePt" dir="t"/>
     </dgm:scene3d>
+    <dgm:sp3d/>
     <dgm:txPr/>
     <dgm:style>
       <a:lnRef idx="2">
@@ -26679,6 +26825,7 @@
       <a:camera prst="orthographicFront"/>
       <a:lightRig rig="threePt" dir="t"/>
     </dgm:scene3d>
+    <dgm:sp3d/>
     <dgm:txPr/>
     <dgm:style>
       <a:lnRef idx="2">
@@ -26698,6 +26845,7 @@
       <a:camera prst="orthographicFront"/>
       <a:lightRig rig="threePt" dir="t"/>
     </dgm:scene3d>
+    <dgm:sp3d/>
     <dgm:txPr/>
     <dgm:style>
       <a:lnRef idx="2">
@@ -26717,6 +26865,7 @@
       <a:camera prst="orthographicFront"/>
       <a:lightRig rig="threePt" dir="t"/>
     </dgm:scene3d>
+    <dgm:sp3d/>
     <dgm:txPr/>
     <dgm:style>
       <a:lnRef idx="0">
@@ -26736,6 +26885,7 @@
       <a:camera prst="orthographicFront"/>
       <a:lightRig rig="threePt" dir="t"/>
     </dgm:scene3d>
+    <dgm:sp3d/>
     <dgm:txPr/>
     <dgm:style>
       <a:lnRef idx="0">
@@ -26757,6 +26907,7 @@
       <a:camera prst="orthographicFront"/>
       <a:lightRig rig="threePt" dir="t"/>
     </dgm:scene3d>
+    <dgm:sp3d/>
     <dgm:txPr/>
     <dgm:style>
       <a:lnRef idx="2">
@@ -26776,6 +26927,7 @@
       <a:camera prst="orthographicFront"/>
       <a:lightRig rig="threePt" dir="t"/>
     </dgm:scene3d>
+    <dgm:sp3d/>
     <dgm:txPr/>
     <dgm:style>
       <a:lnRef idx="2">
@@ -26795,6 +26947,7 @@
       <a:camera prst="orthographicFront"/>
       <a:lightRig rig="threePt" dir="t"/>
     </dgm:scene3d>
+    <dgm:sp3d/>
     <dgm:txPr/>
     <dgm:style>
       <a:lnRef idx="0">
@@ -26814,6 +26967,7 @@
       <a:camera prst="orthographicFront"/>
       <a:lightRig rig="threePt" dir="t"/>
     </dgm:scene3d>
+    <dgm:sp3d/>
     <dgm:txPr/>
     <dgm:style>
       <a:lnRef idx="2">
@@ -26833,6 +26987,7 @@
       <a:camera prst="orthographicFront"/>
       <a:lightRig rig="threePt" dir="t"/>
     </dgm:scene3d>
+    <dgm:sp3d/>
     <dgm:txPr/>
     <dgm:style>
       <a:lnRef idx="2">
@@ -26852,6 +27007,7 @@
       <a:camera prst="orthographicFront"/>
       <a:lightRig rig="threePt" dir="t"/>
     </dgm:scene3d>
+    <dgm:sp3d/>
     <dgm:txPr/>
     <dgm:style>
       <a:lnRef idx="2">
@@ -26871,6 +27027,7 @@
       <a:camera prst="orthographicFront"/>
       <a:lightRig rig="threePt" dir="t"/>
     </dgm:scene3d>
+    <dgm:sp3d/>
     <dgm:txPr/>
     <dgm:style>
       <a:lnRef idx="2">
@@ -26890,6 +27047,7 @@
       <a:camera prst="orthographicFront"/>
       <a:lightRig rig="threePt" dir="t"/>
     </dgm:scene3d>
+    <dgm:sp3d/>
     <dgm:txPr/>
     <dgm:style>
       <a:lnRef idx="2">
@@ -26909,6 +27067,7 @@
       <a:camera prst="orthographicFront"/>
       <a:lightRig rig="threePt" dir="t"/>
     </dgm:scene3d>
+    <dgm:sp3d/>
     <dgm:txPr/>
     <dgm:style>
       <a:lnRef idx="2">
@@ -26928,6 +27087,7 @@
       <a:camera prst="orthographicFront"/>
       <a:lightRig rig="threePt" dir="t"/>
     </dgm:scene3d>
+    <dgm:sp3d/>
     <dgm:txPr/>
     <dgm:style>
       <a:lnRef idx="2">
@@ -26947,6 +27107,7 @@
       <a:camera prst="orthographicFront"/>
       <a:lightRig rig="threePt" dir="t"/>
     </dgm:scene3d>
+    <dgm:sp3d/>
     <dgm:txPr/>
     <dgm:style>
       <a:lnRef idx="2">
@@ -26966,6 +27127,7 @@
       <a:camera prst="orthographicFront"/>
       <a:lightRig rig="threePt" dir="t"/>
     </dgm:scene3d>
+    <dgm:sp3d/>
     <dgm:txPr/>
     <dgm:style>
       <a:lnRef idx="0">
@@ -26987,6 +27149,7 @@
       <a:camera prst="orthographicFront"/>
       <a:lightRig rig="threePt" dir="t"/>
     </dgm:scene3d>
+    <dgm:sp3d/>
     <dgm:txPr/>
     <dgm:style>
       <a:lnRef idx="2">
@@ -27008,6 +27171,7 @@
       <a:camera prst="orthographicFront"/>
       <a:lightRig rig="threePt" dir="t"/>
     </dgm:scene3d>
+    <dgm:sp3d/>
     <dgm:txPr/>
     <dgm:style>
       <a:lnRef idx="2">
@@ -27029,6 +27193,7 @@
       <a:camera prst="orthographicFront"/>
       <a:lightRig rig="threePt" dir="t"/>
     </dgm:scene3d>
+    <dgm:sp3d/>
     <dgm:txPr/>
     <dgm:style>
       <a:lnRef idx="2">
@@ -27050,6 +27215,7 @@
       <a:camera prst="orthographicFront"/>
       <a:lightRig rig="threePt" dir="t"/>
     </dgm:scene3d>
+    <dgm:sp3d/>
     <dgm:txPr/>
     <dgm:style>
       <a:lnRef idx="2">
@@ -27071,6 +27237,7 @@
       <a:camera prst="orthographicFront"/>
       <a:lightRig rig="threePt" dir="t"/>
     </dgm:scene3d>
+    <dgm:sp3d/>
     <dgm:txPr/>
     <dgm:style>
       <a:lnRef idx="2">
@@ -27092,6 +27259,7 @@
       <a:camera prst="orthographicFront"/>
       <a:lightRig rig="threePt" dir="t"/>
     </dgm:scene3d>
+    <dgm:sp3d/>
     <dgm:txPr/>
     <dgm:style>
       <a:lnRef idx="2">
@@ -27113,6 +27281,7 @@
       <a:camera prst="orthographicFront"/>
       <a:lightRig rig="threePt" dir="t"/>
     </dgm:scene3d>
+    <dgm:sp3d/>
     <dgm:txPr/>
     <dgm:style>
       <a:lnRef idx="2">
@@ -27132,6 +27301,7 @@
       <a:camera prst="orthographicFront"/>
       <a:lightRig rig="threePt" dir="t"/>
     </dgm:scene3d>
+    <dgm:sp3d/>
     <dgm:txPr/>
     <dgm:style>
       <a:lnRef idx="2">
@@ -27151,6 +27321,7 @@
       <a:camera prst="orthographicFront"/>
       <a:lightRig rig="threePt" dir="t"/>
     </dgm:scene3d>
+    <dgm:sp3d/>
     <dgm:txPr/>
     <dgm:style>
       <a:lnRef idx="2">
@@ -27170,6 +27341,7 @@
       <a:camera prst="orthographicFront"/>
       <a:lightRig rig="threePt" dir="t"/>
     </dgm:scene3d>
+    <dgm:sp3d/>
     <dgm:txPr/>
     <dgm:style>
       <a:lnRef idx="2">
@@ -27189,6 +27361,7 @@
       <a:camera prst="orthographicFront"/>
       <a:lightRig rig="threePt" dir="t"/>
     </dgm:scene3d>
+    <dgm:sp3d/>
     <dgm:txPr/>
     <dgm:style>
       <a:lnRef idx="2">
@@ -27210,6 +27383,7 @@
       <a:camera prst="orthographicFront"/>
       <a:lightRig rig="threePt" dir="t"/>
     </dgm:scene3d>
+    <dgm:sp3d/>
     <dgm:txPr/>
     <dgm:style>
       <a:lnRef idx="2">
@@ -27231,6 +27405,7 @@
       <a:camera prst="orthographicFront"/>
       <a:lightRig rig="threePt" dir="t"/>
     </dgm:scene3d>
+    <dgm:sp3d/>
     <dgm:txPr/>
     <dgm:style>
       <a:lnRef idx="2">
@@ -27252,6 +27427,7 @@
       <a:camera prst="orthographicFront"/>
       <a:lightRig rig="threePt" dir="t"/>
     </dgm:scene3d>
+    <dgm:sp3d/>
     <dgm:txPr/>
     <dgm:style>
       <a:lnRef idx="2">
@@ -27273,6 +27449,7 @@
       <a:camera prst="orthographicFront"/>
       <a:lightRig rig="threePt" dir="t"/>
     </dgm:scene3d>
+    <dgm:sp3d/>
     <dgm:txPr/>
     <dgm:style>
       <a:lnRef idx="0">
@@ -27292,6 +27469,7 @@
       <a:camera prst="orthographicFront"/>
       <a:lightRig rig="threePt" dir="t"/>
     </dgm:scene3d>
+    <dgm:sp3d/>
     <dgm:txPr/>
     <dgm:style>
       <a:lnRef idx="1">
@@ -27311,6 +27489,7 @@
       <a:camera prst="orthographicFront"/>
       <a:lightRig rig="threePt" dir="t"/>
     </dgm:scene3d>
+    <dgm:sp3d/>
     <dgm:txPr/>
     <dgm:style>
       <a:lnRef idx="0">
@@ -27332,6 +27511,7 @@
       <a:camera prst="orthographicFront"/>
       <a:lightRig rig="threePt" dir="t"/>
     </dgm:scene3d>
+    <dgm:sp3d/>
     <dgm:txPr/>
     <dgm:style>
       <a:lnRef idx="2">
@@ -27351,6 +27531,7 @@
       <a:camera prst="orthographicFront"/>
       <a:lightRig rig="threePt" dir="t"/>
     </dgm:scene3d>
+    <dgm:sp3d/>
     <dgm:txPr/>
     <dgm:style>
       <a:lnRef idx="2">
@@ -27370,6 +27551,7 @@
       <a:camera prst="orthographicFront"/>
       <a:lightRig rig="threePt" dir="t"/>
     </dgm:scene3d>
+    <dgm:sp3d/>
     <dgm:txPr/>
     <dgm:style>
       <a:lnRef idx="2">
@@ -27389,6 +27571,7 @@
       <a:camera prst="orthographicFront"/>
       <a:lightRig rig="threePt" dir="t"/>
     </dgm:scene3d>
+    <dgm:sp3d/>
     <dgm:txPr/>
     <dgm:style>
       <a:lnRef idx="1">
@@ -27408,6 +27591,7 @@
       <a:camera prst="orthographicFront"/>
       <a:lightRig rig="threePt" dir="t"/>
     </dgm:scene3d>
+    <dgm:sp3d/>
     <dgm:txPr/>
     <dgm:style>
       <a:lnRef idx="0">
@@ -27427,6 +27611,7 @@
       <a:camera prst="orthographicFront"/>
       <a:lightRig rig="threePt" dir="t"/>
     </dgm:scene3d>
+    <dgm:sp3d/>
     <dgm:txPr/>
     <dgm:style>
       <a:lnRef idx="2">
@@ -27447,7 +27632,7 @@
 </file>
 
 <file path=ppt/diagrams/quickStyle5.xml><?xml version="1.0" encoding="utf-8"?>
-<dgm:styleDef xmlns:dgm="http://schemas.openxmlformats.org/drawingml/2006/diagram" xmlns:a="http://schemas.openxmlformats.org/drawingml/2006/main" uniqueId="urn:microsoft.com/office/officeart/2005/8/quickstyle/simple1">
+<dgm:styleDef xmlns:dgm="http://schemas.openxmlformats.org/drawingml/2006/diagram" xmlns:a="http://schemas.openxmlformats.org/drawingml/2006/main" uniqueId="urn:microsoft.com/office/officeart/2005/8/quickstyle/simple1#4">
   <dgm:title val=""/>
   <dgm:desc val=""/>
   <dgm:catLst>
@@ -27462,6 +27647,7 @@
       <a:camera prst="orthographicFront"/>
       <a:lightRig rig="threePt" dir="t"/>
     </dgm:scene3d>
+    <dgm:sp3d/>
     <dgm:txPr/>
     <dgm:style>
       <a:lnRef idx="2">
@@ -27481,6 +27667,7 @@
       <a:camera prst="orthographicFront"/>
       <a:lightRig rig="threePt" dir="t"/>
     </dgm:scene3d>
+    <dgm:sp3d/>
     <dgm:txPr/>
     <dgm:style>
       <a:lnRef idx="2">
@@ -27500,6 +27687,7 @@
       <a:camera prst="orthographicFront"/>
       <a:lightRig rig="threePt" dir="t"/>
     </dgm:scene3d>
+    <dgm:sp3d/>
     <dgm:txPr/>
     <dgm:style>
       <a:lnRef idx="2">
@@ -27519,6 +27707,7 @@
       <a:camera prst="orthographicFront"/>
       <a:lightRig rig="threePt" dir="t"/>
     </dgm:scene3d>
+    <dgm:sp3d/>
     <dgm:txPr/>
     <dgm:style>
       <a:lnRef idx="2">
@@ -27540,6 +27729,7 @@
       <a:camera prst="orthographicFront"/>
       <a:lightRig rig="threePt" dir="t"/>
     </dgm:scene3d>
+    <dgm:sp3d/>
     <dgm:txPr/>
     <dgm:style>
       <a:lnRef idx="2">
@@ -27561,6 +27751,7 @@
       <a:camera prst="orthographicFront"/>
       <a:lightRig rig="threePt" dir="t"/>
     </dgm:scene3d>
+    <dgm:sp3d/>
     <dgm:txPr/>
     <dgm:style>
       <a:lnRef idx="2">
@@ -27582,6 +27773,7 @@
       <a:camera prst="orthographicFront"/>
       <a:lightRig rig="threePt" dir="t"/>
     </dgm:scene3d>
+    <dgm:sp3d/>
     <dgm:txPr/>
     <dgm:style>
       <a:lnRef idx="2">
@@ -27603,6 +27795,7 @@
       <a:camera prst="orthographicFront"/>
       <a:lightRig rig="threePt" dir="t"/>
     </dgm:scene3d>
+    <dgm:sp3d/>
     <dgm:txPr/>
     <dgm:style>
       <a:lnRef idx="2">
@@ -27624,6 +27817,7 @@
       <a:camera prst="orthographicFront"/>
       <a:lightRig rig="threePt" dir="t"/>
     </dgm:scene3d>
+    <dgm:sp3d/>
     <dgm:txPr/>
     <dgm:style>
       <a:lnRef idx="2">
@@ -27645,6 +27839,7 @@
       <a:camera prst="orthographicFront"/>
       <a:lightRig rig="threePt" dir="t"/>
     </dgm:scene3d>
+    <dgm:sp3d/>
     <dgm:txPr/>
     <dgm:style>
       <a:lnRef idx="2">
@@ -27664,6 +27859,7 @@
       <a:camera prst="orthographicFront"/>
       <a:lightRig rig="threePt" dir="t"/>
     </dgm:scene3d>
+    <dgm:sp3d/>
     <dgm:txPr/>
     <dgm:style>
       <a:lnRef idx="2">
@@ -27683,6 +27879,7 @@
       <a:camera prst="orthographicFront"/>
       <a:lightRig rig="threePt" dir="t"/>
     </dgm:scene3d>
+    <dgm:sp3d/>
     <dgm:txPr/>
     <dgm:style>
       <a:lnRef idx="2">
@@ -27702,6 +27899,7 @@
       <a:camera prst="orthographicFront"/>
       <a:lightRig rig="threePt" dir="t"/>
     </dgm:scene3d>
+    <dgm:sp3d/>
     <dgm:txPr/>
     <dgm:style>
       <a:lnRef idx="0">
@@ -27721,6 +27919,7 @@
       <a:camera prst="orthographicFront"/>
       <a:lightRig rig="threePt" dir="t"/>
     </dgm:scene3d>
+    <dgm:sp3d/>
     <dgm:txPr/>
     <dgm:style>
       <a:lnRef idx="0">
@@ -27742,6 +27941,7 @@
       <a:camera prst="orthographicFront"/>
       <a:lightRig rig="threePt" dir="t"/>
     </dgm:scene3d>
+    <dgm:sp3d/>
     <dgm:txPr/>
     <dgm:style>
       <a:lnRef idx="2">
@@ -27761,6 +27961,7 @@
       <a:camera prst="orthographicFront"/>
       <a:lightRig rig="threePt" dir="t"/>
     </dgm:scene3d>
+    <dgm:sp3d/>
     <dgm:txPr/>
     <dgm:style>
       <a:lnRef idx="2">
@@ -27780,6 +27981,7 @@
       <a:camera prst="orthographicFront"/>
       <a:lightRig rig="threePt" dir="t"/>
     </dgm:scene3d>
+    <dgm:sp3d/>
     <dgm:txPr/>
     <dgm:style>
       <a:lnRef idx="0">
@@ -27799,6 +28001,7 @@
       <a:camera prst="orthographicFront"/>
       <a:lightRig rig="threePt" dir="t"/>
     </dgm:scene3d>
+    <dgm:sp3d/>
     <dgm:txPr/>
     <dgm:style>
       <a:lnRef idx="2">
@@ -27818,6 +28021,7 @@
       <a:camera prst="orthographicFront"/>
       <a:lightRig rig="threePt" dir="t"/>
     </dgm:scene3d>
+    <dgm:sp3d/>
     <dgm:txPr/>
     <dgm:style>
       <a:lnRef idx="2">
@@ -27837,6 +28041,7 @@
       <a:camera prst="orthographicFront"/>
       <a:lightRig rig="threePt" dir="t"/>
     </dgm:scene3d>
+    <dgm:sp3d/>
     <dgm:txPr/>
     <dgm:style>
       <a:lnRef idx="2">
@@ -27856,6 +28061,7 @@
       <a:camera prst="orthographicFront"/>
       <a:lightRig rig="threePt" dir="t"/>
     </dgm:scene3d>
+    <dgm:sp3d/>
     <dgm:txPr/>
     <dgm:style>
       <a:lnRef idx="2">
@@ -27875,6 +28081,7 @@
       <a:camera prst="orthographicFront"/>
       <a:lightRig rig="threePt" dir="t"/>
     </dgm:scene3d>
+    <dgm:sp3d/>
     <dgm:txPr/>
     <dgm:style>
       <a:lnRef idx="2">
@@ -27894,6 +28101,7 @@
       <a:camera prst="orthographicFront"/>
       <a:lightRig rig="threePt" dir="t"/>
     </dgm:scene3d>
+    <dgm:sp3d/>
     <dgm:txPr/>
     <dgm:style>
       <a:lnRef idx="2">
@@ -27913,6 +28121,7 @@
       <a:camera prst="orthographicFront"/>
       <a:lightRig rig="threePt" dir="t"/>
     </dgm:scene3d>
+    <dgm:sp3d/>
     <dgm:txPr/>
     <dgm:style>
       <a:lnRef idx="2">
@@ -27932,6 +28141,7 @@
       <a:camera prst="orthographicFront"/>
       <a:lightRig rig="threePt" dir="t"/>
     </dgm:scene3d>
+    <dgm:sp3d/>
     <dgm:txPr/>
     <dgm:style>
       <a:lnRef idx="2">
@@ -27951,6 +28161,7 @@
       <a:camera prst="orthographicFront"/>
       <a:lightRig rig="threePt" dir="t"/>
     </dgm:scene3d>
+    <dgm:sp3d/>
     <dgm:txPr/>
     <dgm:style>
       <a:lnRef idx="0">
@@ -27972,6 +28183,7 @@
       <a:camera prst="orthographicFront"/>
       <a:lightRig rig="threePt" dir="t"/>
     </dgm:scene3d>
+    <dgm:sp3d/>
     <dgm:txPr/>
     <dgm:style>
       <a:lnRef idx="2">
@@ -27993,6 +28205,7 @@
       <a:camera prst="orthographicFront"/>
       <a:lightRig rig="threePt" dir="t"/>
     </dgm:scene3d>
+    <dgm:sp3d/>
     <dgm:txPr/>
     <dgm:style>
       <a:lnRef idx="2">
@@ -28014,6 +28227,7 @@
       <a:camera prst="orthographicFront"/>
       <a:lightRig rig="threePt" dir="t"/>
     </dgm:scene3d>
+    <dgm:sp3d/>
     <dgm:txPr/>
     <dgm:style>
       <a:lnRef idx="2">
@@ -28035,6 +28249,7 @@
       <a:camera prst="orthographicFront"/>
       <a:lightRig rig="threePt" dir="t"/>
     </dgm:scene3d>
+    <dgm:sp3d/>
     <dgm:txPr/>
     <dgm:style>
       <a:lnRef idx="2">
@@ -28056,6 +28271,7 @@
       <a:camera prst="orthographicFront"/>
       <a:lightRig rig="threePt" dir="t"/>
     </dgm:scene3d>
+    <dgm:sp3d/>
     <dgm:txPr/>
     <dgm:style>
       <a:lnRef idx="2">
@@ -28077,6 +28293,7 @@
       <a:camera prst="orthographicFront"/>
       <a:lightRig rig="threePt" dir="t"/>
     </dgm:scene3d>
+    <dgm:sp3d/>
     <dgm:txPr/>
     <dgm:style>
       <a:lnRef idx="2">
@@ -28098,6 +28315,7 @@
       <a:camera prst="orthographicFront"/>
       <a:lightRig rig="threePt" dir="t"/>
     </dgm:scene3d>
+    <dgm:sp3d/>
     <dgm:txPr/>
     <dgm:style>
       <a:lnRef idx="2">
@@ -28117,6 +28335,7 @@
       <a:camera prst="orthographicFront"/>
       <a:lightRig rig="threePt" dir="t"/>
     </dgm:scene3d>
+    <dgm:sp3d/>
     <dgm:txPr/>
     <dgm:style>
       <a:lnRef idx="2">
@@ -28136,6 +28355,7 @@
       <a:camera prst="orthographicFront"/>
       <a:lightRig rig="threePt" dir="t"/>
     </dgm:scene3d>
+    <dgm:sp3d/>
     <dgm:txPr/>
     <dgm:style>
       <a:lnRef idx="2">
@@ -28155,6 +28375,7 @@
       <a:camera prst="orthographicFront"/>
       <a:lightRig rig="threePt" dir="t"/>
     </dgm:scene3d>
+    <dgm:sp3d/>
     <dgm:txPr/>
     <dgm:style>
       <a:lnRef idx="2">
@@ -28174,6 +28395,7 @@
       <a:camera prst="orthographicFront"/>
       <a:lightRig rig="threePt" dir="t"/>
     </dgm:scene3d>
+    <dgm:sp3d/>
     <dgm:txPr/>
     <dgm:style>
       <a:lnRef idx="2">
@@ -28195,6 +28417,7 @@
       <a:camera prst="orthographicFront"/>
       <a:lightRig rig="threePt" dir="t"/>
     </dgm:scene3d>
+    <dgm:sp3d/>
     <dgm:txPr/>
     <dgm:style>
       <a:lnRef idx="2">
@@ -28216,6 +28439,7 @@
       <a:camera prst="orthographicFront"/>
       <a:lightRig rig="threePt" dir="t"/>
     </dgm:scene3d>
+    <dgm:sp3d/>
     <dgm:txPr/>
     <dgm:style>
       <a:lnRef idx="2">
@@ -28237,6 +28461,7 @@
       <a:camera prst="orthographicFront"/>
       <a:lightRig rig="threePt" dir="t"/>
     </dgm:scene3d>
+    <dgm:sp3d/>
     <dgm:txPr/>
     <dgm:style>
       <a:lnRef idx="2">
@@ -28258,6 +28483,7 @@
       <a:camera prst="orthographicFront"/>
       <a:lightRig rig="threePt" dir="t"/>
     </dgm:scene3d>
+    <dgm:sp3d/>
     <dgm:txPr/>
     <dgm:style>
       <a:lnRef idx="0">
@@ -28277,6 +28503,7 @@
       <a:camera prst="orthographicFront"/>
       <a:lightRig rig="threePt" dir="t"/>
     </dgm:scene3d>
+    <dgm:sp3d/>
     <dgm:txPr/>
     <dgm:style>
       <a:lnRef idx="1">
@@ -28296,6 +28523,7 @@
       <a:camera prst="orthographicFront"/>
       <a:lightRig rig="threePt" dir="t"/>
     </dgm:scene3d>
+    <dgm:sp3d/>
     <dgm:txPr/>
     <dgm:style>
       <a:lnRef idx="0">
@@ -28317,6 +28545,7 @@
       <a:camera prst="orthographicFront"/>
       <a:lightRig rig="threePt" dir="t"/>
     </dgm:scene3d>
+    <dgm:sp3d/>
     <dgm:txPr/>
     <dgm:style>
       <a:lnRef idx="2">
@@ -28336,6 +28565,7 @@
       <a:camera prst="orthographicFront"/>
       <a:lightRig rig="threePt" dir="t"/>
     </dgm:scene3d>
+    <dgm:sp3d/>
     <dgm:txPr/>
     <dgm:style>
       <a:lnRef idx="2">
@@ -28355,6 +28585,7 @@
       <a:camera prst="orthographicFront"/>
       <a:lightRig rig="threePt" dir="t"/>
     </dgm:scene3d>
+    <dgm:sp3d/>
     <dgm:txPr/>
     <dgm:style>
       <a:lnRef idx="2">
@@ -28374,6 +28605,7 @@
       <a:camera prst="orthographicFront"/>
       <a:lightRig rig="threePt" dir="t"/>
     </dgm:scene3d>
+    <dgm:sp3d/>
     <dgm:txPr/>
     <dgm:style>
       <a:lnRef idx="1">
@@ -28393,6 +28625,7 @@
       <a:camera prst="orthographicFront"/>
       <a:lightRig rig="threePt" dir="t"/>
     </dgm:scene3d>
+    <dgm:sp3d/>
     <dgm:txPr/>
     <dgm:style>
       <a:lnRef idx="0">
@@ -28412,6 +28645,7 @@
       <a:camera prst="orthographicFront"/>
       <a:lightRig rig="threePt" dir="t"/>
     </dgm:scene3d>
+    <dgm:sp3d/>
     <dgm:txPr/>
     <dgm:style>
       <a:lnRef idx="2">
@@ -28432,7 +28666,7 @@
 </file>
 
 <file path=ppt/diagrams/quickStyle6.xml><?xml version="1.0" encoding="utf-8"?>
-<dgm:styleDef xmlns:dgm="http://schemas.openxmlformats.org/drawingml/2006/diagram" xmlns:a="http://schemas.openxmlformats.org/drawingml/2006/main" uniqueId="urn:microsoft.com/office/officeart/2005/8/quickstyle/simple1">
+<dgm:styleDef xmlns:dgm="http://schemas.openxmlformats.org/drawingml/2006/diagram" xmlns:a="http://schemas.openxmlformats.org/drawingml/2006/main" uniqueId="urn:microsoft.com/office/officeart/2005/8/quickstyle/simple1#5">
   <dgm:title val=""/>
   <dgm:desc val=""/>
   <dgm:catLst>
@@ -28447,6 +28681,7 @@
       <a:camera prst="orthographicFront"/>
       <a:lightRig rig="threePt" dir="t"/>
     </dgm:scene3d>
+    <dgm:sp3d/>
     <dgm:txPr/>
     <dgm:style>
       <a:lnRef idx="2">
@@ -28466,6 +28701,7 @@
       <a:camera prst="orthographicFront"/>
       <a:lightRig rig="threePt" dir="t"/>
     </dgm:scene3d>
+    <dgm:sp3d/>
     <dgm:txPr/>
     <dgm:style>
       <a:lnRef idx="2">
@@ -28485,6 +28721,7 @@
       <a:camera prst="orthographicFront"/>
       <a:lightRig rig="threePt" dir="t"/>
     </dgm:scene3d>
+    <dgm:sp3d/>
     <dgm:txPr/>
     <dgm:style>
       <a:lnRef idx="2">
@@ -28504,6 +28741,7 @@
       <a:camera prst="orthographicFront"/>
       <a:lightRig rig="threePt" dir="t"/>
     </dgm:scene3d>
+    <dgm:sp3d/>
     <dgm:txPr/>
     <dgm:style>
       <a:lnRef idx="2">
@@ -28525,6 +28763,7 @@
       <a:camera prst="orthographicFront"/>
       <a:lightRig rig="threePt" dir="t"/>
     </dgm:scene3d>
+    <dgm:sp3d/>
     <dgm:txPr/>
     <dgm:style>
       <a:lnRef idx="2">
@@ -28546,6 +28785,7 @@
       <a:camera prst="orthographicFront"/>
       <a:lightRig rig="threePt" dir="t"/>
     </dgm:scene3d>
+    <dgm:sp3d/>
     <dgm:txPr/>
     <dgm:style>
       <a:lnRef idx="2">
@@ -28567,6 +28807,7 @@
       <a:camera prst="orthographicFront"/>
       <a:lightRig rig="threePt" dir="t"/>
     </dgm:scene3d>
+    <dgm:sp3d/>
     <dgm:txPr/>
     <dgm:style>
       <a:lnRef idx="2">
@@ -28588,6 +28829,7 @@
       <a:camera prst="orthographicFront"/>
       <a:lightRig rig="threePt" dir="t"/>
     </dgm:scene3d>
+    <dgm:sp3d/>
     <dgm:txPr/>
     <dgm:style>
       <a:lnRef idx="2">
@@ -28609,6 +28851,7 @@
       <a:camera prst="orthographicFront"/>
       <a:lightRig rig="threePt" dir="t"/>
     </dgm:scene3d>
+    <dgm:sp3d/>
     <dgm:txPr/>
     <dgm:style>
       <a:lnRef idx="2">
@@ -28630,6 +28873,7 @@
       <a:camera prst="orthographicFront"/>
       <a:lightRig rig="threePt" dir="t"/>
     </dgm:scene3d>
+    <dgm:sp3d/>
     <dgm:txPr/>
     <dgm:style>
       <a:lnRef idx="2">
@@ -28649,6 +28893,7 @@
       <a:camera prst="orthographicFront"/>
       <a:lightRig rig="threePt" dir="t"/>
     </dgm:scene3d>
+    <dgm:sp3d/>
     <dgm:txPr/>
     <dgm:style>
       <a:lnRef idx="2">
@@ -28668,6 +28913,7 @@
       <a:camera prst="orthographicFront"/>
       <a:lightRig rig="threePt" dir="t"/>
     </dgm:scene3d>
+    <dgm:sp3d/>
     <dgm:txPr/>
     <dgm:style>
       <a:lnRef idx="2">
@@ -28687,6 +28933,7 @@
       <a:camera prst="orthographicFront"/>
       <a:lightRig rig="threePt" dir="t"/>
     </dgm:scene3d>
+    <dgm:sp3d/>
     <dgm:txPr/>
     <dgm:style>
       <a:lnRef idx="0">
@@ -28706,6 +28953,7 @@
       <a:camera prst="orthographicFront"/>
       <a:lightRig rig="threePt" dir="t"/>
     </dgm:scene3d>
+    <dgm:sp3d/>
     <dgm:txPr/>
     <dgm:style>
       <a:lnRef idx="0">
@@ -28727,6 +28975,7 @@
       <a:camera prst="orthographicFront"/>
       <a:lightRig rig="threePt" dir="t"/>
     </dgm:scene3d>
+    <dgm:sp3d/>
     <dgm:txPr/>
     <dgm:style>
       <a:lnRef idx="2">
@@ -28746,6 +28995,7 @@
       <a:camera prst="orthographicFront"/>
       <a:lightRig rig="threePt" dir="t"/>
     </dgm:scene3d>
+    <dgm:sp3d/>
     <dgm:txPr/>
     <dgm:style>
       <a:lnRef idx="2">
@@ -28765,6 +29015,7 @@
       <a:camera prst="orthographicFront"/>
       <a:lightRig rig="threePt" dir="t"/>
     </dgm:scene3d>
+    <dgm:sp3d/>
     <dgm:txPr/>
     <dgm:style>
       <a:lnRef idx="0">
@@ -28784,6 +29035,7 @@
       <a:camera prst="orthographicFront"/>
       <a:lightRig rig="threePt" dir="t"/>
     </dgm:scene3d>
+    <dgm:sp3d/>
     <dgm:txPr/>
     <dgm:style>
       <a:lnRef idx="2">
@@ -28803,6 +29055,7 @@
       <a:camera prst="orthographicFront"/>
       <a:lightRig rig="threePt" dir="t"/>
     </dgm:scene3d>
+    <dgm:sp3d/>
     <dgm:txPr/>
     <dgm:style>
       <a:lnRef idx="2">
@@ -28822,6 +29075,7 @@
       <a:camera prst="orthographicFront"/>
       <a:lightRig rig="threePt" dir="t"/>
     </dgm:scene3d>
+    <dgm:sp3d/>
     <dgm:txPr/>
     <dgm:style>
       <a:lnRef idx="2">
@@ -28841,6 +29095,7 @@
       <a:camera prst="orthographicFront"/>
       <a:lightRig rig="threePt" dir="t"/>
     </dgm:scene3d>
+    <dgm:sp3d/>
     <dgm:txPr/>
     <dgm:style>
       <a:lnRef idx="2">
@@ -28860,6 +29115,7 @@
       <a:camera prst="orthographicFront"/>
       <a:lightRig rig="threePt" dir="t"/>
     </dgm:scene3d>
+    <dgm:sp3d/>
     <dgm:txPr/>
     <dgm:style>
       <a:lnRef idx="2">
@@ -28879,6 +29135,7 @@
       <a:camera prst="orthographicFront"/>
       <a:lightRig rig="threePt" dir="t"/>
     </dgm:scene3d>
+    <dgm:sp3d/>
     <dgm:txPr/>
     <dgm:style>
       <a:lnRef idx="2">
@@ -28898,6 +29155,7 @@
       <a:camera prst="orthographicFront"/>
       <a:lightRig rig="threePt" dir="t"/>
     </dgm:scene3d>
+    <dgm:sp3d/>
     <dgm:txPr/>
     <dgm:style>
       <a:lnRef idx="2">
@@ -28917,6 +29175,7 @@
       <a:camera prst="orthographicFront"/>
       <a:lightRig rig="threePt" dir="t"/>
     </dgm:scene3d>
+    <dgm:sp3d/>
     <dgm:txPr/>
     <dgm:style>
       <a:lnRef idx="2">
@@ -28936,6 +29195,7 @@
       <a:camera prst="orthographicFront"/>
       <a:lightRig rig="threePt" dir="t"/>
     </dgm:scene3d>
+    <dgm:sp3d/>
     <dgm:txPr/>
     <dgm:style>
       <a:lnRef idx="0">
@@ -28957,6 +29217,7 @@
       <a:camera prst="orthographicFront"/>
       <a:lightRig rig="threePt" dir="t"/>
     </dgm:scene3d>
+    <dgm:sp3d/>
     <dgm:txPr/>
     <dgm:style>
       <a:lnRef idx="2">
@@ -28978,6 +29239,7 @@
       <a:camera prst="orthographicFront"/>
       <a:lightRig rig="threePt" dir="t"/>
     </dgm:scene3d>
+    <dgm:sp3d/>
     <dgm:txPr/>
     <dgm:style>
       <a:lnRef idx="2">
@@ -28999,6 +29261,7 @@
       <a:camera prst="orthographicFront"/>
       <a:lightRig rig="threePt" dir="t"/>
     </dgm:scene3d>
+    <dgm:sp3d/>
     <dgm:txPr/>
     <dgm:style>
       <a:lnRef idx="2">
@@ -29020,6 +29283,7 @@
       <a:camera prst="orthographicFront"/>
       <a:lightRig rig="threePt" dir="t"/>
     </dgm:scene3d>
+    <dgm:sp3d/>
     <dgm:txPr/>
     <dgm:style>
       <a:lnRef idx="2">
@@ -29041,6 +29305,7 @@
       <a:camera prst="orthographicFront"/>
       <a:lightRig rig="threePt" dir="t"/>
     </dgm:scene3d>
+    <dgm:sp3d/>
     <dgm:txPr/>
     <dgm:style>
       <a:lnRef idx="2">
@@ -29062,6 +29327,7 @@
       <a:camera prst="orthographicFront"/>
       <a:lightRig rig="threePt" dir="t"/>
     </dgm:scene3d>
+    <dgm:sp3d/>
     <dgm:txPr/>
     <dgm:style>
       <a:lnRef idx="2">
@@ -29083,6 +29349,7 @@
       <a:camera prst="orthographicFront"/>
       <a:lightRig rig="threePt" dir="t"/>
     </dgm:scene3d>
+    <dgm:sp3d/>
     <dgm:txPr/>
     <dgm:style>
       <a:lnRef idx="2">
@@ -29102,6 +29369,7 @@
       <a:camera prst="orthographicFront"/>
       <a:lightRig rig="threePt" dir="t"/>
     </dgm:scene3d>
+    <dgm:sp3d/>
     <dgm:txPr/>
     <dgm:style>
       <a:lnRef idx="2">
@@ -29121,6 +29389,7 @@
       <a:camera prst="orthographicFront"/>
       <a:lightRig rig="threePt" dir="t"/>
     </dgm:scene3d>
+    <dgm:sp3d/>
     <dgm:txPr/>
     <dgm:style>
       <a:lnRef idx="2">
@@ -29140,6 +29409,7 @@
       <a:camera prst="orthographicFront"/>
       <a:lightRig rig="threePt" dir="t"/>
     </dgm:scene3d>
+    <dgm:sp3d/>
     <dgm:txPr/>
     <dgm:style>
       <a:lnRef idx="2">
@@ -29159,6 +29429,7 @@
       <a:camera prst="orthographicFront"/>
       <a:lightRig rig="threePt" dir="t"/>
     </dgm:scene3d>
+    <dgm:sp3d/>
     <dgm:txPr/>
     <dgm:style>
       <a:lnRef idx="2">
@@ -29180,6 +29451,7 @@
       <a:camera prst="orthographicFront"/>
       <a:lightRig rig="threePt" dir="t"/>
     </dgm:scene3d>
+    <dgm:sp3d/>
     <dgm:txPr/>
     <dgm:style>
       <a:lnRef idx="2">
@@ -29201,6 +29473,7 @@
       <a:camera prst="orthographicFront"/>
       <a:lightRig rig="threePt" dir="t"/>
     </dgm:scene3d>
+    <dgm:sp3d/>
     <dgm:txPr/>
     <dgm:style>
       <a:lnRef idx="2">
@@ -29222,6 +29495,7 @@
       <a:camera prst="orthographicFront"/>
       <a:lightRig rig="threePt" dir="t"/>
     </dgm:scene3d>
+    <dgm:sp3d/>
     <dgm:txPr/>
     <dgm:style>
       <a:lnRef idx="2">
@@ -29243,6 +29517,7 @@
       <a:camera prst="orthographicFront"/>
       <a:lightRig rig="threePt" dir="t"/>
     </dgm:scene3d>
+    <dgm:sp3d/>
     <dgm:txPr/>
     <dgm:style>
       <a:lnRef idx="0">
@@ -29262,6 +29537,7 @@
       <a:camera prst="orthographicFront"/>
       <a:lightRig rig="threePt" dir="t"/>
     </dgm:scene3d>
+    <dgm:sp3d/>
     <dgm:txPr/>
     <dgm:style>
       <a:lnRef idx="1">
@@ -29281,6 +29557,7 @@
       <a:camera prst="orthographicFront"/>
       <a:lightRig rig="threePt" dir="t"/>
     </dgm:scene3d>
+    <dgm:sp3d/>
     <dgm:txPr/>
     <dgm:style>
       <a:lnRef idx="0">
@@ -29302,6 +29579,7 @@
       <a:camera prst="orthographicFront"/>
       <a:lightRig rig="threePt" dir="t"/>
     </dgm:scene3d>
+    <dgm:sp3d/>
     <dgm:txPr/>
     <dgm:style>
       <a:lnRef idx="2">
@@ -29321,6 +29599,7 @@
       <a:camera prst="orthographicFront"/>
       <a:lightRig rig="threePt" dir="t"/>
     </dgm:scene3d>
+    <dgm:sp3d/>
     <dgm:txPr/>
     <dgm:style>
       <a:lnRef idx="2">
@@ -29340,6 +29619,7 @@
       <a:camera prst="orthographicFront"/>
       <a:lightRig rig="threePt" dir="t"/>
     </dgm:scene3d>
+    <dgm:sp3d/>
     <dgm:txPr/>
     <dgm:style>
       <a:lnRef idx="2">
@@ -29359,6 +29639,7 @@
       <a:camera prst="orthographicFront"/>
       <a:lightRig rig="threePt" dir="t"/>
     </dgm:scene3d>
+    <dgm:sp3d/>
     <dgm:txPr/>
     <dgm:style>
       <a:lnRef idx="1">
@@ -29378,6 +29659,7 @@
       <a:camera prst="orthographicFront"/>
       <a:lightRig rig="threePt" dir="t"/>
     </dgm:scene3d>
+    <dgm:sp3d/>
     <dgm:txPr/>
     <dgm:style>
       <a:lnRef idx="0">
@@ -29397,6 +29679,7 @@
       <a:camera prst="orthographicFront"/>
       <a:lightRig rig="threePt" dir="t"/>
     </dgm:scene3d>
+    <dgm:sp3d/>
     <dgm:txPr/>
     <dgm:style>
       <a:lnRef idx="2">
@@ -29417,7 +29700,7 @@
 </file>
 
 <file path=ppt/diagrams/quickStyle7.xml><?xml version="1.0" encoding="utf-8"?>
-<dgm:styleDef xmlns:dgm="http://schemas.openxmlformats.org/drawingml/2006/diagram" xmlns:a="http://schemas.openxmlformats.org/drawingml/2006/main" uniqueId="urn:microsoft.com/office/officeart/2005/8/quickstyle/simple1">
+<dgm:styleDef xmlns:dgm="http://schemas.openxmlformats.org/drawingml/2006/diagram" xmlns:a="http://schemas.openxmlformats.org/drawingml/2006/main" uniqueId="urn:microsoft.com/office/officeart/2005/8/quickstyle/simple1#6">
   <dgm:title val=""/>
   <dgm:desc val=""/>
   <dgm:catLst>
@@ -29432,6 +29715,7 @@
       <a:camera prst="orthographicFront"/>
       <a:lightRig rig="threePt" dir="t"/>
     </dgm:scene3d>
+    <dgm:sp3d/>
     <dgm:txPr/>
     <dgm:style>
       <a:lnRef idx="2">
@@ -29451,6 +29735,7 @@
       <a:camera prst="orthographicFront"/>
       <a:lightRig rig="threePt" dir="t"/>
     </dgm:scene3d>
+    <dgm:sp3d/>
     <dgm:txPr/>
     <dgm:style>
       <a:lnRef idx="2">
@@ -29470,6 +29755,7 @@
       <a:camera prst="orthographicFront"/>
       <a:lightRig rig="threePt" dir="t"/>
     </dgm:scene3d>
+    <dgm:sp3d/>
     <dgm:txPr/>
     <dgm:style>
       <a:lnRef idx="2">
@@ -29489,6 +29775,7 @@
       <a:camera prst="orthographicFront"/>
       <a:lightRig rig="threePt" dir="t"/>
     </dgm:scene3d>
+    <dgm:sp3d/>
     <dgm:txPr/>
     <dgm:style>
       <a:lnRef idx="2">
@@ -29510,6 +29797,7 @@
       <a:camera prst="orthographicFront"/>
       <a:lightRig rig="threePt" dir="t"/>
     </dgm:scene3d>
+    <dgm:sp3d/>
     <dgm:txPr/>
     <dgm:style>
       <a:lnRef idx="2">
@@ -29531,6 +29819,7 @@
       <a:camera prst="orthographicFront"/>
       <a:lightRig rig="threePt" dir="t"/>
     </dgm:scene3d>
+    <dgm:sp3d/>
     <dgm:txPr/>
     <dgm:style>
       <a:lnRef idx="2">
@@ -29552,6 +29841,7 @@
       <a:camera prst="orthographicFront"/>
       <a:lightRig rig="threePt" dir="t"/>
     </dgm:scene3d>
+    <dgm:sp3d/>
     <dgm:txPr/>
     <dgm:style>
       <a:lnRef idx="2">
@@ -29573,6 +29863,7 @@
       <a:camera prst="orthographicFront"/>
       <a:lightRig rig="threePt" dir="t"/>
     </dgm:scene3d>
+    <dgm:sp3d/>
     <dgm:txPr/>
     <dgm:style>
       <a:lnRef idx="2">
@@ -29594,6 +29885,7 @@
       <a:camera prst="orthographicFront"/>
       <a:lightRig rig="threePt" dir="t"/>
     </dgm:scene3d>
+    <dgm:sp3d/>
     <dgm:txPr/>
     <dgm:style>
       <a:lnRef idx="2">
@@ -29615,6 +29907,7 @@
       <a:camera prst="orthographicFront"/>
       <a:lightRig rig="threePt" dir="t"/>
     </dgm:scene3d>
+    <dgm:sp3d/>
     <dgm:txPr/>
     <dgm:style>
       <a:lnRef idx="2">
@@ -29634,6 +29927,7 @@
       <a:camera prst="orthographicFront"/>
       <a:lightRig rig="threePt" dir="t"/>
     </dgm:scene3d>
+    <dgm:sp3d/>
     <dgm:txPr/>
     <dgm:style>
       <a:lnRef idx="2">
@@ -29653,6 +29947,7 @@
       <a:camera prst="orthographicFront"/>
       <a:lightRig rig="threePt" dir="t"/>
     </dgm:scene3d>
+    <dgm:sp3d/>
     <dgm:txPr/>
     <dgm:style>
       <a:lnRef idx="2">
@@ -29672,6 +29967,7 @@
       <a:camera prst="orthographicFront"/>
       <a:lightRig rig="threePt" dir="t"/>
     </dgm:scene3d>
+    <dgm:sp3d/>
     <dgm:txPr/>
     <dgm:style>
       <a:lnRef idx="0">
@@ -29691,6 +29987,7 @@
       <a:camera prst="orthographicFront"/>
       <a:lightRig rig="threePt" dir="t"/>
     </dgm:scene3d>
+    <dgm:sp3d/>
     <dgm:txPr/>
     <dgm:style>
       <a:lnRef idx="0">
@@ -29712,6 +30009,7 @@
       <a:camera prst="orthographicFront"/>
       <a:lightRig rig="threePt" dir="t"/>
     </dgm:scene3d>
+    <dgm:sp3d/>
     <dgm:txPr/>
     <dgm:style>
       <a:lnRef idx="2">
@@ -29731,6 +30029,7 @@
       <a:camera prst="orthographicFront"/>
       <a:lightRig rig="threePt" dir="t"/>
     </dgm:scene3d>
+    <dgm:sp3d/>
     <dgm:txPr/>
     <dgm:style>
       <a:lnRef idx="2">
@@ -29750,6 +30049,7 @@
       <a:camera prst="orthographicFront"/>
       <a:lightRig rig="threePt" dir="t"/>
     </dgm:scene3d>
+    <dgm:sp3d/>
     <dgm:txPr/>
     <dgm:style>
       <a:lnRef idx="0">
@@ -29769,6 +30069,7 @@
       <a:camera prst="orthographicFront"/>
       <a:lightRig rig="threePt" dir="t"/>
     </dgm:scene3d>
+    <dgm:sp3d/>
     <dgm:txPr/>
     <dgm:style>
       <a:lnRef idx="2">
@@ -29788,6 +30089,7 @@
       <a:camera prst="orthographicFront"/>
       <a:lightRig rig="threePt" dir="t"/>
     </dgm:scene3d>
+    <dgm:sp3d/>
     <dgm:txPr/>
     <dgm:style>
       <a:lnRef idx="2">
@@ -29807,6 +30109,7 @@
       <a:camera prst="orthographicFront"/>
       <a:lightRig rig="threePt" dir="t"/>
     </dgm:scene3d>
+    <dgm:sp3d/>
     <dgm:txPr/>
     <dgm:style>
       <a:lnRef idx="2">
@@ -29826,6 +30129,7 @@
       <a:camera prst="orthographicFront"/>
       <a:lightRig rig="threePt" dir="t"/>
     </dgm:scene3d>
+    <dgm:sp3d/>
     <dgm:txPr/>
     <dgm:style>
       <a:lnRef idx="2">
@@ -29845,6 +30149,7 @@
       <a:camera prst="orthographicFront"/>
       <a:lightRig rig="threePt" dir="t"/>
     </dgm:scene3d>
+    <dgm:sp3d/>
     <dgm:txPr/>
     <dgm:style>
       <a:lnRef idx="2">
@@ -29864,6 +30169,7 @@
       <a:camera prst="orthographicFront"/>
       <a:lightRig rig="threePt" dir="t"/>
     </dgm:scene3d>
+    <dgm:sp3d/>
     <dgm:txPr/>
     <dgm:style>
       <a:lnRef idx="2">
@@ -29883,6 +30189,7 @@
       <a:camera prst="orthographicFront"/>
       <a:lightRig rig="threePt" dir="t"/>
     </dgm:scene3d>
+    <dgm:sp3d/>
     <dgm:txPr/>
     <dgm:style>
       <a:lnRef idx="2">
@@ -29902,6 +30209,7 @@
       <a:camera prst="orthographicFront"/>
       <a:lightRig rig="threePt" dir="t"/>
     </dgm:scene3d>
+    <dgm:sp3d/>
     <dgm:txPr/>
     <dgm:style>
       <a:lnRef idx="2">
@@ -29921,6 +30229,7 @@
       <a:camera prst="orthographicFront"/>
       <a:lightRig rig="threePt" dir="t"/>
     </dgm:scene3d>
+    <dgm:sp3d/>
     <dgm:txPr/>
     <dgm:style>
       <a:lnRef idx="0">
@@ -29942,6 +30251,7 @@
       <a:camera prst="orthographicFront"/>
       <a:lightRig rig="threePt" dir="t"/>
     </dgm:scene3d>
+    <dgm:sp3d/>
     <dgm:txPr/>
     <dgm:style>
       <a:lnRef idx="2">
@@ -29963,6 +30273,7 @@
       <a:camera prst="orthographicFront"/>
       <a:lightRig rig="threePt" dir="t"/>
     </dgm:scene3d>
+    <dgm:sp3d/>
     <dgm:txPr/>
     <dgm:style>
       <a:lnRef idx="2">
@@ -29984,6 +30295,7 @@
       <a:camera prst="orthographicFront"/>
       <a:lightRig rig="threePt" dir="t"/>
     </dgm:scene3d>
+    <dgm:sp3d/>
     <dgm:txPr/>
     <dgm:style>
       <a:lnRef idx="2">
@@ -30005,6 +30317,7 @@
       <a:camera prst="orthographicFront"/>
       <a:lightRig rig="threePt" dir="t"/>
     </dgm:scene3d>
+    <dgm:sp3d/>
     <dgm:txPr/>
     <dgm:style>
       <a:lnRef idx="2">
@@ -30026,6 +30339,7 @@
       <a:camera prst="orthographicFront"/>
       <a:lightRig rig="threePt" dir="t"/>
     </dgm:scene3d>
+    <dgm:sp3d/>
     <dgm:txPr/>
     <dgm:style>
       <a:lnRef idx="2">
@@ -30047,6 +30361,7 @@
       <a:camera prst="orthographicFront"/>
       <a:lightRig rig="threePt" dir="t"/>
     </dgm:scene3d>
+    <dgm:sp3d/>
     <dgm:txPr/>
     <dgm:style>
       <a:lnRef idx="2">
@@ -30068,6 +30383,7 @@
       <a:camera prst="orthographicFront"/>
       <a:lightRig rig="threePt" dir="t"/>
     </dgm:scene3d>
+    <dgm:sp3d/>
     <dgm:txPr/>
     <dgm:style>
       <a:lnRef idx="2">
@@ -30087,6 +30403,7 @@
       <a:camera prst="orthographicFront"/>
       <a:lightRig rig="threePt" dir="t"/>
     </dgm:scene3d>
+    <dgm:sp3d/>
     <dgm:txPr/>
     <dgm:style>
       <a:lnRef idx="2">
@@ -30106,6 +30423,7 @@
       <a:camera prst="orthographicFront"/>
       <a:lightRig rig="threePt" dir="t"/>
     </dgm:scene3d>
+    <dgm:sp3d/>
     <dgm:txPr/>
     <dgm:style>
       <a:lnRef idx="2">
@@ -30125,6 +30443,7 @@
       <a:camera prst="orthographicFront"/>
       <a:lightRig rig="threePt" dir="t"/>
     </dgm:scene3d>
+    <dgm:sp3d/>
     <dgm:txPr/>
     <dgm:style>
       <a:lnRef idx="2">
@@ -30144,6 +30463,7 @@
       <a:camera prst="orthographicFront"/>
       <a:lightRig rig="threePt" dir="t"/>
     </dgm:scene3d>
+    <dgm:sp3d/>
     <dgm:txPr/>
     <dgm:style>
       <a:lnRef idx="2">
@@ -30165,6 +30485,7 @@
       <a:camera prst="orthographicFront"/>
       <a:lightRig rig="threePt" dir="t"/>
     </dgm:scene3d>
+    <dgm:sp3d/>
     <dgm:txPr/>
     <dgm:style>
       <a:lnRef idx="2">
@@ -30186,6 +30507,7 @@
       <a:camera prst="orthographicFront"/>
       <a:lightRig rig="threePt" dir="t"/>
     </dgm:scene3d>
+    <dgm:sp3d/>
     <dgm:txPr/>
     <dgm:style>
       <a:lnRef idx="2">
@@ -30207,6 +30529,7 @@
       <a:camera prst="orthographicFront"/>
       <a:lightRig rig="threePt" dir="t"/>
     </dgm:scene3d>
+    <dgm:sp3d/>
     <dgm:txPr/>
     <dgm:style>
       <a:lnRef idx="2">
@@ -30228,6 +30551,7 @@
       <a:camera prst="orthographicFront"/>
       <a:lightRig rig="threePt" dir="t"/>
     </dgm:scene3d>
+    <dgm:sp3d/>
     <dgm:txPr/>
     <dgm:style>
       <a:lnRef idx="0">
@@ -30247,6 +30571,7 @@
       <a:camera prst="orthographicFront"/>
       <a:lightRig rig="threePt" dir="t"/>
     </dgm:scene3d>
+    <dgm:sp3d/>
     <dgm:txPr/>
     <dgm:style>
       <a:lnRef idx="1">
@@ -30266,6 +30591,7 @@
       <a:camera prst="orthographicFront"/>
       <a:lightRig rig="threePt" dir="t"/>
     </dgm:scene3d>
+    <dgm:sp3d/>
     <dgm:txPr/>
     <dgm:style>
       <a:lnRef idx="0">
@@ -30287,6 +30613,7 @@
       <a:camera prst="orthographicFront"/>
       <a:lightRig rig="threePt" dir="t"/>
     </dgm:scene3d>
+    <dgm:sp3d/>
     <dgm:txPr/>
     <dgm:style>
       <a:lnRef idx="2">
@@ -30306,6 +30633,7 @@
       <a:camera prst="orthographicFront"/>
       <a:lightRig rig="threePt" dir="t"/>
     </dgm:scene3d>
+    <dgm:sp3d/>
     <dgm:txPr/>
     <dgm:style>
       <a:lnRef idx="2">
@@ -30325,6 +30653,7 @@
       <a:camera prst="orthographicFront"/>
       <a:lightRig rig="threePt" dir="t"/>
     </dgm:scene3d>
+    <dgm:sp3d/>
     <dgm:txPr/>
     <dgm:style>
       <a:lnRef idx="2">
@@ -30344,6 +30673,7 @@
       <a:camera prst="orthographicFront"/>
       <a:lightRig rig="threePt" dir="t"/>
     </dgm:scene3d>
+    <dgm:sp3d/>
     <dgm:txPr/>
     <dgm:style>
       <a:lnRef idx="1">
@@ -30363,6 +30693,7 @@
       <a:camera prst="orthographicFront"/>
       <a:lightRig rig="threePt" dir="t"/>
     </dgm:scene3d>
+    <dgm:sp3d/>
     <dgm:txPr/>
     <dgm:style>
       <a:lnRef idx="0">
@@ -30382,6 +30713,7 @@
       <a:camera prst="orthographicFront"/>
       <a:lightRig rig="threePt" dir="t"/>
     </dgm:scene3d>
+    <dgm:sp3d/>
     <dgm:txPr/>
     <dgm:style>
       <a:lnRef idx="2">
@@ -30483,6 +30815,7 @@
           <a:p>
             <a:fld id="{C15A8F9B-DAE6-4885-8680-AD544A57EFA6}" type="datetimeFigureOut">
               <a:rPr lang="zh-CN" altLang="en-US" smtClean="0"/>
+              <a:t>2018/1/15</a:t>
             </a:fld>
             <a:endParaRPr lang="zh-CN" altLang="en-US"/>
           </a:p>
@@ -30549,7 +30882,6 @@
               <a:rPr lang="zh-CN" altLang="en-US"/>
               <a:t>编辑母版文本样式</a:t>
             </a:r>
-            <a:endParaRPr lang="zh-CN" altLang="en-US"/>
           </a:p>
           <a:p>
             <a:pPr lvl="1"/>
@@ -30557,7 +30889,6 @@
               <a:rPr lang="zh-CN" altLang="en-US"/>
               <a:t>第二级</a:t>
             </a:r>
-            <a:endParaRPr lang="zh-CN" altLang="en-US"/>
           </a:p>
           <a:p>
             <a:pPr lvl="2"/>
@@ -30565,7 +30896,6 @@
               <a:rPr lang="zh-CN" altLang="en-US"/>
               <a:t>第三级</a:t>
             </a:r>
-            <a:endParaRPr lang="zh-CN" altLang="en-US"/>
           </a:p>
           <a:p>
             <a:pPr lvl="3"/>
@@ -30573,7 +30903,6 @@
               <a:rPr lang="zh-CN" altLang="en-US"/>
               <a:t>第四级</a:t>
             </a:r>
-            <a:endParaRPr lang="zh-CN" altLang="en-US"/>
           </a:p>
           <a:p>
             <a:pPr lvl="4"/>
@@ -30581,7 +30910,6 @@
               <a:rPr lang="zh-CN" altLang="en-US"/>
               <a:t>第五级</a:t>
             </a:r>
-            <a:endParaRPr lang="zh-CN" altLang="en-US"/>
           </a:p>
         </p:txBody>
       </p:sp>
@@ -30645,6 +30973,7 @@
           <a:p>
             <a:fld id="{B98B0A11-3D62-4606-A6CF-01D98BDA7E39}" type="slidenum">
               <a:rPr lang="zh-CN" altLang="en-US" smtClean="0"/>
+              <a:t>‹#›</a:t>
             </a:fld>
             <a:endParaRPr lang="zh-CN" altLang="en-US"/>
           </a:p>
@@ -30805,15 +31134,6 @@
               </a:rPr>
               <a:t>技术可行性</a:t>
             </a:r>
-            <a:endParaRPr lang="zh-CN" altLang="zh-CN" sz="1200" kern="1200" dirty="0">
-              <a:solidFill>
-                <a:schemeClr val="tx1"/>
-              </a:solidFill>
-              <a:effectLst/>
-              <a:latin typeface="+mn-lt"/>
-              <a:ea typeface="+mn-ea"/>
-              <a:cs typeface="+mn-cs"/>
-            </a:endParaRPr>
           </a:p>
           <a:p>
             <a:pPr lvl="0"/>
@@ -30829,15 +31149,6 @@
               </a:rPr>
               <a:t>塔防游戏发展历程相对比较悠久，且当下非常热门，相应的制作技术成熟，在网上可以找到很多视频参考教程。</a:t>
             </a:r>
-            <a:endParaRPr lang="zh-CN" altLang="zh-CN" sz="1200" kern="1200" dirty="0">
-              <a:solidFill>
-                <a:schemeClr val="tx1"/>
-              </a:solidFill>
-              <a:effectLst/>
-              <a:latin typeface="+mn-lt"/>
-              <a:ea typeface="+mn-ea"/>
-              <a:cs typeface="+mn-cs"/>
-            </a:endParaRPr>
           </a:p>
           <a:p>
             <a:pPr lvl="0"/>
@@ -30901,15 +31212,6 @@
               </a:rPr>
               <a:t>是一个很完备的游戏引擎，且对于新手比较友好，学习成本相较于其他著名游戏引擎比较低。</a:t>
             </a:r>
-            <a:endParaRPr lang="zh-CN" altLang="zh-CN" sz="1200" kern="1200" dirty="0">
-              <a:solidFill>
-                <a:schemeClr val="tx1"/>
-              </a:solidFill>
-              <a:effectLst/>
-              <a:latin typeface="+mn-lt"/>
-              <a:ea typeface="+mn-ea"/>
-              <a:cs typeface="+mn-cs"/>
-            </a:endParaRPr>
           </a:p>
           <a:p>
             <a:pPr lvl="0"/>
@@ -30925,15 +31227,6 @@
               </a:rPr>
               <a:t>经济可行性</a:t>
             </a:r>
-            <a:endParaRPr lang="zh-CN" altLang="zh-CN" sz="1200" kern="1200" dirty="0">
-              <a:solidFill>
-                <a:schemeClr val="tx1"/>
-              </a:solidFill>
-              <a:effectLst/>
-              <a:latin typeface="+mn-lt"/>
-              <a:ea typeface="+mn-ea"/>
-              <a:cs typeface="+mn-cs"/>
-            </a:endParaRPr>
           </a:p>
           <a:p>
             <a:pPr lvl="0"/>
@@ -30949,15 +31242,6 @@
               </a:rPr>
               <a:t>我们的项目为学习研究性质，小组成员自发劳动，不需要提供人力成本，且使用完全免费的开发环境，因此开发成本基本为零。</a:t>
             </a:r>
-            <a:endParaRPr lang="zh-CN" altLang="zh-CN" sz="1200" kern="1200" dirty="0">
-              <a:solidFill>
-                <a:schemeClr val="tx1"/>
-              </a:solidFill>
-              <a:effectLst/>
-              <a:latin typeface="+mn-lt"/>
-              <a:ea typeface="+mn-ea"/>
-              <a:cs typeface="+mn-cs"/>
-            </a:endParaRPr>
           </a:p>
           <a:p>
             <a:pPr lvl="0"/>
@@ -30973,15 +31257,6 @@
               </a:rPr>
               <a:t>我们的项目无经济效益，但是可以为参与项目的成员带来丰厚的项目开发管理经验，为将来的发展提供帮助。</a:t>
             </a:r>
-            <a:endParaRPr lang="zh-CN" altLang="zh-CN" sz="1200" kern="1200" dirty="0">
-              <a:solidFill>
-                <a:schemeClr val="tx1"/>
-              </a:solidFill>
-              <a:effectLst/>
-              <a:latin typeface="+mn-lt"/>
-              <a:ea typeface="+mn-ea"/>
-              <a:cs typeface="+mn-cs"/>
-            </a:endParaRPr>
           </a:p>
           <a:p>
             <a:pPr lvl="0"/>
@@ -30997,15 +31272,6 @@
               </a:rPr>
               <a:t>操作可行性</a:t>
             </a:r>
-            <a:endParaRPr lang="zh-CN" altLang="zh-CN" sz="1200" kern="1200" dirty="0">
-              <a:solidFill>
-                <a:schemeClr val="tx1"/>
-              </a:solidFill>
-              <a:effectLst/>
-              <a:latin typeface="+mn-lt"/>
-              <a:ea typeface="+mn-ea"/>
-              <a:cs typeface="+mn-cs"/>
-            </a:endParaRPr>
           </a:p>
           <a:p>
             <a:pPr lvl="0"/>
@@ -31021,15 +31287,6 @@
               </a:rPr>
               <a:t>塔防游戏作为游戏领域的一个大类，已经有非常繁多各有创意的游戏，其中不乏许多著名游戏如《植物大战僵尸》、《保卫萝卜》、《部落冲突》等，可见在现今该游戏形式的发展极其迅速且非常受世界各地的玩家欢迎，所以这样的研究是有其操作价值的。</a:t>
             </a:r>
-            <a:endParaRPr lang="zh-CN" altLang="zh-CN" sz="1200" kern="1200" dirty="0">
-              <a:solidFill>
-                <a:schemeClr val="tx1"/>
-              </a:solidFill>
-              <a:effectLst/>
-              <a:latin typeface="+mn-lt"/>
-              <a:ea typeface="+mn-ea"/>
-              <a:cs typeface="+mn-cs"/>
-            </a:endParaRPr>
           </a:p>
         </p:txBody>
       </p:sp>
@@ -31050,6 +31307,7 @@
           <a:p>
             <a:fld id="{B98B0A11-3D62-4606-A6CF-01D98BDA7E39}" type="slidenum">
               <a:rPr lang="zh-CN" altLang="en-US" smtClean="0"/>
+              <a:t>19</a:t>
             </a:fld>
             <a:endParaRPr lang="zh-CN" altLang="en-US"/>
           </a:p>
@@ -31108,7 +31366,6 @@
               <a:rPr lang="zh-CN" altLang="en-US"/>
               <a:t>单击此处编辑母版标题样式</a:t>
             </a:r>
-            <a:endParaRPr lang="zh-CN" altLang="en-US"/>
           </a:p>
         </p:txBody>
       </p:sp>
@@ -31173,7 +31430,6 @@
               <a:rPr lang="zh-CN" altLang="en-US"/>
               <a:t>单击此处编辑母版副标题样式</a:t>
             </a:r>
-            <a:endParaRPr lang="zh-CN" altLang="en-US"/>
           </a:p>
         </p:txBody>
       </p:sp>
@@ -31194,6 +31450,7 @@
           <a:p>
             <a:fld id="{4052178D-7029-4E5A-BDE7-7463B093413C}" type="datetimeFigureOut">
               <a:rPr lang="zh-CN" altLang="en-US" smtClean="0"/>
+              <a:t>2018/1/15</a:t>
             </a:fld>
             <a:endParaRPr lang="zh-CN" altLang="en-US"/>
           </a:p>
@@ -31235,6 +31492,7 @@
           <a:p>
             <a:fld id="{77A2FBCC-32E6-46B5-8212-073B89DE794C}" type="slidenum">
               <a:rPr lang="zh-CN" altLang="en-US" smtClean="0"/>
+              <a:t>‹#›</a:t>
             </a:fld>
             <a:endParaRPr lang="zh-CN" altLang="en-US"/>
           </a:p>
@@ -31284,7 +31542,6 @@
               <a:rPr lang="zh-CN" altLang="en-US"/>
               <a:t>单击此处编辑母版标题样式</a:t>
             </a:r>
-            <a:endParaRPr lang="zh-CN" altLang="en-US"/>
           </a:p>
         </p:txBody>
       </p:sp>
@@ -31308,7 +31565,6 @@
               <a:rPr lang="zh-CN" altLang="en-US"/>
               <a:t>编辑母版文本样式</a:t>
             </a:r>
-            <a:endParaRPr lang="zh-CN" altLang="en-US"/>
           </a:p>
           <a:p>
             <a:pPr lvl="1"/>
@@ -31316,7 +31572,6 @@
               <a:rPr lang="zh-CN" altLang="en-US"/>
               <a:t>第二级</a:t>
             </a:r>
-            <a:endParaRPr lang="zh-CN" altLang="en-US"/>
           </a:p>
           <a:p>
             <a:pPr lvl="2"/>
@@ -31324,7 +31579,6 @@
               <a:rPr lang="zh-CN" altLang="en-US"/>
               <a:t>第三级</a:t>
             </a:r>
-            <a:endParaRPr lang="zh-CN" altLang="en-US"/>
           </a:p>
           <a:p>
             <a:pPr lvl="3"/>
@@ -31332,7 +31586,6 @@
               <a:rPr lang="zh-CN" altLang="en-US"/>
               <a:t>第四级</a:t>
             </a:r>
-            <a:endParaRPr lang="zh-CN" altLang="en-US"/>
           </a:p>
           <a:p>
             <a:pPr lvl="4"/>
@@ -31340,7 +31593,6 @@
               <a:rPr lang="zh-CN" altLang="en-US"/>
               <a:t>第五级</a:t>
             </a:r>
-            <a:endParaRPr lang="zh-CN" altLang="en-US"/>
           </a:p>
         </p:txBody>
       </p:sp>
@@ -31361,6 +31613,7 @@
           <a:p>
             <a:fld id="{4052178D-7029-4E5A-BDE7-7463B093413C}" type="datetimeFigureOut">
               <a:rPr lang="zh-CN" altLang="en-US" smtClean="0"/>
+              <a:t>2018/1/15</a:t>
             </a:fld>
             <a:endParaRPr lang="zh-CN" altLang="en-US"/>
           </a:p>
@@ -31402,6 +31655,7 @@
           <a:p>
             <a:fld id="{77A2FBCC-32E6-46B5-8212-073B89DE794C}" type="slidenum">
               <a:rPr lang="zh-CN" altLang="en-US" smtClean="0"/>
+              <a:t>‹#›</a:t>
             </a:fld>
             <a:endParaRPr lang="zh-CN" altLang="en-US"/>
           </a:p>
@@ -31456,7 +31710,6 @@
               <a:rPr lang="zh-CN" altLang="en-US"/>
               <a:t>单击此处编辑母版标题样式</a:t>
             </a:r>
-            <a:endParaRPr lang="zh-CN" altLang="en-US"/>
           </a:p>
         </p:txBody>
       </p:sp>
@@ -31485,7 +31738,6 @@
               <a:rPr lang="zh-CN" altLang="en-US"/>
               <a:t>编辑母版文本样式</a:t>
             </a:r>
-            <a:endParaRPr lang="zh-CN" altLang="en-US"/>
           </a:p>
           <a:p>
             <a:pPr lvl="1"/>
@@ -31493,7 +31745,6 @@
               <a:rPr lang="zh-CN" altLang="en-US"/>
               <a:t>第二级</a:t>
             </a:r>
-            <a:endParaRPr lang="zh-CN" altLang="en-US"/>
           </a:p>
           <a:p>
             <a:pPr lvl="2"/>
@@ -31501,7 +31752,6 @@
               <a:rPr lang="zh-CN" altLang="en-US"/>
               <a:t>第三级</a:t>
             </a:r>
-            <a:endParaRPr lang="zh-CN" altLang="en-US"/>
           </a:p>
           <a:p>
             <a:pPr lvl="3"/>
@@ -31509,7 +31759,6 @@
               <a:rPr lang="zh-CN" altLang="en-US"/>
               <a:t>第四级</a:t>
             </a:r>
-            <a:endParaRPr lang="zh-CN" altLang="en-US"/>
           </a:p>
           <a:p>
             <a:pPr lvl="4"/>
@@ -31517,7 +31766,6 @@
               <a:rPr lang="zh-CN" altLang="en-US"/>
               <a:t>第五级</a:t>
             </a:r>
-            <a:endParaRPr lang="zh-CN" altLang="en-US"/>
           </a:p>
         </p:txBody>
       </p:sp>
@@ -31538,6 +31786,7 @@
           <a:p>
             <a:fld id="{4052178D-7029-4E5A-BDE7-7463B093413C}" type="datetimeFigureOut">
               <a:rPr lang="zh-CN" altLang="en-US" smtClean="0"/>
+              <a:t>2018/1/15</a:t>
             </a:fld>
             <a:endParaRPr lang="zh-CN" altLang="en-US"/>
           </a:p>
@@ -31579,6 +31828,7 @@
           <a:p>
             <a:fld id="{77A2FBCC-32E6-46B5-8212-073B89DE794C}" type="slidenum">
               <a:rPr lang="zh-CN" altLang="en-US" smtClean="0"/>
+              <a:t>‹#›</a:t>
             </a:fld>
             <a:endParaRPr lang="zh-CN" altLang="en-US"/>
           </a:p>
@@ -31628,7 +31878,6 @@
               <a:rPr lang="zh-CN" altLang="en-US"/>
               <a:t>单击此处编辑母版标题样式</a:t>
             </a:r>
-            <a:endParaRPr lang="zh-CN" altLang="en-US"/>
           </a:p>
         </p:txBody>
       </p:sp>
@@ -31652,7 +31901,6 @@
               <a:rPr lang="zh-CN" altLang="en-US"/>
               <a:t>编辑母版文本样式</a:t>
             </a:r>
-            <a:endParaRPr lang="zh-CN" altLang="en-US"/>
           </a:p>
           <a:p>
             <a:pPr lvl="1"/>
@@ -31660,7 +31908,6 @@
               <a:rPr lang="zh-CN" altLang="en-US"/>
               <a:t>第二级</a:t>
             </a:r>
-            <a:endParaRPr lang="zh-CN" altLang="en-US"/>
           </a:p>
           <a:p>
             <a:pPr lvl="2"/>
@@ -31668,7 +31915,6 @@
               <a:rPr lang="zh-CN" altLang="en-US"/>
               <a:t>第三级</a:t>
             </a:r>
-            <a:endParaRPr lang="zh-CN" altLang="en-US"/>
           </a:p>
           <a:p>
             <a:pPr lvl="3"/>
@@ -31676,7 +31922,6 @@
               <a:rPr lang="zh-CN" altLang="en-US"/>
               <a:t>第四级</a:t>
             </a:r>
-            <a:endParaRPr lang="zh-CN" altLang="en-US"/>
           </a:p>
           <a:p>
             <a:pPr lvl="4"/>
@@ -31684,7 +31929,6 @@
               <a:rPr lang="zh-CN" altLang="en-US"/>
               <a:t>第五级</a:t>
             </a:r>
-            <a:endParaRPr lang="zh-CN" altLang="en-US"/>
           </a:p>
         </p:txBody>
       </p:sp>
@@ -31705,6 +31949,7 @@
           <a:p>
             <a:fld id="{4052178D-7029-4E5A-BDE7-7463B093413C}" type="datetimeFigureOut">
               <a:rPr lang="zh-CN" altLang="en-US" smtClean="0"/>
+              <a:t>2018/1/15</a:t>
             </a:fld>
             <a:endParaRPr lang="zh-CN" altLang="en-US"/>
           </a:p>
@@ -31746,6 +31991,7 @@
           <a:p>
             <a:fld id="{77A2FBCC-32E6-46B5-8212-073B89DE794C}" type="slidenum">
               <a:rPr lang="zh-CN" altLang="en-US" smtClean="0"/>
+              <a:t>‹#›</a:t>
             </a:fld>
             <a:endParaRPr lang="zh-CN" altLang="en-US"/>
           </a:p>
@@ -31804,7 +32050,6 @@
               <a:rPr lang="zh-CN" altLang="en-US"/>
               <a:t>单击此处编辑母版标题样式</a:t>
             </a:r>
-            <a:endParaRPr lang="zh-CN" altLang="en-US"/>
           </a:p>
         </p:txBody>
       </p:sp>
@@ -31924,7 +32169,6 @@
               <a:rPr lang="zh-CN" altLang="en-US"/>
               <a:t>编辑母版文本样式</a:t>
             </a:r>
-            <a:endParaRPr lang="zh-CN" altLang="en-US"/>
           </a:p>
         </p:txBody>
       </p:sp>
@@ -31945,6 +32189,7 @@
           <a:p>
             <a:fld id="{4052178D-7029-4E5A-BDE7-7463B093413C}" type="datetimeFigureOut">
               <a:rPr lang="zh-CN" altLang="en-US" smtClean="0"/>
+              <a:t>2018/1/15</a:t>
             </a:fld>
             <a:endParaRPr lang="zh-CN" altLang="en-US"/>
           </a:p>
@@ -31986,6 +32231,7 @@
           <a:p>
             <a:fld id="{77A2FBCC-32E6-46B5-8212-073B89DE794C}" type="slidenum">
               <a:rPr lang="zh-CN" altLang="en-US" smtClean="0"/>
+              <a:t>‹#›</a:t>
             </a:fld>
             <a:endParaRPr lang="zh-CN" altLang="en-US"/>
           </a:p>
@@ -32035,7 +32281,6 @@
               <a:rPr lang="zh-CN" altLang="en-US"/>
               <a:t>单击此处编辑母版标题样式</a:t>
             </a:r>
-            <a:endParaRPr lang="zh-CN" altLang="en-US"/>
           </a:p>
         </p:txBody>
       </p:sp>
@@ -32064,7 +32309,6 @@
               <a:rPr lang="zh-CN" altLang="en-US"/>
               <a:t>编辑母版文本样式</a:t>
             </a:r>
-            <a:endParaRPr lang="zh-CN" altLang="en-US"/>
           </a:p>
           <a:p>
             <a:pPr lvl="1"/>
@@ -32072,7 +32316,6 @@
               <a:rPr lang="zh-CN" altLang="en-US"/>
               <a:t>第二级</a:t>
             </a:r>
-            <a:endParaRPr lang="zh-CN" altLang="en-US"/>
           </a:p>
           <a:p>
             <a:pPr lvl="2"/>
@@ -32080,7 +32323,6 @@
               <a:rPr lang="zh-CN" altLang="en-US"/>
               <a:t>第三级</a:t>
             </a:r>
-            <a:endParaRPr lang="zh-CN" altLang="en-US"/>
           </a:p>
           <a:p>
             <a:pPr lvl="3"/>
@@ -32088,7 +32330,6 @@
               <a:rPr lang="zh-CN" altLang="en-US"/>
               <a:t>第四级</a:t>
             </a:r>
-            <a:endParaRPr lang="zh-CN" altLang="en-US"/>
           </a:p>
           <a:p>
             <a:pPr lvl="4"/>
@@ -32096,7 +32337,6 @@
               <a:rPr lang="zh-CN" altLang="en-US"/>
               <a:t>第五级</a:t>
             </a:r>
-            <a:endParaRPr lang="zh-CN" altLang="en-US"/>
           </a:p>
         </p:txBody>
       </p:sp>
@@ -32125,7 +32365,6 @@
               <a:rPr lang="zh-CN" altLang="en-US"/>
               <a:t>编辑母版文本样式</a:t>
             </a:r>
-            <a:endParaRPr lang="zh-CN" altLang="en-US"/>
           </a:p>
           <a:p>
             <a:pPr lvl="1"/>
@@ -32133,7 +32372,6 @@
               <a:rPr lang="zh-CN" altLang="en-US"/>
               <a:t>第二级</a:t>
             </a:r>
-            <a:endParaRPr lang="zh-CN" altLang="en-US"/>
           </a:p>
           <a:p>
             <a:pPr lvl="2"/>
@@ -32141,7 +32379,6 @@
               <a:rPr lang="zh-CN" altLang="en-US"/>
               <a:t>第三级</a:t>
             </a:r>
-            <a:endParaRPr lang="zh-CN" altLang="en-US"/>
           </a:p>
           <a:p>
             <a:pPr lvl="3"/>
@@ -32149,7 +32386,6 @@
               <a:rPr lang="zh-CN" altLang="en-US"/>
               <a:t>第四级</a:t>
             </a:r>
-            <a:endParaRPr lang="zh-CN" altLang="en-US"/>
           </a:p>
           <a:p>
             <a:pPr lvl="4"/>
@@ -32157,7 +32393,6 @@
               <a:rPr lang="zh-CN" altLang="en-US"/>
               <a:t>第五级</a:t>
             </a:r>
-            <a:endParaRPr lang="zh-CN" altLang="en-US"/>
           </a:p>
         </p:txBody>
       </p:sp>
@@ -32178,6 +32413,7 @@
           <a:p>
             <a:fld id="{4052178D-7029-4E5A-BDE7-7463B093413C}" type="datetimeFigureOut">
               <a:rPr lang="zh-CN" altLang="en-US" smtClean="0"/>
+              <a:t>2018/1/15</a:t>
             </a:fld>
             <a:endParaRPr lang="zh-CN" altLang="en-US"/>
           </a:p>
@@ -32219,6 +32455,7 @@
           <a:p>
             <a:fld id="{77A2FBCC-32E6-46B5-8212-073B89DE794C}" type="slidenum">
               <a:rPr lang="zh-CN" altLang="en-US" smtClean="0"/>
+              <a:t>‹#›</a:t>
             </a:fld>
             <a:endParaRPr lang="zh-CN" altLang="en-US"/>
           </a:p>
@@ -32273,7 +32510,6 @@
               <a:rPr lang="zh-CN" altLang="en-US"/>
               <a:t>单击此处编辑母版标题样式</a:t>
             </a:r>
-            <a:endParaRPr lang="zh-CN" altLang="en-US"/>
           </a:p>
         </p:txBody>
       </p:sp>
@@ -32339,7 +32575,6 @@
               <a:rPr lang="zh-CN" altLang="en-US"/>
               <a:t>编辑母版文本样式</a:t>
             </a:r>
-            <a:endParaRPr lang="zh-CN" altLang="en-US"/>
           </a:p>
         </p:txBody>
       </p:sp>
@@ -32368,7 +32603,6 @@
               <a:rPr lang="zh-CN" altLang="en-US"/>
               <a:t>编辑母版文本样式</a:t>
             </a:r>
-            <a:endParaRPr lang="zh-CN" altLang="en-US"/>
           </a:p>
           <a:p>
             <a:pPr lvl="1"/>
@@ -32376,7 +32610,6 @@
               <a:rPr lang="zh-CN" altLang="en-US"/>
               <a:t>第二级</a:t>
             </a:r>
-            <a:endParaRPr lang="zh-CN" altLang="en-US"/>
           </a:p>
           <a:p>
             <a:pPr lvl="2"/>
@@ -32384,7 +32617,6 @@
               <a:rPr lang="zh-CN" altLang="en-US"/>
               <a:t>第三级</a:t>
             </a:r>
-            <a:endParaRPr lang="zh-CN" altLang="en-US"/>
           </a:p>
           <a:p>
             <a:pPr lvl="3"/>
@@ -32392,7 +32624,6 @@
               <a:rPr lang="zh-CN" altLang="en-US"/>
               <a:t>第四级</a:t>
             </a:r>
-            <a:endParaRPr lang="zh-CN" altLang="en-US"/>
           </a:p>
           <a:p>
             <a:pPr lvl="4"/>
@@ -32400,7 +32631,6 @@
               <a:rPr lang="zh-CN" altLang="en-US"/>
               <a:t>第五级</a:t>
             </a:r>
-            <a:endParaRPr lang="zh-CN" altLang="en-US"/>
           </a:p>
         </p:txBody>
       </p:sp>
@@ -32466,7 +32696,6 @@
               <a:rPr lang="zh-CN" altLang="en-US"/>
               <a:t>编辑母版文本样式</a:t>
             </a:r>
-            <a:endParaRPr lang="zh-CN" altLang="en-US"/>
           </a:p>
         </p:txBody>
       </p:sp>
@@ -32495,7 +32724,6 @@
               <a:rPr lang="zh-CN" altLang="en-US"/>
               <a:t>编辑母版文本样式</a:t>
             </a:r>
-            <a:endParaRPr lang="zh-CN" altLang="en-US"/>
           </a:p>
           <a:p>
             <a:pPr lvl="1"/>
@@ -32503,7 +32731,6 @@
               <a:rPr lang="zh-CN" altLang="en-US"/>
               <a:t>第二级</a:t>
             </a:r>
-            <a:endParaRPr lang="zh-CN" altLang="en-US"/>
           </a:p>
           <a:p>
             <a:pPr lvl="2"/>
@@ -32511,7 +32738,6 @@
               <a:rPr lang="zh-CN" altLang="en-US"/>
               <a:t>第三级</a:t>
             </a:r>
-            <a:endParaRPr lang="zh-CN" altLang="en-US"/>
           </a:p>
           <a:p>
             <a:pPr lvl="3"/>
@@ -32519,7 +32745,6 @@
               <a:rPr lang="zh-CN" altLang="en-US"/>
               <a:t>第四级</a:t>
             </a:r>
-            <a:endParaRPr lang="zh-CN" altLang="en-US"/>
           </a:p>
           <a:p>
             <a:pPr lvl="4"/>
@@ -32527,7 +32752,6 @@
               <a:rPr lang="zh-CN" altLang="en-US"/>
               <a:t>第五级</a:t>
             </a:r>
-            <a:endParaRPr lang="zh-CN" altLang="en-US"/>
           </a:p>
         </p:txBody>
       </p:sp>
@@ -32548,6 +32772,7 @@
           <a:p>
             <a:fld id="{4052178D-7029-4E5A-BDE7-7463B093413C}" type="datetimeFigureOut">
               <a:rPr lang="zh-CN" altLang="en-US" smtClean="0"/>
+              <a:t>2018/1/15</a:t>
             </a:fld>
             <a:endParaRPr lang="zh-CN" altLang="en-US"/>
           </a:p>
@@ -32589,6 +32814,7 @@
           <a:p>
             <a:fld id="{77A2FBCC-32E6-46B5-8212-073B89DE794C}" type="slidenum">
               <a:rPr lang="zh-CN" altLang="en-US" smtClean="0"/>
+              <a:t>‹#›</a:t>
             </a:fld>
             <a:endParaRPr lang="zh-CN" altLang="en-US"/>
           </a:p>
@@ -32638,7 +32864,6 @@
               <a:rPr lang="zh-CN" altLang="en-US"/>
               <a:t>单击此处编辑母版标题样式</a:t>
             </a:r>
-            <a:endParaRPr lang="zh-CN" altLang="en-US"/>
           </a:p>
         </p:txBody>
       </p:sp>
@@ -32659,6 +32884,7 @@
           <a:p>
             <a:fld id="{4052178D-7029-4E5A-BDE7-7463B093413C}" type="datetimeFigureOut">
               <a:rPr lang="zh-CN" altLang="en-US" smtClean="0"/>
+              <a:t>2018/1/15</a:t>
             </a:fld>
             <a:endParaRPr lang="zh-CN" altLang="en-US"/>
           </a:p>
@@ -32700,6 +32926,7 @@
           <a:p>
             <a:fld id="{77A2FBCC-32E6-46B5-8212-073B89DE794C}" type="slidenum">
               <a:rPr lang="zh-CN" altLang="en-US" smtClean="0"/>
+              <a:t>‹#›</a:t>
             </a:fld>
             <a:endParaRPr lang="zh-CN" altLang="en-US"/>
           </a:p>
@@ -32747,6 +32974,7 @@
           <a:p>
             <a:fld id="{4052178D-7029-4E5A-BDE7-7463B093413C}" type="datetimeFigureOut">
               <a:rPr lang="zh-CN" altLang="en-US" smtClean="0"/>
+              <a:t>2018/1/15</a:t>
             </a:fld>
             <a:endParaRPr lang="zh-CN" altLang="en-US"/>
           </a:p>
@@ -32788,6 +33016,7 @@
           <a:p>
             <a:fld id="{77A2FBCC-32E6-46B5-8212-073B89DE794C}" type="slidenum">
               <a:rPr lang="zh-CN" altLang="en-US" smtClean="0"/>
+              <a:t>‹#›</a:t>
             </a:fld>
             <a:endParaRPr lang="zh-CN" altLang="en-US"/>
           </a:p>
@@ -32846,7 +33075,6 @@
               <a:rPr lang="zh-CN" altLang="en-US"/>
               <a:t>单击此处编辑母版标题样式</a:t>
             </a:r>
-            <a:endParaRPr lang="zh-CN" altLang="en-US"/>
           </a:p>
         </p:txBody>
       </p:sp>
@@ -32903,7 +33131,6 @@
               <a:rPr lang="zh-CN" altLang="en-US"/>
               <a:t>编辑母版文本样式</a:t>
             </a:r>
-            <a:endParaRPr lang="zh-CN" altLang="en-US"/>
           </a:p>
           <a:p>
             <a:pPr lvl="1"/>
@@ -32911,7 +33138,6 @@
               <a:rPr lang="zh-CN" altLang="en-US"/>
               <a:t>第二级</a:t>
             </a:r>
-            <a:endParaRPr lang="zh-CN" altLang="en-US"/>
           </a:p>
           <a:p>
             <a:pPr lvl="2"/>
@@ -32919,7 +33145,6 @@
               <a:rPr lang="zh-CN" altLang="en-US"/>
               <a:t>第三级</a:t>
             </a:r>
-            <a:endParaRPr lang="zh-CN" altLang="en-US"/>
           </a:p>
           <a:p>
             <a:pPr lvl="3"/>
@@ -32927,7 +33152,6 @@
               <a:rPr lang="zh-CN" altLang="en-US"/>
               <a:t>第四级</a:t>
             </a:r>
-            <a:endParaRPr lang="zh-CN" altLang="en-US"/>
           </a:p>
           <a:p>
             <a:pPr lvl="4"/>
@@ -32935,7 +33159,6 @@
               <a:rPr lang="zh-CN" altLang="en-US"/>
               <a:t>第五级</a:t>
             </a:r>
-            <a:endParaRPr lang="zh-CN" altLang="en-US"/>
           </a:p>
         </p:txBody>
       </p:sp>
@@ -33001,7 +33224,6 @@
               <a:rPr lang="zh-CN" altLang="en-US"/>
               <a:t>编辑母版文本样式</a:t>
             </a:r>
-            <a:endParaRPr lang="zh-CN" altLang="en-US"/>
           </a:p>
         </p:txBody>
       </p:sp>
@@ -33022,6 +33244,7 @@
           <a:p>
             <a:fld id="{4052178D-7029-4E5A-BDE7-7463B093413C}" type="datetimeFigureOut">
               <a:rPr lang="zh-CN" altLang="en-US" smtClean="0"/>
+              <a:t>2018/1/15</a:t>
             </a:fld>
             <a:endParaRPr lang="zh-CN" altLang="en-US"/>
           </a:p>
@@ -33063,6 +33286,7 @@
           <a:p>
             <a:fld id="{77A2FBCC-32E6-46B5-8212-073B89DE794C}" type="slidenum">
               <a:rPr lang="zh-CN" altLang="en-US" smtClean="0"/>
+              <a:t>‹#›</a:t>
             </a:fld>
             <a:endParaRPr lang="zh-CN" altLang="en-US"/>
           </a:p>
@@ -33121,7 +33345,6 @@
               <a:rPr lang="zh-CN" altLang="en-US"/>
               <a:t>单击此处编辑母版标题样式</a:t>
             </a:r>
-            <a:endParaRPr lang="zh-CN" altLang="en-US"/>
           </a:p>
         </p:txBody>
       </p:sp>
@@ -33248,7 +33471,6 @@
               <a:rPr lang="zh-CN" altLang="en-US"/>
               <a:t>编辑母版文本样式</a:t>
             </a:r>
-            <a:endParaRPr lang="zh-CN" altLang="en-US"/>
           </a:p>
         </p:txBody>
       </p:sp>
@@ -33269,6 +33491,7 @@
           <a:p>
             <a:fld id="{4052178D-7029-4E5A-BDE7-7463B093413C}" type="datetimeFigureOut">
               <a:rPr lang="zh-CN" altLang="en-US" smtClean="0"/>
+              <a:t>2018/1/15</a:t>
             </a:fld>
             <a:endParaRPr lang="zh-CN" altLang="en-US"/>
           </a:p>
@@ -33310,6 +33533,7 @@
           <a:p>
             <a:fld id="{77A2FBCC-32E6-46B5-8212-073B89DE794C}" type="slidenum">
               <a:rPr lang="zh-CN" altLang="en-US" smtClean="0"/>
+              <a:t>‹#›</a:t>
             </a:fld>
             <a:endParaRPr lang="zh-CN" altLang="en-US"/>
           </a:p>
@@ -33392,7 +33616,6 @@
               <a:rPr lang="zh-CN" altLang="en-US"/>
               <a:t>单击此处编辑母版标题样式</a:t>
             </a:r>
-            <a:endParaRPr lang="zh-CN" altLang="en-US"/>
           </a:p>
         </p:txBody>
       </p:sp>
@@ -33426,7 +33649,6 @@
               <a:rPr lang="zh-CN" altLang="en-US"/>
               <a:t>编辑母版文本样式</a:t>
             </a:r>
-            <a:endParaRPr lang="zh-CN" altLang="en-US"/>
           </a:p>
           <a:p>
             <a:pPr lvl="1"/>
@@ -33434,7 +33656,6 @@
               <a:rPr lang="zh-CN" altLang="en-US"/>
               <a:t>第二级</a:t>
             </a:r>
-            <a:endParaRPr lang="zh-CN" altLang="en-US"/>
           </a:p>
           <a:p>
             <a:pPr lvl="2"/>
@@ -33442,7 +33663,6 @@
               <a:rPr lang="zh-CN" altLang="en-US"/>
               <a:t>第三级</a:t>
             </a:r>
-            <a:endParaRPr lang="zh-CN" altLang="en-US"/>
           </a:p>
           <a:p>
             <a:pPr lvl="3"/>
@@ -33450,7 +33670,6 @@
               <a:rPr lang="zh-CN" altLang="en-US"/>
               <a:t>第四级</a:t>
             </a:r>
-            <a:endParaRPr lang="zh-CN" altLang="en-US"/>
           </a:p>
           <a:p>
             <a:pPr lvl="4"/>
@@ -33458,7 +33677,6 @@
               <a:rPr lang="zh-CN" altLang="en-US"/>
               <a:t>第五级</a:t>
             </a:r>
-            <a:endParaRPr lang="zh-CN" altLang="en-US"/>
           </a:p>
         </p:txBody>
       </p:sp>
@@ -33497,6 +33715,7 @@
           <a:p>
             <a:fld id="{4052178D-7029-4E5A-BDE7-7463B093413C}" type="datetimeFigureOut">
               <a:rPr lang="zh-CN" altLang="en-US" smtClean="0"/>
+              <a:t>2018/1/15</a:t>
             </a:fld>
             <a:endParaRPr lang="zh-CN" altLang="en-US"/>
           </a:p>
@@ -33574,6 +33793,7 @@
           <a:p>
             <a:fld id="{77A2FBCC-32E6-46B5-8212-073B89DE794C}" type="slidenum">
               <a:rPr lang="zh-CN" altLang="en-US" smtClean="0"/>
+              <a:t>‹#›</a:t>
             </a:fld>
             <a:endParaRPr lang="zh-CN" altLang="en-US"/>
           </a:p>
@@ -33960,10 +34180,6 @@
               </a:rPr>
               <a:t>小组 项目计划</a:t>
             </a:r>
-            <a:endParaRPr lang="zh-CN" altLang="en-US" sz="2800" b="1" dirty="0">
-              <a:latin typeface="微软雅黑" panose="020B0503020204020204" pitchFamily="34" charset="-122"/>
-              <a:ea typeface="微软雅黑" panose="020B0503020204020204" pitchFamily="34" charset="-122"/>
-            </a:endParaRPr>
           </a:p>
         </p:txBody>
       </p:sp>
@@ -34038,13 +34254,6 @@
               </a:rPr>
               <a:t>	31501122</a:t>
             </a:r>
-            <a:endParaRPr lang="en-US" altLang="zh-CN" sz="2000" dirty="0">
-              <a:solidFill>
-                <a:schemeClr val="bg1"/>
-              </a:solidFill>
-              <a:latin typeface="微软雅黑" panose="020B0503020204020204" pitchFamily="34" charset="-122"/>
-              <a:ea typeface="微软雅黑" panose="020B0503020204020204" pitchFamily="34" charset="-122"/>
-            </a:endParaRPr>
           </a:p>
           <a:p>
             <a:pPr algn="ctr">
@@ -34072,13 +34281,6 @@
               </a:rPr>
               <a:t>	31501309</a:t>
             </a:r>
-            <a:endParaRPr lang="en-US" altLang="zh-CN" sz="2000" dirty="0">
-              <a:solidFill>
-                <a:schemeClr val="bg1"/>
-              </a:solidFill>
-              <a:latin typeface="微软雅黑" panose="020B0503020204020204" pitchFamily="34" charset="-122"/>
-              <a:ea typeface="微软雅黑" panose="020B0503020204020204" pitchFamily="34" charset="-122"/>
-            </a:endParaRPr>
           </a:p>
           <a:p>
             <a:pPr algn="ctr">
@@ -34205,7 +34407,6 @@
               <a:rPr lang="zh-CN" altLang="en-US" sz="2600" dirty="0"/>
               <a:t>游戏设计</a:t>
             </a:r>
-            <a:endParaRPr lang="zh-CN" altLang="en-US" sz="2600" dirty="0"/>
           </a:p>
         </p:txBody>
       </p:sp>
@@ -34253,13 +34454,6 @@
               </a:rPr>
               <a:t>特殊设计</a:t>
             </a:r>
-            <a:endParaRPr lang="zh-CN" altLang="en-US" sz="2400" dirty="0">
-              <a:solidFill>
-                <a:srgbClr val="C00000"/>
-              </a:solidFill>
-              <a:latin typeface="微软雅黑" panose="020B0503020204020204" pitchFamily="34" charset="-122"/>
-              <a:ea typeface="微软雅黑" panose="020B0503020204020204" pitchFamily="34" charset="-122"/>
-            </a:endParaRPr>
           </a:p>
         </p:txBody>
       </p:sp>
@@ -34275,7 +34469,7 @@
         </p:xfrm>
         <a:graphic>
           <a:graphicData uri="http://schemas.openxmlformats.org/drawingml/2006/diagram">
-            <dgm:relIds xmlns:dgm="http://schemas.openxmlformats.org/drawingml/2006/diagram" xmlns:r="http://schemas.openxmlformats.org/officeDocument/2006/relationships" r:dm="rId1" r:lo="rId2" r:qs="rId3" r:cs="rId4"/>
+            <dgm:relIds xmlns:dgm="http://schemas.openxmlformats.org/drawingml/2006/diagram" xmlns:r="http://schemas.openxmlformats.org/officeDocument/2006/relationships" r:dm="rId2" r:lo="rId3" r:qs="rId4" r:cs="rId5"/>
           </a:graphicData>
         </a:graphic>
       </p:graphicFrame>
@@ -34368,7 +34562,6 @@
               <a:rPr lang="zh-CN" altLang="en-US" sz="2600" dirty="0"/>
               <a:t>框架设计</a:t>
             </a:r>
-            <a:endParaRPr lang="zh-CN" altLang="en-US" sz="2600" dirty="0"/>
           </a:p>
         </p:txBody>
       </p:sp>
@@ -34416,13 +34609,6 @@
               </a:rPr>
               <a:t>功能模块</a:t>
             </a:r>
-            <a:endParaRPr lang="zh-CN" altLang="en-US" sz="2400" dirty="0">
-              <a:solidFill>
-                <a:srgbClr val="C00000"/>
-              </a:solidFill>
-              <a:latin typeface="微软雅黑" panose="020B0503020204020204" pitchFamily="34" charset="-122"/>
-              <a:ea typeface="微软雅黑" panose="020B0503020204020204" pitchFamily="34" charset="-122"/>
-            </a:endParaRPr>
           </a:p>
         </p:txBody>
       </p:sp>
@@ -34438,7 +34624,7 @@
         </p:xfrm>
         <a:graphic>
           <a:graphicData uri="http://schemas.openxmlformats.org/drawingml/2006/diagram">
-            <dgm:relIds xmlns:dgm="http://schemas.openxmlformats.org/drawingml/2006/diagram" xmlns:r="http://schemas.openxmlformats.org/officeDocument/2006/relationships" r:dm="rId1" r:lo="rId2" r:qs="rId3" r:cs="rId4"/>
+            <dgm:relIds xmlns:dgm="http://schemas.openxmlformats.org/drawingml/2006/diagram" xmlns:r="http://schemas.openxmlformats.org/officeDocument/2006/relationships" r:dm="rId2" r:lo="rId3" r:qs="rId4" r:cs="rId5"/>
           </a:graphicData>
         </a:graphic>
       </p:graphicFrame>
@@ -34476,7 +34662,7 @@
           <p:nvPr/>
         </p:nvPicPr>
         <p:blipFill>
-          <a:blip r:embed="rId1"/>
+          <a:blip r:embed="rId2"/>
           <a:stretch>
             <a:fillRect/>
           </a:stretch>
@@ -34557,7 +34743,6 @@
               <a:rPr lang="zh-CN" altLang="en-US" sz="2600" dirty="0"/>
               <a:t>框架设计</a:t>
             </a:r>
-            <a:endParaRPr lang="zh-CN" altLang="en-US" sz="2600" dirty="0"/>
           </a:p>
         </p:txBody>
       </p:sp>
@@ -34650,7 +34835,6 @@
               <a:rPr lang="zh-CN" altLang="en-US" sz="2600" dirty="0"/>
               <a:t>框架设计</a:t>
             </a:r>
-            <a:endParaRPr lang="zh-CN" altLang="en-US" sz="2600" dirty="0"/>
           </a:p>
         </p:txBody>
       </p:sp>
@@ -34698,13 +34882,6 @@
               </a:rPr>
               <a:t>框架搭建</a:t>
             </a:r>
-            <a:endParaRPr lang="zh-CN" altLang="en-US" sz="2400" dirty="0">
-              <a:solidFill>
-                <a:srgbClr val="C00000"/>
-              </a:solidFill>
-              <a:latin typeface="微软雅黑" panose="020B0503020204020204" pitchFamily="34" charset="-122"/>
-              <a:ea typeface="微软雅黑" panose="020B0503020204020204" pitchFamily="34" charset="-122"/>
-            </a:endParaRPr>
           </a:p>
         </p:txBody>
       </p:sp>
@@ -34720,7 +34897,7 @@
         </p:xfrm>
         <a:graphic>
           <a:graphicData uri="http://schemas.openxmlformats.org/drawingml/2006/diagram">
-            <dgm:relIds xmlns:dgm="http://schemas.openxmlformats.org/drawingml/2006/diagram" xmlns:r="http://schemas.openxmlformats.org/officeDocument/2006/relationships" r:dm="rId1" r:lo="rId2" r:qs="rId3" r:cs="rId4"/>
+            <dgm:relIds xmlns:dgm="http://schemas.openxmlformats.org/drawingml/2006/diagram" xmlns:r="http://schemas.openxmlformats.org/officeDocument/2006/relationships" r:dm="rId2" r:lo="rId3" r:qs="rId4" r:cs="rId5"/>
           </a:graphicData>
         </a:graphic>
       </p:graphicFrame>
@@ -34752,7 +34929,7 @@
       <p:sp>
         <p:nvSpPr>
           <p:cNvPr id="2" name="流程图: 文档 1">
-            <a:hlinkClick r:id="rId1" action="ppaction://hlinksldjump"/>
+            <a:hlinkClick r:id="rId2" action="ppaction://hlinksldjump"/>
           </p:cNvPr>
           <p:cNvSpPr/>
           <p:nvPr/>
@@ -34815,7 +34992,6 @@
               <a:rPr lang="zh-CN" altLang="en-US" sz="2600" dirty="0"/>
               <a:t>规格估算</a:t>
             </a:r>
-            <a:endParaRPr lang="zh-CN" altLang="en-US" sz="2600" dirty="0"/>
           </a:p>
         </p:txBody>
       </p:sp>
@@ -34892,8 +35068,20 @@
                 <a:tableStyleId>{5C22544A-7EE6-4342-B048-85BDC9FD1C3A}</a:tableStyleId>
               </a:tblPr>
               <a:tblGrid>
-                <a:gridCol w="4064000"/>
-                <a:gridCol w="4064000"/>
+                <a:gridCol w="4064000">
+                  <a:extLst>
+                    <a:ext uri="{9D8B030D-6E8A-4147-A177-3AD203B41FA5}">
+                      <a16:colId xmlns:a16="http://schemas.microsoft.com/office/drawing/2014/main" val="20000"/>
+                    </a:ext>
+                  </a:extLst>
+                </a:gridCol>
+                <a:gridCol w="4064000">
+                  <a:extLst>
+                    <a:ext uri="{9D8B030D-6E8A-4147-A177-3AD203B41FA5}">
+                      <a16:colId xmlns:a16="http://schemas.microsoft.com/office/drawing/2014/main" val="20001"/>
+                    </a:ext>
+                  </a:extLst>
+                </a:gridCol>
               </a:tblGrid>
               <a:tr h="370840">
                 <a:tc>
@@ -34906,7 +35094,6 @@
                         <a:rPr lang="zh-CN" altLang="en-US" sz="2400" dirty="0"/>
                         <a:t>玩家输入项</a:t>
                       </a:r>
-                      <a:endParaRPr lang="zh-CN" altLang="en-US" sz="2400" dirty="0"/>
                     </a:p>
                   </a:txBody>
                   <a:tcPr/>
@@ -34921,11 +35108,15 @@
                         <a:rPr lang="zh-CN" altLang="en-US" sz="2400" dirty="0"/>
                         <a:t>备注</a:t>
                       </a:r>
-                      <a:endParaRPr lang="zh-CN" altLang="en-US" sz="2400" dirty="0"/>
                     </a:p>
                   </a:txBody>
                   <a:tcPr/>
                 </a:tc>
+                <a:extLst>
+                  <a:ext uri="{0D108BD9-81ED-4DB2-BD59-A6C34878D82A}">
+                    <a16:rowId xmlns:a16="http://schemas.microsoft.com/office/drawing/2014/main" val="10000"/>
+                  </a:ext>
+                </a:extLst>
               </a:tr>
               <a:tr h="370840">
                 <a:tc>
@@ -34938,7 +35129,6 @@
                         <a:rPr lang="zh-CN" altLang="en-US" sz="2400" dirty="0"/>
                         <a:t>对界面按钮的点击</a:t>
                       </a:r>
-                      <a:endParaRPr lang="zh-CN" altLang="en-US" sz="2400" dirty="0"/>
                     </a:p>
                   </a:txBody>
                   <a:tcPr/>
@@ -34954,6 +35144,11 @@
                   </a:txBody>
                   <a:tcPr/>
                 </a:tc>
+                <a:extLst>
+                  <a:ext uri="{0D108BD9-81ED-4DB2-BD59-A6C34878D82A}">
+                    <a16:rowId xmlns:a16="http://schemas.microsoft.com/office/drawing/2014/main" val="10001"/>
+                  </a:ext>
+                </a:extLst>
               </a:tr>
               <a:tr h="370840">
                 <a:tc>
@@ -34982,7 +35177,6 @@
                         <a:rPr lang="zh-CN" altLang="en-US" sz="2400" dirty="0"/>
                         <a:t>升级防御塔</a:t>
                       </a:r>
-                      <a:endParaRPr lang="zh-CN" altLang="en-US" sz="2400" dirty="0"/>
                     </a:p>
                   </a:txBody>
                   <a:tcPr/>
@@ -34998,6 +35192,11 @@
                   </a:txBody>
                   <a:tcPr/>
                 </a:tc>
+                <a:extLst>
+                  <a:ext uri="{0D108BD9-81ED-4DB2-BD59-A6C34878D82A}">
+                    <a16:rowId xmlns:a16="http://schemas.microsoft.com/office/drawing/2014/main" val="10002"/>
+                  </a:ext>
+                </a:extLst>
               </a:tr>
               <a:tr h="370840">
                 <a:tc>
@@ -35018,7 +35217,6 @@
                         <a:rPr lang="zh-CN" altLang="en-US" sz="2400" dirty="0"/>
                         <a:t>继续游戏</a:t>
                       </a:r>
-                      <a:endParaRPr lang="zh-CN" altLang="en-US" sz="2400" dirty="0"/>
                     </a:p>
                   </a:txBody>
                   <a:tcPr/>
@@ -35034,6 +35232,11 @@
                   </a:txBody>
                   <a:tcPr/>
                 </a:tc>
+                <a:extLst>
+                  <a:ext uri="{0D108BD9-81ED-4DB2-BD59-A6C34878D82A}">
+                    <a16:rowId xmlns:a16="http://schemas.microsoft.com/office/drawing/2014/main" val="10003"/>
+                  </a:ext>
+                </a:extLst>
               </a:tr>
               <a:tr h="370840">
                 <a:tc>
@@ -35069,7 +35272,6 @@
                         <a:rPr lang="zh-CN" altLang="en-US" sz="2400" dirty="0"/>
                         <a:t>购买道具</a:t>
                       </a:r>
-                      <a:endParaRPr lang="zh-CN" altLang="en-US" sz="2400" dirty="0"/>
                     </a:p>
                   </a:txBody>
                   <a:tcPr/>
@@ -35084,11 +35286,15 @@
                         <a:rPr lang="zh-CN" altLang="en-US" sz="2400" dirty="0"/>
                         <a:t>可选</a:t>
                       </a:r>
-                      <a:endParaRPr lang="zh-CN" altLang="en-US" sz="2400" dirty="0"/>
                     </a:p>
                   </a:txBody>
                   <a:tcPr/>
                 </a:tc>
+                <a:extLst>
+                  <a:ext uri="{0D108BD9-81ED-4DB2-BD59-A6C34878D82A}">
+                    <a16:rowId xmlns:a16="http://schemas.microsoft.com/office/drawing/2014/main" val="10004"/>
+                  </a:ext>
+                </a:extLst>
               </a:tr>
             </a:tbl>
           </a:graphicData>
@@ -35122,7 +35328,7 @@
       <p:sp>
         <p:nvSpPr>
           <p:cNvPr id="2" name="流程图: 文档 1">
-            <a:hlinkClick r:id="rId1" action="ppaction://hlinksldjump"/>
+            <a:hlinkClick r:id="rId2" action="ppaction://hlinksldjump"/>
           </p:cNvPr>
           <p:cNvSpPr/>
           <p:nvPr/>
@@ -35185,7 +35391,6 @@
               <a:rPr lang="zh-CN" altLang="en-US" sz="2600" dirty="0"/>
               <a:t>规格估算</a:t>
             </a:r>
-            <a:endParaRPr lang="zh-CN" altLang="en-US" sz="2600" dirty="0"/>
           </a:p>
         </p:txBody>
       </p:sp>
@@ -35262,8 +35467,20 @@
                 <a:tableStyleId>{5C22544A-7EE6-4342-B048-85BDC9FD1C3A}</a:tableStyleId>
               </a:tblPr>
               <a:tblGrid>
-                <a:gridCol w="4513095"/>
-                <a:gridCol w="3614905"/>
+                <a:gridCol w="4513095">
+                  <a:extLst>
+                    <a:ext uri="{9D8B030D-6E8A-4147-A177-3AD203B41FA5}">
+                      <a16:colId xmlns:a16="http://schemas.microsoft.com/office/drawing/2014/main" val="20000"/>
+                    </a:ext>
+                  </a:extLst>
+                </a:gridCol>
+                <a:gridCol w="3614905">
+                  <a:extLst>
+                    <a:ext uri="{9D8B030D-6E8A-4147-A177-3AD203B41FA5}">
+                      <a16:colId xmlns:a16="http://schemas.microsoft.com/office/drawing/2014/main" val="20001"/>
+                    </a:ext>
+                  </a:extLst>
+                </a:gridCol>
               </a:tblGrid>
               <a:tr h="370840">
                 <a:tc>
@@ -35276,7 +35493,6 @@
                         <a:rPr lang="zh-CN" altLang="en-US" sz="2400" dirty="0"/>
                         <a:t>系统输出项</a:t>
                       </a:r>
-                      <a:endParaRPr lang="zh-CN" altLang="en-US" sz="2400" dirty="0"/>
                     </a:p>
                   </a:txBody>
                   <a:tcPr/>
@@ -35291,11 +35507,15 @@
                         <a:rPr lang="zh-CN" altLang="en-US" sz="2400" dirty="0"/>
                         <a:t>备注</a:t>
                       </a:r>
-                      <a:endParaRPr lang="zh-CN" altLang="en-US" sz="2400" dirty="0"/>
                     </a:p>
                   </a:txBody>
                   <a:tcPr/>
                 </a:tc>
+                <a:extLst>
+                  <a:ext uri="{0D108BD9-81ED-4DB2-BD59-A6C34878D82A}">
+                    <a16:rowId xmlns:a16="http://schemas.microsoft.com/office/drawing/2014/main" val="10000"/>
+                  </a:ext>
+                </a:extLst>
               </a:tr>
               <a:tr h="370840">
                 <a:tc>
@@ -35308,7 +35528,6 @@
                         <a:rPr lang="zh-CN" altLang="en-US" sz="2400" dirty="0"/>
                         <a:t>游戏界面的切换</a:t>
                       </a:r>
-                      <a:endParaRPr lang="zh-CN" altLang="en-US" sz="2400" dirty="0"/>
                     </a:p>
                   </a:txBody>
                   <a:tcPr/>
@@ -35324,6 +35543,11 @@
                   </a:txBody>
                   <a:tcPr/>
                 </a:tc>
+                <a:extLst>
+                  <a:ext uri="{0D108BD9-81ED-4DB2-BD59-A6C34878D82A}">
+                    <a16:rowId xmlns:a16="http://schemas.microsoft.com/office/drawing/2014/main" val="10001"/>
+                  </a:ext>
+                </a:extLst>
               </a:tr>
               <a:tr h="370840">
                 <a:tc>
@@ -35344,7 +35568,6 @@
                         <a:rPr lang="zh-CN" altLang="en-US" sz="2400" dirty="0"/>
                         <a:t>死亡</a:t>
                       </a:r>
-                      <a:endParaRPr lang="zh-CN" altLang="en-US" sz="2400" dirty="0"/>
                     </a:p>
                   </a:txBody>
                   <a:tcPr/>
@@ -35360,6 +35583,11 @@
                   </a:txBody>
                   <a:tcPr/>
                 </a:tc>
+                <a:extLst>
+                  <a:ext uri="{0D108BD9-81ED-4DB2-BD59-A6C34878D82A}">
+                    <a16:rowId xmlns:a16="http://schemas.microsoft.com/office/drawing/2014/main" val="10002"/>
+                  </a:ext>
+                </a:extLst>
               </a:tr>
               <a:tr h="370840">
                 <a:tc>
@@ -35372,7 +35600,6 @@
                         <a:rPr lang="zh-CN" altLang="en-US" sz="2400" dirty="0"/>
                         <a:t>防御塔攻击怪兽</a:t>
                       </a:r>
-                      <a:endParaRPr lang="zh-CN" altLang="en-US" sz="2400" dirty="0"/>
                     </a:p>
                   </a:txBody>
                   <a:tcPr/>
@@ -35388,6 +35615,11 @@
                   </a:txBody>
                   <a:tcPr/>
                 </a:tc>
+                <a:extLst>
+                  <a:ext uri="{0D108BD9-81ED-4DB2-BD59-A6C34878D82A}">
+                    <a16:rowId xmlns:a16="http://schemas.microsoft.com/office/drawing/2014/main" val="10003"/>
+                  </a:ext>
+                </a:extLst>
               </a:tr>
               <a:tr h="370840">
                 <a:tc>
@@ -35416,7 +35648,6 @@
                         <a:rPr lang="zh-CN" altLang="en-US" sz="2400" dirty="0"/>
                         <a:t>销毁</a:t>
                       </a:r>
-                      <a:endParaRPr lang="zh-CN" altLang="en-US" sz="2400" dirty="0"/>
                     </a:p>
                   </a:txBody>
                   <a:tcPr/>
@@ -35432,6 +35663,11 @@
                   </a:txBody>
                   <a:tcPr/>
                 </a:tc>
+                <a:extLst>
+                  <a:ext uri="{0D108BD9-81ED-4DB2-BD59-A6C34878D82A}">
+                    <a16:rowId xmlns:a16="http://schemas.microsoft.com/office/drawing/2014/main" val="10004"/>
+                  </a:ext>
+                </a:extLst>
               </a:tr>
               <a:tr h="370840">
                 <a:tc>
@@ -35467,7 +35703,6 @@
                         <a:rPr lang="zh-CN" altLang="en-US" sz="2400" dirty="0"/>
                         <a:t>购买道具</a:t>
                       </a:r>
-                      <a:endParaRPr lang="zh-CN" altLang="en-US" sz="2400" dirty="0"/>
                     </a:p>
                   </a:txBody>
                   <a:tcPr/>
@@ -35482,11 +35717,15 @@
                         <a:rPr lang="zh-CN" altLang="en-US" sz="2400" dirty="0"/>
                         <a:t>可选</a:t>
                       </a:r>
-                      <a:endParaRPr lang="zh-CN" altLang="en-US" sz="2400" dirty="0"/>
                     </a:p>
                   </a:txBody>
                   <a:tcPr/>
                 </a:tc>
+                <a:extLst>
+                  <a:ext uri="{0D108BD9-81ED-4DB2-BD59-A6C34878D82A}">
+                    <a16:rowId xmlns:a16="http://schemas.microsoft.com/office/drawing/2014/main" val="10005"/>
+                  </a:ext>
+                </a:extLst>
               </a:tr>
             </a:tbl>
           </a:graphicData>
@@ -35520,7 +35759,7 @@
       <p:sp>
         <p:nvSpPr>
           <p:cNvPr id="2" name="流程图: 文档 1">
-            <a:hlinkClick r:id="rId1" action="ppaction://hlinksldjump"/>
+            <a:hlinkClick r:id="rId2" action="ppaction://hlinksldjump"/>
           </p:cNvPr>
           <p:cNvSpPr/>
           <p:nvPr/>
@@ -35583,7 +35822,6 @@
               <a:rPr lang="zh-CN" altLang="en-US" sz="2600" dirty="0"/>
               <a:t>规格估算</a:t>
             </a:r>
-            <a:endParaRPr lang="zh-CN" altLang="en-US" sz="2600" dirty="0"/>
           </a:p>
         </p:txBody>
       </p:sp>
@@ -35660,8 +35898,20 @@
                 <a:tableStyleId>{5C22544A-7EE6-4342-B048-85BDC9FD1C3A}</a:tableStyleId>
               </a:tblPr>
               <a:tblGrid>
-                <a:gridCol w="4513095"/>
-                <a:gridCol w="3614905"/>
+                <a:gridCol w="4513095">
+                  <a:extLst>
+                    <a:ext uri="{9D8B030D-6E8A-4147-A177-3AD203B41FA5}">
+                      <a16:colId xmlns:a16="http://schemas.microsoft.com/office/drawing/2014/main" val="20000"/>
+                    </a:ext>
+                  </a:extLst>
+                </a:gridCol>
+                <a:gridCol w="3614905">
+                  <a:extLst>
+                    <a:ext uri="{9D8B030D-6E8A-4147-A177-3AD203B41FA5}">
+                      <a16:colId xmlns:a16="http://schemas.microsoft.com/office/drawing/2014/main" val="20001"/>
+                    </a:ext>
+                  </a:extLst>
+                </a:gridCol>
               </a:tblGrid>
               <a:tr h="370840">
                 <a:tc>
@@ -35674,7 +35924,6 @@
                         <a:rPr lang="zh-CN" altLang="en-US" sz="2400" dirty="0"/>
                         <a:t>查询项</a:t>
                       </a:r>
-                      <a:endParaRPr lang="zh-CN" altLang="en-US" sz="2400" dirty="0"/>
                     </a:p>
                   </a:txBody>
                   <a:tcPr/>
@@ -35689,11 +35938,15 @@
                         <a:rPr lang="zh-CN" altLang="en-US" sz="2400" dirty="0"/>
                         <a:t>备注</a:t>
                       </a:r>
-                      <a:endParaRPr lang="zh-CN" altLang="en-US" sz="2400" dirty="0"/>
                     </a:p>
                   </a:txBody>
                   <a:tcPr/>
                 </a:tc>
+                <a:extLst>
+                  <a:ext uri="{0D108BD9-81ED-4DB2-BD59-A6C34878D82A}">
+                    <a16:rowId xmlns:a16="http://schemas.microsoft.com/office/drawing/2014/main" val="10000"/>
+                  </a:ext>
+                </a:extLst>
               </a:tr>
               <a:tr h="370840">
                 <a:tc>
@@ -35722,7 +35975,6 @@
                         <a:rPr lang="zh-CN" altLang="en-US" sz="2400" dirty="0"/>
                         <a:t>防御塔信息</a:t>
                       </a:r>
-                      <a:endParaRPr lang="zh-CN" altLang="en-US" sz="2400" dirty="0"/>
                     </a:p>
                   </a:txBody>
                   <a:tcPr/>
@@ -35737,11 +35989,15 @@
                         <a:rPr lang="zh-CN" altLang="en-US" sz="2400" dirty="0"/>
                         <a:t>检索对象</a:t>
                       </a:r>
-                      <a:endParaRPr lang="zh-CN" altLang="en-US" sz="2400" dirty="0"/>
                     </a:p>
                   </a:txBody>
                   <a:tcPr/>
                 </a:tc>
+                <a:extLst>
+                  <a:ext uri="{0D108BD9-81ED-4DB2-BD59-A6C34878D82A}">
+                    <a16:rowId xmlns:a16="http://schemas.microsoft.com/office/drawing/2014/main" val="10001"/>
+                  </a:ext>
+                </a:extLst>
               </a:tr>
               <a:tr h="370840">
                 <a:tc>
@@ -35754,7 +36010,6 @@
                         <a:rPr lang="zh-CN" altLang="en-US" sz="2400" dirty="0"/>
                         <a:t>创建防御塔</a:t>
                       </a:r>
-                      <a:endParaRPr lang="zh-CN" altLang="en-US" sz="2400" dirty="0"/>
                     </a:p>
                   </a:txBody>
                   <a:tcPr/>
@@ -35769,11 +36024,15 @@
                         <a:rPr lang="zh-CN" altLang="en-US" sz="2400" dirty="0"/>
                         <a:t>检索防御塔</a:t>
                       </a:r>
-                      <a:endParaRPr lang="zh-CN" altLang="en-US" sz="2400" dirty="0"/>
                     </a:p>
                   </a:txBody>
                   <a:tcPr/>
                 </a:tc>
+                <a:extLst>
+                  <a:ext uri="{0D108BD9-81ED-4DB2-BD59-A6C34878D82A}">
+                    <a16:rowId xmlns:a16="http://schemas.microsoft.com/office/drawing/2014/main" val="10002"/>
+                  </a:ext>
+                </a:extLst>
               </a:tr>
               <a:tr h="370840">
                 <a:tc>
@@ -35786,7 +36045,6 @@
                         <a:rPr lang="zh-CN" altLang="en-US" sz="2400" dirty="0"/>
                         <a:t>生成怪兽</a:t>
                       </a:r>
-                      <a:endParaRPr lang="zh-CN" altLang="en-US" sz="2400" dirty="0"/>
                     </a:p>
                   </a:txBody>
                   <a:tcPr/>
@@ -35801,11 +36059,15 @@
                         <a:rPr lang="zh-CN" altLang="en-US" sz="2400" dirty="0"/>
                         <a:t>检索怪兽</a:t>
                       </a:r>
-                      <a:endParaRPr lang="zh-CN" altLang="en-US" sz="2400" dirty="0"/>
                     </a:p>
                   </a:txBody>
                   <a:tcPr/>
                 </a:tc>
+                <a:extLst>
+                  <a:ext uri="{0D108BD9-81ED-4DB2-BD59-A6C34878D82A}">
+                    <a16:rowId xmlns:a16="http://schemas.microsoft.com/office/drawing/2014/main" val="10003"/>
+                  </a:ext>
+                </a:extLst>
               </a:tr>
               <a:tr h="370840">
                 <a:tc>
@@ -35818,7 +36080,6 @@
                         <a:rPr lang="zh-CN" altLang="en-US" sz="2400" dirty="0"/>
                         <a:t>防御塔攻击怪兽</a:t>
                       </a:r>
-                      <a:endParaRPr lang="zh-CN" altLang="en-US" sz="2400" dirty="0"/>
                     </a:p>
                   </a:txBody>
                   <a:tcPr/>
@@ -35833,11 +36094,15 @@
                         <a:rPr lang="zh-CN" altLang="en-US" sz="2400" dirty="0"/>
                         <a:t>检索子弹</a:t>
                       </a:r>
-                      <a:endParaRPr lang="zh-CN" altLang="en-US" sz="2400" dirty="0"/>
                     </a:p>
                   </a:txBody>
                   <a:tcPr/>
                 </a:tc>
+                <a:extLst>
+                  <a:ext uri="{0D108BD9-81ED-4DB2-BD59-A6C34878D82A}">
+                    <a16:rowId xmlns:a16="http://schemas.microsoft.com/office/drawing/2014/main" val="10004"/>
+                  </a:ext>
+                </a:extLst>
               </a:tr>
               <a:tr h="370840">
                 <a:tc>
@@ -35850,7 +36115,6 @@
                         <a:rPr lang="zh-CN" altLang="en-US" sz="2400" dirty="0"/>
                         <a:t>购买道具</a:t>
                       </a:r>
-                      <a:endParaRPr lang="zh-CN" altLang="en-US" sz="2400" dirty="0"/>
                     </a:p>
                   </a:txBody>
                   <a:tcPr/>
@@ -35865,11 +36129,15 @@
                         <a:rPr lang="zh-CN" altLang="en-US" sz="2400" dirty="0"/>
                         <a:t>检索道具，可选</a:t>
                       </a:r>
-                      <a:endParaRPr lang="zh-CN" altLang="en-US" sz="2400" dirty="0"/>
                     </a:p>
                   </a:txBody>
                   <a:tcPr/>
                 </a:tc>
+                <a:extLst>
+                  <a:ext uri="{0D108BD9-81ED-4DB2-BD59-A6C34878D82A}">
+                    <a16:rowId xmlns:a16="http://schemas.microsoft.com/office/drawing/2014/main" val="10005"/>
+                  </a:ext>
+                </a:extLst>
               </a:tr>
               <a:tr h="370840">
                 <a:tc>
@@ -35913,7 +36181,6 @@
                         <a:rPr lang="zh-CN" altLang="en-US" sz="2400" dirty="0"/>
                         <a:t>士兵技能升级</a:t>
                       </a:r>
-                      <a:endParaRPr lang="zh-CN" altLang="en-US" sz="2400" dirty="0"/>
                     </a:p>
                   </a:txBody>
                   <a:tcPr/>
@@ -35928,11 +36195,15 @@
                         <a:rPr lang="zh-CN" altLang="en-US" sz="2400" dirty="0"/>
                         <a:t>检索技能及对象，可选</a:t>
                       </a:r>
-                      <a:endParaRPr lang="zh-CN" altLang="en-US" sz="2400" dirty="0"/>
                     </a:p>
                   </a:txBody>
                   <a:tcPr/>
                 </a:tc>
+                <a:extLst>
+                  <a:ext uri="{0D108BD9-81ED-4DB2-BD59-A6C34878D82A}">
+                    <a16:rowId xmlns:a16="http://schemas.microsoft.com/office/drawing/2014/main" val="10006"/>
+                  </a:ext>
+                </a:extLst>
               </a:tr>
             </a:tbl>
           </a:graphicData>
@@ -35966,7 +36237,7 @@
       <p:sp>
         <p:nvSpPr>
           <p:cNvPr id="2" name="流程图: 文档 1">
-            <a:hlinkClick r:id="rId1" action="ppaction://hlinksldjump"/>
+            <a:hlinkClick r:id="rId2" action="ppaction://hlinksldjump"/>
           </p:cNvPr>
           <p:cNvSpPr/>
           <p:nvPr/>
@@ -36029,7 +36300,6 @@
               <a:rPr lang="zh-CN" altLang="en-US" sz="2600" dirty="0"/>
               <a:t>规格估算</a:t>
             </a:r>
-            <a:endParaRPr lang="zh-CN" altLang="en-US" sz="2600" dirty="0"/>
           </a:p>
         </p:txBody>
       </p:sp>
@@ -36106,8 +36376,20 @@
                 <a:tableStyleId>{5C22544A-7EE6-4342-B048-85BDC9FD1C3A}</a:tableStyleId>
               </a:tblPr>
               <a:tblGrid>
-                <a:gridCol w="2322474"/>
-                <a:gridCol w="5805526"/>
+                <a:gridCol w="2322474">
+                  <a:extLst>
+                    <a:ext uri="{9D8B030D-6E8A-4147-A177-3AD203B41FA5}">
+                      <a16:colId xmlns:a16="http://schemas.microsoft.com/office/drawing/2014/main" val="20000"/>
+                    </a:ext>
+                  </a:extLst>
+                </a:gridCol>
+                <a:gridCol w="5805526">
+                  <a:extLst>
+                    <a:ext uri="{9D8B030D-6E8A-4147-A177-3AD203B41FA5}">
+                      <a16:colId xmlns:a16="http://schemas.microsoft.com/office/drawing/2014/main" val="20001"/>
+                    </a:ext>
+                  </a:extLst>
+                </a:gridCol>
               </a:tblGrid>
               <a:tr h="370840">
                 <a:tc>
@@ -36120,7 +36402,6 @@
                         <a:rPr lang="zh-CN" altLang="en-US" sz="2400" dirty="0"/>
                         <a:t>主文件数</a:t>
                       </a:r>
-                      <a:endParaRPr lang="zh-CN" altLang="en-US" sz="2400" dirty="0"/>
                     </a:p>
                   </a:txBody>
                   <a:tcPr/>
@@ -36135,11 +36416,15 @@
                         <a:rPr lang="zh-CN" altLang="en-US" sz="2400" dirty="0"/>
                         <a:t>备注</a:t>
                       </a:r>
-                      <a:endParaRPr lang="zh-CN" altLang="en-US" sz="2400" dirty="0"/>
                     </a:p>
                   </a:txBody>
                   <a:tcPr/>
                 </a:tc>
+                <a:extLst>
+                  <a:ext uri="{0D108BD9-81ED-4DB2-BD59-A6C34878D82A}">
+                    <a16:rowId xmlns:a16="http://schemas.microsoft.com/office/drawing/2014/main" val="10000"/>
+                  </a:ext>
+                </a:extLst>
               </a:tr>
               <a:tr h="370840">
                 <a:tc>
@@ -36159,14 +36444,6 @@
                         </a:rPr>
                         <a:t>框架类</a:t>
                       </a:r>
-                      <a:endParaRPr lang="zh-CN" altLang="en-US" sz="2400" kern="1200" dirty="0">
-                        <a:solidFill>
-                          <a:schemeClr val="dk1"/>
-                        </a:solidFill>
-                        <a:latin typeface="+mn-lt"/>
-                        <a:ea typeface="+mn-ea"/>
-                        <a:cs typeface="+mn-cs"/>
-                      </a:endParaRPr>
                     </a:p>
                   </a:txBody>
                   <a:tcPr/>
@@ -36209,11 +36486,15 @@
                         <a:rPr lang="zh-CN" altLang="en-US" sz="2400" dirty="0"/>
                         <a:t>事件管理</a:t>
                       </a:r>
-                      <a:endParaRPr lang="zh-CN" altLang="en-US" sz="2400" dirty="0"/>
                     </a:p>
                   </a:txBody>
                   <a:tcPr/>
                 </a:tc>
+                <a:extLst>
+                  <a:ext uri="{0D108BD9-81ED-4DB2-BD59-A6C34878D82A}">
+                    <a16:rowId xmlns:a16="http://schemas.microsoft.com/office/drawing/2014/main" val="10001"/>
+                  </a:ext>
+                </a:extLst>
               </a:tr>
               <a:tr h="370840">
                 <a:tc>
@@ -36226,7 +36507,6 @@
                         <a:rPr lang="zh-CN" altLang="en-US" sz="2400" dirty="0"/>
                         <a:t>工具类</a:t>
                       </a:r>
-                      <a:endParaRPr lang="zh-CN" altLang="en-US" sz="2400" dirty="0"/>
                     </a:p>
                   </a:txBody>
                   <a:tcPr/>
@@ -36247,11 +36527,15 @@
                         <a:rPr lang="zh-CN" altLang="en-US" sz="2400" dirty="0"/>
                         <a:t>日志文件</a:t>
                       </a:r>
-                      <a:endParaRPr lang="zh-CN" altLang="en-US" sz="2400" dirty="0"/>
                     </a:p>
                   </a:txBody>
                   <a:tcPr/>
                 </a:tc>
+                <a:extLst>
+                  <a:ext uri="{0D108BD9-81ED-4DB2-BD59-A6C34878D82A}">
+                    <a16:rowId xmlns:a16="http://schemas.microsoft.com/office/drawing/2014/main" val="10002"/>
+                  </a:ext>
+                </a:extLst>
               </a:tr>
               <a:tr h="376229">
                 <a:tc>
@@ -36264,7 +36548,6 @@
                         <a:rPr lang="zh-CN" altLang="en-US" sz="2400" dirty="0"/>
                         <a:t>游戏实体类</a:t>
                       </a:r>
-                      <a:endParaRPr lang="zh-CN" altLang="en-US" sz="2400" dirty="0"/>
                     </a:p>
                   </a:txBody>
                   <a:tcPr/>
@@ -36285,11 +36568,15 @@
                         <a:rPr lang="zh-CN" altLang="en-US" sz="2400" dirty="0"/>
                         <a:t>防御塔，怪兽，子弹</a:t>
                       </a:r>
-                      <a:endParaRPr lang="zh-CN" altLang="en-US" sz="2400" dirty="0"/>
                     </a:p>
                   </a:txBody>
                   <a:tcPr/>
                 </a:tc>
+                <a:extLst>
+                  <a:ext uri="{0D108BD9-81ED-4DB2-BD59-A6C34878D82A}">
+                    <a16:rowId xmlns:a16="http://schemas.microsoft.com/office/drawing/2014/main" val="10003"/>
+                  </a:ext>
+                </a:extLst>
               </a:tr>
               <a:tr h="446251">
                 <a:tc>
@@ -36302,7 +36589,6 @@
                         <a:rPr lang="zh-CN" altLang="en-US" sz="2400" dirty="0"/>
                         <a:t>界面类</a:t>
                       </a:r>
-                      <a:endParaRPr lang="zh-CN" altLang="en-US" sz="2400" dirty="0"/>
                     </a:p>
                   </a:txBody>
                   <a:tcPr/>
@@ -36323,11 +36609,15 @@
                         <a:rPr lang="zh-CN" altLang="en-US" sz="2400" dirty="0"/>
                         <a:t>开始界面，信息界面，对话框</a:t>
                       </a:r>
-                      <a:endParaRPr lang="zh-CN" altLang="en-US" sz="2400" dirty="0"/>
                     </a:p>
                   </a:txBody>
                   <a:tcPr/>
                 </a:tc>
+                <a:extLst>
+                  <a:ext uri="{0D108BD9-81ED-4DB2-BD59-A6C34878D82A}">
+                    <a16:rowId xmlns:a16="http://schemas.microsoft.com/office/drawing/2014/main" val="10004"/>
+                  </a:ext>
+                </a:extLst>
               </a:tr>
               <a:tr h="370840">
                 <a:tc>
@@ -36340,7 +36630,6 @@
                         <a:rPr lang="zh-CN" altLang="en-US" sz="2400" dirty="0"/>
                         <a:t>特效类</a:t>
                       </a:r>
-                      <a:endParaRPr lang="zh-CN" altLang="en-US" sz="2400" dirty="0"/>
                     </a:p>
                   </a:txBody>
                   <a:tcPr/>
@@ -36361,11 +36650,15 @@
                         <a:rPr lang="zh-CN" altLang="en-US" sz="2400" dirty="0"/>
                         <a:t>声音（可选）</a:t>
                       </a:r>
-                      <a:endParaRPr lang="zh-CN" altLang="en-US" sz="2400" dirty="0"/>
                     </a:p>
                   </a:txBody>
                   <a:tcPr/>
                 </a:tc>
+                <a:extLst>
+                  <a:ext uri="{0D108BD9-81ED-4DB2-BD59-A6C34878D82A}">
+                    <a16:rowId xmlns:a16="http://schemas.microsoft.com/office/drawing/2014/main" val="10005"/>
+                  </a:ext>
+                </a:extLst>
               </a:tr>
             </a:tbl>
           </a:graphicData>
@@ -36399,7 +36692,7 @@
       <p:sp>
         <p:nvSpPr>
           <p:cNvPr id="7" name="流程图: 文档 6">
-            <a:hlinkClick r:id="rId1" action="ppaction://hlinksldjump"/>
+            <a:hlinkClick r:id="rId2" action="ppaction://hlinksldjump"/>
           </p:cNvPr>
           <p:cNvSpPr/>
           <p:nvPr/>
@@ -36462,7 +36755,6 @@
               <a:rPr lang="zh-CN" altLang="en-US" sz="2600" dirty="0"/>
               <a:t>规格估算</a:t>
             </a:r>
-            <a:endParaRPr lang="zh-CN" altLang="en-US" sz="2600" dirty="0"/>
           </a:p>
         </p:txBody>
       </p:sp>
@@ -36532,7 +36824,7 @@
         </p:xfrm>
         <a:graphic>
           <a:graphicData uri="http://schemas.openxmlformats.org/drawingml/2006/diagram">
-            <dgm:relIds xmlns:dgm="http://schemas.openxmlformats.org/drawingml/2006/diagram" xmlns:r="http://schemas.openxmlformats.org/officeDocument/2006/relationships" r:dm="rId2" r:lo="rId3" r:qs="rId4" r:cs="rId5"/>
+            <dgm:relIds xmlns:dgm="http://schemas.openxmlformats.org/drawingml/2006/diagram" xmlns:r="http://schemas.openxmlformats.org/officeDocument/2006/relationships" r:dm="rId3" r:lo="rId4" r:qs="rId5" r:cs="rId6"/>
           </a:graphicData>
         </a:graphic>
       </p:graphicFrame>
@@ -36570,7 +36862,7 @@
           <p:nvPr/>
         </p:nvPicPr>
         <p:blipFill>
-          <a:blip r:embed="rId1">
+          <a:blip r:embed="rId3">
             <a:extLst>
               <a:ext uri="{28A0092B-C50C-407E-A947-70E740481C1C}">
                 <a14:useLocalDpi xmlns:a14="http://schemas.microsoft.com/office/drawing/2010/main" val="0"/>
@@ -36623,13 +36915,6 @@
               </a:rPr>
               <a:t>谢谢</a:t>
             </a:r>
-            <a:endParaRPr lang="zh-CN" altLang="en-US" sz="8000" dirty="0">
-              <a:solidFill>
-                <a:schemeClr val="bg1"/>
-              </a:solidFill>
-              <a:latin typeface="微软雅黑" panose="020B0503020204020204" pitchFamily="34" charset="-122"/>
-              <a:ea typeface="微软雅黑" panose="020B0503020204020204" pitchFamily="34" charset="-122"/>
-            </a:endParaRPr>
           </a:p>
         </p:txBody>
       </p:sp>
@@ -36794,13 +37079,6 @@
               </a:rPr>
               <a:t>分</a:t>
             </a:r>
-            <a:endParaRPr lang="zh-CN" altLang="en-US" sz="2000" dirty="0">
-              <a:solidFill>
-                <a:schemeClr val="bg1"/>
-              </a:solidFill>
-              <a:latin typeface="微软雅黑" panose="020B0503020204020204" pitchFamily="34" charset="-122"/>
-              <a:ea typeface="微软雅黑" panose="020B0503020204020204" pitchFamily="34" charset="-122"/>
-            </a:endParaRPr>
           </a:p>
         </p:txBody>
       </p:sp>
@@ -36901,7 +37179,6 @@
               <a:rPr lang="zh-CN" altLang="en-US" sz="2600" dirty="0"/>
               <a:t>工具</a:t>
             </a:r>
-            <a:endParaRPr lang="zh-CN" altLang="en-US" sz="2600" dirty="0"/>
           </a:p>
         </p:txBody>
       </p:sp>
@@ -36931,7 +37208,7 @@
           </p:xfrm>
           <a:graphic>
             <a:graphicData uri="http://schemas.openxmlformats.org/drawingml/2006/diagram">
-              <dgm:relIds xmlns:dgm="http://schemas.openxmlformats.org/drawingml/2006/diagram" xmlns:r="http://schemas.openxmlformats.org/officeDocument/2006/relationships" r:dm="rId1" r:lo="rId2" r:qs="rId3" r:cs="rId4"/>
+              <dgm:relIds xmlns:dgm="http://schemas.openxmlformats.org/drawingml/2006/diagram" xmlns:r="http://schemas.openxmlformats.org/officeDocument/2006/relationships" r:dm="rId2" r:lo="rId3" r:qs="rId4" r:cs="rId5"/>
             </a:graphicData>
           </a:graphic>
         </p:graphicFrame>
@@ -37588,7 +37865,6 @@
               <a:rPr lang="zh-CN" altLang="en-US" sz="2600" dirty="0"/>
               <a:t>游戏设计</a:t>
             </a:r>
-            <a:endParaRPr lang="zh-CN" altLang="en-US" sz="2600" dirty="0"/>
           </a:p>
         </p:txBody>
       </p:sp>
@@ -37636,13 +37912,6 @@
               </a:rPr>
               <a:t>几款著名的塔防游戏</a:t>
             </a:r>
-            <a:endParaRPr lang="zh-CN" altLang="en-US" sz="2400" dirty="0">
-              <a:solidFill>
-                <a:srgbClr val="C00000"/>
-              </a:solidFill>
-              <a:latin typeface="微软雅黑" panose="020B0503020204020204" pitchFamily="34" charset="-122"/>
-              <a:ea typeface="微软雅黑" panose="020B0503020204020204" pitchFamily="34" charset="-122"/>
-            </a:endParaRPr>
           </a:p>
         </p:txBody>
       </p:sp>
@@ -37655,7 +37924,7 @@
           <p:nvPr/>
         </p:nvPicPr>
         <p:blipFill>
-          <a:blip r:embed="rId1">
+          <a:blip r:embed="rId2">
             <a:extLst>
               <a:ext uri="{28A0092B-C50C-407E-A947-70E740481C1C}">
                 <a14:useLocalDpi xmlns:a14="http://schemas.microsoft.com/office/drawing/2010/main" val="0"/>
@@ -37708,10 +37977,6 @@
               </a:rPr>
               <a:t>植物大战僵尸</a:t>
             </a:r>
-            <a:endParaRPr lang="zh-CN" altLang="en-US" sz="2000" b="1" dirty="0">
-              <a:latin typeface="微软雅黑" panose="020B0503020204020204" pitchFamily="34" charset="-122"/>
-              <a:ea typeface="微软雅黑" panose="020B0503020204020204" pitchFamily="34" charset="-122"/>
-            </a:endParaRPr>
           </a:p>
         </p:txBody>
       </p:sp>
@@ -37724,7 +37989,7 @@
           <p:nvPr/>
         </p:nvPicPr>
         <p:blipFill>
-          <a:blip r:embed="rId2">
+          <a:blip r:embed="rId3" cstate="print">
             <a:extLst>
               <a:ext uri="{28A0092B-C50C-407E-A947-70E740481C1C}">
                 <a14:useLocalDpi xmlns:a14="http://schemas.microsoft.com/office/drawing/2010/main" val="0"/>
@@ -37754,7 +38019,7 @@
           <p:nvPr/>
         </p:nvPicPr>
         <p:blipFill>
-          <a:blip r:embed="rId3">
+          <a:blip r:embed="rId4">
             <a:extLst>
               <a:ext uri="{28A0092B-C50C-407E-A947-70E740481C1C}">
                 <a14:useLocalDpi xmlns:a14="http://schemas.microsoft.com/office/drawing/2010/main" val="0"/>
@@ -37804,10 +38069,6 @@
               </a:rPr>
               <a:t>部落冲突</a:t>
             </a:r>
-            <a:endParaRPr lang="zh-CN" altLang="en-US" sz="2000" b="1" dirty="0">
-              <a:latin typeface="微软雅黑" panose="020B0503020204020204" pitchFamily="34" charset="-122"/>
-              <a:ea typeface="微软雅黑" panose="020B0503020204020204" pitchFamily="34" charset="-122"/>
-            </a:endParaRPr>
           </a:p>
         </p:txBody>
       </p:sp>
@@ -37840,10 +38101,6 @@
               </a:rPr>
               <a:t>保卫萝卜</a:t>
             </a:r>
-            <a:endParaRPr lang="zh-CN" altLang="en-US" sz="2000" b="1" dirty="0">
-              <a:latin typeface="微软雅黑" panose="020B0503020204020204" pitchFamily="34" charset="-122"/>
-              <a:ea typeface="微软雅黑" panose="020B0503020204020204" pitchFamily="34" charset="-122"/>
-            </a:endParaRPr>
           </a:p>
         </p:txBody>
       </p:sp>
@@ -38072,7 +38329,7 @@
           <p:nvPr/>
         </p:nvPicPr>
         <p:blipFill rotWithShape="1">
-          <a:blip r:embed="rId1"/>
+          <a:blip r:embed="rId2"/>
           <a:srcRect r="1" b="28290"/>
           <a:stretch>
             <a:fillRect/>
@@ -38132,13 +38389,6 @@
               </a:rPr>
               <a:t>界面原型</a:t>
             </a:r>
-            <a:endParaRPr lang="zh-CN" altLang="en-US" sz="2400" dirty="0">
-              <a:solidFill>
-                <a:srgbClr val="C00000"/>
-              </a:solidFill>
-              <a:latin typeface="微软雅黑" panose="020B0503020204020204" pitchFamily="34" charset="-122"/>
-              <a:ea typeface="微软雅黑" panose="020B0503020204020204" pitchFamily="34" charset="-122"/>
-            </a:endParaRPr>
           </a:p>
         </p:txBody>
       </p:sp>
@@ -38206,7 +38456,6 @@
               <a:rPr lang="zh-CN" altLang="en-US" sz="2600" dirty="0"/>
               <a:t>游戏设计</a:t>
             </a:r>
-            <a:endParaRPr lang="zh-CN" altLang="en-US" sz="2600" dirty="0"/>
           </a:p>
         </p:txBody>
       </p:sp>
@@ -38244,7 +38493,7 @@
           <p:nvPr/>
         </p:nvPicPr>
         <p:blipFill rotWithShape="1">
-          <a:blip r:embed="rId1"/>
+          <a:blip r:embed="rId2"/>
           <a:srcRect b="16045"/>
           <a:stretch>
             <a:fillRect/>
@@ -38298,7 +38547,6 @@
               <a:rPr lang="zh-CN" altLang="en-US" sz="2400" dirty="0"/>
               <a:t>信息栏</a:t>
             </a:r>
-            <a:endParaRPr lang="zh-CN" altLang="en-US" sz="2400" dirty="0"/>
           </a:p>
         </p:txBody>
       </p:sp>
@@ -38421,7 +38669,6 @@
               <a:rPr lang="zh-CN" altLang="en-US" sz="2400" dirty="0"/>
               <a:t>路线</a:t>
             </a:r>
-            <a:endParaRPr lang="zh-CN" altLang="en-US" sz="2400" dirty="0"/>
           </a:p>
         </p:txBody>
       </p:sp>
@@ -38775,7 +39022,6 @@
               <a:rPr lang="zh-CN" altLang="en-US" sz="2400" dirty="0"/>
               <a:t>障碍物</a:t>
             </a:r>
-            <a:endParaRPr lang="zh-CN" altLang="en-US" sz="2400" dirty="0"/>
           </a:p>
         </p:txBody>
       </p:sp>
@@ -38856,7 +39102,7 @@
           <p:nvPr/>
         </p:nvPicPr>
         <p:blipFill rotWithShape="1">
-          <a:blip r:embed="rId1"/>
+          <a:blip r:embed="rId2"/>
           <a:srcRect b="16045"/>
           <a:stretch>
             <a:fillRect/>
@@ -38956,7 +39202,6 @@
               <a:rPr lang="zh-CN" altLang="en-US" sz="2400" dirty="0"/>
               <a:t>现有的金币</a:t>
             </a:r>
-            <a:endParaRPr lang="zh-CN" altLang="en-US" sz="2400" dirty="0"/>
           </a:p>
         </p:txBody>
       </p:sp>
@@ -39079,7 +39324,6 @@
               <a:rPr lang="zh-CN" altLang="en-US" sz="2400" dirty="0"/>
               <a:t>怪兽</a:t>
             </a:r>
-            <a:endParaRPr lang="zh-CN" altLang="en-US" sz="2400" dirty="0"/>
           </a:p>
         </p:txBody>
       </p:sp>
@@ -39200,7 +39444,6 @@
               <a:rPr lang="zh-CN" altLang="en-US" sz="2400" dirty="0"/>
               <a:t>终点</a:t>
             </a:r>
-            <a:endParaRPr lang="zh-CN" altLang="en-US" sz="2400" dirty="0"/>
           </a:p>
         </p:txBody>
       </p:sp>
@@ -39321,7 +39564,6 @@
               <a:rPr lang="zh-CN" altLang="en-US" sz="2400" dirty="0"/>
               <a:t>障碍物</a:t>
             </a:r>
-            <a:endParaRPr lang="zh-CN" altLang="en-US" sz="2400" dirty="0"/>
           </a:p>
         </p:txBody>
       </p:sp>
@@ -39442,7 +39684,6 @@
               <a:rPr lang="zh-CN" altLang="en-US" sz="2400" dirty="0"/>
               <a:t>起点</a:t>
             </a:r>
-            <a:endParaRPr lang="zh-CN" altLang="en-US" sz="2400" dirty="0"/>
           </a:p>
         </p:txBody>
       </p:sp>
@@ -39565,7 +39806,6 @@
               <a:rPr lang="zh-CN" altLang="en-US" sz="2400" dirty="0"/>
               <a:t>游戏状态</a:t>
             </a:r>
-            <a:endParaRPr lang="zh-CN" altLang="en-US" sz="2400" dirty="0"/>
           </a:p>
         </p:txBody>
       </p:sp>
@@ -39686,7 +39926,6 @@
               <a:rPr lang="zh-CN" altLang="en-US" sz="2400" dirty="0"/>
               <a:t>游戏倍数及暂停</a:t>
             </a:r>
-            <a:endParaRPr lang="zh-CN" altLang="en-US" sz="2400" dirty="0"/>
           </a:p>
         </p:txBody>
       </p:sp>
@@ -39807,7 +40046,6 @@
               <a:rPr lang="zh-CN" altLang="en-US" sz="2400" dirty="0"/>
               <a:t>返回菜单</a:t>
             </a:r>
-            <a:endParaRPr lang="zh-CN" altLang="en-US" sz="2400" dirty="0"/>
           </a:p>
         </p:txBody>
       </p:sp>
@@ -39933,7 +40171,6 @@
               <a:rPr lang="zh-CN" altLang="en-US" sz="2600" dirty="0"/>
               <a:t>游戏设计</a:t>
             </a:r>
-            <a:endParaRPr lang="zh-CN" altLang="en-US" sz="2600" dirty="0"/>
           </a:p>
         </p:txBody>
       </p:sp>
@@ -39981,13 +40218,6 @@
               </a:rPr>
               <a:t>用户分析</a:t>
             </a:r>
-            <a:endParaRPr lang="zh-CN" altLang="en-US" sz="2400" dirty="0">
-              <a:solidFill>
-                <a:srgbClr val="C00000"/>
-              </a:solidFill>
-              <a:latin typeface="微软雅黑" panose="020B0503020204020204" pitchFamily="34" charset="-122"/>
-              <a:ea typeface="微软雅黑" panose="020B0503020204020204" pitchFamily="34" charset="-122"/>
-            </a:endParaRPr>
           </a:p>
         </p:txBody>
       </p:sp>
@@ -40075,19 +40305,6 @@
               </a:rPr>
               <a:t>偏向女性用户</a:t>
             </a:r>
-            <a:endParaRPr lang="zh-CN" altLang="en-US" sz="2400" dirty="0">
-              <a:ln w="0"/>
-              <a:solidFill>
-                <a:schemeClr val="tx1"/>
-              </a:solidFill>
-              <a:effectLst>
-                <a:outerShdw blurRad="38100" dist="19050" dir="2700000" algn="tl" rotWithShape="0">
-                  <a:schemeClr val="dk1">
-                    <a:alpha val="40000"/>
-                  </a:schemeClr>
-                </a:outerShdw>
-              </a:effectLst>
-            </a:endParaRPr>
           </a:p>
         </p:txBody>
       </p:sp>
@@ -40143,19 +40360,6 @@
               </a:rPr>
               <a:t>目标用户群</a:t>
             </a:r>
-            <a:endParaRPr lang="zh-CN" altLang="en-US" sz="2800" dirty="0">
-              <a:ln w="0"/>
-              <a:solidFill>
-                <a:schemeClr val="tx1"/>
-              </a:solidFill>
-              <a:effectLst>
-                <a:outerShdw blurRad="38100" dist="19050" dir="2700000" algn="tl" rotWithShape="0">
-                  <a:schemeClr val="dk1">
-                    <a:alpha val="40000"/>
-                  </a:schemeClr>
-                </a:outerShdw>
-              </a:effectLst>
-            </a:endParaRPr>
           </a:p>
         </p:txBody>
       </p:sp>
@@ -40244,19 +40448,6 @@
               </a:rPr>
               <a:t>杨枨老师</a:t>
             </a:r>
-            <a:endParaRPr lang="zh-CN" altLang="en-US" sz="2400" dirty="0">
-              <a:ln w="0"/>
-              <a:solidFill>
-                <a:schemeClr val="tx1"/>
-              </a:solidFill>
-              <a:effectLst>
-                <a:outerShdw blurRad="38100" dist="19050" dir="2700000" algn="tl" rotWithShape="0">
-                  <a:schemeClr val="dk1">
-                    <a:alpha val="40000"/>
-                  </a:schemeClr>
-                </a:outerShdw>
-              </a:effectLst>
-            </a:endParaRPr>
           </a:p>
         </p:txBody>
       </p:sp>
@@ -40312,19 +40503,6 @@
               </a:rPr>
               <a:t>用户代表</a:t>
             </a:r>
-            <a:endParaRPr lang="zh-CN" altLang="en-US" sz="2800" dirty="0">
-              <a:ln w="0"/>
-              <a:solidFill>
-                <a:schemeClr val="tx1"/>
-              </a:solidFill>
-              <a:effectLst>
-                <a:outerShdw blurRad="38100" dist="19050" dir="2700000" algn="tl" rotWithShape="0">
-                  <a:schemeClr val="dk1">
-                    <a:alpha val="40000"/>
-                  </a:schemeClr>
-                </a:outerShdw>
-              </a:effectLst>
-            </a:endParaRPr>
           </a:p>
         </p:txBody>
       </p:sp>
@@ -40450,7 +40628,6 @@
               <a:rPr lang="zh-CN" altLang="en-US" sz="2600" dirty="0"/>
               <a:t>游戏设计</a:t>
             </a:r>
-            <a:endParaRPr lang="zh-CN" altLang="en-US" sz="2600" dirty="0"/>
           </a:p>
         </p:txBody>
       </p:sp>
@@ -40466,7 +40643,7 @@
         </p:xfrm>
         <a:graphic>
           <a:graphicData uri="http://schemas.openxmlformats.org/drawingml/2006/diagram">
-            <dgm:relIds xmlns:dgm="http://schemas.openxmlformats.org/drawingml/2006/diagram" xmlns:r="http://schemas.openxmlformats.org/officeDocument/2006/relationships" r:dm="rId1" r:lo="rId2" r:qs="rId3" r:cs="rId4"/>
+            <dgm:relIds xmlns:dgm="http://schemas.openxmlformats.org/drawingml/2006/diagram" xmlns:r="http://schemas.openxmlformats.org/officeDocument/2006/relationships" r:dm="rId2" r:lo="rId3" r:qs="rId4" r:cs="rId5"/>
           </a:graphicData>
         </a:graphic>
       </p:graphicFrame>
@@ -40514,13 +40691,6 @@
               </a:rPr>
               <a:t>关卡难度控制</a:t>
             </a:r>
-            <a:endParaRPr lang="zh-CN" altLang="en-US" sz="2400" dirty="0">
-              <a:solidFill>
-                <a:srgbClr val="C00000"/>
-              </a:solidFill>
-              <a:latin typeface="微软雅黑" panose="020B0503020204020204" pitchFamily="34" charset="-122"/>
-              <a:ea typeface="微软雅黑" panose="020B0503020204020204" pitchFamily="34" charset="-122"/>
-            </a:endParaRPr>
           </a:p>
         </p:txBody>
       </p:sp>
@@ -40613,7 +40783,6 @@
               <a:rPr lang="zh-CN" altLang="en-US" sz="2600" dirty="0"/>
               <a:t>游戏设计</a:t>
             </a:r>
-            <a:endParaRPr lang="zh-CN" altLang="en-US" sz="2600" dirty="0"/>
           </a:p>
         </p:txBody>
       </p:sp>
@@ -40661,13 +40830,6 @@
               </a:rPr>
               <a:t>特殊设计</a:t>
             </a:r>
-            <a:endParaRPr lang="zh-CN" altLang="en-US" sz="2400" dirty="0">
-              <a:solidFill>
-                <a:srgbClr val="C00000"/>
-              </a:solidFill>
-              <a:latin typeface="微软雅黑" panose="020B0503020204020204" pitchFamily="34" charset="-122"/>
-              <a:ea typeface="微软雅黑" panose="020B0503020204020204" pitchFamily="34" charset="-122"/>
-            </a:endParaRPr>
           </a:p>
         </p:txBody>
       </p:sp>
@@ -40683,7 +40845,7 @@
         </p:xfrm>
         <a:graphic>
           <a:graphicData uri="http://schemas.openxmlformats.org/drawingml/2006/diagram">
-            <dgm:relIds xmlns:dgm="http://schemas.openxmlformats.org/drawingml/2006/diagram" xmlns:r="http://schemas.openxmlformats.org/officeDocument/2006/relationships" r:dm="rId1" r:lo="rId2" r:qs="rId3" r:cs="rId4"/>
+            <dgm:relIds xmlns:dgm="http://schemas.openxmlformats.org/drawingml/2006/diagram" xmlns:r="http://schemas.openxmlformats.org/officeDocument/2006/relationships" r:dm="rId2" r:lo="rId3" r:qs="rId4" r:cs="rId5"/>
           </a:graphicData>
         </a:graphic>
       </p:graphicFrame>
@@ -40946,6 +41108,8 @@
       </a:bgFillStyleLst>
     </a:fmtScheme>
   </a:themeElements>
+  <a:objectDefaults/>
+  <a:extraClrSchemeLst/>
   <a:extLst>
     <a:ext uri="{05A4C25C-085E-4340-85A3-A5531E510DB2}">
       <thm15:themeFamily xmlns:thm15="http://schemas.microsoft.com/office/thememl/2012/main" name="Office Theme" id="{62F939B6-93AF-4DB8-9C6B-D6C7DFDC589F}" vid="{4A3C46E8-61CC-4603-A589-7422A47A8E4A}"/>
@@ -41205,6 +41369,8 @@
       </a:bgFillStyleLst>
     </a:fmtScheme>
   </a:themeElements>
+  <a:objectDefaults/>
+  <a:extraClrSchemeLst/>
   <a:extLst>
     <a:ext uri="{05A4C25C-085E-4340-85A3-A5531E510DB2}">
       <thm15:themeFamily xmlns:thm15="http://schemas.microsoft.com/office/thememl/2012/main" name="Office Theme" id="{62F939B6-93AF-4DB8-9C6B-D6C7DFDC589F}" vid="{4A3C46E8-61CC-4603-A589-7422A47A8E4A}"/>
